--- a/정보처리기사/3. DB 구축.pptx
+++ b/정보처리기사/3. DB 구축.pptx
@@ -5,14 +5,20 @@
     <p:sldMasterId id="2147483648" r:id="rId1"/>
   </p:sldMasterIdLst>
   <p:notesMasterIdLst>
-    <p:notesMasterId r:id="rId4"/>
+    <p:notesMasterId r:id="rId10"/>
   </p:notesMasterIdLst>
   <p:handoutMasterIdLst>
-    <p:handoutMasterId r:id="rId5"/>
+    <p:handoutMasterId r:id="rId11"/>
   </p:handoutMasterIdLst>
   <p:sldIdLst>
     <p:sldId id="259" r:id="rId2"/>
-    <p:sldId id="258" r:id="rId3"/>
+    <p:sldId id="264" r:id="rId3"/>
+    <p:sldId id="258" r:id="rId4"/>
+    <p:sldId id="265" r:id="rId5"/>
+    <p:sldId id="266" r:id="rId6"/>
+    <p:sldId id="267" r:id="rId7"/>
+    <p:sldId id="268" r:id="rId8"/>
+    <p:sldId id="269" r:id="rId9"/>
   </p:sldIdLst>
   <p:sldSz cx="12192000" cy="6858000"/>
   <p:notesSz cx="9144000" cy="6858000"/>
@@ -112,6 +118,34 @@
     </a:lvl9pPr>
   </p:defaultTextStyle>
   <p:extLst>
+    <p:ext uri="{521415D9-36F7-43E2-AB2F-B90AF26B5E84}">
+      <p14:sectionLst xmlns:p14="http://schemas.microsoft.com/office/powerpoint/2010/main">
+        <p14:section name="기본 구역" id="{BFC97BA1-706A-4AF0-8C20-8D2631BC356D}">
+          <p14:sldIdLst>
+            <p14:sldId id="259"/>
+            <p14:sldId id="264"/>
+          </p14:sldIdLst>
+        </p14:section>
+        <p14:section name="Agenda" id="{973CF876-4644-4836-BCFF-37BDFBFF8DD4}">
+          <p14:sldIdLst>
+            <p14:sldId id="258"/>
+          </p14:sldIdLst>
+        </p14:section>
+        <p14:section name="SQL 응용 - 절차형 SQL 작성" id="{AE96ECED-F494-471B-9BF9-ABEB0BFD1876}">
+          <p14:sldIdLst>
+            <p14:sldId id="265"/>
+            <p14:sldId id="266"/>
+          </p14:sldIdLst>
+        </p14:section>
+        <p14:section name="SQL 응용 - 응용 SQL 작성" id="{F41364FF-C939-48AC-9E57-5CB3BD717DC7}">
+          <p14:sldIdLst>
+            <p14:sldId id="267"/>
+            <p14:sldId id="268"/>
+            <p14:sldId id="269"/>
+          </p14:sldIdLst>
+        </p14:section>
+      </p14:sectionLst>
+    </p:ext>
     <p:ext uri="{EFAFB233-063F-42B5-8137-9DF3F51BA10A}">
       <p15:sldGuideLst xmlns:p15="http://schemas.microsoft.com/office/powerpoint/2012/main"/>
     </p:ext>
@@ -3219,7 +3253,7 @@
           <p:cNvPr id="2" name="내용 개체 틀 1">
             <a:extLst>
               <a:ext uri="{FF2B5EF4-FFF2-40B4-BE49-F238E27FC236}">
-                <a16:creationId xmlns:a16="http://schemas.microsoft.com/office/drawing/2014/main" id="{1D4A7EAB-7A00-4315-B8A9-E832C0323BFF}"/>
+                <a16:creationId xmlns:a16="http://schemas.microsoft.com/office/drawing/2014/main" id="{1426B386-FE1C-44B6-8641-41A537FEAADA}"/>
               </a:ext>
             </a:extLst>
           </p:cNvPr>
@@ -3235,7 +3269,27 @@
           <a:bodyPr/>
           <a:lstStyle/>
           <a:p>
-            <a:endParaRPr lang="ko-KR" altLang="en-US"/>
+            <a:r>
+              <a:rPr lang="ko-KR" altLang="en-US" dirty="0"/>
+              <a:t>출처</a:t>
+            </a:r>
+            <a:endParaRPr lang="en-US" altLang="ko-KR" dirty="0"/>
+          </a:p>
+          <a:p>
+            <a:pPr lvl="1"/>
+            <a:r>
+              <a:rPr lang="ko-KR" altLang="en-US" dirty="0"/>
+              <a:t>수제비 </a:t>
+            </a:r>
+            <a:r>
+              <a:rPr lang="en-US" altLang="ko-KR" dirty="0"/>
+              <a:t>2021 </a:t>
+            </a:r>
+            <a:r>
+              <a:rPr lang="ko-KR" altLang="en-US" dirty="0"/>
+              <a:t>정보처리기사</a:t>
+            </a:r>
+            <a:endParaRPr lang="en-US" altLang="ko-KR" dirty="0"/>
           </a:p>
         </p:txBody>
       </p:sp>
@@ -3244,7 +3298,7 @@
           <p:cNvPr id="3" name="제목 2">
             <a:extLst>
               <a:ext uri="{FF2B5EF4-FFF2-40B4-BE49-F238E27FC236}">
-                <a16:creationId xmlns:a16="http://schemas.microsoft.com/office/drawing/2014/main" id="{575CD2F3-D68E-42C0-A497-3A09DD294C59}"/>
+                <a16:creationId xmlns:a16="http://schemas.microsoft.com/office/drawing/2014/main" id="{61F91E94-9945-4AEE-945D-986E14EEAFB7}"/>
               </a:ext>
             </a:extLst>
           </p:cNvPr>
@@ -3260,7 +3314,11 @@
           <a:bodyPr/>
           <a:lstStyle/>
           <a:p>
-            <a:endParaRPr lang="ko-KR" altLang="en-US"/>
+            <a:r>
+              <a:rPr lang="en-US" altLang="ko-KR" dirty="0"/>
+              <a:t>Note</a:t>
+            </a:r>
+            <a:endParaRPr lang="ko-KR" altLang="en-US" dirty="0"/>
           </a:p>
         </p:txBody>
       </p:sp>
@@ -3269,7 +3327,7 @@
           <p:cNvPr id="4" name="내용 개체 틀 3">
             <a:extLst>
               <a:ext uri="{FF2B5EF4-FFF2-40B4-BE49-F238E27FC236}">
-                <a16:creationId xmlns:a16="http://schemas.microsoft.com/office/drawing/2014/main" id="{D1054A49-3610-4880-9D87-0A90CDB56FC6}"/>
+                <a16:creationId xmlns:a16="http://schemas.microsoft.com/office/drawing/2014/main" id="{CBDB1370-2AC1-4507-832E-2CBC76C82010}"/>
               </a:ext>
             </a:extLst>
           </p:cNvPr>
@@ -3294,7 +3352,7 @@
           <p:cNvPr id="5" name="슬라이드 번호 개체 틀 4">
             <a:extLst>
               <a:ext uri="{FF2B5EF4-FFF2-40B4-BE49-F238E27FC236}">
-                <a16:creationId xmlns:a16="http://schemas.microsoft.com/office/drawing/2014/main" id="{5BB739E4-051C-48B6-97AB-49EF322C9791}"/>
+                <a16:creationId xmlns:a16="http://schemas.microsoft.com/office/drawing/2014/main" id="{4654957B-68BB-4707-B331-6D2FCCB8092D}"/>
               </a:ext>
             </a:extLst>
           </p:cNvPr>
@@ -3323,7 +3381,7 @@
           <p:cNvPr id="6" name="바닥글 개체 틀 5">
             <a:extLst>
               <a:ext uri="{FF2B5EF4-FFF2-40B4-BE49-F238E27FC236}">
-                <a16:creationId xmlns:a16="http://schemas.microsoft.com/office/drawing/2014/main" id="{76CABED7-F4FD-4DCF-B159-E94767EEAA08}"/>
+                <a16:creationId xmlns:a16="http://schemas.microsoft.com/office/drawing/2014/main" id="{BDBE369A-05B2-4AFF-A04D-DA3D29D6A0BC}"/>
               </a:ext>
             </a:extLst>
           </p:cNvPr>
@@ -3353,7 +3411,7 @@
           <p:cNvPr id="7" name="날짜 개체 틀 6">
             <a:extLst>
               <a:ext uri="{FF2B5EF4-FFF2-40B4-BE49-F238E27FC236}">
-                <a16:creationId xmlns:a16="http://schemas.microsoft.com/office/drawing/2014/main" id="{E73E57CD-74DC-4AE2-9A6C-AD3A3B949D95}"/>
+                <a16:creationId xmlns:a16="http://schemas.microsoft.com/office/drawing/2014/main" id="{BE2986C5-837A-41EA-B728-D7B1B34EFD88}"/>
               </a:ext>
             </a:extLst>
           </p:cNvPr>
@@ -3380,7 +3438,3367 @@
     </p:spTree>
     <p:extLst>
       <p:ext uri="{BB962C8B-B14F-4D97-AF65-F5344CB8AC3E}">
+        <p14:creationId xmlns:p14="http://schemas.microsoft.com/office/powerpoint/2010/main" val="2990559732"/>
+      </p:ext>
+    </p:extLst>
+  </p:cSld>
+  <p:clrMapOvr>
+    <a:masterClrMapping/>
+  </p:clrMapOvr>
+</p:sld>
+</file>
+
+<file path=ppt/slides/slide3.xml><?xml version="1.0" encoding="utf-8"?>
+<p:sld xmlns:a="http://schemas.openxmlformats.org/drawingml/2006/main" xmlns:r="http://schemas.openxmlformats.org/officeDocument/2006/relationships" xmlns:p="http://schemas.openxmlformats.org/presentationml/2006/main">
+  <p:cSld>
+    <p:spTree>
+      <p:nvGrpSpPr>
+        <p:cNvPr id="1" name=""/>
+        <p:cNvGrpSpPr/>
+        <p:nvPr/>
+      </p:nvGrpSpPr>
+      <p:grpSpPr>
+        <a:xfrm>
+          <a:off x="0" y="0"/>
+          <a:ext cx="0" cy="0"/>
+          <a:chOff x="0" y="0"/>
+          <a:chExt cx="0" cy="0"/>
+        </a:xfrm>
+      </p:grpSpPr>
+      <p:sp>
+        <p:nvSpPr>
+          <p:cNvPr id="2" name="내용 개체 틀 1">
+            <a:extLst>
+              <a:ext uri="{FF2B5EF4-FFF2-40B4-BE49-F238E27FC236}">
+                <a16:creationId xmlns:a16="http://schemas.microsoft.com/office/drawing/2014/main" id="{1D4A7EAB-7A00-4315-B8A9-E832C0323BFF}"/>
+              </a:ext>
+            </a:extLst>
+          </p:cNvPr>
+          <p:cNvSpPr>
+            <a:spLocks noGrp="1"/>
+          </p:cNvSpPr>
+          <p:nvPr>
+            <p:ph sz="half" idx="14"/>
+          </p:nvPr>
+        </p:nvSpPr>
+        <p:spPr/>
+        <p:txBody>
+          <a:bodyPr/>
+          <a:lstStyle/>
+          <a:p>
+            <a:r>
+              <a:rPr lang="en-US" altLang="ko-KR" dirty="0"/>
+              <a:t>SQL </a:t>
+            </a:r>
+            <a:r>
+              <a:rPr lang="ko-KR" altLang="en-US" dirty="0"/>
+              <a:t>응용</a:t>
+            </a:r>
+            <a:endParaRPr lang="en-US" altLang="ko-KR" dirty="0"/>
+          </a:p>
+          <a:p>
+            <a:pPr lvl="1"/>
+            <a:r>
+              <a:rPr lang="ko-KR" altLang="en-US" dirty="0"/>
+              <a:t>절차형 </a:t>
+            </a:r>
+            <a:r>
+              <a:rPr lang="en-US" altLang="ko-KR" dirty="0"/>
+              <a:t>SQL </a:t>
+            </a:r>
+            <a:r>
+              <a:rPr lang="ko-KR" altLang="en-US" dirty="0"/>
+              <a:t>작성</a:t>
+            </a:r>
+            <a:endParaRPr lang="en-US" altLang="ko-KR" dirty="0"/>
+          </a:p>
+          <a:p>
+            <a:pPr lvl="1"/>
+            <a:r>
+              <a:rPr lang="ko-KR" altLang="en-US" dirty="0"/>
+              <a:t>응용 </a:t>
+            </a:r>
+            <a:r>
+              <a:rPr lang="en-US" altLang="ko-KR" dirty="0"/>
+              <a:t>SQL </a:t>
+            </a:r>
+            <a:r>
+              <a:rPr lang="ko-KR" altLang="en-US" dirty="0"/>
+              <a:t>작성</a:t>
+            </a:r>
+          </a:p>
+        </p:txBody>
+      </p:sp>
+      <p:sp>
+        <p:nvSpPr>
+          <p:cNvPr id="3" name="제목 2">
+            <a:extLst>
+              <a:ext uri="{FF2B5EF4-FFF2-40B4-BE49-F238E27FC236}">
+                <a16:creationId xmlns:a16="http://schemas.microsoft.com/office/drawing/2014/main" id="{575CD2F3-D68E-42C0-A497-3A09DD294C59}"/>
+              </a:ext>
+            </a:extLst>
+          </p:cNvPr>
+          <p:cNvSpPr>
+            <a:spLocks noGrp="1"/>
+          </p:cNvSpPr>
+          <p:nvPr>
+            <p:ph type="title"/>
+          </p:nvPr>
+        </p:nvSpPr>
+        <p:spPr/>
+        <p:txBody>
+          <a:bodyPr/>
+          <a:lstStyle/>
+          <a:p>
+            <a:r>
+              <a:rPr lang="en-US" altLang="ko-KR" dirty="0"/>
+              <a:t>3. DB </a:t>
+            </a:r>
+            <a:r>
+              <a:rPr lang="ko-KR" altLang="en-US" dirty="0"/>
+              <a:t>구축</a:t>
+            </a:r>
+          </a:p>
+        </p:txBody>
+      </p:sp>
+      <p:sp>
+        <p:nvSpPr>
+          <p:cNvPr id="4" name="내용 개체 틀 3">
+            <a:extLst>
+              <a:ext uri="{FF2B5EF4-FFF2-40B4-BE49-F238E27FC236}">
+                <a16:creationId xmlns:a16="http://schemas.microsoft.com/office/drawing/2014/main" id="{D1054A49-3610-4880-9D87-0A90CDB56FC6}"/>
+              </a:ext>
+            </a:extLst>
+          </p:cNvPr>
+          <p:cNvSpPr>
+            <a:spLocks noGrp="1"/>
+          </p:cNvSpPr>
+          <p:nvPr>
+            <p:ph sz="half" idx="2"/>
+          </p:nvPr>
+        </p:nvSpPr>
+        <p:spPr/>
+        <p:txBody>
+          <a:bodyPr/>
+          <a:lstStyle/>
+          <a:p>
+            <a:endParaRPr lang="ko-KR" altLang="en-US"/>
+          </a:p>
+        </p:txBody>
+      </p:sp>
+      <p:sp>
+        <p:nvSpPr>
+          <p:cNvPr id="5" name="슬라이드 번호 개체 틀 4">
+            <a:extLst>
+              <a:ext uri="{FF2B5EF4-FFF2-40B4-BE49-F238E27FC236}">
+                <a16:creationId xmlns:a16="http://schemas.microsoft.com/office/drawing/2014/main" id="{5BB739E4-051C-48B6-97AB-49EF322C9791}"/>
+              </a:ext>
+            </a:extLst>
+          </p:cNvPr>
+          <p:cNvSpPr>
+            <a:spLocks noGrp="1"/>
+          </p:cNvSpPr>
+          <p:nvPr>
+            <p:ph type="sldNum" sz="quarter" idx="12"/>
+          </p:nvPr>
+        </p:nvSpPr>
+        <p:spPr/>
+        <p:txBody>
+          <a:bodyPr/>
+          <a:lstStyle/>
+          <a:p>
+            <a:fld id="{89BED30C-66D9-4104-96BC-081A506F0CF0}" type="slidenum">
+              <a:rPr lang="ko-KR" altLang="en-US" smtClean="0"/>
+              <a:t>3</a:t>
+            </a:fld>
+            <a:endParaRPr lang="ko-KR" altLang="en-US"/>
+          </a:p>
+        </p:txBody>
+      </p:sp>
+      <p:sp>
+        <p:nvSpPr>
+          <p:cNvPr id="6" name="바닥글 개체 틀 5">
+            <a:extLst>
+              <a:ext uri="{FF2B5EF4-FFF2-40B4-BE49-F238E27FC236}">
+                <a16:creationId xmlns:a16="http://schemas.microsoft.com/office/drawing/2014/main" id="{76CABED7-F4FD-4DCF-B159-E94767EEAA08}"/>
+              </a:ext>
+            </a:extLst>
+          </p:cNvPr>
+          <p:cNvSpPr>
+            <a:spLocks noGrp="1"/>
+          </p:cNvSpPr>
+          <p:nvPr>
+            <p:ph type="ftr" sz="quarter" idx="3"/>
+          </p:nvPr>
+        </p:nvSpPr>
+        <p:spPr/>
+        <p:txBody>
+          <a:bodyPr/>
+          <a:lstStyle/>
+          <a:p>
+            <a:pPr algn="l"/>
+            <a:r>
+              <a:rPr lang="en-US" altLang="ko-KR"/>
+              <a:t>Nibble</a:t>
+            </a:r>
+            <a:endParaRPr lang="ko-KR" altLang="en-US" dirty="0"/>
+          </a:p>
+        </p:txBody>
+      </p:sp>
+      <p:sp>
+        <p:nvSpPr>
+          <p:cNvPr id="7" name="날짜 개체 틀 6">
+            <a:extLst>
+              <a:ext uri="{FF2B5EF4-FFF2-40B4-BE49-F238E27FC236}">
+                <a16:creationId xmlns:a16="http://schemas.microsoft.com/office/drawing/2014/main" id="{E73E57CD-74DC-4AE2-9A6C-AD3A3B949D95}"/>
+              </a:ext>
+            </a:extLst>
+          </p:cNvPr>
+          <p:cNvSpPr>
+            <a:spLocks noGrp="1"/>
+          </p:cNvSpPr>
+          <p:nvPr>
+            <p:ph type="dt" sz="half" idx="13"/>
+          </p:nvPr>
+        </p:nvSpPr>
+        <p:spPr/>
+        <p:txBody>
+          <a:bodyPr/>
+          <a:lstStyle/>
+          <a:p>
+            <a:fld id="{B226B4E6-2447-4D67-A511-B13A2182F919}" type="datetime5">
+              <a:rPr lang="ko-KR" altLang="en-US" smtClean="0"/>
+              <a:t>2021/8/2</a:t>
+            </a:fld>
+            <a:endParaRPr lang="ko-KR" altLang="en-US" dirty="0"/>
+          </a:p>
+        </p:txBody>
+      </p:sp>
+    </p:spTree>
+    <p:extLst>
+      <p:ext uri="{BB962C8B-B14F-4D97-AF65-F5344CB8AC3E}">
         <p14:creationId xmlns:p14="http://schemas.microsoft.com/office/powerpoint/2010/main" val="3523267945"/>
+      </p:ext>
+    </p:extLst>
+  </p:cSld>
+  <p:clrMapOvr>
+    <a:masterClrMapping/>
+  </p:clrMapOvr>
+</p:sld>
+</file>
+
+<file path=ppt/slides/slide4.xml><?xml version="1.0" encoding="utf-8"?>
+<p:sld xmlns:a="http://schemas.openxmlformats.org/drawingml/2006/main" xmlns:r="http://schemas.openxmlformats.org/officeDocument/2006/relationships" xmlns:p="http://schemas.openxmlformats.org/presentationml/2006/main">
+  <p:cSld>
+    <p:spTree>
+      <p:nvGrpSpPr>
+        <p:cNvPr id="1" name=""/>
+        <p:cNvGrpSpPr/>
+        <p:nvPr/>
+      </p:nvGrpSpPr>
+      <p:grpSpPr>
+        <a:xfrm>
+          <a:off x="0" y="0"/>
+          <a:ext cx="0" cy="0"/>
+          <a:chOff x="0" y="0"/>
+          <a:chExt cx="0" cy="0"/>
+        </a:xfrm>
+      </p:grpSpPr>
+      <p:sp>
+        <p:nvSpPr>
+          <p:cNvPr id="2" name="내용 개체 틀 1">
+            <a:extLst>
+              <a:ext uri="{FF2B5EF4-FFF2-40B4-BE49-F238E27FC236}">
+                <a16:creationId xmlns:a16="http://schemas.microsoft.com/office/drawing/2014/main" id="{00B3FC75-34FB-4A91-ACE5-C53AA033C9ED}"/>
+              </a:ext>
+            </a:extLst>
+          </p:cNvPr>
+          <p:cNvSpPr>
+            <a:spLocks noGrp="1"/>
+          </p:cNvSpPr>
+          <p:nvPr>
+            <p:ph sz="half" idx="14"/>
+          </p:nvPr>
+        </p:nvSpPr>
+        <p:spPr/>
+        <p:txBody>
+          <a:bodyPr/>
+          <a:lstStyle/>
+          <a:p>
+            <a:r>
+              <a:rPr lang="ko-KR" altLang="en-US" dirty="0"/>
+              <a:t>트리거</a:t>
+            </a:r>
+            <a:endParaRPr lang="en-US" altLang="ko-KR" dirty="0"/>
+          </a:p>
+          <a:p>
+            <a:pPr lvl="1"/>
+            <a:r>
+              <a:rPr lang="ko-KR" altLang="en-US" dirty="0"/>
+              <a:t>정의</a:t>
+            </a:r>
+            <a:endParaRPr lang="en-US" altLang="ko-KR" dirty="0"/>
+          </a:p>
+          <a:p>
+            <a:pPr lvl="2"/>
+            <a:r>
+              <a:rPr lang="en-US" altLang="ko-KR" dirty="0"/>
+              <a:t>DB</a:t>
+            </a:r>
+            <a:r>
+              <a:rPr lang="ko-KR" altLang="en-US" dirty="0"/>
+              <a:t>에서 이벤트가 발생시 관련 작업을 자동으로 수행</a:t>
+            </a:r>
+            <a:endParaRPr lang="en-US" altLang="ko-KR" dirty="0"/>
+          </a:p>
+          <a:p>
+            <a:pPr lvl="1"/>
+            <a:r>
+              <a:rPr lang="ko-KR" altLang="en-US" dirty="0"/>
+              <a:t>구성</a:t>
+            </a:r>
+            <a:endParaRPr lang="en-US" altLang="ko-KR" dirty="0"/>
+          </a:p>
+          <a:p>
+            <a:pPr lvl="2"/>
+            <a:r>
+              <a:rPr lang="ko-KR" altLang="en-US" dirty="0"/>
+              <a:t>선언 부</a:t>
+            </a:r>
+            <a:r>
+              <a:rPr lang="en-US" altLang="ko-KR" dirty="0"/>
+              <a:t>: </a:t>
+            </a:r>
+            <a:r>
+              <a:rPr lang="ko-KR" altLang="en-US" dirty="0"/>
+              <a:t>이름</a:t>
+            </a:r>
+            <a:endParaRPr lang="en-US" altLang="ko-KR" dirty="0"/>
+          </a:p>
+          <a:p>
+            <a:pPr lvl="2"/>
+            <a:r>
+              <a:rPr lang="ko-KR" altLang="en-US" dirty="0"/>
+              <a:t>이벤트 부</a:t>
+            </a:r>
+            <a:r>
+              <a:rPr lang="en-US" altLang="ko-KR" dirty="0"/>
+              <a:t>: </a:t>
+            </a:r>
+            <a:r>
+              <a:rPr lang="ko-KR" altLang="en-US" dirty="0"/>
+              <a:t>받으면 </a:t>
+            </a:r>
+            <a:r>
+              <a:rPr lang="en-US" altLang="ko-KR" dirty="0"/>
+              <a:t>SQL </a:t>
+            </a:r>
+            <a:r>
+              <a:rPr lang="ko-KR" altLang="en-US" dirty="0"/>
+              <a:t>실행하는 이벤트</a:t>
+            </a:r>
+            <a:endParaRPr lang="en-US" altLang="ko-KR" dirty="0"/>
+          </a:p>
+          <a:p>
+            <a:pPr lvl="2"/>
+            <a:r>
+              <a:rPr lang="ko-KR" altLang="en-US" dirty="0"/>
+              <a:t>시작</a:t>
+            </a:r>
+            <a:r>
+              <a:rPr lang="en-US" altLang="ko-KR" dirty="0"/>
+              <a:t>/</a:t>
+            </a:r>
+            <a:r>
+              <a:rPr lang="ko-KR" altLang="en-US" dirty="0"/>
+              <a:t>종료 부</a:t>
+            </a:r>
+            <a:r>
+              <a:rPr lang="en-US" altLang="ko-KR" dirty="0"/>
+              <a:t>:  BEGIN/END</a:t>
+            </a:r>
+            <a:r>
+              <a:rPr lang="ko-KR" altLang="en-US" dirty="0"/>
+              <a:t> 표시</a:t>
+            </a:r>
+            <a:endParaRPr lang="en-US" altLang="ko-KR" dirty="0"/>
+          </a:p>
+          <a:p>
+            <a:pPr lvl="2"/>
+            <a:r>
+              <a:rPr lang="ko-KR" altLang="en-US" dirty="0"/>
+              <a:t>제어 부</a:t>
+            </a:r>
+            <a:r>
+              <a:rPr lang="en-US" altLang="ko-KR" dirty="0"/>
+              <a:t>: </a:t>
+            </a:r>
+            <a:r>
+              <a:rPr lang="ko-KR" altLang="en-US" dirty="0"/>
+              <a:t>조건문</a:t>
+            </a:r>
+            <a:r>
+              <a:rPr lang="en-US" altLang="ko-KR" dirty="0"/>
+              <a:t>, </a:t>
+            </a:r>
+            <a:r>
+              <a:rPr lang="ko-KR" altLang="en-US" dirty="0"/>
+              <a:t>반복문 등</a:t>
+            </a:r>
+            <a:endParaRPr lang="en-US" altLang="ko-KR" dirty="0"/>
+          </a:p>
+          <a:p>
+            <a:pPr lvl="2"/>
+            <a:r>
+              <a:rPr lang="en-US" altLang="ko-KR" dirty="0"/>
+              <a:t>SQL</a:t>
+            </a:r>
+          </a:p>
+          <a:p>
+            <a:pPr lvl="2"/>
+            <a:r>
+              <a:rPr lang="ko-KR" altLang="en-US" dirty="0"/>
+              <a:t>예외 부</a:t>
+            </a:r>
+            <a:r>
+              <a:rPr lang="en-US" altLang="ko-KR" dirty="0"/>
+              <a:t>: </a:t>
+            </a:r>
+            <a:r>
+              <a:rPr lang="ko-KR" altLang="en-US" dirty="0"/>
+              <a:t>예외</a:t>
+            </a:r>
+            <a:r>
+              <a:rPr lang="en-US" altLang="ko-KR" dirty="0"/>
+              <a:t> </a:t>
+            </a:r>
+            <a:r>
+              <a:rPr lang="ko-KR" altLang="en-US" dirty="0"/>
+              <a:t>발생시 처리 방법 정의</a:t>
+            </a:r>
+            <a:endParaRPr lang="en-US" altLang="ko-KR" dirty="0"/>
+          </a:p>
+          <a:p>
+            <a:r>
+              <a:rPr lang="ko-KR" altLang="en-US" dirty="0"/>
+              <a:t>이벤트</a:t>
+            </a:r>
+            <a:endParaRPr lang="en-US" altLang="ko-KR" dirty="0"/>
+          </a:p>
+          <a:p>
+            <a:pPr lvl="1"/>
+            <a:r>
+              <a:rPr lang="ko-KR" altLang="en-US" dirty="0"/>
+              <a:t>정의</a:t>
+            </a:r>
+            <a:r>
+              <a:rPr lang="en-US" altLang="ko-KR" dirty="0"/>
+              <a:t>: </a:t>
+            </a:r>
+            <a:r>
+              <a:rPr lang="ko-KR" altLang="en-US" dirty="0"/>
+              <a:t>특정</a:t>
+            </a:r>
+            <a:r>
+              <a:rPr lang="en-US" altLang="ko-KR" dirty="0"/>
+              <a:t> </a:t>
+            </a:r>
+            <a:r>
+              <a:rPr lang="ko-KR" altLang="en-US" dirty="0"/>
+              <a:t>시간에 함수 등을 실행시키는 기능</a:t>
+            </a:r>
+            <a:endParaRPr lang="en-US" altLang="ko-KR" dirty="0"/>
+          </a:p>
+          <a:p>
+            <a:pPr lvl="1"/>
+            <a:endParaRPr lang="ko-KR" altLang="en-US" dirty="0"/>
+          </a:p>
+          <a:p>
+            <a:pPr lvl="2"/>
+            <a:endParaRPr lang="ko-KR" altLang="en-US" dirty="0"/>
+          </a:p>
+        </p:txBody>
+      </p:sp>
+      <p:sp>
+        <p:nvSpPr>
+          <p:cNvPr id="3" name="제목 2">
+            <a:extLst>
+              <a:ext uri="{FF2B5EF4-FFF2-40B4-BE49-F238E27FC236}">
+                <a16:creationId xmlns:a16="http://schemas.microsoft.com/office/drawing/2014/main" id="{476681DB-5E5E-42C6-9895-3764FA8DF859}"/>
+              </a:ext>
+            </a:extLst>
+          </p:cNvPr>
+          <p:cNvSpPr>
+            <a:spLocks noGrp="1"/>
+          </p:cNvSpPr>
+          <p:nvPr>
+            <p:ph type="title"/>
+          </p:nvPr>
+        </p:nvSpPr>
+        <p:spPr/>
+        <p:txBody>
+          <a:bodyPr/>
+          <a:lstStyle/>
+          <a:p>
+            <a:r>
+              <a:rPr lang="ko-KR" altLang="en-US" dirty="0"/>
+              <a:t>트리거</a:t>
+            </a:r>
+          </a:p>
+        </p:txBody>
+      </p:sp>
+      <p:pic>
+        <p:nvPicPr>
+          <p:cNvPr id="9" name="내용 개체 틀 8" descr="텍스트이(가) 표시된 사진&#10;&#10;자동 생성된 설명">
+            <a:extLst>
+              <a:ext uri="{FF2B5EF4-FFF2-40B4-BE49-F238E27FC236}">
+                <a16:creationId xmlns:a16="http://schemas.microsoft.com/office/drawing/2014/main" id="{B1C07924-7B8A-4C7F-BB2E-0F1628C150D8}"/>
+              </a:ext>
+            </a:extLst>
+          </p:cNvPr>
+          <p:cNvPicPr>
+            <a:picLocks noGrp="1" noChangeAspect="1"/>
+          </p:cNvPicPr>
+          <p:nvPr>
+            <p:ph sz="half" idx="2"/>
+          </p:nvPr>
+        </p:nvPicPr>
+        <p:blipFill>
+          <a:blip r:embed="rId2"/>
+          <a:stretch>
+            <a:fillRect/>
+          </a:stretch>
+        </p:blipFill>
+        <p:spPr>
+          <a:xfrm>
+            <a:off x="6172200" y="1501366"/>
+            <a:ext cx="5181600" cy="4426768"/>
+          </a:xfrm>
+        </p:spPr>
+      </p:pic>
+      <p:sp>
+        <p:nvSpPr>
+          <p:cNvPr id="5" name="슬라이드 번호 개체 틀 4">
+            <a:extLst>
+              <a:ext uri="{FF2B5EF4-FFF2-40B4-BE49-F238E27FC236}">
+                <a16:creationId xmlns:a16="http://schemas.microsoft.com/office/drawing/2014/main" id="{3F28BACF-5F2F-47AE-A084-8F91B0F86AEC}"/>
+              </a:ext>
+            </a:extLst>
+          </p:cNvPr>
+          <p:cNvSpPr>
+            <a:spLocks noGrp="1"/>
+          </p:cNvSpPr>
+          <p:nvPr>
+            <p:ph type="sldNum" sz="quarter" idx="12"/>
+          </p:nvPr>
+        </p:nvSpPr>
+        <p:spPr/>
+        <p:txBody>
+          <a:bodyPr/>
+          <a:lstStyle/>
+          <a:p>
+            <a:fld id="{89BED30C-66D9-4104-96BC-081A506F0CF0}" type="slidenum">
+              <a:rPr lang="ko-KR" altLang="en-US" smtClean="0"/>
+              <a:t>4</a:t>
+            </a:fld>
+            <a:endParaRPr lang="ko-KR" altLang="en-US"/>
+          </a:p>
+        </p:txBody>
+      </p:sp>
+      <p:sp>
+        <p:nvSpPr>
+          <p:cNvPr id="6" name="바닥글 개체 틀 5">
+            <a:extLst>
+              <a:ext uri="{FF2B5EF4-FFF2-40B4-BE49-F238E27FC236}">
+                <a16:creationId xmlns:a16="http://schemas.microsoft.com/office/drawing/2014/main" id="{EA10F592-AA86-4445-B48F-0D975BCE9D42}"/>
+              </a:ext>
+            </a:extLst>
+          </p:cNvPr>
+          <p:cNvSpPr>
+            <a:spLocks noGrp="1"/>
+          </p:cNvSpPr>
+          <p:nvPr>
+            <p:ph type="ftr" sz="quarter" idx="3"/>
+          </p:nvPr>
+        </p:nvSpPr>
+        <p:spPr/>
+        <p:txBody>
+          <a:bodyPr/>
+          <a:lstStyle/>
+          <a:p>
+            <a:pPr algn="l"/>
+            <a:r>
+              <a:rPr lang="en-US" altLang="ko-KR"/>
+              <a:t>Nibble</a:t>
+            </a:r>
+            <a:endParaRPr lang="ko-KR" altLang="en-US" dirty="0"/>
+          </a:p>
+        </p:txBody>
+      </p:sp>
+      <p:sp>
+        <p:nvSpPr>
+          <p:cNvPr id="7" name="날짜 개체 틀 6">
+            <a:extLst>
+              <a:ext uri="{FF2B5EF4-FFF2-40B4-BE49-F238E27FC236}">
+                <a16:creationId xmlns:a16="http://schemas.microsoft.com/office/drawing/2014/main" id="{38697AD2-6184-44E8-8961-A6481A443720}"/>
+              </a:ext>
+            </a:extLst>
+          </p:cNvPr>
+          <p:cNvSpPr>
+            <a:spLocks noGrp="1"/>
+          </p:cNvSpPr>
+          <p:nvPr>
+            <p:ph type="dt" sz="half" idx="13"/>
+          </p:nvPr>
+        </p:nvSpPr>
+        <p:spPr/>
+        <p:txBody>
+          <a:bodyPr/>
+          <a:lstStyle/>
+          <a:p>
+            <a:fld id="{B226B4E6-2447-4D67-A511-B13A2182F919}" type="datetime5">
+              <a:rPr lang="ko-KR" altLang="en-US" smtClean="0"/>
+              <a:t>2021/8/2</a:t>
+            </a:fld>
+            <a:endParaRPr lang="ko-KR" altLang="en-US" dirty="0"/>
+          </a:p>
+        </p:txBody>
+      </p:sp>
+      <p:pic>
+        <p:nvPicPr>
+          <p:cNvPr id="11" name="그림 10" descr="텍스트이(가) 표시된 사진&#10;&#10;자동 생성된 설명">
+            <a:extLst>
+              <a:ext uri="{FF2B5EF4-FFF2-40B4-BE49-F238E27FC236}">
+                <a16:creationId xmlns:a16="http://schemas.microsoft.com/office/drawing/2014/main" id="{AB52B469-C6C6-4D5E-A9C7-66487AE7B0CA}"/>
+              </a:ext>
+            </a:extLst>
+          </p:cNvPr>
+          <p:cNvPicPr>
+            <a:picLocks noChangeAspect="1"/>
+          </p:cNvPicPr>
+          <p:nvPr/>
+        </p:nvPicPr>
+        <p:blipFill>
+          <a:blip r:embed="rId3"/>
+          <a:stretch>
+            <a:fillRect/>
+          </a:stretch>
+        </p:blipFill>
+        <p:spPr>
+          <a:xfrm>
+            <a:off x="2038156" y="4500470"/>
+            <a:ext cx="2781688" cy="1343212"/>
+          </a:xfrm>
+          <a:prstGeom prst="rect">
+            <a:avLst/>
+          </a:prstGeom>
+        </p:spPr>
+      </p:pic>
+    </p:spTree>
+    <p:extLst>
+      <p:ext uri="{BB962C8B-B14F-4D97-AF65-F5344CB8AC3E}">
+        <p14:creationId xmlns:p14="http://schemas.microsoft.com/office/powerpoint/2010/main" val="1708010148"/>
+      </p:ext>
+    </p:extLst>
+  </p:cSld>
+  <p:clrMapOvr>
+    <a:masterClrMapping/>
+  </p:clrMapOvr>
+</p:sld>
+</file>
+
+<file path=ppt/slides/slide5.xml><?xml version="1.0" encoding="utf-8"?>
+<p:sld xmlns:a="http://schemas.openxmlformats.org/drawingml/2006/main" xmlns:r="http://schemas.openxmlformats.org/officeDocument/2006/relationships" xmlns:p="http://schemas.openxmlformats.org/presentationml/2006/main">
+  <p:cSld>
+    <p:spTree>
+      <p:nvGrpSpPr>
+        <p:cNvPr id="1" name=""/>
+        <p:cNvGrpSpPr/>
+        <p:nvPr/>
+      </p:nvGrpSpPr>
+      <p:grpSpPr>
+        <a:xfrm>
+          <a:off x="0" y="0"/>
+          <a:ext cx="0" cy="0"/>
+          <a:chOff x="0" y="0"/>
+          <a:chExt cx="0" cy="0"/>
+        </a:xfrm>
+      </p:grpSpPr>
+      <p:sp>
+        <p:nvSpPr>
+          <p:cNvPr id="2" name="내용 개체 틀 1">
+            <a:extLst>
+              <a:ext uri="{FF2B5EF4-FFF2-40B4-BE49-F238E27FC236}">
+                <a16:creationId xmlns:a16="http://schemas.microsoft.com/office/drawing/2014/main" id="{09584553-8B9E-4F2F-9F6A-A3391B000744}"/>
+              </a:ext>
+            </a:extLst>
+          </p:cNvPr>
+          <p:cNvSpPr>
+            <a:spLocks noGrp="1"/>
+          </p:cNvSpPr>
+          <p:nvPr>
+            <p:ph sz="half" idx="14"/>
+          </p:nvPr>
+        </p:nvSpPr>
+        <p:spPr/>
+        <p:txBody>
+          <a:bodyPr/>
+          <a:lstStyle/>
+          <a:p>
+            <a:r>
+              <a:rPr lang="en-US" altLang="ko-KR" dirty="0"/>
+              <a:t>SQL</a:t>
+            </a:r>
+            <a:r>
+              <a:rPr lang="ko-KR" altLang="en-US" dirty="0"/>
+              <a:t> 문법</a:t>
+            </a:r>
+            <a:endParaRPr lang="en-US" altLang="ko-KR" dirty="0"/>
+          </a:p>
+          <a:p>
+            <a:pPr lvl="1"/>
+            <a:r>
+              <a:rPr lang="ko-KR" altLang="en-US" dirty="0"/>
+              <a:t>정의</a:t>
+            </a:r>
+            <a:r>
+              <a:rPr lang="en-US" altLang="ko-KR" dirty="0"/>
+              <a:t>: DB</a:t>
+            </a:r>
+            <a:r>
+              <a:rPr lang="ko-KR" altLang="en-US" dirty="0"/>
+              <a:t>를 접근하고 조작하는데 적용되는 규칙</a:t>
+            </a:r>
+            <a:endParaRPr lang="en-US" altLang="ko-KR" dirty="0"/>
+          </a:p>
+          <a:p>
+            <a:pPr lvl="1"/>
+            <a:r>
+              <a:rPr lang="ko-KR" altLang="en-US" dirty="0"/>
+              <a:t>종류</a:t>
+            </a:r>
+            <a:endParaRPr lang="en-US" altLang="ko-KR" dirty="0"/>
+          </a:p>
+          <a:p>
+            <a:pPr lvl="2"/>
+            <a:r>
+              <a:rPr lang="en-US" altLang="ko-KR" dirty="0"/>
+              <a:t>DDL (Data Definition Language)</a:t>
+            </a:r>
+          </a:p>
+          <a:p>
+            <a:pPr lvl="3"/>
+            <a:r>
+              <a:rPr lang="ko-KR" altLang="en-US" dirty="0"/>
+              <a:t>데이터를 정의하는 언어</a:t>
+            </a:r>
+            <a:endParaRPr lang="en-US" altLang="ko-KR" dirty="0"/>
+          </a:p>
+          <a:p>
+            <a:pPr lvl="2"/>
+            <a:r>
+              <a:rPr lang="en-US" altLang="ko-KR" dirty="0"/>
+              <a:t>DML (Data Manipulate Language)</a:t>
+            </a:r>
+          </a:p>
+          <a:p>
+            <a:pPr lvl="3"/>
+            <a:r>
+              <a:rPr lang="ko-KR" altLang="en-US" dirty="0"/>
+              <a:t>데이터를 조작하는 언어</a:t>
+            </a:r>
+            <a:endParaRPr lang="en-US" altLang="ko-KR" dirty="0"/>
+          </a:p>
+          <a:p>
+            <a:pPr lvl="2"/>
+            <a:r>
+              <a:rPr lang="en-US" altLang="ko-KR" dirty="0"/>
+              <a:t>DCL (Data Control Language)</a:t>
+            </a:r>
+          </a:p>
+          <a:p>
+            <a:pPr lvl="3"/>
+            <a:r>
+              <a:rPr lang="ko-KR" altLang="en-US" dirty="0"/>
+              <a:t>데이터를 제어하는 언어</a:t>
+            </a:r>
+            <a:endParaRPr lang="en-US" altLang="ko-KR" dirty="0"/>
+          </a:p>
+          <a:p>
+            <a:pPr lvl="1"/>
+            <a:r>
+              <a:rPr lang="en-US" altLang="ko-KR" dirty="0"/>
+              <a:t>WHERE </a:t>
+            </a:r>
+            <a:r>
+              <a:rPr lang="ko-KR" altLang="en-US" dirty="0"/>
+              <a:t>조건</a:t>
+            </a:r>
+            <a:endParaRPr lang="en-US" altLang="ko-KR" dirty="0"/>
+          </a:p>
+          <a:p>
+            <a:pPr lvl="2"/>
+            <a:r>
+              <a:rPr lang="ko-KR" altLang="en-US" dirty="0"/>
+              <a:t>비교</a:t>
+            </a:r>
+            <a:r>
+              <a:rPr lang="en-US" altLang="ko-KR" dirty="0"/>
+              <a:t>: price &lt; 1000, price == 400</a:t>
+            </a:r>
+          </a:p>
+          <a:p>
+            <a:pPr lvl="2"/>
+            <a:r>
+              <a:rPr lang="ko-KR" altLang="en-US" dirty="0"/>
+              <a:t>범위</a:t>
+            </a:r>
+            <a:r>
+              <a:rPr lang="en-US" altLang="ko-KR" dirty="0"/>
+              <a:t>: price </a:t>
+            </a:r>
+            <a:r>
+              <a:rPr lang="en-US" altLang="ko-KR" dirty="0">
+                <a:solidFill>
+                  <a:schemeClr val="accent2"/>
+                </a:solidFill>
+              </a:rPr>
+              <a:t>BETWEEN</a:t>
+            </a:r>
+            <a:r>
+              <a:rPr lang="en-US" altLang="ko-KR" dirty="0"/>
+              <a:t> 200 </a:t>
+            </a:r>
+            <a:r>
+              <a:rPr lang="en-US" altLang="ko-KR" dirty="0">
+                <a:solidFill>
+                  <a:schemeClr val="accent2"/>
+                </a:solidFill>
+              </a:rPr>
+              <a:t>AND</a:t>
+            </a:r>
+            <a:r>
+              <a:rPr lang="en-US" altLang="ko-KR" dirty="0"/>
+              <a:t> 500</a:t>
+            </a:r>
+          </a:p>
+          <a:p>
+            <a:pPr lvl="3"/>
+            <a:r>
+              <a:rPr lang="en-US" altLang="ko-KR" dirty="0"/>
+              <a:t>BETWEEN</a:t>
+            </a:r>
+            <a:r>
+              <a:rPr lang="ko-KR" altLang="en-US" dirty="0"/>
+              <a:t>은 해당 숫자 포함 </a:t>
+            </a:r>
+            <a:endParaRPr lang="en-US" altLang="ko-KR" dirty="0"/>
+          </a:p>
+          <a:p>
+            <a:pPr lvl="2"/>
+            <a:r>
+              <a:rPr lang="ko-KR" altLang="en-US" dirty="0"/>
+              <a:t>집합</a:t>
+            </a:r>
+            <a:r>
+              <a:rPr lang="en-US" altLang="ko-KR" dirty="0"/>
+              <a:t>: price </a:t>
+            </a:r>
+            <a:r>
+              <a:rPr lang="en-US" altLang="ko-KR" dirty="0">
+                <a:solidFill>
+                  <a:schemeClr val="accent2"/>
+                </a:solidFill>
+              </a:rPr>
+              <a:t>IN</a:t>
+            </a:r>
+            <a:r>
+              <a:rPr lang="en-US" altLang="ko-KR" dirty="0"/>
+              <a:t> (200, 300, 400)</a:t>
+            </a:r>
+          </a:p>
+          <a:p>
+            <a:pPr lvl="2"/>
+            <a:r>
+              <a:rPr lang="ko-KR" altLang="en-US" dirty="0"/>
+              <a:t>패턴</a:t>
+            </a:r>
+            <a:r>
+              <a:rPr lang="en-US" altLang="ko-KR" dirty="0"/>
+              <a:t>: name </a:t>
+            </a:r>
+            <a:r>
+              <a:rPr lang="en-US" altLang="ko-KR" dirty="0">
+                <a:solidFill>
+                  <a:schemeClr val="accent2"/>
+                </a:solidFill>
+              </a:rPr>
+              <a:t>LIKE</a:t>
+            </a:r>
+            <a:r>
+              <a:rPr lang="en-US" altLang="ko-KR" dirty="0"/>
+              <a:t> ‘</a:t>
+            </a:r>
+            <a:r>
+              <a:rPr lang="ko-KR" altLang="en-US" dirty="0"/>
+              <a:t>정상</a:t>
+            </a:r>
+            <a:r>
+              <a:rPr lang="en-US" altLang="ko-KR" dirty="0"/>
+              <a:t>%’</a:t>
+            </a:r>
+          </a:p>
+          <a:p>
+            <a:pPr lvl="2"/>
+            <a:r>
+              <a:rPr lang="en-US" altLang="ko-KR" dirty="0"/>
+              <a:t>NULL: price</a:t>
+            </a:r>
+            <a:r>
+              <a:rPr lang="ko-KR" altLang="en-US" dirty="0"/>
+              <a:t> </a:t>
+            </a:r>
+            <a:r>
+              <a:rPr lang="en-US" altLang="ko-KR" dirty="0">
+                <a:solidFill>
+                  <a:schemeClr val="accent2"/>
+                </a:solidFill>
+              </a:rPr>
+              <a:t>IS</a:t>
+            </a:r>
+            <a:r>
+              <a:rPr lang="ko-KR" altLang="en-US" dirty="0"/>
+              <a:t> </a:t>
+            </a:r>
+            <a:r>
+              <a:rPr lang="en-US" altLang="ko-KR" dirty="0">
+                <a:solidFill>
+                  <a:schemeClr val="accent2"/>
+                </a:solidFill>
+              </a:rPr>
+              <a:t>NULL</a:t>
+            </a:r>
+            <a:r>
+              <a:rPr lang="en-US" altLang="ko-KR" dirty="0"/>
+              <a:t>,</a:t>
+            </a:r>
+            <a:r>
+              <a:rPr lang="ko-KR" altLang="en-US" dirty="0"/>
+              <a:t> </a:t>
+            </a:r>
+            <a:r>
+              <a:rPr lang="en-US" altLang="ko-KR" dirty="0"/>
+              <a:t>price</a:t>
+            </a:r>
+            <a:r>
+              <a:rPr lang="ko-KR" altLang="en-US" dirty="0"/>
+              <a:t> </a:t>
+            </a:r>
+            <a:r>
+              <a:rPr lang="en-US" altLang="ko-KR" dirty="0">
+                <a:solidFill>
+                  <a:schemeClr val="accent2"/>
+                </a:solidFill>
+              </a:rPr>
+              <a:t>IS</a:t>
+            </a:r>
+            <a:r>
+              <a:rPr lang="ko-KR" altLang="en-US" dirty="0"/>
+              <a:t> </a:t>
+            </a:r>
+            <a:r>
+              <a:rPr lang="en-US" altLang="ko-KR" dirty="0">
+                <a:solidFill>
+                  <a:schemeClr val="accent2"/>
+                </a:solidFill>
+              </a:rPr>
+              <a:t>NOT</a:t>
+            </a:r>
+            <a:r>
+              <a:rPr lang="ko-KR" altLang="en-US" dirty="0"/>
+              <a:t> </a:t>
+            </a:r>
+            <a:r>
+              <a:rPr lang="en-US" altLang="ko-KR" dirty="0">
+                <a:solidFill>
+                  <a:schemeClr val="accent2"/>
+                </a:solidFill>
+              </a:rPr>
+              <a:t>NULL</a:t>
+            </a:r>
+          </a:p>
+          <a:p>
+            <a:pPr lvl="2"/>
+            <a:r>
+              <a:rPr lang="ko-KR" altLang="en-US" dirty="0"/>
+              <a:t>복합 조건</a:t>
+            </a:r>
+            <a:r>
+              <a:rPr lang="en-US" altLang="ko-KR" dirty="0"/>
+              <a:t>: </a:t>
+            </a:r>
+            <a:r>
+              <a:rPr lang="en-US" altLang="ko-KR" dirty="0">
+                <a:solidFill>
+                  <a:schemeClr val="accent2"/>
+                </a:solidFill>
+              </a:rPr>
+              <a:t>AND</a:t>
+            </a:r>
+            <a:r>
+              <a:rPr lang="en-US" altLang="ko-KR" dirty="0"/>
+              <a:t>, </a:t>
+            </a:r>
+            <a:r>
+              <a:rPr lang="en-US" altLang="ko-KR" dirty="0">
+                <a:solidFill>
+                  <a:schemeClr val="accent2"/>
+                </a:solidFill>
+              </a:rPr>
+              <a:t>OR</a:t>
+            </a:r>
+            <a:r>
+              <a:rPr lang="en-US" altLang="ko-KR" dirty="0"/>
+              <a:t>, </a:t>
+            </a:r>
+            <a:r>
+              <a:rPr lang="en-US" altLang="ko-KR" dirty="0">
+                <a:solidFill>
+                  <a:schemeClr val="accent2"/>
+                </a:solidFill>
+              </a:rPr>
+              <a:t>NOT</a:t>
+            </a:r>
+          </a:p>
+          <a:p>
+            <a:pPr lvl="1"/>
+            <a:endParaRPr lang="en-US" altLang="ko-KR" dirty="0"/>
+          </a:p>
+          <a:p>
+            <a:pPr lvl="2"/>
+            <a:endParaRPr lang="en-US" altLang="ko-KR" dirty="0"/>
+          </a:p>
+        </p:txBody>
+      </p:sp>
+      <p:sp>
+        <p:nvSpPr>
+          <p:cNvPr id="3" name="제목 2">
+            <a:extLst>
+              <a:ext uri="{FF2B5EF4-FFF2-40B4-BE49-F238E27FC236}">
+                <a16:creationId xmlns:a16="http://schemas.microsoft.com/office/drawing/2014/main" id="{1BC7A1FC-9E09-4C26-8592-1F460416B509}"/>
+              </a:ext>
+            </a:extLst>
+          </p:cNvPr>
+          <p:cNvSpPr>
+            <a:spLocks noGrp="1"/>
+          </p:cNvSpPr>
+          <p:nvPr>
+            <p:ph type="title"/>
+          </p:nvPr>
+        </p:nvSpPr>
+        <p:spPr/>
+        <p:txBody>
+          <a:bodyPr/>
+          <a:lstStyle/>
+          <a:p>
+            <a:r>
+              <a:rPr lang="en-US" altLang="ko-KR" dirty="0"/>
+              <a:t>SQL</a:t>
+            </a:r>
+            <a:r>
+              <a:rPr lang="ko-KR" altLang="en-US" dirty="0"/>
+              <a:t> 문법</a:t>
+            </a:r>
+          </a:p>
+        </p:txBody>
+      </p:sp>
+      <p:sp>
+        <p:nvSpPr>
+          <p:cNvPr id="4" name="내용 개체 틀 3">
+            <a:extLst>
+              <a:ext uri="{FF2B5EF4-FFF2-40B4-BE49-F238E27FC236}">
+                <a16:creationId xmlns:a16="http://schemas.microsoft.com/office/drawing/2014/main" id="{4EC43B70-B6C6-4746-BB20-B1BC8A84DA6E}"/>
+              </a:ext>
+            </a:extLst>
+          </p:cNvPr>
+          <p:cNvSpPr>
+            <a:spLocks noGrp="1"/>
+          </p:cNvSpPr>
+          <p:nvPr>
+            <p:ph sz="half" idx="2"/>
+          </p:nvPr>
+        </p:nvSpPr>
+        <p:spPr/>
+        <p:txBody>
+          <a:bodyPr/>
+          <a:lstStyle/>
+          <a:p>
+            <a:endParaRPr lang="en-US" altLang="ko-KR" dirty="0"/>
+          </a:p>
+          <a:p>
+            <a:pPr lvl="1"/>
+            <a:r>
+              <a:rPr lang="en-US" altLang="ko-KR" dirty="0"/>
+              <a:t>LIKE + </a:t>
+            </a:r>
+            <a:r>
+              <a:rPr lang="ko-KR" altLang="en-US" dirty="0"/>
+              <a:t>와일드 문자</a:t>
+            </a:r>
+            <a:endParaRPr lang="en-US" altLang="ko-KR" dirty="0"/>
+          </a:p>
+          <a:p>
+            <a:pPr lvl="2"/>
+            <a:r>
+              <a:rPr lang="en-US" altLang="ko-KR" dirty="0"/>
+              <a:t>+ : </a:t>
+            </a:r>
+            <a:r>
+              <a:rPr lang="ko-KR" altLang="en-US" dirty="0"/>
+              <a:t>문자열을</a:t>
+            </a:r>
+            <a:r>
+              <a:rPr lang="en-US" altLang="ko-KR" dirty="0"/>
+              <a:t> </a:t>
+            </a:r>
+            <a:r>
+              <a:rPr lang="ko-KR" altLang="en-US" dirty="0"/>
+              <a:t>연결</a:t>
+            </a:r>
+            <a:endParaRPr lang="en-US" altLang="ko-KR" dirty="0"/>
+          </a:p>
+          <a:p>
+            <a:pPr lvl="3"/>
+            <a:r>
+              <a:rPr lang="en-US" altLang="ko-KR" dirty="0"/>
+              <a:t>‘</a:t>
+            </a:r>
+            <a:r>
+              <a:rPr lang="ko-KR" altLang="en-US" dirty="0"/>
+              <a:t>축구</a:t>
+            </a:r>
+            <a:r>
+              <a:rPr lang="en-US" altLang="ko-KR" dirty="0"/>
+              <a:t>’ + ‘</a:t>
+            </a:r>
+            <a:r>
+              <a:rPr lang="ko-KR" altLang="en-US" dirty="0"/>
+              <a:t>감독</a:t>
+            </a:r>
+            <a:r>
+              <a:rPr lang="en-US" altLang="ko-KR" dirty="0"/>
+              <a:t>’ : ‘</a:t>
+            </a:r>
+            <a:r>
+              <a:rPr lang="ko-KR" altLang="en-US" dirty="0"/>
+              <a:t>축구감독</a:t>
+            </a:r>
+            <a:r>
+              <a:rPr lang="en-US" altLang="ko-KR" dirty="0"/>
+              <a:t>’</a:t>
+            </a:r>
+          </a:p>
+          <a:p>
+            <a:pPr lvl="2"/>
+            <a:r>
+              <a:rPr lang="en-US" altLang="ko-KR" dirty="0"/>
+              <a:t>%: N</a:t>
+            </a:r>
+            <a:r>
+              <a:rPr lang="ko-KR" altLang="en-US" dirty="0"/>
+              <a:t>개의 문자열과 일치</a:t>
+            </a:r>
+            <a:endParaRPr lang="en-US" altLang="ko-KR" dirty="0"/>
+          </a:p>
+          <a:p>
+            <a:pPr lvl="3"/>
+            <a:r>
+              <a:rPr lang="en-US" altLang="ko-KR" dirty="0"/>
+              <a:t>LIKE ‘</a:t>
+            </a:r>
+            <a:r>
+              <a:rPr lang="ko-KR" altLang="en-US" dirty="0"/>
+              <a:t>축구</a:t>
+            </a:r>
+            <a:r>
+              <a:rPr lang="en-US" altLang="ko-KR" dirty="0"/>
+              <a:t>%’ : </a:t>
+            </a:r>
+            <a:r>
+              <a:rPr lang="ko-KR" altLang="en-US" dirty="0"/>
+              <a:t>축구로</a:t>
+            </a:r>
+            <a:r>
+              <a:rPr lang="en-US" altLang="ko-KR" dirty="0"/>
+              <a:t> </a:t>
+            </a:r>
+            <a:r>
+              <a:rPr lang="ko-KR" altLang="en-US" dirty="0"/>
+              <a:t>시작하는 문자열</a:t>
+            </a:r>
+            <a:endParaRPr lang="en-US" altLang="ko-KR" dirty="0"/>
+          </a:p>
+          <a:p>
+            <a:pPr lvl="2"/>
+            <a:r>
+              <a:rPr lang="en-US" altLang="ko-KR" dirty="0"/>
+              <a:t>[]: 1</a:t>
+            </a:r>
+            <a:r>
+              <a:rPr lang="ko-KR" altLang="en-US" dirty="0"/>
+              <a:t>개의 문자열과 일치</a:t>
+            </a:r>
+            <a:endParaRPr lang="en-US" altLang="ko-KR" dirty="0"/>
+          </a:p>
+          <a:p>
+            <a:pPr lvl="3"/>
+            <a:r>
+              <a:rPr lang="en-US" altLang="ko-KR" dirty="0"/>
+              <a:t>‘[0-8]%’ : 0~8</a:t>
+            </a:r>
+            <a:r>
+              <a:rPr lang="ko-KR" altLang="en-US" dirty="0"/>
+              <a:t>로 시작하는 문자열</a:t>
+            </a:r>
+            <a:endParaRPr lang="en-US" altLang="ko-KR" dirty="0"/>
+          </a:p>
+          <a:p>
+            <a:pPr lvl="2"/>
+            <a:r>
+              <a:rPr lang="en-US" altLang="ko-KR" dirty="0"/>
+              <a:t>[^]: 1</a:t>
+            </a:r>
+            <a:r>
+              <a:rPr lang="ko-KR" altLang="en-US" dirty="0"/>
+              <a:t>개의 문자열과 불일치</a:t>
+            </a:r>
+            <a:endParaRPr lang="en-US" altLang="ko-KR" dirty="0"/>
+          </a:p>
+          <a:p>
+            <a:pPr lvl="3"/>
+            <a:r>
+              <a:rPr lang="en-US" altLang="ko-KR" dirty="0"/>
+              <a:t>‘[^0-8]%’ : 0~8</a:t>
+            </a:r>
+            <a:r>
+              <a:rPr lang="ko-KR" altLang="en-US" dirty="0"/>
+              <a:t>로 시작하지않는 문자열</a:t>
+            </a:r>
+            <a:endParaRPr lang="en-US" altLang="ko-KR" dirty="0"/>
+          </a:p>
+          <a:p>
+            <a:pPr lvl="2"/>
+            <a:r>
+              <a:rPr lang="en-US" altLang="ko-KR" dirty="0"/>
+              <a:t>-: </a:t>
+            </a:r>
+            <a:r>
+              <a:rPr lang="ko-KR" altLang="en-US" dirty="0"/>
+              <a:t>특정 위치의 문자 </a:t>
+            </a:r>
+            <a:r>
+              <a:rPr lang="en-US" altLang="ko-KR" dirty="0"/>
+              <a:t>1</a:t>
+            </a:r>
+            <a:r>
+              <a:rPr lang="ko-KR" altLang="en-US" dirty="0"/>
+              <a:t>개와 일치</a:t>
+            </a:r>
+            <a:endParaRPr lang="en-US" altLang="ko-KR" dirty="0"/>
+          </a:p>
+          <a:p>
+            <a:pPr lvl="3"/>
+            <a:r>
+              <a:rPr lang="en-US" altLang="ko-KR" dirty="0"/>
+              <a:t>‘_</a:t>
+            </a:r>
+            <a:r>
+              <a:rPr lang="ko-KR" altLang="en-US" dirty="0"/>
+              <a:t>구</a:t>
+            </a:r>
+            <a:r>
+              <a:rPr lang="en-US" altLang="ko-KR" dirty="0"/>
+              <a:t>%’ : 2</a:t>
+            </a:r>
+            <a:r>
+              <a:rPr lang="ko-KR" altLang="en-US" dirty="0"/>
+              <a:t>번째 글자가 </a:t>
+            </a:r>
+            <a:r>
+              <a:rPr lang="en-US" altLang="ko-KR" dirty="0"/>
+              <a:t>‘</a:t>
+            </a:r>
+            <a:r>
+              <a:rPr lang="ko-KR" altLang="en-US" dirty="0"/>
+              <a:t>구</a:t>
+            </a:r>
+            <a:r>
+              <a:rPr lang="en-US" altLang="ko-KR" dirty="0"/>
+              <a:t>’</a:t>
+            </a:r>
+            <a:r>
+              <a:rPr lang="ko-KR" altLang="en-US" dirty="0"/>
+              <a:t>인 문자열</a:t>
+            </a:r>
+            <a:endParaRPr lang="en-US" altLang="ko-KR" dirty="0"/>
+          </a:p>
+          <a:p>
+            <a:pPr lvl="1"/>
+            <a:r>
+              <a:rPr lang="ko-KR" altLang="en-US" dirty="0"/>
+              <a:t>주석 처리</a:t>
+            </a:r>
+            <a:endParaRPr lang="en-US" altLang="ko-KR" dirty="0"/>
+          </a:p>
+          <a:p>
+            <a:pPr lvl="2"/>
+            <a:r>
+              <a:rPr lang="en-US" altLang="ko-KR" dirty="0"/>
+              <a:t>-- </a:t>
+            </a:r>
+            <a:r>
+              <a:rPr lang="ko-KR" altLang="en-US" dirty="0"/>
+              <a:t>문장 </a:t>
+            </a:r>
+            <a:r>
+              <a:rPr lang="en-US" altLang="ko-KR" dirty="0"/>
+              <a:t>: -- </a:t>
+            </a:r>
+            <a:r>
+              <a:rPr lang="ko-KR" altLang="en-US" dirty="0"/>
+              <a:t>우측 문장이 주석 처리됨</a:t>
+            </a:r>
+            <a:endParaRPr lang="en-US" altLang="ko-KR" dirty="0"/>
+          </a:p>
+          <a:p>
+            <a:pPr lvl="2"/>
+            <a:r>
+              <a:rPr lang="en-US" altLang="ko-KR" dirty="0"/>
+              <a:t>/* </a:t>
+            </a:r>
+            <a:r>
+              <a:rPr lang="ko-KR" altLang="en-US" dirty="0"/>
+              <a:t>문장 </a:t>
+            </a:r>
+            <a:r>
+              <a:rPr lang="en-US" altLang="ko-KR" dirty="0"/>
+              <a:t>*/ : </a:t>
+            </a:r>
+            <a:r>
+              <a:rPr lang="ko-KR" altLang="en-US" dirty="0"/>
+              <a:t>중간 문장이 주석 처리됨</a:t>
+            </a:r>
+            <a:endParaRPr lang="en-US" altLang="ko-KR" dirty="0"/>
+          </a:p>
+          <a:p>
+            <a:pPr lvl="1"/>
+            <a:r>
+              <a:rPr lang="en-US" altLang="ko-KR" dirty="0"/>
+              <a:t>SQL</a:t>
+            </a:r>
+            <a:r>
+              <a:rPr lang="ko-KR" altLang="en-US" dirty="0"/>
+              <a:t> </a:t>
+            </a:r>
+            <a:r>
+              <a:rPr lang="en-US" altLang="ko-KR" dirty="0"/>
+              <a:t>HINT</a:t>
+            </a:r>
+          </a:p>
+          <a:p>
+            <a:pPr lvl="2"/>
+            <a:r>
+              <a:rPr lang="en-US" altLang="ko-KR" dirty="0"/>
+              <a:t>SQL </a:t>
+            </a:r>
+            <a:r>
+              <a:rPr lang="ko-KR" altLang="en-US" dirty="0"/>
+              <a:t>실행의 성능 향상을 위한 정보</a:t>
+            </a:r>
+            <a:endParaRPr lang="en-US" altLang="ko-KR" dirty="0"/>
+          </a:p>
+          <a:p>
+            <a:pPr lvl="2"/>
+            <a:r>
+              <a:rPr lang="en-US" altLang="ko-KR" dirty="0"/>
+              <a:t>--+ </a:t>
+            </a:r>
+            <a:r>
+              <a:rPr lang="ko-KR" altLang="en-US" dirty="0"/>
+              <a:t>힌트 명</a:t>
+            </a:r>
+            <a:r>
+              <a:rPr lang="en-US" altLang="ko-KR" dirty="0"/>
+              <a:t>(</a:t>
+            </a:r>
+            <a:r>
+              <a:rPr lang="ko-KR" altLang="en-US" dirty="0"/>
+              <a:t>파라미터</a:t>
+            </a:r>
+            <a:r>
+              <a:rPr lang="en-US" altLang="ko-KR" dirty="0"/>
+              <a:t>…)</a:t>
+            </a:r>
+          </a:p>
+          <a:p>
+            <a:pPr lvl="2"/>
+            <a:r>
+              <a:rPr lang="en-US" altLang="ko-KR" dirty="0"/>
+              <a:t>/*+ </a:t>
+            </a:r>
+            <a:r>
+              <a:rPr lang="ko-KR" altLang="en-US" dirty="0"/>
+              <a:t>힌트 명</a:t>
+            </a:r>
+            <a:r>
+              <a:rPr lang="en-US" altLang="ko-KR" dirty="0"/>
+              <a:t>(</a:t>
+            </a:r>
+            <a:r>
+              <a:rPr lang="ko-KR" altLang="en-US" dirty="0"/>
+              <a:t>파라미터</a:t>
+            </a:r>
+            <a:r>
+              <a:rPr lang="en-US" altLang="ko-KR" dirty="0"/>
+              <a:t>…) */</a:t>
+            </a:r>
+          </a:p>
+          <a:p>
+            <a:pPr lvl="1"/>
+            <a:endParaRPr lang="en-US" altLang="ko-KR" dirty="0"/>
+          </a:p>
+        </p:txBody>
+      </p:sp>
+      <p:sp>
+        <p:nvSpPr>
+          <p:cNvPr id="5" name="슬라이드 번호 개체 틀 4">
+            <a:extLst>
+              <a:ext uri="{FF2B5EF4-FFF2-40B4-BE49-F238E27FC236}">
+                <a16:creationId xmlns:a16="http://schemas.microsoft.com/office/drawing/2014/main" id="{38D47EB2-607F-4462-8B06-62D1DED9986E}"/>
+              </a:ext>
+            </a:extLst>
+          </p:cNvPr>
+          <p:cNvSpPr>
+            <a:spLocks noGrp="1"/>
+          </p:cNvSpPr>
+          <p:nvPr>
+            <p:ph type="sldNum" sz="quarter" idx="12"/>
+          </p:nvPr>
+        </p:nvSpPr>
+        <p:spPr/>
+        <p:txBody>
+          <a:bodyPr/>
+          <a:lstStyle/>
+          <a:p>
+            <a:fld id="{89BED30C-66D9-4104-96BC-081A506F0CF0}" type="slidenum">
+              <a:rPr lang="ko-KR" altLang="en-US" smtClean="0"/>
+              <a:t>5</a:t>
+            </a:fld>
+            <a:endParaRPr lang="ko-KR" altLang="en-US"/>
+          </a:p>
+        </p:txBody>
+      </p:sp>
+      <p:sp>
+        <p:nvSpPr>
+          <p:cNvPr id="6" name="바닥글 개체 틀 5">
+            <a:extLst>
+              <a:ext uri="{FF2B5EF4-FFF2-40B4-BE49-F238E27FC236}">
+                <a16:creationId xmlns:a16="http://schemas.microsoft.com/office/drawing/2014/main" id="{E15BC583-11A3-4D09-8B4C-AB6534B75C3A}"/>
+              </a:ext>
+            </a:extLst>
+          </p:cNvPr>
+          <p:cNvSpPr>
+            <a:spLocks noGrp="1"/>
+          </p:cNvSpPr>
+          <p:nvPr>
+            <p:ph type="ftr" sz="quarter" idx="3"/>
+          </p:nvPr>
+        </p:nvSpPr>
+        <p:spPr/>
+        <p:txBody>
+          <a:bodyPr/>
+          <a:lstStyle/>
+          <a:p>
+            <a:pPr algn="l"/>
+            <a:r>
+              <a:rPr lang="en-US" altLang="ko-KR"/>
+              <a:t>Nibble</a:t>
+            </a:r>
+            <a:endParaRPr lang="ko-KR" altLang="en-US" dirty="0"/>
+          </a:p>
+        </p:txBody>
+      </p:sp>
+      <p:sp>
+        <p:nvSpPr>
+          <p:cNvPr id="7" name="날짜 개체 틀 6">
+            <a:extLst>
+              <a:ext uri="{FF2B5EF4-FFF2-40B4-BE49-F238E27FC236}">
+                <a16:creationId xmlns:a16="http://schemas.microsoft.com/office/drawing/2014/main" id="{161325FC-F024-4802-BD0D-3CE2B3F3F4D6}"/>
+              </a:ext>
+            </a:extLst>
+          </p:cNvPr>
+          <p:cNvSpPr>
+            <a:spLocks noGrp="1"/>
+          </p:cNvSpPr>
+          <p:nvPr>
+            <p:ph type="dt" sz="half" idx="13"/>
+          </p:nvPr>
+        </p:nvSpPr>
+        <p:spPr/>
+        <p:txBody>
+          <a:bodyPr/>
+          <a:lstStyle/>
+          <a:p>
+            <a:fld id="{B226B4E6-2447-4D67-A511-B13A2182F919}" type="datetime5">
+              <a:rPr lang="ko-KR" altLang="en-US" smtClean="0"/>
+              <a:t>2021/8/2</a:t>
+            </a:fld>
+            <a:endParaRPr lang="ko-KR" altLang="en-US" dirty="0"/>
+          </a:p>
+        </p:txBody>
+      </p:sp>
+    </p:spTree>
+    <p:extLst>
+      <p:ext uri="{BB962C8B-B14F-4D97-AF65-F5344CB8AC3E}">
+        <p14:creationId xmlns:p14="http://schemas.microsoft.com/office/powerpoint/2010/main" val="2788684359"/>
+      </p:ext>
+    </p:extLst>
+  </p:cSld>
+  <p:clrMapOvr>
+    <a:masterClrMapping/>
+  </p:clrMapOvr>
+</p:sld>
+</file>
+
+<file path=ppt/slides/slide6.xml><?xml version="1.0" encoding="utf-8"?>
+<p:sld xmlns:a="http://schemas.openxmlformats.org/drawingml/2006/main" xmlns:r="http://schemas.openxmlformats.org/officeDocument/2006/relationships" xmlns:p="http://schemas.openxmlformats.org/presentationml/2006/main">
+  <p:cSld>
+    <p:spTree>
+      <p:nvGrpSpPr>
+        <p:cNvPr id="1" name=""/>
+        <p:cNvGrpSpPr/>
+        <p:nvPr/>
+      </p:nvGrpSpPr>
+      <p:grpSpPr>
+        <a:xfrm>
+          <a:off x="0" y="0"/>
+          <a:ext cx="0" cy="0"/>
+          <a:chOff x="0" y="0"/>
+          <a:chExt cx="0" cy="0"/>
+        </a:xfrm>
+      </p:grpSpPr>
+      <p:sp>
+        <p:nvSpPr>
+          <p:cNvPr id="2" name="내용 개체 틀 1">
+            <a:extLst>
+              <a:ext uri="{FF2B5EF4-FFF2-40B4-BE49-F238E27FC236}">
+                <a16:creationId xmlns:a16="http://schemas.microsoft.com/office/drawing/2014/main" id="{1DCB9CC7-2763-4E69-9562-2FC407AE1FFD}"/>
+              </a:ext>
+            </a:extLst>
+          </p:cNvPr>
+          <p:cNvSpPr>
+            <a:spLocks noGrp="1"/>
+          </p:cNvSpPr>
+          <p:nvPr>
+            <p:ph sz="half" idx="14"/>
+          </p:nvPr>
+        </p:nvSpPr>
+        <p:spPr/>
+        <p:txBody>
+          <a:bodyPr/>
+          <a:lstStyle/>
+          <a:p>
+            <a:r>
+              <a:rPr lang="en-US" altLang="ko-KR" dirty="0"/>
+              <a:t>DML (Data Manipulation Language)</a:t>
+            </a:r>
+          </a:p>
+          <a:p>
+            <a:pPr lvl="1"/>
+            <a:r>
+              <a:rPr lang="ko-KR" altLang="en-US" dirty="0"/>
+              <a:t>정의</a:t>
+            </a:r>
+            <a:r>
+              <a:rPr lang="en-US" altLang="ko-KR" dirty="0"/>
+              <a:t>: </a:t>
+            </a:r>
+            <a:r>
+              <a:rPr lang="ko-KR" altLang="en-US" dirty="0"/>
+              <a:t>데이터를</a:t>
+            </a:r>
+            <a:r>
+              <a:rPr lang="en-US" altLang="ko-KR" dirty="0"/>
+              <a:t> </a:t>
+            </a:r>
+            <a:r>
+              <a:rPr lang="ko-KR" altLang="en-US" dirty="0"/>
+              <a:t>조작</a:t>
+            </a:r>
+            <a:r>
+              <a:rPr lang="en-US" altLang="ko-KR" dirty="0"/>
+              <a:t>(</a:t>
+            </a:r>
+            <a:r>
+              <a:rPr lang="ko-KR" altLang="en-US" dirty="0"/>
+              <a:t>입력</a:t>
+            </a:r>
+            <a:r>
+              <a:rPr lang="en-US" altLang="ko-KR" dirty="0"/>
+              <a:t>, </a:t>
+            </a:r>
+            <a:r>
+              <a:rPr lang="ko-KR" altLang="en-US" dirty="0"/>
+              <a:t>수정</a:t>
+            </a:r>
+            <a:r>
+              <a:rPr lang="en-US" altLang="ko-KR" dirty="0"/>
+              <a:t>, </a:t>
+            </a:r>
+            <a:r>
+              <a:rPr lang="ko-KR" altLang="en-US" dirty="0"/>
+              <a:t>삭제</a:t>
+            </a:r>
+            <a:r>
+              <a:rPr lang="en-US" altLang="ko-KR" dirty="0"/>
+              <a:t>, </a:t>
+            </a:r>
+            <a:r>
+              <a:rPr lang="ko-KR" altLang="en-US" dirty="0"/>
+              <a:t>조회</a:t>
+            </a:r>
+            <a:r>
+              <a:rPr lang="en-US" altLang="ko-KR" dirty="0"/>
+              <a:t>)</a:t>
+            </a:r>
+            <a:r>
+              <a:rPr lang="ko-KR" altLang="en-US" dirty="0"/>
+              <a:t>하는 언어</a:t>
+            </a:r>
+            <a:endParaRPr lang="en-US" altLang="ko-KR" dirty="0"/>
+          </a:p>
+          <a:p>
+            <a:pPr lvl="1"/>
+            <a:r>
+              <a:rPr lang="ko-KR" altLang="en-US" dirty="0"/>
+              <a:t>유형</a:t>
+            </a:r>
+            <a:endParaRPr lang="en-US" altLang="ko-KR" dirty="0"/>
+          </a:p>
+          <a:p>
+            <a:pPr lvl="2"/>
+            <a:r>
+              <a:rPr lang="en-US" altLang="ko-KR" dirty="0"/>
+              <a:t>SELECT: </a:t>
+            </a:r>
+            <a:r>
+              <a:rPr lang="ko-KR" altLang="en-US" dirty="0"/>
+              <a:t>조건에 맞는 튜플을 보여준다</a:t>
+            </a:r>
+            <a:endParaRPr lang="en-US" altLang="ko-KR" dirty="0"/>
+          </a:p>
+          <a:p>
+            <a:pPr lvl="2"/>
+            <a:r>
+              <a:rPr lang="en-US" altLang="ko-KR" dirty="0"/>
+              <a:t>INSERT: </a:t>
+            </a:r>
+            <a:r>
+              <a:rPr lang="ko-KR" altLang="en-US" dirty="0"/>
+              <a:t>새 튜플을 추가한다</a:t>
+            </a:r>
+            <a:endParaRPr lang="en-US" altLang="ko-KR" dirty="0"/>
+          </a:p>
+          <a:p>
+            <a:pPr lvl="2"/>
+            <a:r>
+              <a:rPr lang="en-US" altLang="ko-KR" dirty="0"/>
+              <a:t>UPDATE: </a:t>
+            </a:r>
+            <a:r>
+              <a:rPr lang="ko-KR" altLang="en-US" dirty="0"/>
+              <a:t>기존 튜플의 내용을 변경한다</a:t>
+            </a:r>
+            <a:endParaRPr lang="en-US" altLang="ko-KR" dirty="0"/>
+          </a:p>
+          <a:p>
+            <a:pPr lvl="2"/>
+            <a:r>
+              <a:rPr lang="en-US" altLang="ko-KR" dirty="0"/>
+              <a:t>DELETE: </a:t>
+            </a:r>
+            <a:r>
+              <a:rPr lang="ko-KR" altLang="en-US" dirty="0"/>
+              <a:t>튜플을 삭제한다</a:t>
+            </a:r>
+            <a:endParaRPr lang="en-US" altLang="ko-KR" dirty="0"/>
+          </a:p>
+          <a:p>
+            <a:r>
+              <a:rPr lang="en-US" altLang="ko-KR" dirty="0"/>
+              <a:t>SELECT </a:t>
+            </a:r>
+            <a:r>
+              <a:rPr lang="ko-KR" altLang="en-US" dirty="0"/>
+              <a:t>명령어</a:t>
+            </a:r>
+            <a:endParaRPr lang="en-US" altLang="ko-KR" dirty="0"/>
+          </a:p>
+          <a:p>
+            <a:pPr lvl="1"/>
+            <a:r>
+              <a:rPr lang="en-US" altLang="ko-KR" dirty="0"/>
+              <a:t>SELECT [ALL | DISTINCT | DISTICTROW]</a:t>
+            </a:r>
+          </a:p>
+          <a:p>
+            <a:pPr lvl="2"/>
+            <a:r>
+              <a:rPr lang="en-US" altLang="ko-KR" dirty="0"/>
+              <a:t>ALL: </a:t>
+            </a:r>
+            <a:r>
+              <a:rPr lang="ko-KR" altLang="en-US" dirty="0"/>
+              <a:t>모든 튜플 대상 검색</a:t>
+            </a:r>
+            <a:endParaRPr lang="en-US" altLang="ko-KR" dirty="0"/>
+          </a:p>
+          <a:p>
+            <a:pPr lvl="2"/>
+            <a:r>
+              <a:rPr lang="en-US" altLang="ko-KR" dirty="0"/>
+              <a:t>DISTINCT</a:t>
+            </a:r>
+            <a:r>
+              <a:rPr lang="ko-KR" altLang="en-US" dirty="0"/>
+              <a:t> </a:t>
+            </a:r>
+            <a:r>
+              <a:rPr lang="en-US" altLang="ko-KR" dirty="0"/>
+              <a:t>:</a:t>
+            </a:r>
+            <a:r>
+              <a:rPr lang="ko-KR" altLang="en-US" dirty="0"/>
+              <a:t> 중복 속성을 제외하고 검색</a:t>
+            </a:r>
+            <a:endParaRPr lang="en-US" altLang="ko-KR" dirty="0"/>
+          </a:p>
+          <a:p>
+            <a:pPr lvl="2"/>
+            <a:r>
+              <a:rPr lang="en-US" altLang="ko-KR" dirty="0"/>
+              <a:t>DISTICTROW: </a:t>
+            </a:r>
+            <a:r>
+              <a:rPr lang="ko-KR" altLang="en-US" dirty="0"/>
+              <a:t>중복 줄을 제외하고 검색</a:t>
+            </a:r>
+            <a:endParaRPr lang="en-US" altLang="ko-KR" dirty="0"/>
+          </a:p>
+          <a:p>
+            <a:pPr lvl="1"/>
+            <a:r>
+              <a:rPr lang="en-US" altLang="ko-KR" dirty="0"/>
+              <a:t>FROM: </a:t>
+            </a:r>
+            <a:r>
+              <a:rPr lang="ko-KR" altLang="en-US" dirty="0"/>
+              <a:t>검색 대상 테이블명 작성</a:t>
+            </a:r>
+            <a:endParaRPr lang="en-US" altLang="ko-KR" dirty="0"/>
+          </a:p>
+          <a:p>
+            <a:pPr lvl="1"/>
+            <a:r>
+              <a:rPr lang="en-US" altLang="ko-KR" dirty="0"/>
+              <a:t>WHERE: </a:t>
+            </a:r>
+            <a:r>
+              <a:rPr lang="ko-KR" altLang="en-US" dirty="0"/>
+              <a:t>검색 조건 작성</a:t>
+            </a:r>
+            <a:endParaRPr lang="en-US" altLang="ko-KR" dirty="0"/>
+          </a:p>
+          <a:p>
+            <a:pPr lvl="1"/>
+            <a:r>
+              <a:rPr lang="en-US" altLang="ko-KR" dirty="0"/>
+              <a:t>GROUP BY: </a:t>
+            </a:r>
+            <a:r>
+              <a:rPr lang="ko-KR" altLang="en-US" dirty="0"/>
+              <a:t>속성을 그룹화 할 때 사용</a:t>
+            </a:r>
+            <a:endParaRPr lang="en-US" altLang="ko-KR" dirty="0"/>
+          </a:p>
+          <a:p>
+            <a:pPr lvl="1"/>
+            <a:r>
+              <a:rPr lang="en-US" altLang="ko-KR" dirty="0"/>
+              <a:t>HAVING: </a:t>
+            </a:r>
+            <a:r>
+              <a:rPr lang="ko-KR" altLang="en-US" dirty="0"/>
+              <a:t>그룹화 후</a:t>
+            </a:r>
+            <a:r>
+              <a:rPr lang="en-US" altLang="ko-KR" dirty="0"/>
+              <a:t>, </a:t>
+            </a:r>
+            <a:r>
+              <a:rPr lang="ko-KR" altLang="en-US" dirty="0"/>
+              <a:t>그룹의 조건을 작성</a:t>
+            </a:r>
+            <a:endParaRPr lang="en-US" altLang="ko-KR" dirty="0"/>
+          </a:p>
+          <a:p>
+            <a:pPr lvl="1"/>
+            <a:r>
+              <a:rPr lang="en-US" altLang="ko-KR" dirty="0"/>
+              <a:t>ORDER</a:t>
+            </a:r>
+            <a:r>
+              <a:rPr lang="ko-KR" altLang="en-US" dirty="0"/>
+              <a:t> </a:t>
+            </a:r>
+            <a:r>
+              <a:rPr lang="en-US" altLang="ko-KR" dirty="0"/>
+              <a:t>BY</a:t>
+            </a:r>
+          </a:p>
+          <a:p>
+            <a:pPr lvl="2"/>
+            <a:r>
+              <a:rPr lang="en-US" altLang="ko-KR" dirty="0"/>
+              <a:t>ASC: </a:t>
+            </a:r>
+            <a:r>
+              <a:rPr lang="ko-KR" altLang="en-US" dirty="0"/>
+              <a:t>오름차순 정렬</a:t>
+            </a:r>
+            <a:endParaRPr lang="en-US" altLang="ko-KR" dirty="0"/>
+          </a:p>
+          <a:p>
+            <a:pPr lvl="2"/>
+            <a:r>
+              <a:rPr lang="en-US" altLang="ko-KR" dirty="0"/>
+              <a:t>DESC: </a:t>
+            </a:r>
+            <a:r>
+              <a:rPr lang="ko-KR" altLang="en-US" dirty="0"/>
+              <a:t>내림차순 정렬</a:t>
+            </a:r>
+            <a:endParaRPr lang="en-US" altLang="ko-KR" dirty="0"/>
+          </a:p>
+          <a:p>
+            <a:pPr lvl="1"/>
+            <a:endParaRPr lang="ko-KR" altLang="en-US" dirty="0"/>
+          </a:p>
+        </p:txBody>
+      </p:sp>
+      <p:sp>
+        <p:nvSpPr>
+          <p:cNvPr id="3" name="제목 2">
+            <a:extLst>
+              <a:ext uri="{FF2B5EF4-FFF2-40B4-BE49-F238E27FC236}">
+                <a16:creationId xmlns:a16="http://schemas.microsoft.com/office/drawing/2014/main" id="{B76A115F-BE69-43B9-BD2F-A045908B7511}"/>
+              </a:ext>
+            </a:extLst>
+          </p:cNvPr>
+          <p:cNvSpPr>
+            <a:spLocks noGrp="1"/>
+          </p:cNvSpPr>
+          <p:nvPr>
+            <p:ph type="title"/>
+          </p:nvPr>
+        </p:nvSpPr>
+        <p:spPr/>
+        <p:txBody>
+          <a:bodyPr/>
+          <a:lstStyle/>
+          <a:p>
+            <a:r>
+              <a:rPr lang="en-US" altLang="ko-KR" dirty="0"/>
+              <a:t>DML</a:t>
+            </a:r>
+            <a:endParaRPr lang="ko-KR" altLang="en-US" dirty="0"/>
+          </a:p>
+        </p:txBody>
+      </p:sp>
+      <p:sp>
+        <p:nvSpPr>
+          <p:cNvPr id="4" name="내용 개체 틀 3">
+            <a:extLst>
+              <a:ext uri="{FF2B5EF4-FFF2-40B4-BE49-F238E27FC236}">
+                <a16:creationId xmlns:a16="http://schemas.microsoft.com/office/drawing/2014/main" id="{61FF18BC-8E4B-43FC-9AC3-4C26356AE71E}"/>
+              </a:ext>
+            </a:extLst>
+          </p:cNvPr>
+          <p:cNvSpPr>
+            <a:spLocks noGrp="1"/>
+          </p:cNvSpPr>
+          <p:nvPr>
+            <p:ph sz="half" idx="2"/>
+          </p:nvPr>
+        </p:nvSpPr>
+        <p:spPr/>
+        <p:txBody>
+          <a:bodyPr>
+            <a:normAutofit/>
+          </a:bodyPr>
+          <a:lstStyle/>
+          <a:p>
+            <a:r>
+              <a:rPr lang="en-US" altLang="ko-KR" dirty="0"/>
+              <a:t>INSERT </a:t>
+            </a:r>
+            <a:r>
+              <a:rPr lang="ko-KR" altLang="en-US" dirty="0"/>
+              <a:t>명령어</a:t>
+            </a:r>
+            <a:endParaRPr lang="en-US" altLang="ko-KR" dirty="0"/>
+          </a:p>
+          <a:p>
+            <a:pPr lvl="1"/>
+            <a:r>
+              <a:rPr lang="en-US" altLang="ko-KR" dirty="0">
+                <a:solidFill>
+                  <a:schemeClr val="accent2"/>
+                </a:solidFill>
+              </a:rPr>
+              <a:t>INSERT</a:t>
+            </a:r>
+            <a:r>
+              <a:rPr lang="en-US" altLang="ko-KR" dirty="0"/>
+              <a:t> </a:t>
+            </a:r>
+            <a:r>
+              <a:rPr lang="en-US" altLang="ko-KR" dirty="0">
+                <a:solidFill>
+                  <a:schemeClr val="accent2"/>
+                </a:solidFill>
+              </a:rPr>
+              <a:t>INTO</a:t>
+            </a:r>
+            <a:r>
+              <a:rPr lang="en-US" altLang="ko-KR" dirty="0"/>
+              <a:t> </a:t>
+            </a:r>
+            <a:r>
+              <a:rPr lang="ko-KR" altLang="en-US" dirty="0"/>
+              <a:t>테이블 이름</a:t>
+            </a:r>
+            <a:r>
+              <a:rPr lang="en-US" altLang="ko-KR" dirty="0"/>
+              <a:t>(</a:t>
+            </a:r>
+            <a:r>
+              <a:rPr lang="ko-KR" altLang="en-US" dirty="0"/>
+              <a:t>속성 명</a:t>
+            </a:r>
+            <a:r>
+              <a:rPr lang="en-US" altLang="ko-KR" dirty="0"/>
+              <a:t>…)</a:t>
+            </a:r>
+          </a:p>
+          <a:p>
+            <a:pPr lvl="1"/>
+            <a:r>
+              <a:rPr lang="en-US" altLang="ko-KR" dirty="0">
+                <a:solidFill>
+                  <a:schemeClr val="accent2"/>
+                </a:solidFill>
+              </a:rPr>
+              <a:t>VALUES</a:t>
+            </a:r>
+            <a:r>
+              <a:rPr lang="en-US" altLang="ko-KR" dirty="0"/>
+              <a:t>(</a:t>
+            </a:r>
+            <a:r>
+              <a:rPr lang="ko-KR" altLang="en-US" dirty="0"/>
+              <a:t>데이터</a:t>
+            </a:r>
+            <a:r>
+              <a:rPr lang="en-US" altLang="ko-KR" dirty="0"/>
+              <a:t>…)</a:t>
+            </a:r>
+          </a:p>
+          <a:p>
+            <a:r>
+              <a:rPr lang="en-US" altLang="ko-KR" dirty="0"/>
+              <a:t>UPDATE </a:t>
+            </a:r>
+            <a:r>
+              <a:rPr lang="ko-KR" altLang="en-US" dirty="0"/>
+              <a:t>명령어</a:t>
+            </a:r>
+            <a:endParaRPr lang="en-US" altLang="ko-KR" dirty="0"/>
+          </a:p>
+          <a:p>
+            <a:pPr lvl="1"/>
+            <a:r>
+              <a:rPr lang="en-US" altLang="ko-KR" dirty="0">
+                <a:solidFill>
+                  <a:schemeClr val="accent2"/>
+                </a:solidFill>
+              </a:rPr>
+              <a:t>UPDATE</a:t>
+            </a:r>
+            <a:r>
+              <a:rPr lang="en-US" altLang="ko-KR" dirty="0"/>
+              <a:t> </a:t>
+            </a:r>
+            <a:r>
+              <a:rPr lang="ko-KR" altLang="en-US" dirty="0"/>
+              <a:t>테이블 이름</a:t>
+            </a:r>
+            <a:endParaRPr lang="en-US" altLang="ko-KR" dirty="0"/>
+          </a:p>
+          <a:p>
+            <a:pPr lvl="1"/>
+            <a:r>
+              <a:rPr lang="en-US" altLang="ko-KR" dirty="0">
+                <a:solidFill>
+                  <a:schemeClr val="accent2"/>
+                </a:solidFill>
+              </a:rPr>
+              <a:t>SET</a:t>
+            </a:r>
+            <a:r>
+              <a:rPr lang="en-US" altLang="ko-KR" dirty="0"/>
+              <a:t> </a:t>
+            </a:r>
+            <a:r>
+              <a:rPr lang="ko-KR" altLang="en-US" dirty="0"/>
+              <a:t>속성 명 </a:t>
+            </a:r>
+            <a:r>
+              <a:rPr lang="en-US" altLang="ko-KR" dirty="0"/>
+              <a:t>= </a:t>
+            </a:r>
+            <a:r>
+              <a:rPr lang="ko-KR" altLang="en-US" dirty="0"/>
+              <a:t>데이터</a:t>
+            </a:r>
+            <a:r>
+              <a:rPr lang="en-US" altLang="ko-KR" dirty="0"/>
+              <a:t>, …</a:t>
+            </a:r>
+          </a:p>
+          <a:p>
+            <a:pPr lvl="1"/>
+            <a:r>
+              <a:rPr lang="en-US" altLang="ko-KR" dirty="0">
+                <a:solidFill>
+                  <a:schemeClr val="accent2"/>
+                </a:solidFill>
+              </a:rPr>
+              <a:t>WHERE</a:t>
+            </a:r>
+            <a:r>
+              <a:rPr lang="en-US" altLang="ko-KR" dirty="0"/>
+              <a:t> </a:t>
+            </a:r>
+            <a:r>
+              <a:rPr lang="ko-KR" altLang="en-US" dirty="0"/>
+              <a:t>조건</a:t>
+            </a:r>
+            <a:endParaRPr lang="en-US" altLang="ko-KR" dirty="0"/>
+          </a:p>
+          <a:p>
+            <a:r>
+              <a:rPr lang="en-US" altLang="ko-KR" dirty="0"/>
+              <a:t>DELETE </a:t>
+            </a:r>
+            <a:r>
+              <a:rPr lang="ko-KR" altLang="en-US" dirty="0"/>
+              <a:t>명령어</a:t>
+            </a:r>
+            <a:endParaRPr lang="en-US" altLang="ko-KR" dirty="0"/>
+          </a:p>
+          <a:p>
+            <a:pPr lvl="1"/>
+            <a:r>
+              <a:rPr lang="en-US" altLang="ko-KR" dirty="0">
+                <a:solidFill>
+                  <a:schemeClr val="accent2"/>
+                </a:solidFill>
+              </a:rPr>
+              <a:t>DELETE</a:t>
+            </a:r>
+            <a:r>
+              <a:rPr lang="en-US" altLang="ko-KR" dirty="0"/>
+              <a:t> </a:t>
+            </a:r>
+            <a:r>
+              <a:rPr lang="en-US" altLang="ko-KR" dirty="0">
+                <a:solidFill>
+                  <a:schemeClr val="accent2"/>
+                </a:solidFill>
+              </a:rPr>
+              <a:t>FROM</a:t>
+            </a:r>
+            <a:r>
+              <a:rPr lang="en-US" altLang="ko-KR" dirty="0"/>
+              <a:t> </a:t>
+            </a:r>
+            <a:r>
+              <a:rPr lang="ko-KR" altLang="en-US" dirty="0"/>
+              <a:t>테이블 이름</a:t>
+            </a:r>
+            <a:endParaRPr lang="en-US" altLang="ko-KR" dirty="0"/>
+          </a:p>
+          <a:p>
+            <a:pPr lvl="1"/>
+            <a:r>
+              <a:rPr lang="en-US" altLang="ko-KR" dirty="0">
+                <a:solidFill>
+                  <a:schemeClr val="accent2"/>
+                </a:solidFill>
+              </a:rPr>
+              <a:t>WHERE</a:t>
+            </a:r>
+            <a:r>
+              <a:rPr lang="ko-KR" altLang="en-US" dirty="0"/>
+              <a:t> 조건</a:t>
+            </a:r>
+          </a:p>
+          <a:p>
+            <a:pPr lvl="2"/>
+            <a:endParaRPr lang="en-US" altLang="ko-KR" dirty="0"/>
+          </a:p>
+          <a:p>
+            <a:pPr lvl="1"/>
+            <a:endParaRPr lang="ko-KR" altLang="en-US" dirty="0"/>
+          </a:p>
+        </p:txBody>
+      </p:sp>
+      <p:sp>
+        <p:nvSpPr>
+          <p:cNvPr id="5" name="슬라이드 번호 개체 틀 4">
+            <a:extLst>
+              <a:ext uri="{FF2B5EF4-FFF2-40B4-BE49-F238E27FC236}">
+                <a16:creationId xmlns:a16="http://schemas.microsoft.com/office/drawing/2014/main" id="{DAE906CF-717C-4D1C-B643-E548F6309B01}"/>
+              </a:ext>
+            </a:extLst>
+          </p:cNvPr>
+          <p:cNvSpPr>
+            <a:spLocks noGrp="1"/>
+          </p:cNvSpPr>
+          <p:nvPr>
+            <p:ph type="sldNum" sz="quarter" idx="12"/>
+          </p:nvPr>
+        </p:nvSpPr>
+        <p:spPr/>
+        <p:txBody>
+          <a:bodyPr/>
+          <a:lstStyle/>
+          <a:p>
+            <a:fld id="{89BED30C-66D9-4104-96BC-081A506F0CF0}" type="slidenum">
+              <a:rPr lang="ko-KR" altLang="en-US" smtClean="0"/>
+              <a:t>6</a:t>
+            </a:fld>
+            <a:endParaRPr lang="ko-KR" altLang="en-US"/>
+          </a:p>
+        </p:txBody>
+      </p:sp>
+      <p:sp>
+        <p:nvSpPr>
+          <p:cNvPr id="6" name="바닥글 개체 틀 5">
+            <a:extLst>
+              <a:ext uri="{FF2B5EF4-FFF2-40B4-BE49-F238E27FC236}">
+                <a16:creationId xmlns:a16="http://schemas.microsoft.com/office/drawing/2014/main" id="{6B07ED3C-E6FE-48DB-BB14-1AED9565511E}"/>
+              </a:ext>
+            </a:extLst>
+          </p:cNvPr>
+          <p:cNvSpPr>
+            <a:spLocks noGrp="1"/>
+          </p:cNvSpPr>
+          <p:nvPr>
+            <p:ph type="ftr" sz="quarter" idx="3"/>
+          </p:nvPr>
+        </p:nvSpPr>
+        <p:spPr/>
+        <p:txBody>
+          <a:bodyPr/>
+          <a:lstStyle/>
+          <a:p>
+            <a:pPr algn="l"/>
+            <a:r>
+              <a:rPr lang="en-US" altLang="ko-KR"/>
+              <a:t>Nibble</a:t>
+            </a:r>
+            <a:endParaRPr lang="ko-KR" altLang="en-US" dirty="0"/>
+          </a:p>
+        </p:txBody>
+      </p:sp>
+      <p:sp>
+        <p:nvSpPr>
+          <p:cNvPr id="7" name="날짜 개체 틀 6">
+            <a:extLst>
+              <a:ext uri="{FF2B5EF4-FFF2-40B4-BE49-F238E27FC236}">
+                <a16:creationId xmlns:a16="http://schemas.microsoft.com/office/drawing/2014/main" id="{28027CB3-B83A-4780-AE99-D2F2173094DB}"/>
+              </a:ext>
+            </a:extLst>
+          </p:cNvPr>
+          <p:cNvSpPr>
+            <a:spLocks noGrp="1"/>
+          </p:cNvSpPr>
+          <p:nvPr>
+            <p:ph type="dt" sz="half" idx="13"/>
+          </p:nvPr>
+        </p:nvSpPr>
+        <p:spPr/>
+        <p:txBody>
+          <a:bodyPr/>
+          <a:lstStyle/>
+          <a:p>
+            <a:fld id="{B226B4E6-2447-4D67-A511-B13A2182F919}" type="datetime5">
+              <a:rPr lang="ko-KR" altLang="en-US" smtClean="0"/>
+              <a:t>2021/8/2</a:t>
+            </a:fld>
+            <a:endParaRPr lang="ko-KR" altLang="en-US" dirty="0"/>
+          </a:p>
+        </p:txBody>
+      </p:sp>
+    </p:spTree>
+    <p:extLst>
+      <p:ext uri="{BB962C8B-B14F-4D97-AF65-F5344CB8AC3E}">
+        <p14:creationId xmlns:p14="http://schemas.microsoft.com/office/powerpoint/2010/main" val="1584375008"/>
+      </p:ext>
+    </p:extLst>
+  </p:cSld>
+  <p:clrMapOvr>
+    <a:masterClrMapping/>
+  </p:clrMapOvr>
+</p:sld>
+</file>
+
+<file path=ppt/slides/slide7.xml><?xml version="1.0" encoding="utf-8"?>
+<p:sld xmlns:a="http://schemas.openxmlformats.org/drawingml/2006/main" xmlns:r="http://schemas.openxmlformats.org/officeDocument/2006/relationships" xmlns:p="http://schemas.openxmlformats.org/presentationml/2006/main">
+  <p:cSld>
+    <p:spTree>
+      <p:nvGrpSpPr>
+        <p:cNvPr id="1" name=""/>
+        <p:cNvGrpSpPr/>
+        <p:nvPr/>
+      </p:nvGrpSpPr>
+      <p:grpSpPr>
+        <a:xfrm>
+          <a:off x="0" y="0"/>
+          <a:ext cx="0" cy="0"/>
+          <a:chOff x="0" y="0"/>
+          <a:chExt cx="0" cy="0"/>
+        </a:xfrm>
+      </p:grpSpPr>
+      <p:sp>
+        <p:nvSpPr>
+          <p:cNvPr id="9" name="내용 개체 틀 8">
+            <a:extLst>
+              <a:ext uri="{FF2B5EF4-FFF2-40B4-BE49-F238E27FC236}">
+                <a16:creationId xmlns:a16="http://schemas.microsoft.com/office/drawing/2014/main" id="{15FE2385-D6DC-4CA2-93D1-CAAC860A6483}"/>
+              </a:ext>
+            </a:extLst>
+          </p:cNvPr>
+          <p:cNvSpPr>
+            <a:spLocks noGrp="1"/>
+          </p:cNvSpPr>
+          <p:nvPr>
+            <p:ph sz="half" idx="14"/>
+          </p:nvPr>
+        </p:nvSpPr>
+        <p:spPr/>
+        <p:txBody>
+          <a:bodyPr/>
+          <a:lstStyle/>
+          <a:p>
+            <a:r>
+              <a:rPr lang="en-US" altLang="ko-KR" dirty="0"/>
+              <a:t>DCL (Data Control Language)</a:t>
+            </a:r>
+          </a:p>
+          <a:p>
+            <a:pPr lvl="1"/>
+            <a:r>
+              <a:rPr lang="ko-KR" altLang="en-US" dirty="0"/>
+              <a:t>정의</a:t>
+            </a:r>
+            <a:r>
+              <a:rPr lang="en-US" altLang="ko-KR" dirty="0"/>
+              <a:t>: DBA</a:t>
+            </a:r>
+            <a:r>
+              <a:rPr lang="ko-KR" altLang="en-US" dirty="0"/>
+              <a:t>가 보안</a:t>
+            </a:r>
+            <a:r>
+              <a:rPr lang="en-US" altLang="ko-KR" dirty="0"/>
+              <a:t>, </a:t>
+            </a:r>
+            <a:r>
+              <a:rPr lang="ko-KR" altLang="en-US" dirty="0"/>
+              <a:t>무결성</a:t>
+            </a:r>
+            <a:r>
+              <a:rPr lang="en-US" altLang="ko-KR" dirty="0"/>
+              <a:t>, </a:t>
+            </a:r>
+            <a:r>
+              <a:rPr lang="ko-KR" altLang="en-US" dirty="0"/>
+              <a:t>회복 등을 위해 사용하는 언어</a:t>
+            </a:r>
+            <a:endParaRPr lang="en-US" altLang="ko-KR" dirty="0"/>
+          </a:p>
+          <a:p>
+            <a:pPr lvl="1"/>
+            <a:r>
+              <a:rPr lang="ko-KR" altLang="en-US" dirty="0"/>
+              <a:t>기능</a:t>
+            </a:r>
+            <a:endParaRPr lang="en-US" altLang="ko-KR" dirty="0"/>
+          </a:p>
+          <a:p>
+            <a:pPr lvl="2"/>
+            <a:r>
+              <a:rPr lang="ko-KR" altLang="en-US" dirty="0"/>
+              <a:t>데이터 보안</a:t>
+            </a:r>
+            <a:endParaRPr lang="en-US" altLang="ko-KR" dirty="0"/>
+          </a:p>
+          <a:p>
+            <a:pPr lvl="2"/>
+            <a:r>
+              <a:rPr lang="ko-KR" altLang="en-US" dirty="0"/>
+              <a:t>무결성 유지</a:t>
+            </a:r>
+            <a:r>
+              <a:rPr lang="en-US" altLang="ko-KR" dirty="0"/>
+              <a:t>: </a:t>
+            </a:r>
+            <a:r>
+              <a:rPr lang="ko-KR" altLang="en-US" dirty="0"/>
+              <a:t>데이터의 정확성과 일관성 유지</a:t>
+            </a:r>
+            <a:endParaRPr lang="en-US" altLang="ko-KR" dirty="0"/>
+          </a:p>
+          <a:p>
+            <a:pPr lvl="2"/>
+            <a:r>
+              <a:rPr lang="ko-KR" altLang="en-US" dirty="0"/>
+              <a:t>병행수행 제어</a:t>
+            </a:r>
+            <a:r>
+              <a:rPr lang="en-US" altLang="ko-KR" dirty="0"/>
+              <a:t>: </a:t>
+            </a:r>
+            <a:r>
+              <a:rPr lang="ko-KR" altLang="en-US" dirty="0"/>
+              <a:t>여러 트랜잭션의 영향을 컨트롤</a:t>
+            </a:r>
+            <a:endParaRPr lang="en-US" altLang="ko-KR" dirty="0"/>
+          </a:p>
+          <a:p>
+            <a:pPr lvl="2"/>
+            <a:r>
+              <a:rPr lang="ko-KR" altLang="en-US" dirty="0"/>
+              <a:t>회복</a:t>
+            </a:r>
+            <a:r>
+              <a:rPr lang="en-US" altLang="ko-KR" dirty="0"/>
+              <a:t>: DB </a:t>
+            </a:r>
+            <a:r>
+              <a:rPr lang="ko-KR" altLang="en-US" dirty="0"/>
+              <a:t>장애 발생 이전으로 복원</a:t>
+            </a:r>
+            <a:endParaRPr lang="en-US" altLang="ko-KR" dirty="0"/>
+          </a:p>
+          <a:p>
+            <a:pPr lvl="1"/>
+            <a:r>
+              <a:rPr lang="ko-KR" altLang="en-US" dirty="0"/>
+              <a:t>유형</a:t>
+            </a:r>
+            <a:endParaRPr lang="en-US" altLang="ko-KR" dirty="0"/>
+          </a:p>
+          <a:p>
+            <a:pPr lvl="2"/>
+            <a:r>
+              <a:rPr lang="en-US" altLang="ko-KR" dirty="0"/>
+              <a:t>DCL</a:t>
+            </a:r>
+          </a:p>
+          <a:p>
+            <a:pPr lvl="3"/>
+            <a:r>
+              <a:rPr lang="en-US" altLang="ko-KR" dirty="0"/>
+              <a:t>GRANT: </a:t>
+            </a:r>
+            <a:r>
+              <a:rPr lang="ko-KR" altLang="en-US" dirty="0"/>
+              <a:t>사용 권한 부여</a:t>
+            </a:r>
+            <a:endParaRPr lang="en-US" altLang="ko-KR" dirty="0"/>
+          </a:p>
+          <a:p>
+            <a:pPr lvl="3"/>
+            <a:r>
+              <a:rPr lang="en-US" altLang="ko-KR" dirty="0"/>
+              <a:t>REVOKE: </a:t>
+            </a:r>
+            <a:r>
+              <a:rPr lang="ko-KR" altLang="en-US" dirty="0"/>
+              <a:t>사용 권한 회수</a:t>
+            </a:r>
+            <a:endParaRPr lang="en-US" altLang="ko-KR" dirty="0"/>
+          </a:p>
+          <a:p>
+            <a:pPr lvl="3"/>
+            <a:r>
+              <a:rPr lang="en-US" altLang="ko-KR" dirty="0"/>
+              <a:t>TCL (Transaction Control Language)</a:t>
+            </a:r>
+          </a:p>
+          <a:p>
+            <a:pPr lvl="4"/>
+            <a:r>
+              <a:rPr lang="en-US" altLang="ko-KR" dirty="0"/>
+              <a:t>COMMIT: </a:t>
+            </a:r>
+            <a:r>
+              <a:rPr lang="ko-KR" altLang="en-US" dirty="0"/>
+              <a:t>트랜잭션 확정</a:t>
+            </a:r>
+            <a:endParaRPr lang="en-US" altLang="ko-KR" dirty="0"/>
+          </a:p>
+          <a:p>
+            <a:pPr lvl="4"/>
+            <a:r>
+              <a:rPr lang="en-US" altLang="ko-KR" dirty="0"/>
+              <a:t>ROLLBACK: </a:t>
+            </a:r>
+            <a:r>
+              <a:rPr lang="ko-KR" altLang="en-US" dirty="0"/>
+              <a:t>트랜잭션 취소</a:t>
+            </a:r>
+            <a:endParaRPr lang="en-US" altLang="ko-KR" dirty="0"/>
+          </a:p>
+          <a:p>
+            <a:pPr lvl="4"/>
+            <a:r>
+              <a:rPr lang="en-US" altLang="ko-KR" dirty="0"/>
+              <a:t>SAVEPOINT: </a:t>
+            </a:r>
+            <a:r>
+              <a:rPr lang="ko-KR" altLang="en-US" dirty="0"/>
+              <a:t>저장 시기 결정</a:t>
+            </a:r>
+          </a:p>
+        </p:txBody>
+      </p:sp>
+      <p:sp>
+        <p:nvSpPr>
+          <p:cNvPr id="7" name="제목 6">
+            <a:extLst>
+              <a:ext uri="{FF2B5EF4-FFF2-40B4-BE49-F238E27FC236}">
+                <a16:creationId xmlns:a16="http://schemas.microsoft.com/office/drawing/2014/main" id="{DC4639D8-584C-45C4-9064-81324800A435}"/>
+              </a:ext>
+            </a:extLst>
+          </p:cNvPr>
+          <p:cNvSpPr>
+            <a:spLocks noGrp="1"/>
+          </p:cNvSpPr>
+          <p:nvPr>
+            <p:ph type="title"/>
+          </p:nvPr>
+        </p:nvSpPr>
+        <p:spPr/>
+        <p:txBody>
+          <a:bodyPr/>
+          <a:lstStyle/>
+          <a:p>
+            <a:r>
+              <a:rPr lang="en-US" altLang="ko-KR" dirty="0"/>
+              <a:t>DCL</a:t>
+            </a:r>
+            <a:endParaRPr lang="ko-KR" altLang="en-US" dirty="0"/>
+          </a:p>
+        </p:txBody>
+      </p:sp>
+      <p:sp>
+        <p:nvSpPr>
+          <p:cNvPr id="8" name="내용 개체 틀 7">
+            <a:extLst>
+              <a:ext uri="{FF2B5EF4-FFF2-40B4-BE49-F238E27FC236}">
+                <a16:creationId xmlns:a16="http://schemas.microsoft.com/office/drawing/2014/main" id="{BB4BA1B0-EE15-45CE-AB83-DD7B7FCB785E}"/>
+              </a:ext>
+            </a:extLst>
+          </p:cNvPr>
+          <p:cNvSpPr>
+            <a:spLocks noGrp="1"/>
+          </p:cNvSpPr>
+          <p:nvPr>
+            <p:ph sz="half" idx="2"/>
+          </p:nvPr>
+        </p:nvSpPr>
+        <p:spPr/>
+        <p:txBody>
+          <a:bodyPr/>
+          <a:lstStyle/>
+          <a:p>
+            <a:r>
+              <a:rPr lang="en-US" altLang="ko-KR" dirty="0"/>
+              <a:t>GRANT</a:t>
+            </a:r>
+          </a:p>
+          <a:p>
+            <a:pPr lvl="1"/>
+            <a:r>
+              <a:rPr lang="ko-KR" altLang="en-US" dirty="0"/>
+              <a:t>시스템</a:t>
+            </a:r>
+            <a:r>
+              <a:rPr lang="en-US" altLang="ko-KR" dirty="0"/>
+              <a:t> </a:t>
+            </a:r>
+            <a:r>
+              <a:rPr lang="ko-KR" altLang="en-US" dirty="0"/>
+              <a:t>권한</a:t>
+            </a:r>
+            <a:r>
+              <a:rPr lang="en-US" altLang="ko-KR" dirty="0"/>
+              <a:t>: </a:t>
+            </a:r>
+            <a:r>
+              <a:rPr lang="en-US" altLang="ko-KR" dirty="0">
+                <a:solidFill>
+                  <a:schemeClr val="accent2"/>
+                </a:solidFill>
+              </a:rPr>
+              <a:t>GRANT</a:t>
+            </a:r>
+            <a:r>
+              <a:rPr lang="en-US" altLang="ko-KR" dirty="0"/>
+              <a:t> </a:t>
+            </a:r>
+            <a:r>
+              <a:rPr lang="ko-KR" altLang="en-US" dirty="0"/>
+              <a:t>권한 </a:t>
+            </a:r>
+            <a:r>
+              <a:rPr lang="en-US" altLang="ko-KR" dirty="0">
+                <a:solidFill>
+                  <a:schemeClr val="accent2"/>
+                </a:solidFill>
+              </a:rPr>
+              <a:t>TO</a:t>
+            </a:r>
+            <a:r>
+              <a:rPr lang="en-US" altLang="ko-KR" dirty="0"/>
+              <a:t> </a:t>
+            </a:r>
+            <a:r>
+              <a:rPr lang="ko-KR" altLang="en-US" dirty="0"/>
+              <a:t>사용자</a:t>
+            </a:r>
+            <a:endParaRPr lang="en-US" altLang="ko-KR" dirty="0"/>
+          </a:p>
+          <a:p>
+            <a:pPr lvl="1"/>
+            <a:r>
+              <a:rPr lang="ko-KR" altLang="en-US" dirty="0"/>
+              <a:t>객체 권한</a:t>
+            </a:r>
+            <a:r>
+              <a:rPr lang="en-US" altLang="ko-KR" dirty="0"/>
+              <a:t>: </a:t>
+            </a:r>
+            <a:r>
+              <a:rPr lang="en-US" altLang="ko-KR" dirty="0">
+                <a:solidFill>
+                  <a:schemeClr val="accent2"/>
+                </a:solidFill>
+              </a:rPr>
+              <a:t>GRANT</a:t>
+            </a:r>
+            <a:r>
+              <a:rPr lang="en-US" altLang="ko-KR" dirty="0"/>
+              <a:t> </a:t>
+            </a:r>
+            <a:r>
+              <a:rPr lang="ko-KR" altLang="en-US" dirty="0"/>
+              <a:t>권한 </a:t>
+            </a:r>
+            <a:r>
+              <a:rPr lang="en-US" altLang="ko-KR" dirty="0">
+                <a:solidFill>
+                  <a:schemeClr val="accent2"/>
+                </a:solidFill>
+              </a:rPr>
+              <a:t>ON</a:t>
+            </a:r>
+            <a:r>
+              <a:rPr lang="en-US" altLang="ko-KR" dirty="0"/>
+              <a:t> </a:t>
+            </a:r>
+            <a:r>
+              <a:rPr lang="ko-KR" altLang="en-US" dirty="0"/>
+              <a:t>테이블 </a:t>
+            </a:r>
+            <a:r>
+              <a:rPr lang="en-US" altLang="ko-KR" dirty="0">
+                <a:solidFill>
+                  <a:schemeClr val="accent2"/>
+                </a:solidFill>
+              </a:rPr>
+              <a:t>TO</a:t>
+            </a:r>
+            <a:r>
+              <a:rPr lang="en-US" altLang="ko-KR" dirty="0"/>
+              <a:t> </a:t>
+            </a:r>
+            <a:r>
+              <a:rPr lang="ko-KR" altLang="en-US" dirty="0"/>
+              <a:t>사용자</a:t>
+            </a:r>
+            <a:endParaRPr lang="en-US" altLang="ko-KR" dirty="0"/>
+          </a:p>
+          <a:p>
+            <a:r>
+              <a:rPr lang="en-US" altLang="ko-KR" dirty="0"/>
+              <a:t>REVOKE</a:t>
+            </a:r>
+          </a:p>
+          <a:p>
+            <a:pPr lvl="1"/>
+            <a:r>
+              <a:rPr lang="ko-KR" altLang="en-US" dirty="0"/>
+              <a:t>시스템</a:t>
+            </a:r>
+            <a:r>
+              <a:rPr lang="en-US" altLang="ko-KR" dirty="0"/>
+              <a:t> </a:t>
+            </a:r>
+            <a:r>
+              <a:rPr lang="ko-KR" altLang="en-US" dirty="0"/>
+              <a:t>권한</a:t>
+            </a:r>
+            <a:r>
+              <a:rPr lang="en-US" altLang="ko-KR" dirty="0"/>
+              <a:t>: </a:t>
+            </a:r>
+            <a:r>
+              <a:rPr lang="en-US" altLang="ko-KR" dirty="0">
+                <a:solidFill>
+                  <a:schemeClr val="accent2"/>
+                </a:solidFill>
+              </a:rPr>
+              <a:t>REVOKE</a:t>
+            </a:r>
+            <a:r>
+              <a:rPr lang="en-US" altLang="ko-KR" dirty="0"/>
+              <a:t> </a:t>
+            </a:r>
+            <a:r>
+              <a:rPr lang="ko-KR" altLang="en-US" dirty="0"/>
+              <a:t>권한 </a:t>
+            </a:r>
+            <a:r>
+              <a:rPr lang="en-US" altLang="ko-KR" dirty="0">
+                <a:solidFill>
+                  <a:schemeClr val="accent2"/>
+                </a:solidFill>
+              </a:rPr>
+              <a:t>TO</a:t>
+            </a:r>
+            <a:r>
+              <a:rPr lang="en-US" altLang="ko-KR" dirty="0"/>
+              <a:t> </a:t>
+            </a:r>
+            <a:r>
+              <a:rPr lang="ko-KR" altLang="en-US" dirty="0"/>
+              <a:t>사용자</a:t>
+            </a:r>
+            <a:endParaRPr lang="en-US" altLang="ko-KR" dirty="0"/>
+          </a:p>
+          <a:p>
+            <a:pPr lvl="1"/>
+            <a:r>
+              <a:rPr lang="ko-KR" altLang="en-US" dirty="0"/>
+              <a:t>객체 권한</a:t>
+            </a:r>
+            <a:r>
+              <a:rPr lang="en-US" altLang="ko-KR" dirty="0"/>
+              <a:t>: </a:t>
+            </a:r>
+            <a:r>
+              <a:rPr lang="en-US" altLang="ko-KR" dirty="0">
+                <a:solidFill>
+                  <a:schemeClr val="accent2"/>
+                </a:solidFill>
+              </a:rPr>
+              <a:t>REVOKE</a:t>
+            </a:r>
+            <a:r>
+              <a:rPr lang="en-US" altLang="ko-KR" dirty="0"/>
+              <a:t> </a:t>
+            </a:r>
+            <a:r>
+              <a:rPr lang="ko-KR" altLang="en-US" dirty="0"/>
+              <a:t>권한 </a:t>
+            </a:r>
+            <a:r>
+              <a:rPr lang="en-US" altLang="ko-KR" dirty="0">
+                <a:solidFill>
+                  <a:schemeClr val="accent2"/>
+                </a:solidFill>
+              </a:rPr>
+              <a:t>ON</a:t>
+            </a:r>
+            <a:r>
+              <a:rPr lang="en-US" altLang="ko-KR" dirty="0"/>
+              <a:t> </a:t>
+            </a:r>
+            <a:r>
+              <a:rPr lang="ko-KR" altLang="en-US" dirty="0"/>
+              <a:t>테이블 </a:t>
+            </a:r>
+            <a:r>
+              <a:rPr lang="en-US" altLang="ko-KR" dirty="0">
+                <a:solidFill>
+                  <a:schemeClr val="accent2"/>
+                </a:solidFill>
+              </a:rPr>
+              <a:t>TO</a:t>
+            </a:r>
+            <a:r>
+              <a:rPr lang="en-US" altLang="ko-KR" dirty="0"/>
+              <a:t> </a:t>
+            </a:r>
+            <a:r>
+              <a:rPr lang="ko-KR" altLang="en-US" dirty="0"/>
+              <a:t>사용자</a:t>
+            </a:r>
+            <a:endParaRPr lang="en-US" altLang="ko-KR" dirty="0"/>
+          </a:p>
+          <a:p>
+            <a:r>
+              <a:rPr lang="en-US" altLang="ko-KR" dirty="0"/>
+              <a:t>TCL</a:t>
+            </a:r>
+          </a:p>
+          <a:p>
+            <a:pPr lvl="1"/>
+            <a:r>
+              <a:rPr lang="ko-KR" altLang="en-US" dirty="0"/>
+              <a:t>트랜잭션 확정</a:t>
+            </a:r>
+            <a:r>
+              <a:rPr lang="en-US" altLang="ko-KR" dirty="0"/>
+              <a:t>: </a:t>
+            </a:r>
+            <a:r>
+              <a:rPr lang="en-US" altLang="ko-KR" dirty="0">
+                <a:solidFill>
+                  <a:schemeClr val="accent2"/>
+                </a:solidFill>
+              </a:rPr>
+              <a:t>COMMIT</a:t>
+            </a:r>
+          </a:p>
+          <a:p>
+            <a:pPr lvl="1"/>
+            <a:r>
+              <a:rPr lang="ko-KR" altLang="en-US" dirty="0"/>
+              <a:t>트랜잭션</a:t>
+            </a:r>
+            <a:r>
+              <a:rPr lang="en-US" altLang="ko-KR" dirty="0"/>
+              <a:t> </a:t>
+            </a:r>
+            <a:r>
+              <a:rPr lang="ko-KR" altLang="en-US" dirty="0"/>
+              <a:t>취소</a:t>
+            </a:r>
+            <a:r>
+              <a:rPr lang="en-US" altLang="ko-KR" dirty="0"/>
+              <a:t>: </a:t>
+            </a:r>
+            <a:r>
+              <a:rPr lang="en-US" altLang="ko-KR" dirty="0">
+                <a:solidFill>
+                  <a:schemeClr val="accent2"/>
+                </a:solidFill>
+              </a:rPr>
+              <a:t>ROLLBACK</a:t>
+            </a:r>
+          </a:p>
+          <a:p>
+            <a:pPr lvl="1"/>
+            <a:r>
+              <a:rPr lang="ko-KR" altLang="en-US" dirty="0"/>
+              <a:t>세이브포인트 지정</a:t>
+            </a:r>
+            <a:r>
+              <a:rPr lang="en-US" altLang="ko-KR" dirty="0"/>
+              <a:t>: </a:t>
+            </a:r>
+            <a:r>
+              <a:rPr lang="en-US" altLang="ko-KR" dirty="0">
+                <a:solidFill>
+                  <a:schemeClr val="accent2"/>
+                </a:solidFill>
+              </a:rPr>
+              <a:t>SAVEPOINT</a:t>
+            </a:r>
+            <a:r>
+              <a:rPr lang="en-US" altLang="ko-KR" dirty="0"/>
+              <a:t> </a:t>
+            </a:r>
+            <a:r>
+              <a:rPr lang="ko-KR" altLang="en-US" dirty="0"/>
+              <a:t>이름</a:t>
+            </a:r>
+            <a:endParaRPr lang="en-US" altLang="ko-KR" dirty="0"/>
+          </a:p>
+          <a:p>
+            <a:pPr lvl="1"/>
+            <a:r>
+              <a:rPr lang="ko-KR" altLang="en-US" dirty="0"/>
+              <a:t>세이브포인트 롤백</a:t>
+            </a:r>
+            <a:r>
+              <a:rPr lang="en-US" altLang="ko-KR" dirty="0"/>
+              <a:t>: </a:t>
+            </a:r>
+            <a:r>
+              <a:rPr lang="en-US" altLang="ko-KR" dirty="0">
+                <a:solidFill>
+                  <a:schemeClr val="accent2"/>
+                </a:solidFill>
+              </a:rPr>
+              <a:t>ROLLBACK</a:t>
+            </a:r>
+            <a:r>
+              <a:rPr lang="en-US" altLang="ko-KR" dirty="0"/>
+              <a:t> </a:t>
+            </a:r>
+            <a:r>
+              <a:rPr lang="en-US" altLang="ko-KR" dirty="0">
+                <a:solidFill>
+                  <a:schemeClr val="accent2"/>
+                </a:solidFill>
+              </a:rPr>
+              <a:t>TO</a:t>
+            </a:r>
+            <a:r>
+              <a:rPr lang="en-US" altLang="ko-KR" dirty="0"/>
+              <a:t> </a:t>
+            </a:r>
+            <a:r>
+              <a:rPr lang="en-US" altLang="ko-KR" dirty="0">
+                <a:solidFill>
+                  <a:schemeClr val="accent2"/>
+                </a:solidFill>
+              </a:rPr>
+              <a:t>SAVEPOINT</a:t>
+            </a:r>
+            <a:r>
+              <a:rPr lang="en-US" altLang="ko-KR" dirty="0"/>
+              <a:t> </a:t>
+            </a:r>
+            <a:r>
+              <a:rPr lang="ko-KR" altLang="en-US" dirty="0"/>
+              <a:t>이름</a:t>
+            </a:r>
+            <a:endParaRPr lang="en-US" altLang="ko-KR" dirty="0"/>
+          </a:p>
+          <a:p>
+            <a:pPr lvl="1"/>
+            <a:endParaRPr lang="ko-KR" altLang="en-US" dirty="0"/>
+          </a:p>
+        </p:txBody>
+      </p:sp>
+      <p:sp>
+        <p:nvSpPr>
+          <p:cNvPr id="4" name="슬라이드 번호 개체 틀 3">
+            <a:extLst>
+              <a:ext uri="{FF2B5EF4-FFF2-40B4-BE49-F238E27FC236}">
+                <a16:creationId xmlns:a16="http://schemas.microsoft.com/office/drawing/2014/main" id="{11F74C9D-7F3B-4419-9274-C8A0B5692FB5}"/>
+              </a:ext>
+            </a:extLst>
+          </p:cNvPr>
+          <p:cNvSpPr>
+            <a:spLocks noGrp="1"/>
+          </p:cNvSpPr>
+          <p:nvPr>
+            <p:ph type="sldNum" sz="quarter" idx="12"/>
+          </p:nvPr>
+        </p:nvSpPr>
+        <p:spPr/>
+        <p:txBody>
+          <a:bodyPr/>
+          <a:lstStyle/>
+          <a:p>
+            <a:fld id="{89BED30C-66D9-4104-96BC-081A506F0CF0}" type="slidenum">
+              <a:rPr lang="ko-KR" altLang="en-US" smtClean="0"/>
+              <a:t>7</a:t>
+            </a:fld>
+            <a:endParaRPr lang="ko-KR" altLang="en-US"/>
+          </a:p>
+        </p:txBody>
+      </p:sp>
+      <p:sp>
+        <p:nvSpPr>
+          <p:cNvPr id="5" name="바닥글 개체 틀 4">
+            <a:extLst>
+              <a:ext uri="{FF2B5EF4-FFF2-40B4-BE49-F238E27FC236}">
+                <a16:creationId xmlns:a16="http://schemas.microsoft.com/office/drawing/2014/main" id="{FF004EF9-488F-4818-A307-100FE57C3D50}"/>
+              </a:ext>
+            </a:extLst>
+          </p:cNvPr>
+          <p:cNvSpPr>
+            <a:spLocks noGrp="1"/>
+          </p:cNvSpPr>
+          <p:nvPr>
+            <p:ph type="ftr" sz="quarter" idx="3"/>
+          </p:nvPr>
+        </p:nvSpPr>
+        <p:spPr/>
+        <p:txBody>
+          <a:bodyPr/>
+          <a:lstStyle/>
+          <a:p>
+            <a:pPr algn="l"/>
+            <a:r>
+              <a:rPr lang="en-US" altLang="ko-KR"/>
+              <a:t>Nibble</a:t>
+            </a:r>
+            <a:endParaRPr lang="ko-KR" altLang="en-US" dirty="0"/>
+          </a:p>
+        </p:txBody>
+      </p:sp>
+      <p:sp>
+        <p:nvSpPr>
+          <p:cNvPr id="6" name="날짜 개체 틀 5">
+            <a:extLst>
+              <a:ext uri="{FF2B5EF4-FFF2-40B4-BE49-F238E27FC236}">
+                <a16:creationId xmlns:a16="http://schemas.microsoft.com/office/drawing/2014/main" id="{198E7D58-28B3-4713-9AB7-C1D9A79A81BB}"/>
+              </a:ext>
+            </a:extLst>
+          </p:cNvPr>
+          <p:cNvSpPr>
+            <a:spLocks noGrp="1"/>
+          </p:cNvSpPr>
+          <p:nvPr>
+            <p:ph type="dt" sz="half" idx="13"/>
+          </p:nvPr>
+        </p:nvSpPr>
+        <p:spPr/>
+        <p:txBody>
+          <a:bodyPr/>
+          <a:lstStyle/>
+          <a:p>
+            <a:fld id="{B226B4E6-2447-4D67-A511-B13A2182F919}" type="datetime5">
+              <a:rPr lang="ko-KR" altLang="en-US" smtClean="0"/>
+              <a:t>2021/8/2</a:t>
+            </a:fld>
+            <a:endParaRPr lang="ko-KR" altLang="en-US" dirty="0"/>
+          </a:p>
+        </p:txBody>
+      </p:sp>
+    </p:spTree>
+    <p:extLst>
+      <p:ext uri="{BB962C8B-B14F-4D97-AF65-F5344CB8AC3E}">
+        <p14:creationId xmlns:p14="http://schemas.microsoft.com/office/powerpoint/2010/main" val="1490504138"/>
+      </p:ext>
+    </p:extLst>
+  </p:cSld>
+  <p:clrMapOvr>
+    <a:masterClrMapping/>
+  </p:clrMapOvr>
+</p:sld>
+</file>
+
+<file path=ppt/slides/slide8.xml><?xml version="1.0" encoding="utf-8"?>
+<p:sld xmlns:a="http://schemas.openxmlformats.org/drawingml/2006/main" xmlns:r="http://schemas.openxmlformats.org/officeDocument/2006/relationships" xmlns:p="http://schemas.openxmlformats.org/presentationml/2006/main">
+  <p:cSld>
+    <p:spTree>
+      <p:nvGrpSpPr>
+        <p:cNvPr id="1" name=""/>
+        <p:cNvGrpSpPr/>
+        <p:nvPr/>
+      </p:nvGrpSpPr>
+      <p:grpSpPr>
+        <a:xfrm>
+          <a:off x="0" y="0"/>
+          <a:ext cx="0" cy="0"/>
+          <a:chOff x="0" y="0"/>
+          <a:chExt cx="0" cy="0"/>
+        </a:xfrm>
+      </p:grpSpPr>
+      <p:sp>
+        <p:nvSpPr>
+          <p:cNvPr id="2" name="내용 개체 틀 1">
+            <a:extLst>
+              <a:ext uri="{FF2B5EF4-FFF2-40B4-BE49-F238E27FC236}">
+                <a16:creationId xmlns:a16="http://schemas.microsoft.com/office/drawing/2014/main" id="{007F57E8-C245-45B9-BCD1-F236A649C50A}"/>
+              </a:ext>
+            </a:extLst>
+          </p:cNvPr>
+          <p:cNvSpPr>
+            <a:spLocks noGrp="1"/>
+          </p:cNvSpPr>
+          <p:nvPr>
+            <p:ph sz="half" idx="14"/>
+          </p:nvPr>
+        </p:nvSpPr>
+        <p:spPr/>
+        <p:txBody>
+          <a:bodyPr/>
+          <a:lstStyle/>
+          <a:p>
+            <a:r>
+              <a:rPr lang="en-US" altLang="ko-KR" dirty="0"/>
+              <a:t>Window Function</a:t>
+            </a:r>
+          </a:p>
+          <a:p>
+            <a:pPr lvl="1"/>
+            <a:r>
+              <a:rPr lang="ko-KR" altLang="en-US" dirty="0"/>
+              <a:t>정의</a:t>
+            </a:r>
+            <a:r>
+              <a:rPr lang="en-US" altLang="ko-KR" dirty="0"/>
+              <a:t>: </a:t>
+            </a:r>
+            <a:r>
+              <a:rPr lang="ko-KR" altLang="en-US" dirty="0"/>
+              <a:t>행과 행의 관계를 정의하기 위해 만든 함수</a:t>
+            </a:r>
+            <a:endParaRPr lang="en-US" altLang="ko-KR" dirty="0"/>
+          </a:p>
+          <a:p>
+            <a:pPr lvl="2"/>
+            <a:r>
+              <a:rPr lang="ko-KR" altLang="en-US" dirty="0"/>
+              <a:t>순위</a:t>
+            </a:r>
+            <a:r>
+              <a:rPr lang="en-US" altLang="ko-KR" dirty="0"/>
+              <a:t>, </a:t>
+            </a:r>
+            <a:r>
+              <a:rPr lang="ko-KR" altLang="en-US" dirty="0"/>
+              <a:t>합계</a:t>
+            </a:r>
+            <a:r>
+              <a:rPr lang="en-US" altLang="ko-KR" dirty="0"/>
+              <a:t>, </a:t>
+            </a:r>
+            <a:r>
+              <a:rPr lang="ko-KR" altLang="en-US" dirty="0"/>
+              <a:t>평균</a:t>
+            </a:r>
+            <a:r>
+              <a:rPr lang="en-US" altLang="ko-KR" dirty="0"/>
+              <a:t>, </a:t>
+            </a:r>
+            <a:r>
+              <a:rPr lang="ko-KR" altLang="en-US" dirty="0"/>
+              <a:t>행 위치 등 조작</a:t>
+            </a:r>
+            <a:endParaRPr lang="en-US" altLang="ko-KR" dirty="0"/>
+          </a:p>
+          <a:p>
+            <a:pPr lvl="2"/>
+            <a:r>
+              <a:rPr lang="en-US" altLang="ko-KR" dirty="0"/>
+              <a:t>OLAP (On-Line Analytical Processing)</a:t>
+            </a:r>
+            <a:r>
+              <a:rPr lang="ko-KR" altLang="en-US" dirty="0"/>
+              <a:t>이라고도 함</a:t>
+            </a:r>
+            <a:endParaRPr lang="en-US" altLang="ko-KR" dirty="0"/>
+          </a:p>
+          <a:p>
+            <a:pPr lvl="1"/>
+            <a:r>
+              <a:rPr lang="ko-KR" altLang="en-US" dirty="0"/>
+              <a:t>구조</a:t>
+            </a:r>
+            <a:endParaRPr lang="en-US" altLang="ko-KR" dirty="0"/>
+          </a:p>
+          <a:p>
+            <a:pPr lvl="1"/>
+            <a:endParaRPr lang="en-US" altLang="ko-KR" dirty="0"/>
+          </a:p>
+          <a:p>
+            <a:pPr lvl="1"/>
+            <a:endParaRPr lang="en-US" altLang="ko-KR" dirty="0"/>
+          </a:p>
+          <a:p>
+            <a:pPr lvl="1"/>
+            <a:endParaRPr lang="en-US" altLang="ko-KR" dirty="0"/>
+          </a:p>
+          <a:p>
+            <a:pPr lvl="1"/>
+            <a:endParaRPr lang="en-US" altLang="ko-KR" dirty="0"/>
+          </a:p>
+          <a:p>
+            <a:pPr lvl="2"/>
+            <a:r>
+              <a:rPr lang="en-US" altLang="ko-KR" dirty="0"/>
+              <a:t>PARTITION BY </a:t>
+            </a:r>
+            <a:r>
+              <a:rPr lang="ko-KR" altLang="en-US" dirty="0"/>
+              <a:t>칼럼</a:t>
+            </a:r>
+            <a:r>
+              <a:rPr lang="en-US" altLang="ko-KR" dirty="0"/>
+              <a:t>: </a:t>
+            </a:r>
+            <a:r>
+              <a:rPr lang="ko-KR" altLang="en-US" dirty="0"/>
+              <a:t>전체를</a:t>
+            </a:r>
+            <a:r>
+              <a:rPr lang="en-US" altLang="ko-KR" dirty="0"/>
+              <a:t> </a:t>
+            </a:r>
+            <a:r>
+              <a:rPr lang="ko-KR" altLang="en-US" dirty="0"/>
+              <a:t>윈도로 나눔</a:t>
+            </a:r>
+            <a:endParaRPr lang="en-US" altLang="ko-KR" dirty="0"/>
+          </a:p>
+          <a:p>
+            <a:pPr lvl="2"/>
+            <a:r>
+              <a:rPr lang="en-US" altLang="ko-KR" dirty="0"/>
+              <a:t>ORDER BY: </a:t>
+            </a:r>
+            <a:r>
+              <a:rPr lang="ko-KR" altLang="en-US" dirty="0"/>
+              <a:t>정렬</a:t>
+            </a:r>
+            <a:endParaRPr lang="en-US" altLang="ko-KR" dirty="0"/>
+          </a:p>
+        </p:txBody>
+      </p:sp>
+      <p:sp>
+        <p:nvSpPr>
+          <p:cNvPr id="3" name="제목 2">
+            <a:extLst>
+              <a:ext uri="{FF2B5EF4-FFF2-40B4-BE49-F238E27FC236}">
+                <a16:creationId xmlns:a16="http://schemas.microsoft.com/office/drawing/2014/main" id="{123E91E4-4140-4B13-AA86-17F74DAA5266}"/>
+              </a:ext>
+            </a:extLst>
+          </p:cNvPr>
+          <p:cNvSpPr>
+            <a:spLocks noGrp="1"/>
+          </p:cNvSpPr>
+          <p:nvPr>
+            <p:ph type="title"/>
+          </p:nvPr>
+        </p:nvSpPr>
+        <p:spPr/>
+        <p:txBody>
+          <a:bodyPr/>
+          <a:lstStyle/>
+          <a:p>
+            <a:r>
+              <a:rPr lang="en-US" altLang="ko-KR" dirty="0"/>
+              <a:t>Window Function</a:t>
+            </a:r>
+            <a:endParaRPr lang="ko-KR" altLang="en-US" dirty="0"/>
+          </a:p>
+        </p:txBody>
+      </p:sp>
+      <p:sp>
+        <p:nvSpPr>
+          <p:cNvPr id="4" name="내용 개체 틀 3">
+            <a:extLst>
+              <a:ext uri="{FF2B5EF4-FFF2-40B4-BE49-F238E27FC236}">
+                <a16:creationId xmlns:a16="http://schemas.microsoft.com/office/drawing/2014/main" id="{E827916E-2A80-41A8-BDF7-00E9563AA440}"/>
+              </a:ext>
+            </a:extLst>
+          </p:cNvPr>
+          <p:cNvSpPr>
+            <a:spLocks noGrp="1"/>
+          </p:cNvSpPr>
+          <p:nvPr>
+            <p:ph sz="half" idx="2"/>
+          </p:nvPr>
+        </p:nvSpPr>
+        <p:spPr/>
+        <p:txBody>
+          <a:bodyPr/>
+          <a:lstStyle/>
+          <a:p>
+            <a:r>
+              <a:rPr lang="en-US" altLang="ko-KR" dirty="0"/>
+              <a:t>Window</a:t>
+            </a:r>
+            <a:r>
+              <a:rPr lang="ko-KR" altLang="en-US" dirty="0"/>
+              <a:t>랑 </a:t>
+            </a:r>
+            <a:r>
+              <a:rPr lang="en-US" altLang="ko-KR" dirty="0"/>
+              <a:t>Group</a:t>
+            </a:r>
+            <a:r>
+              <a:rPr lang="ko-KR" altLang="en-US" dirty="0"/>
+              <a:t>은 패스</a:t>
+            </a:r>
+            <a:r>
+              <a:rPr lang="en-US" altLang="ko-KR" dirty="0"/>
+              <a:t>…</a:t>
+            </a:r>
+          </a:p>
+          <a:p>
+            <a:pPr lvl="1"/>
+            <a:r>
+              <a:rPr lang="ko-KR" altLang="en-US"/>
+              <a:t>기출도 별로 없는데 양은 방대해서</a:t>
+            </a:r>
+          </a:p>
+        </p:txBody>
+      </p:sp>
+      <p:sp>
+        <p:nvSpPr>
+          <p:cNvPr id="5" name="슬라이드 번호 개체 틀 4">
+            <a:extLst>
+              <a:ext uri="{FF2B5EF4-FFF2-40B4-BE49-F238E27FC236}">
+                <a16:creationId xmlns:a16="http://schemas.microsoft.com/office/drawing/2014/main" id="{9B4BB135-3976-4E96-831D-11383CC4A768}"/>
+              </a:ext>
+            </a:extLst>
+          </p:cNvPr>
+          <p:cNvSpPr>
+            <a:spLocks noGrp="1"/>
+          </p:cNvSpPr>
+          <p:nvPr>
+            <p:ph type="sldNum" sz="quarter" idx="12"/>
+          </p:nvPr>
+        </p:nvSpPr>
+        <p:spPr/>
+        <p:txBody>
+          <a:bodyPr/>
+          <a:lstStyle/>
+          <a:p>
+            <a:fld id="{89BED30C-66D9-4104-96BC-081A506F0CF0}" type="slidenum">
+              <a:rPr lang="ko-KR" altLang="en-US" smtClean="0"/>
+              <a:t>8</a:t>
+            </a:fld>
+            <a:endParaRPr lang="ko-KR" altLang="en-US"/>
+          </a:p>
+        </p:txBody>
+      </p:sp>
+      <p:sp>
+        <p:nvSpPr>
+          <p:cNvPr id="6" name="바닥글 개체 틀 5">
+            <a:extLst>
+              <a:ext uri="{FF2B5EF4-FFF2-40B4-BE49-F238E27FC236}">
+                <a16:creationId xmlns:a16="http://schemas.microsoft.com/office/drawing/2014/main" id="{47DD5C78-FB4E-437D-8A07-45CFCED3EF69}"/>
+              </a:ext>
+            </a:extLst>
+          </p:cNvPr>
+          <p:cNvSpPr>
+            <a:spLocks noGrp="1"/>
+          </p:cNvSpPr>
+          <p:nvPr>
+            <p:ph type="ftr" sz="quarter" idx="3"/>
+          </p:nvPr>
+        </p:nvSpPr>
+        <p:spPr/>
+        <p:txBody>
+          <a:bodyPr/>
+          <a:lstStyle/>
+          <a:p>
+            <a:pPr algn="l"/>
+            <a:r>
+              <a:rPr lang="en-US" altLang="ko-KR"/>
+              <a:t>Nibble</a:t>
+            </a:r>
+            <a:endParaRPr lang="ko-KR" altLang="en-US" dirty="0"/>
+          </a:p>
+        </p:txBody>
+      </p:sp>
+      <p:sp>
+        <p:nvSpPr>
+          <p:cNvPr id="7" name="날짜 개체 틀 6">
+            <a:extLst>
+              <a:ext uri="{FF2B5EF4-FFF2-40B4-BE49-F238E27FC236}">
+                <a16:creationId xmlns:a16="http://schemas.microsoft.com/office/drawing/2014/main" id="{6D83A981-4AE4-4CCE-A65C-B611574C9563}"/>
+              </a:ext>
+            </a:extLst>
+          </p:cNvPr>
+          <p:cNvSpPr>
+            <a:spLocks noGrp="1"/>
+          </p:cNvSpPr>
+          <p:nvPr>
+            <p:ph type="dt" sz="half" idx="13"/>
+          </p:nvPr>
+        </p:nvSpPr>
+        <p:spPr/>
+        <p:txBody>
+          <a:bodyPr/>
+          <a:lstStyle/>
+          <a:p>
+            <a:fld id="{B226B4E6-2447-4D67-A511-B13A2182F919}" type="datetime5">
+              <a:rPr lang="ko-KR" altLang="en-US" smtClean="0"/>
+              <a:t>2021/8/2</a:t>
+            </a:fld>
+            <a:endParaRPr lang="ko-KR" altLang="en-US" dirty="0"/>
+          </a:p>
+        </p:txBody>
+      </p:sp>
+      <p:pic>
+        <p:nvPicPr>
+          <p:cNvPr id="9" name="그림 8" descr="텍스트이(가) 표시된 사진&#10;&#10;자동 생성된 설명">
+            <a:extLst>
+              <a:ext uri="{FF2B5EF4-FFF2-40B4-BE49-F238E27FC236}">
+                <a16:creationId xmlns:a16="http://schemas.microsoft.com/office/drawing/2014/main" id="{5E48BC71-CD59-43EC-9E21-DC51DBCC0D53}"/>
+              </a:ext>
+            </a:extLst>
+          </p:cNvPr>
+          <p:cNvPicPr>
+            <a:picLocks noChangeAspect="1"/>
+          </p:cNvPicPr>
+          <p:nvPr/>
+        </p:nvPicPr>
+        <p:blipFill>
+          <a:blip r:embed="rId2"/>
+          <a:stretch>
+            <a:fillRect/>
+          </a:stretch>
+        </p:blipFill>
+        <p:spPr>
+          <a:xfrm>
+            <a:off x="1602581" y="2559829"/>
+            <a:ext cx="2829320" cy="885949"/>
+          </a:xfrm>
+          <a:prstGeom prst="rect">
+            <a:avLst/>
+          </a:prstGeom>
+          <a:ln>
+            <a:solidFill>
+              <a:schemeClr val="bg1">
+                <a:lumMod val="85000"/>
+              </a:schemeClr>
+            </a:solidFill>
+          </a:ln>
+        </p:spPr>
+      </p:pic>
+    </p:spTree>
+    <p:extLst>
+      <p:ext uri="{BB962C8B-B14F-4D97-AF65-F5344CB8AC3E}">
+        <p14:creationId xmlns:p14="http://schemas.microsoft.com/office/powerpoint/2010/main" val="1169899290"/>
       </p:ext>
     </p:extLst>
   </p:cSld>

--- a/정보처리기사/3. DB 구축.pptx
+++ b/정보처리기사/3. DB 구축.pptx
@@ -5,10 +5,10 @@
     <p:sldMasterId id="2147483648" r:id="rId1"/>
   </p:sldMasterIdLst>
   <p:notesMasterIdLst>
-    <p:notesMasterId r:id="rId10"/>
+    <p:notesMasterId r:id="rId20"/>
   </p:notesMasterIdLst>
   <p:handoutMasterIdLst>
-    <p:handoutMasterId r:id="rId11"/>
+    <p:handoutMasterId r:id="rId21"/>
   </p:handoutMasterIdLst>
   <p:sldIdLst>
     <p:sldId id="259" r:id="rId2"/>
@@ -19,6 +19,16 @@
     <p:sldId id="267" r:id="rId7"/>
     <p:sldId id="268" r:id="rId8"/>
     <p:sldId id="269" r:id="rId9"/>
+    <p:sldId id="270" r:id="rId10"/>
+    <p:sldId id="271" r:id="rId11"/>
+    <p:sldId id="272" r:id="rId12"/>
+    <p:sldId id="273" r:id="rId13"/>
+    <p:sldId id="274" r:id="rId14"/>
+    <p:sldId id="275" r:id="rId15"/>
+    <p:sldId id="276" r:id="rId16"/>
+    <p:sldId id="277" r:id="rId17"/>
+    <p:sldId id="278" r:id="rId18"/>
+    <p:sldId id="279" r:id="rId19"/>
   </p:sldIdLst>
   <p:sldSz cx="12192000" cy="6858000"/>
   <p:notesSz cx="9144000" cy="6858000"/>
@@ -144,6 +154,24 @@
             <p14:sldId id="269"/>
           </p14:sldIdLst>
         </p14:section>
+        <p14:section name="SQL 활용 - 기본 SQL 작성" id="{48022464-4E84-4B4A-88CD-86B120259B42}">
+          <p14:sldIdLst>
+            <p14:sldId id="270"/>
+            <p14:sldId id="271"/>
+            <p14:sldId id="272"/>
+            <p14:sldId id="273"/>
+            <p14:sldId id="274"/>
+          </p14:sldIdLst>
+        </p14:section>
+        <p14:section name="SQL 활용 - 고급 SQL 작성" id="{00C38FD1-20F7-426E-80DC-C9035F6304EC}">
+          <p14:sldIdLst>
+            <p14:sldId id="275"/>
+            <p14:sldId id="276"/>
+            <p14:sldId id="277"/>
+            <p14:sldId id="278"/>
+            <p14:sldId id="279"/>
+          </p14:sldIdLst>
+        </p14:section>
       </p14:sectionLst>
     </p:ext>
     <p:ext uri="{EFAFB233-063F-42B5-8137-9DF3F51BA10A}">
@@ -250,7 +278,7 @@
           <a:p>
             <a:fld id="{A4D0E862-B602-4F19-9CCB-DBEF680D281A}" type="datetimeFigureOut">
               <a:rPr lang="ko-KR" altLang="en-US" smtClean="0"/>
-              <a:t>2021-08-02</a:t>
+              <a:t>2021-08-04</a:t>
             </a:fld>
             <a:endParaRPr lang="ko-KR" altLang="en-US"/>
           </a:p>
@@ -427,7 +455,7 @@
           <a:p>
             <a:fld id="{44272663-55A4-40A7-950D-2D273278BFB3}" type="datetimeFigureOut">
               <a:rPr lang="ko-KR" altLang="en-US" smtClean="0"/>
-              <a:t>2021-08-02</a:t>
+              <a:t>2021-08-04</a:t>
             </a:fld>
             <a:endParaRPr lang="ko-KR" altLang="en-US"/>
           </a:p>
@@ -1534,7 +1562,7 @@
           <a:p>
             <a:fld id="{B226B4E6-2447-4D67-A511-B13A2182F919}" type="datetime5">
               <a:rPr lang="ko-KR" altLang="en-US" smtClean="0"/>
-              <a:t>2021/8/2</a:t>
+              <a:t>2021/8/4</a:t>
             </a:fld>
             <a:endParaRPr lang="ko-KR" altLang="en-US" dirty="0"/>
           </a:p>
@@ -1905,7 +1933,7 @@
           <a:p>
             <a:fld id="{B226B4E6-2447-4D67-A511-B13A2182F919}" type="datetime5">
               <a:rPr lang="ko-KR" altLang="en-US" smtClean="0"/>
-              <a:t>2021/8/2</a:t>
+              <a:t>2021/8/4</a:t>
             </a:fld>
             <a:endParaRPr lang="ko-KR" altLang="en-US" dirty="0"/>
           </a:p>
@@ -2199,7 +2227,7 @@
           <a:p>
             <a:fld id="{B226B4E6-2447-4D67-A511-B13A2182F919}" type="datetime5">
               <a:rPr lang="ko-KR" altLang="en-US" smtClean="0"/>
-              <a:t>2021/8/2</a:t>
+              <a:t>2021/8/4</a:t>
             </a:fld>
             <a:endParaRPr lang="ko-KR" altLang="en-US" dirty="0"/>
           </a:p>
@@ -2501,7 +2529,7 @@
           <a:p>
             <a:fld id="{B226B4E6-2447-4D67-A511-B13A2182F919}" type="datetime5">
               <a:rPr lang="ko-KR" altLang="en-US" smtClean="0"/>
-              <a:t>2021/8/2</a:t>
+              <a:t>2021/8/4</a:t>
             </a:fld>
             <a:endParaRPr lang="ko-KR" altLang="en-US" dirty="0"/>
           </a:p>
@@ -3231,6 +3259,3186 @@
 </p:sld>
 </file>
 
+<file path=ppt/slides/slide10.xml><?xml version="1.0" encoding="utf-8"?>
+<p:sld xmlns:a="http://schemas.openxmlformats.org/drawingml/2006/main" xmlns:r="http://schemas.openxmlformats.org/officeDocument/2006/relationships" xmlns:p="http://schemas.openxmlformats.org/presentationml/2006/main">
+  <p:cSld>
+    <p:spTree>
+      <p:nvGrpSpPr>
+        <p:cNvPr id="1" name=""/>
+        <p:cNvGrpSpPr/>
+        <p:nvPr/>
+      </p:nvGrpSpPr>
+      <p:grpSpPr>
+        <a:xfrm>
+          <a:off x="0" y="0"/>
+          <a:ext cx="0" cy="0"/>
+          <a:chOff x="0" y="0"/>
+          <a:chExt cx="0" cy="0"/>
+        </a:xfrm>
+      </p:grpSpPr>
+      <p:sp>
+        <p:nvSpPr>
+          <p:cNvPr id="2" name="내용 개체 틀 1">
+            <a:extLst>
+              <a:ext uri="{FF2B5EF4-FFF2-40B4-BE49-F238E27FC236}">
+                <a16:creationId xmlns:a16="http://schemas.microsoft.com/office/drawing/2014/main" id="{659D885B-C2B6-40DE-9B00-10F1BE736A0D}"/>
+              </a:ext>
+            </a:extLst>
+          </p:cNvPr>
+          <p:cNvSpPr>
+            <a:spLocks noGrp="1"/>
+          </p:cNvSpPr>
+          <p:nvPr>
+            <p:ph sz="half" idx="14"/>
+          </p:nvPr>
+        </p:nvSpPr>
+        <p:spPr/>
+        <p:txBody>
+          <a:bodyPr/>
+          <a:lstStyle/>
+          <a:p>
+            <a:r>
+              <a:rPr lang="en-US" altLang="ko-KR" dirty="0"/>
+              <a:t>Relation Data Model</a:t>
+            </a:r>
+          </a:p>
+          <a:p>
+            <a:pPr lvl="1"/>
+            <a:r>
+              <a:rPr lang="ko-KR" altLang="en-US" dirty="0"/>
+              <a:t>정의</a:t>
+            </a:r>
+            <a:r>
+              <a:rPr lang="en-US" altLang="ko-KR" dirty="0"/>
+              <a:t>: </a:t>
+            </a:r>
+            <a:r>
+              <a:rPr lang="ko-KR" altLang="en-US" dirty="0"/>
+              <a:t>데이터 모델의 일종</a:t>
+            </a:r>
+            <a:endParaRPr lang="en-US" altLang="ko-KR" dirty="0"/>
+          </a:p>
+          <a:p>
+            <a:pPr lvl="2"/>
+            <a:r>
+              <a:rPr lang="ko-KR" altLang="en-US" dirty="0"/>
+              <a:t>데이터의 관계를 </a:t>
+            </a:r>
+            <a:r>
+              <a:rPr lang="en-US" altLang="ko-KR" dirty="0"/>
+              <a:t>PK</a:t>
+            </a:r>
+            <a:r>
+              <a:rPr lang="ko-KR" altLang="en-US" dirty="0"/>
+              <a:t>와 </a:t>
+            </a:r>
+            <a:r>
+              <a:rPr lang="en-US" altLang="ko-KR" dirty="0"/>
+              <a:t>FK</a:t>
+            </a:r>
+            <a:r>
+              <a:rPr lang="ko-KR" altLang="en-US" dirty="0"/>
+              <a:t>로 표현</a:t>
+            </a:r>
+          </a:p>
+        </p:txBody>
+      </p:sp>
+      <p:sp>
+        <p:nvSpPr>
+          <p:cNvPr id="3" name="제목 2">
+            <a:extLst>
+              <a:ext uri="{FF2B5EF4-FFF2-40B4-BE49-F238E27FC236}">
+                <a16:creationId xmlns:a16="http://schemas.microsoft.com/office/drawing/2014/main" id="{8C8F21A1-5ECB-461B-8123-F935F4D75AEE}"/>
+              </a:ext>
+            </a:extLst>
+          </p:cNvPr>
+          <p:cNvSpPr>
+            <a:spLocks noGrp="1"/>
+          </p:cNvSpPr>
+          <p:nvPr>
+            <p:ph type="title"/>
+          </p:nvPr>
+        </p:nvSpPr>
+        <p:spPr/>
+        <p:txBody>
+          <a:bodyPr/>
+          <a:lstStyle/>
+          <a:p>
+            <a:r>
+              <a:rPr lang="en-US" altLang="ko-KR" dirty="0"/>
+              <a:t>Relation Data Model</a:t>
+            </a:r>
+            <a:endParaRPr lang="ko-KR" altLang="en-US" dirty="0"/>
+          </a:p>
+        </p:txBody>
+      </p:sp>
+      <p:sp>
+        <p:nvSpPr>
+          <p:cNvPr id="4" name="내용 개체 틀 3">
+            <a:extLst>
+              <a:ext uri="{FF2B5EF4-FFF2-40B4-BE49-F238E27FC236}">
+                <a16:creationId xmlns:a16="http://schemas.microsoft.com/office/drawing/2014/main" id="{AB0D0B63-79F6-4BCB-9F4A-54A4E11E5892}"/>
+              </a:ext>
+            </a:extLst>
+          </p:cNvPr>
+          <p:cNvSpPr>
+            <a:spLocks noGrp="1"/>
+          </p:cNvSpPr>
+          <p:nvPr>
+            <p:ph sz="half" idx="2"/>
+          </p:nvPr>
+        </p:nvSpPr>
+        <p:spPr/>
+        <p:txBody>
+          <a:bodyPr/>
+          <a:lstStyle/>
+          <a:p>
+            <a:endParaRPr lang="ko-KR" altLang="en-US"/>
+          </a:p>
+        </p:txBody>
+      </p:sp>
+      <p:sp>
+        <p:nvSpPr>
+          <p:cNvPr id="5" name="슬라이드 번호 개체 틀 4">
+            <a:extLst>
+              <a:ext uri="{FF2B5EF4-FFF2-40B4-BE49-F238E27FC236}">
+                <a16:creationId xmlns:a16="http://schemas.microsoft.com/office/drawing/2014/main" id="{F64CDC4A-0C14-42EB-ABDA-7FF8CBA81255}"/>
+              </a:ext>
+            </a:extLst>
+          </p:cNvPr>
+          <p:cNvSpPr>
+            <a:spLocks noGrp="1"/>
+          </p:cNvSpPr>
+          <p:nvPr>
+            <p:ph type="sldNum" sz="quarter" idx="12"/>
+          </p:nvPr>
+        </p:nvSpPr>
+        <p:spPr/>
+        <p:txBody>
+          <a:bodyPr/>
+          <a:lstStyle/>
+          <a:p>
+            <a:fld id="{89BED30C-66D9-4104-96BC-081A506F0CF0}" type="slidenum">
+              <a:rPr lang="ko-KR" altLang="en-US" smtClean="0"/>
+              <a:t>10</a:t>
+            </a:fld>
+            <a:endParaRPr lang="ko-KR" altLang="en-US"/>
+          </a:p>
+        </p:txBody>
+      </p:sp>
+      <p:sp>
+        <p:nvSpPr>
+          <p:cNvPr id="6" name="바닥글 개체 틀 5">
+            <a:extLst>
+              <a:ext uri="{FF2B5EF4-FFF2-40B4-BE49-F238E27FC236}">
+                <a16:creationId xmlns:a16="http://schemas.microsoft.com/office/drawing/2014/main" id="{2F093B7A-6C48-4601-B293-B0C86F1B7B05}"/>
+              </a:ext>
+            </a:extLst>
+          </p:cNvPr>
+          <p:cNvSpPr>
+            <a:spLocks noGrp="1"/>
+          </p:cNvSpPr>
+          <p:nvPr>
+            <p:ph type="ftr" sz="quarter" idx="3"/>
+          </p:nvPr>
+        </p:nvSpPr>
+        <p:spPr/>
+        <p:txBody>
+          <a:bodyPr/>
+          <a:lstStyle/>
+          <a:p>
+            <a:pPr algn="l"/>
+            <a:r>
+              <a:rPr lang="en-US" altLang="ko-KR"/>
+              <a:t>Nibble</a:t>
+            </a:r>
+            <a:endParaRPr lang="ko-KR" altLang="en-US" dirty="0"/>
+          </a:p>
+        </p:txBody>
+      </p:sp>
+      <p:sp>
+        <p:nvSpPr>
+          <p:cNvPr id="7" name="날짜 개체 틀 6">
+            <a:extLst>
+              <a:ext uri="{FF2B5EF4-FFF2-40B4-BE49-F238E27FC236}">
+                <a16:creationId xmlns:a16="http://schemas.microsoft.com/office/drawing/2014/main" id="{11B19AA7-86BA-4428-857C-5D54A32A154D}"/>
+              </a:ext>
+            </a:extLst>
+          </p:cNvPr>
+          <p:cNvSpPr>
+            <a:spLocks noGrp="1"/>
+          </p:cNvSpPr>
+          <p:nvPr>
+            <p:ph type="dt" sz="half" idx="13"/>
+          </p:nvPr>
+        </p:nvSpPr>
+        <p:spPr/>
+        <p:txBody>
+          <a:bodyPr/>
+          <a:lstStyle/>
+          <a:p>
+            <a:fld id="{B226B4E6-2447-4D67-A511-B13A2182F919}" type="datetime5">
+              <a:rPr lang="ko-KR" altLang="en-US" smtClean="0"/>
+              <a:t>2021/8/4</a:t>
+            </a:fld>
+            <a:endParaRPr lang="ko-KR" altLang="en-US" dirty="0"/>
+          </a:p>
+        </p:txBody>
+      </p:sp>
+    </p:spTree>
+    <p:extLst>
+      <p:ext uri="{BB962C8B-B14F-4D97-AF65-F5344CB8AC3E}">
+        <p14:creationId xmlns:p14="http://schemas.microsoft.com/office/powerpoint/2010/main" val="3629867823"/>
+      </p:ext>
+    </p:extLst>
+  </p:cSld>
+  <p:clrMapOvr>
+    <a:masterClrMapping/>
+  </p:clrMapOvr>
+</p:sld>
+</file>
+
+<file path=ppt/slides/slide11.xml><?xml version="1.0" encoding="utf-8"?>
+<p:sld xmlns:a="http://schemas.openxmlformats.org/drawingml/2006/main" xmlns:r="http://schemas.openxmlformats.org/officeDocument/2006/relationships" xmlns:p="http://schemas.openxmlformats.org/presentationml/2006/main">
+  <p:cSld>
+    <p:spTree>
+      <p:nvGrpSpPr>
+        <p:cNvPr id="1" name=""/>
+        <p:cNvGrpSpPr/>
+        <p:nvPr/>
+      </p:nvGrpSpPr>
+      <p:grpSpPr>
+        <a:xfrm>
+          <a:off x="0" y="0"/>
+          <a:ext cx="0" cy="0"/>
+          <a:chOff x="0" y="0"/>
+          <a:chExt cx="0" cy="0"/>
+        </a:xfrm>
+      </p:grpSpPr>
+      <p:sp>
+        <p:nvSpPr>
+          <p:cNvPr id="2" name="내용 개체 틀 1">
+            <a:extLst>
+              <a:ext uri="{FF2B5EF4-FFF2-40B4-BE49-F238E27FC236}">
+                <a16:creationId xmlns:a16="http://schemas.microsoft.com/office/drawing/2014/main" id="{1409DC75-7C92-4981-AD28-D2AB939681D4}"/>
+              </a:ext>
+            </a:extLst>
+          </p:cNvPr>
+          <p:cNvSpPr>
+            <a:spLocks noGrp="1"/>
+          </p:cNvSpPr>
+          <p:nvPr>
+            <p:ph sz="half" idx="14"/>
+          </p:nvPr>
+        </p:nvSpPr>
+        <p:spPr/>
+        <p:txBody>
+          <a:bodyPr/>
+          <a:lstStyle/>
+          <a:p>
+            <a:r>
+              <a:rPr lang="en-US" altLang="ko-KR" dirty="0"/>
+              <a:t>Transaction</a:t>
+            </a:r>
+          </a:p>
+          <a:p>
+            <a:pPr lvl="1"/>
+            <a:r>
+              <a:rPr lang="ko-KR" altLang="en-US" dirty="0"/>
+              <a:t>정의</a:t>
+            </a:r>
+            <a:r>
+              <a:rPr lang="en-US" altLang="ko-KR" dirty="0"/>
+              <a:t>: </a:t>
+            </a:r>
+            <a:r>
+              <a:rPr lang="ko-KR" altLang="en-US" dirty="0"/>
+              <a:t>하나의</a:t>
+            </a:r>
+            <a:r>
+              <a:rPr lang="en-US" altLang="ko-KR" dirty="0"/>
+              <a:t> </a:t>
+            </a:r>
+            <a:r>
+              <a:rPr lang="ko-KR" altLang="en-US" dirty="0"/>
+              <a:t>기능을 하기위한 작업의 기본 단위</a:t>
+            </a:r>
+            <a:endParaRPr lang="en-US" altLang="ko-KR" dirty="0"/>
+          </a:p>
+          <a:p>
+            <a:pPr lvl="1"/>
+            <a:r>
+              <a:rPr lang="ko-KR" altLang="en-US" dirty="0"/>
+              <a:t>특징</a:t>
+            </a:r>
+            <a:endParaRPr lang="en-US" altLang="ko-KR" dirty="0"/>
+          </a:p>
+          <a:p>
+            <a:pPr lvl="2"/>
+            <a:r>
+              <a:rPr lang="ko-KR" altLang="en-US" dirty="0" err="1"/>
+              <a:t>원자성</a:t>
+            </a:r>
+            <a:endParaRPr lang="en-US" altLang="ko-KR" dirty="0"/>
+          </a:p>
+          <a:p>
+            <a:pPr lvl="2"/>
+            <a:r>
+              <a:rPr lang="ko-KR" altLang="en-US" dirty="0"/>
+              <a:t>일관성</a:t>
+            </a:r>
+            <a:endParaRPr lang="en-US" altLang="ko-KR" dirty="0"/>
+          </a:p>
+          <a:p>
+            <a:pPr lvl="2"/>
+            <a:r>
+              <a:rPr lang="ko-KR" altLang="en-US" dirty="0" err="1"/>
+              <a:t>격리성</a:t>
+            </a:r>
+            <a:r>
+              <a:rPr lang="en-US" altLang="ko-KR" dirty="0"/>
+              <a:t>: </a:t>
+            </a:r>
+            <a:r>
+              <a:rPr lang="ko-KR" altLang="en-US" dirty="0"/>
+              <a:t>처리 중에 다른 </a:t>
+            </a:r>
+            <a:r>
+              <a:rPr lang="en-US" altLang="ko-KR" dirty="0"/>
+              <a:t>Transaction </a:t>
+            </a:r>
+            <a:r>
+              <a:rPr lang="ko-KR" altLang="en-US" dirty="0"/>
+              <a:t>실행 불가</a:t>
+            </a:r>
+            <a:endParaRPr lang="en-US" altLang="ko-KR" dirty="0"/>
+          </a:p>
+          <a:p>
+            <a:pPr lvl="2"/>
+            <a:r>
+              <a:rPr lang="ko-KR" altLang="en-US" dirty="0"/>
+              <a:t>영속성</a:t>
+            </a:r>
+            <a:r>
+              <a:rPr lang="en-US" altLang="ko-KR" dirty="0"/>
+              <a:t>: </a:t>
+            </a:r>
+            <a:r>
+              <a:rPr lang="ko-KR" altLang="en-US" dirty="0"/>
+              <a:t>실행 후 결과는 영원히 적용</a:t>
+            </a:r>
+            <a:endParaRPr lang="en-US" altLang="ko-KR" dirty="0"/>
+          </a:p>
+          <a:p>
+            <a:pPr lvl="1"/>
+            <a:r>
+              <a:rPr lang="ko-KR" altLang="en-US" dirty="0"/>
+              <a:t>상태</a:t>
+            </a:r>
+            <a:endParaRPr lang="en-US" altLang="ko-KR" dirty="0"/>
+          </a:p>
+          <a:p>
+            <a:pPr lvl="2"/>
+            <a:endParaRPr lang="ko-KR" altLang="en-US" dirty="0"/>
+          </a:p>
+        </p:txBody>
+      </p:sp>
+      <p:sp>
+        <p:nvSpPr>
+          <p:cNvPr id="3" name="제목 2">
+            <a:extLst>
+              <a:ext uri="{FF2B5EF4-FFF2-40B4-BE49-F238E27FC236}">
+                <a16:creationId xmlns:a16="http://schemas.microsoft.com/office/drawing/2014/main" id="{EB6D4727-B765-4755-B055-3F394703A797}"/>
+              </a:ext>
+            </a:extLst>
+          </p:cNvPr>
+          <p:cNvSpPr>
+            <a:spLocks noGrp="1"/>
+          </p:cNvSpPr>
+          <p:nvPr>
+            <p:ph type="title"/>
+          </p:nvPr>
+        </p:nvSpPr>
+        <p:spPr/>
+        <p:txBody>
+          <a:bodyPr/>
+          <a:lstStyle/>
+          <a:p>
+            <a:r>
+              <a:rPr lang="en-US" altLang="ko-KR" dirty="0"/>
+              <a:t>Transaction</a:t>
+            </a:r>
+            <a:endParaRPr lang="ko-KR" altLang="en-US" dirty="0"/>
+          </a:p>
+        </p:txBody>
+      </p:sp>
+      <p:sp>
+        <p:nvSpPr>
+          <p:cNvPr id="4" name="내용 개체 틀 3">
+            <a:extLst>
+              <a:ext uri="{FF2B5EF4-FFF2-40B4-BE49-F238E27FC236}">
+                <a16:creationId xmlns:a16="http://schemas.microsoft.com/office/drawing/2014/main" id="{1D010A90-76D3-457F-9FB6-C974C6B1743E}"/>
+              </a:ext>
+            </a:extLst>
+          </p:cNvPr>
+          <p:cNvSpPr>
+            <a:spLocks noGrp="1"/>
+          </p:cNvSpPr>
+          <p:nvPr>
+            <p:ph sz="half" idx="2"/>
+          </p:nvPr>
+        </p:nvSpPr>
+        <p:spPr/>
+        <p:txBody>
+          <a:bodyPr>
+            <a:normAutofit fontScale="92500" lnSpcReduction="10000"/>
+          </a:bodyPr>
+          <a:lstStyle/>
+          <a:p>
+            <a:pPr lvl="1"/>
+            <a:r>
+              <a:rPr lang="ko-KR" altLang="en-US" dirty="0"/>
+              <a:t>연산</a:t>
+            </a:r>
+            <a:endParaRPr lang="en-US" altLang="ko-KR" dirty="0"/>
+          </a:p>
+          <a:p>
+            <a:pPr lvl="2"/>
+            <a:r>
+              <a:rPr lang="ko-KR" altLang="en-US" dirty="0"/>
+              <a:t>트랜잭션</a:t>
+            </a:r>
+            <a:r>
+              <a:rPr lang="en-US" altLang="ko-KR" dirty="0"/>
+              <a:t> </a:t>
+            </a:r>
+            <a:r>
+              <a:rPr lang="ko-KR" altLang="en-US" dirty="0"/>
+              <a:t>연산 </a:t>
+            </a:r>
+            <a:r>
+              <a:rPr lang="en-US" altLang="ko-KR" dirty="0"/>
+              <a:t>(TCL)</a:t>
+            </a:r>
+          </a:p>
+          <a:p>
+            <a:pPr lvl="3"/>
+            <a:r>
+              <a:rPr lang="en-US" altLang="ko-KR" dirty="0"/>
+              <a:t>Commit</a:t>
+            </a:r>
+          </a:p>
+          <a:p>
+            <a:pPr lvl="3"/>
+            <a:r>
+              <a:rPr lang="en-US" altLang="ko-KR" dirty="0"/>
+              <a:t>Rollback</a:t>
+            </a:r>
+          </a:p>
+          <a:p>
+            <a:pPr lvl="3"/>
+            <a:r>
+              <a:rPr lang="en-US" altLang="ko-KR" dirty="0"/>
+              <a:t>Check Point</a:t>
+            </a:r>
+          </a:p>
+          <a:p>
+            <a:pPr lvl="2"/>
+            <a:r>
+              <a:rPr lang="ko-KR" altLang="en-US" dirty="0"/>
+              <a:t>병행 제어 기법</a:t>
+            </a:r>
+            <a:endParaRPr lang="en-US" altLang="ko-KR" dirty="0"/>
+          </a:p>
+          <a:p>
+            <a:pPr lvl="3"/>
+            <a:r>
+              <a:rPr lang="ko-KR" altLang="en-US" dirty="0"/>
+              <a:t>다수 사용자 환경에서 여러 트랜잭션 실행 시 상호작용을 제어하는 것</a:t>
+            </a:r>
+            <a:endParaRPr lang="en-US" altLang="ko-KR" dirty="0"/>
+          </a:p>
+          <a:p>
+            <a:pPr lvl="3"/>
+            <a:r>
+              <a:rPr lang="en-US" altLang="ko-KR" dirty="0"/>
+              <a:t>Locking: </a:t>
+            </a:r>
+            <a:r>
+              <a:rPr lang="ko-KR" altLang="en-US" dirty="0"/>
+              <a:t>내가 쓰는 동안 다른 사람은 접근 불가</a:t>
+            </a:r>
+            <a:endParaRPr lang="en-US" altLang="ko-KR" dirty="0"/>
+          </a:p>
+          <a:p>
+            <a:pPr lvl="3"/>
+            <a:r>
+              <a:rPr lang="ko-KR" altLang="en-US" dirty="0"/>
+              <a:t>낙관적 검증</a:t>
+            </a:r>
+            <a:r>
+              <a:rPr lang="en-US" altLang="ko-KR" dirty="0"/>
+              <a:t>: </a:t>
+            </a:r>
+            <a:r>
+              <a:rPr lang="ko-KR" altLang="en-US" dirty="0"/>
+              <a:t>일단 실행하고 문제없나 보고 적용</a:t>
+            </a:r>
+            <a:endParaRPr lang="en-US" altLang="ko-KR" dirty="0"/>
+          </a:p>
+          <a:p>
+            <a:pPr lvl="3"/>
+            <a:r>
+              <a:rPr lang="ko-KR" altLang="en-US" dirty="0"/>
+              <a:t>타임 스탬프 순서</a:t>
+            </a:r>
+            <a:r>
+              <a:rPr lang="en-US" altLang="ko-KR" dirty="0"/>
+              <a:t>: </a:t>
+            </a:r>
+            <a:r>
+              <a:rPr lang="ko-KR" altLang="en-US" dirty="0"/>
+              <a:t>시간 순 실행</a:t>
+            </a:r>
+            <a:endParaRPr lang="en-US" altLang="ko-KR" dirty="0"/>
+          </a:p>
+          <a:p>
+            <a:pPr lvl="3"/>
+            <a:r>
+              <a:rPr lang="ko-KR" altLang="en-US" dirty="0"/>
+              <a:t>다중버전 동시성 제어</a:t>
+            </a:r>
+            <a:endParaRPr lang="en-US" altLang="ko-KR" dirty="0"/>
+          </a:p>
+          <a:p>
+            <a:pPr lvl="4"/>
+            <a:r>
+              <a:rPr lang="ko-KR" altLang="en-US" dirty="0"/>
+              <a:t>시간 보고 적용해도 문제없는 버전에 적용</a:t>
+            </a:r>
+            <a:endParaRPr lang="en-US" altLang="ko-KR" dirty="0"/>
+          </a:p>
+          <a:p>
+            <a:pPr lvl="2"/>
+            <a:r>
+              <a:rPr lang="ko-KR" altLang="en-US" dirty="0"/>
+              <a:t>고립화</a:t>
+            </a:r>
+            <a:endParaRPr lang="en-US" altLang="ko-KR" dirty="0"/>
+          </a:p>
+          <a:p>
+            <a:pPr lvl="3"/>
+            <a:r>
+              <a:rPr lang="ko-KR" altLang="en-US" dirty="0"/>
+              <a:t>수준</a:t>
+            </a:r>
+            <a:endParaRPr lang="en-US" altLang="ko-KR" dirty="0"/>
+          </a:p>
+          <a:p>
+            <a:pPr lvl="4"/>
+            <a:r>
+              <a:rPr lang="en-US" altLang="ko-KR" dirty="0"/>
+              <a:t>Read </a:t>
+            </a:r>
+            <a:r>
+              <a:rPr lang="en-US" altLang="ko-KR" dirty="0" err="1"/>
+              <a:t>Uncommited</a:t>
+            </a:r>
+            <a:r>
+              <a:rPr lang="en-US" altLang="ko-KR" dirty="0"/>
+              <a:t>: </a:t>
+            </a:r>
+            <a:r>
+              <a:rPr lang="ko-KR" altLang="en-US" dirty="0" err="1"/>
+              <a:t>커밋</a:t>
+            </a:r>
+            <a:r>
+              <a:rPr lang="ko-KR" altLang="en-US" dirty="0"/>
+              <a:t> 안 된 데이터 읽기</a:t>
+            </a:r>
+            <a:endParaRPr lang="en-US" altLang="ko-KR" dirty="0"/>
+          </a:p>
+          <a:p>
+            <a:pPr lvl="4"/>
+            <a:r>
+              <a:rPr lang="en-US" altLang="ko-KR" dirty="0"/>
+              <a:t>Read Committed: </a:t>
+            </a:r>
+            <a:r>
+              <a:rPr lang="ko-KR" altLang="en-US" dirty="0" err="1"/>
+              <a:t>커밋된</a:t>
+            </a:r>
+            <a:r>
+              <a:rPr lang="ko-KR" altLang="en-US" dirty="0"/>
+              <a:t> 데이터 읽기</a:t>
+            </a:r>
+            <a:endParaRPr lang="en-US" altLang="ko-KR" dirty="0"/>
+          </a:p>
+          <a:p>
+            <a:pPr lvl="4"/>
+            <a:r>
+              <a:rPr lang="en-US" altLang="ko-KR" dirty="0"/>
+              <a:t>Repeatable Read: </a:t>
+            </a:r>
+            <a:r>
+              <a:rPr lang="ko-KR" altLang="en-US" dirty="0"/>
+              <a:t>읽어도 되는데 삭제</a:t>
+            </a:r>
+            <a:r>
+              <a:rPr lang="en-US" altLang="ko-KR" dirty="0"/>
+              <a:t>, </a:t>
+            </a:r>
+            <a:r>
+              <a:rPr lang="ko-KR" altLang="en-US" dirty="0"/>
+              <a:t>갱신 안됨</a:t>
+            </a:r>
+            <a:endParaRPr lang="en-US" altLang="ko-KR" dirty="0"/>
+          </a:p>
+          <a:p>
+            <a:pPr lvl="4"/>
+            <a:r>
+              <a:rPr lang="en-US" altLang="ko-KR" dirty="0" err="1"/>
+              <a:t>Serializeable</a:t>
+            </a:r>
+            <a:r>
+              <a:rPr lang="en-US" altLang="ko-KR" dirty="0"/>
+              <a:t> Read: </a:t>
+            </a:r>
+            <a:r>
+              <a:rPr lang="ko-KR" altLang="en-US" dirty="0"/>
+              <a:t>읽기만 됨</a:t>
+            </a:r>
+            <a:endParaRPr lang="en-US" altLang="ko-KR" dirty="0"/>
+          </a:p>
+          <a:p>
+            <a:pPr lvl="2"/>
+            <a:r>
+              <a:rPr lang="ko-KR" altLang="en-US" dirty="0"/>
+              <a:t>회복</a:t>
+            </a:r>
+            <a:endParaRPr lang="en-US" altLang="ko-KR" dirty="0"/>
+          </a:p>
+          <a:p>
+            <a:pPr lvl="3"/>
+            <a:r>
+              <a:rPr lang="ko-KR" altLang="en-US" dirty="0"/>
+              <a:t>로그 기반 회복</a:t>
+            </a:r>
+            <a:endParaRPr lang="en-US" altLang="ko-KR" dirty="0"/>
+          </a:p>
+          <a:p>
+            <a:pPr lvl="3"/>
+            <a:r>
+              <a:rPr lang="ko-KR" altLang="en-US" dirty="0"/>
+              <a:t>체크포인트 회복</a:t>
+            </a:r>
+            <a:r>
+              <a:rPr lang="en-US" altLang="ko-KR" dirty="0"/>
+              <a:t>: Check Point</a:t>
+            </a:r>
+            <a:r>
+              <a:rPr lang="ko-KR" altLang="en-US" dirty="0"/>
+              <a:t>로 복귀</a:t>
+            </a:r>
+            <a:endParaRPr lang="en-US" altLang="ko-KR" dirty="0"/>
+          </a:p>
+          <a:p>
+            <a:pPr lvl="3"/>
+            <a:r>
+              <a:rPr lang="ko-KR" altLang="en-US" dirty="0"/>
+              <a:t>그림자 페이징 기법</a:t>
+            </a:r>
+            <a:r>
+              <a:rPr lang="en-US" altLang="ko-KR" dirty="0"/>
+              <a:t>: </a:t>
+            </a:r>
+            <a:r>
+              <a:rPr lang="ko-KR" altLang="en-US" dirty="0"/>
+              <a:t>복제본을 저장해 놓음</a:t>
+            </a:r>
+          </a:p>
+        </p:txBody>
+      </p:sp>
+      <p:sp>
+        <p:nvSpPr>
+          <p:cNvPr id="5" name="슬라이드 번호 개체 틀 4">
+            <a:extLst>
+              <a:ext uri="{FF2B5EF4-FFF2-40B4-BE49-F238E27FC236}">
+                <a16:creationId xmlns:a16="http://schemas.microsoft.com/office/drawing/2014/main" id="{BFD315A3-5181-4266-8527-4413520F6148}"/>
+              </a:ext>
+            </a:extLst>
+          </p:cNvPr>
+          <p:cNvSpPr>
+            <a:spLocks noGrp="1"/>
+          </p:cNvSpPr>
+          <p:nvPr>
+            <p:ph type="sldNum" sz="quarter" idx="12"/>
+          </p:nvPr>
+        </p:nvSpPr>
+        <p:spPr/>
+        <p:txBody>
+          <a:bodyPr/>
+          <a:lstStyle/>
+          <a:p>
+            <a:fld id="{89BED30C-66D9-4104-96BC-081A506F0CF0}" type="slidenum">
+              <a:rPr lang="ko-KR" altLang="en-US" smtClean="0"/>
+              <a:t>11</a:t>
+            </a:fld>
+            <a:endParaRPr lang="ko-KR" altLang="en-US"/>
+          </a:p>
+        </p:txBody>
+      </p:sp>
+      <p:sp>
+        <p:nvSpPr>
+          <p:cNvPr id="6" name="바닥글 개체 틀 5">
+            <a:extLst>
+              <a:ext uri="{FF2B5EF4-FFF2-40B4-BE49-F238E27FC236}">
+                <a16:creationId xmlns:a16="http://schemas.microsoft.com/office/drawing/2014/main" id="{BA6B1192-2B49-4A66-8254-C48D86CCB155}"/>
+              </a:ext>
+            </a:extLst>
+          </p:cNvPr>
+          <p:cNvSpPr>
+            <a:spLocks noGrp="1"/>
+          </p:cNvSpPr>
+          <p:nvPr>
+            <p:ph type="ftr" sz="quarter" idx="3"/>
+          </p:nvPr>
+        </p:nvSpPr>
+        <p:spPr/>
+        <p:txBody>
+          <a:bodyPr/>
+          <a:lstStyle/>
+          <a:p>
+            <a:pPr algn="l"/>
+            <a:r>
+              <a:rPr lang="en-US" altLang="ko-KR"/>
+              <a:t>Nibble</a:t>
+            </a:r>
+            <a:endParaRPr lang="ko-KR" altLang="en-US" dirty="0"/>
+          </a:p>
+        </p:txBody>
+      </p:sp>
+      <p:sp>
+        <p:nvSpPr>
+          <p:cNvPr id="7" name="날짜 개체 틀 6">
+            <a:extLst>
+              <a:ext uri="{FF2B5EF4-FFF2-40B4-BE49-F238E27FC236}">
+                <a16:creationId xmlns:a16="http://schemas.microsoft.com/office/drawing/2014/main" id="{029E9EDE-50B2-4D34-B77E-D38DF4C7B735}"/>
+              </a:ext>
+            </a:extLst>
+          </p:cNvPr>
+          <p:cNvSpPr>
+            <a:spLocks noGrp="1"/>
+          </p:cNvSpPr>
+          <p:nvPr>
+            <p:ph type="dt" sz="half" idx="13"/>
+          </p:nvPr>
+        </p:nvSpPr>
+        <p:spPr/>
+        <p:txBody>
+          <a:bodyPr/>
+          <a:lstStyle/>
+          <a:p>
+            <a:fld id="{B226B4E6-2447-4D67-A511-B13A2182F919}" type="datetime5">
+              <a:rPr lang="ko-KR" altLang="en-US" smtClean="0"/>
+              <a:t>2021/8/4</a:t>
+            </a:fld>
+            <a:endParaRPr lang="ko-KR" altLang="en-US" dirty="0"/>
+          </a:p>
+        </p:txBody>
+      </p:sp>
+      <p:pic>
+        <p:nvPicPr>
+          <p:cNvPr id="1026" name="Picture 2" descr="데이터베이스] 트랜잭션(Transaction)에대한 고찰">
+            <a:extLst>
+              <a:ext uri="{FF2B5EF4-FFF2-40B4-BE49-F238E27FC236}">
+                <a16:creationId xmlns:a16="http://schemas.microsoft.com/office/drawing/2014/main" id="{3DF11369-6D91-4841-8B23-CBC1C1EE9E50}"/>
+              </a:ext>
+            </a:extLst>
+          </p:cNvPr>
+          <p:cNvPicPr>
+            <a:picLocks noChangeAspect="1" noChangeArrowheads="1"/>
+          </p:cNvPicPr>
+          <p:nvPr/>
+        </p:nvPicPr>
+        <p:blipFill>
+          <a:blip r:embed="rId2">
+            <a:extLst>
+              <a:ext uri="{28A0092B-C50C-407E-A947-70E740481C1C}">
+                <a14:useLocalDpi xmlns:a14="http://schemas.microsoft.com/office/drawing/2010/main" val="0"/>
+              </a:ext>
+            </a:extLst>
+          </a:blip>
+          <a:srcRect/>
+          <a:stretch>
+            <a:fillRect/>
+          </a:stretch>
+        </p:blipFill>
+        <p:spPr bwMode="auto">
+          <a:xfrm>
+            <a:off x="1671681" y="3429000"/>
+            <a:ext cx="4164370" cy="2260658"/>
+          </a:xfrm>
+          <a:prstGeom prst="rect">
+            <a:avLst/>
+          </a:prstGeom>
+          <a:noFill/>
+          <a:extLst>
+            <a:ext uri="{909E8E84-426E-40DD-AFC4-6F175D3DCCD1}">
+              <a14:hiddenFill xmlns:a14="http://schemas.microsoft.com/office/drawing/2010/main">
+                <a:solidFill>
+                  <a:srgbClr val="FFFFFF"/>
+                </a:solidFill>
+              </a14:hiddenFill>
+            </a:ext>
+          </a:extLst>
+        </p:spPr>
+      </p:pic>
+    </p:spTree>
+    <p:extLst>
+      <p:ext uri="{BB962C8B-B14F-4D97-AF65-F5344CB8AC3E}">
+        <p14:creationId xmlns:p14="http://schemas.microsoft.com/office/powerpoint/2010/main" val="4186291686"/>
+      </p:ext>
+    </p:extLst>
+  </p:cSld>
+  <p:clrMapOvr>
+    <a:masterClrMapping/>
+  </p:clrMapOvr>
+</p:sld>
+</file>
+
+<file path=ppt/slides/slide12.xml><?xml version="1.0" encoding="utf-8"?>
+<p:sld xmlns:a="http://schemas.openxmlformats.org/drawingml/2006/main" xmlns:r="http://schemas.openxmlformats.org/officeDocument/2006/relationships" xmlns:p="http://schemas.openxmlformats.org/presentationml/2006/main">
+  <p:cSld>
+    <p:spTree>
+      <p:nvGrpSpPr>
+        <p:cNvPr id="1" name=""/>
+        <p:cNvGrpSpPr/>
+        <p:nvPr/>
+      </p:nvGrpSpPr>
+      <p:grpSpPr>
+        <a:xfrm>
+          <a:off x="0" y="0"/>
+          <a:ext cx="0" cy="0"/>
+          <a:chOff x="0" y="0"/>
+          <a:chExt cx="0" cy="0"/>
+        </a:xfrm>
+      </p:grpSpPr>
+      <p:sp>
+        <p:nvSpPr>
+          <p:cNvPr id="2" name="내용 개체 틀 1">
+            <a:extLst>
+              <a:ext uri="{FF2B5EF4-FFF2-40B4-BE49-F238E27FC236}">
+                <a16:creationId xmlns:a16="http://schemas.microsoft.com/office/drawing/2014/main" id="{B0AA3C39-72F3-4480-BDFA-ADC7A9331B6F}"/>
+              </a:ext>
+            </a:extLst>
+          </p:cNvPr>
+          <p:cNvSpPr>
+            <a:spLocks noGrp="1"/>
+          </p:cNvSpPr>
+          <p:nvPr>
+            <p:ph sz="half" idx="14"/>
+          </p:nvPr>
+        </p:nvSpPr>
+        <p:spPr/>
+        <p:txBody>
+          <a:bodyPr/>
+          <a:lstStyle/>
+          <a:p>
+            <a:r>
+              <a:rPr lang="en-US" altLang="ko-KR" dirty="0"/>
+              <a:t>Table</a:t>
+            </a:r>
+          </a:p>
+          <a:p>
+            <a:pPr lvl="1"/>
+            <a:r>
+              <a:rPr lang="ko-KR" altLang="en-US" dirty="0"/>
+              <a:t>정의</a:t>
+            </a:r>
+            <a:r>
+              <a:rPr lang="en-US" altLang="ko-KR" dirty="0"/>
+              <a:t>: Field</a:t>
+            </a:r>
+            <a:r>
+              <a:rPr lang="ko-KR" altLang="en-US" dirty="0"/>
+              <a:t>의 집합</a:t>
+            </a:r>
+            <a:endParaRPr lang="en-US" altLang="ko-KR" dirty="0"/>
+          </a:p>
+          <a:p>
+            <a:pPr lvl="2"/>
+            <a:r>
+              <a:rPr lang="en-US" altLang="ko-KR" dirty="0"/>
+              <a:t>Relation, Entity </a:t>
+            </a:r>
+            <a:r>
+              <a:rPr lang="ko-KR" altLang="en-US" dirty="0"/>
+              <a:t>라고도 불림</a:t>
+            </a:r>
+            <a:endParaRPr lang="en-US" altLang="ko-KR" dirty="0"/>
+          </a:p>
+          <a:p>
+            <a:pPr lvl="1"/>
+            <a:r>
+              <a:rPr lang="ko-KR" altLang="en-US" dirty="0"/>
+              <a:t>용어</a:t>
+            </a:r>
+            <a:endParaRPr lang="en-US" altLang="ko-KR" dirty="0"/>
+          </a:p>
+          <a:p>
+            <a:pPr lvl="2"/>
+            <a:r>
+              <a:rPr lang="en-US" altLang="ko-KR" dirty="0"/>
+              <a:t>Tuple/Row: </a:t>
+            </a:r>
+            <a:r>
+              <a:rPr lang="ko-KR" altLang="en-US" dirty="0"/>
+              <a:t>테이블의 각 값</a:t>
+            </a:r>
+            <a:endParaRPr lang="en-US" altLang="ko-KR" dirty="0"/>
+          </a:p>
+          <a:p>
+            <a:pPr lvl="2"/>
+            <a:r>
+              <a:rPr lang="en-US" altLang="ko-KR" dirty="0"/>
+              <a:t>Attribute/Column: </a:t>
+            </a:r>
+            <a:r>
+              <a:rPr lang="ko-KR" altLang="en-US" dirty="0"/>
+              <a:t>테이블의 속성값</a:t>
+            </a:r>
+            <a:endParaRPr lang="en-US" altLang="ko-KR" dirty="0"/>
+          </a:p>
+          <a:p>
+            <a:pPr lvl="2"/>
+            <a:r>
+              <a:rPr lang="en-US" altLang="ko-KR" dirty="0"/>
+              <a:t>Identifier: Table</a:t>
+            </a:r>
+            <a:r>
+              <a:rPr lang="ko-KR" altLang="en-US" dirty="0"/>
+              <a:t> 구분 자</a:t>
+            </a:r>
+            <a:endParaRPr lang="en-US" altLang="ko-KR" dirty="0"/>
+          </a:p>
+          <a:p>
+            <a:pPr lvl="2"/>
+            <a:r>
+              <a:rPr lang="en-US" altLang="ko-KR" dirty="0"/>
+              <a:t>Cardinality: Tuple</a:t>
+            </a:r>
+            <a:r>
+              <a:rPr lang="ko-KR" altLang="en-US" dirty="0"/>
+              <a:t>의 수</a:t>
+            </a:r>
+            <a:endParaRPr lang="en-US" altLang="ko-KR" dirty="0"/>
+          </a:p>
+          <a:p>
+            <a:pPr lvl="2"/>
+            <a:r>
+              <a:rPr lang="en-US" altLang="ko-KR" dirty="0"/>
+              <a:t>Degree: Column</a:t>
+            </a:r>
+            <a:r>
+              <a:rPr lang="ko-KR" altLang="en-US" dirty="0"/>
+              <a:t>의 수</a:t>
+            </a:r>
+            <a:endParaRPr lang="en-US" altLang="ko-KR" dirty="0"/>
+          </a:p>
+          <a:p>
+            <a:pPr lvl="2"/>
+            <a:r>
+              <a:rPr lang="en-US" altLang="ko-KR" dirty="0"/>
+              <a:t>Domain: </a:t>
+            </a:r>
+            <a:r>
+              <a:rPr lang="ko-KR" altLang="en-US" dirty="0"/>
+              <a:t>하나의 속성값이 가질 수 있는 값의 집합</a:t>
+            </a:r>
+            <a:endParaRPr lang="en-US" altLang="ko-KR" dirty="0"/>
+          </a:p>
+          <a:p>
+            <a:pPr lvl="2"/>
+            <a:endParaRPr lang="en-US" altLang="ko-KR" dirty="0"/>
+          </a:p>
+          <a:p>
+            <a:pPr lvl="2"/>
+            <a:endParaRPr lang="ko-KR" altLang="en-US" dirty="0"/>
+          </a:p>
+        </p:txBody>
+      </p:sp>
+      <p:sp>
+        <p:nvSpPr>
+          <p:cNvPr id="3" name="제목 2">
+            <a:extLst>
+              <a:ext uri="{FF2B5EF4-FFF2-40B4-BE49-F238E27FC236}">
+                <a16:creationId xmlns:a16="http://schemas.microsoft.com/office/drawing/2014/main" id="{1102D5B4-62FC-46FE-BF34-905DAD8BC9E9}"/>
+              </a:ext>
+            </a:extLst>
+          </p:cNvPr>
+          <p:cNvSpPr>
+            <a:spLocks noGrp="1"/>
+          </p:cNvSpPr>
+          <p:nvPr>
+            <p:ph type="title"/>
+          </p:nvPr>
+        </p:nvSpPr>
+        <p:spPr/>
+        <p:txBody>
+          <a:bodyPr/>
+          <a:lstStyle/>
+          <a:p>
+            <a:r>
+              <a:rPr lang="en-US" altLang="ko-KR" dirty="0"/>
+              <a:t>Table</a:t>
+            </a:r>
+            <a:endParaRPr lang="ko-KR" altLang="en-US" dirty="0"/>
+          </a:p>
+        </p:txBody>
+      </p:sp>
+      <p:sp>
+        <p:nvSpPr>
+          <p:cNvPr id="4" name="내용 개체 틀 3">
+            <a:extLst>
+              <a:ext uri="{FF2B5EF4-FFF2-40B4-BE49-F238E27FC236}">
+                <a16:creationId xmlns:a16="http://schemas.microsoft.com/office/drawing/2014/main" id="{9717BA91-5696-432E-B5DA-6521872EAF11}"/>
+              </a:ext>
+            </a:extLst>
+          </p:cNvPr>
+          <p:cNvSpPr>
+            <a:spLocks noGrp="1"/>
+          </p:cNvSpPr>
+          <p:nvPr>
+            <p:ph sz="half" idx="2"/>
+          </p:nvPr>
+        </p:nvSpPr>
+        <p:spPr/>
+        <p:txBody>
+          <a:bodyPr/>
+          <a:lstStyle/>
+          <a:p>
+            <a:endParaRPr lang="ko-KR" altLang="en-US"/>
+          </a:p>
+        </p:txBody>
+      </p:sp>
+      <p:sp>
+        <p:nvSpPr>
+          <p:cNvPr id="5" name="슬라이드 번호 개체 틀 4">
+            <a:extLst>
+              <a:ext uri="{FF2B5EF4-FFF2-40B4-BE49-F238E27FC236}">
+                <a16:creationId xmlns:a16="http://schemas.microsoft.com/office/drawing/2014/main" id="{84C06445-C0A3-456B-B13A-079F1737B147}"/>
+              </a:ext>
+            </a:extLst>
+          </p:cNvPr>
+          <p:cNvSpPr>
+            <a:spLocks noGrp="1"/>
+          </p:cNvSpPr>
+          <p:nvPr>
+            <p:ph type="sldNum" sz="quarter" idx="12"/>
+          </p:nvPr>
+        </p:nvSpPr>
+        <p:spPr/>
+        <p:txBody>
+          <a:bodyPr/>
+          <a:lstStyle/>
+          <a:p>
+            <a:fld id="{89BED30C-66D9-4104-96BC-081A506F0CF0}" type="slidenum">
+              <a:rPr lang="ko-KR" altLang="en-US" smtClean="0"/>
+              <a:t>12</a:t>
+            </a:fld>
+            <a:endParaRPr lang="ko-KR" altLang="en-US"/>
+          </a:p>
+        </p:txBody>
+      </p:sp>
+      <p:sp>
+        <p:nvSpPr>
+          <p:cNvPr id="6" name="바닥글 개체 틀 5">
+            <a:extLst>
+              <a:ext uri="{FF2B5EF4-FFF2-40B4-BE49-F238E27FC236}">
+                <a16:creationId xmlns:a16="http://schemas.microsoft.com/office/drawing/2014/main" id="{3D51BB65-065E-4DC0-8A2F-1B1191C99B60}"/>
+              </a:ext>
+            </a:extLst>
+          </p:cNvPr>
+          <p:cNvSpPr>
+            <a:spLocks noGrp="1"/>
+          </p:cNvSpPr>
+          <p:nvPr>
+            <p:ph type="ftr" sz="quarter" idx="3"/>
+          </p:nvPr>
+        </p:nvSpPr>
+        <p:spPr/>
+        <p:txBody>
+          <a:bodyPr/>
+          <a:lstStyle/>
+          <a:p>
+            <a:pPr algn="l"/>
+            <a:r>
+              <a:rPr lang="en-US" altLang="ko-KR"/>
+              <a:t>Nibble</a:t>
+            </a:r>
+            <a:endParaRPr lang="ko-KR" altLang="en-US" dirty="0"/>
+          </a:p>
+        </p:txBody>
+      </p:sp>
+      <p:sp>
+        <p:nvSpPr>
+          <p:cNvPr id="7" name="날짜 개체 틀 6">
+            <a:extLst>
+              <a:ext uri="{FF2B5EF4-FFF2-40B4-BE49-F238E27FC236}">
+                <a16:creationId xmlns:a16="http://schemas.microsoft.com/office/drawing/2014/main" id="{ED4D0920-9A94-40B3-BCC0-3CDB332859FD}"/>
+              </a:ext>
+            </a:extLst>
+          </p:cNvPr>
+          <p:cNvSpPr>
+            <a:spLocks noGrp="1"/>
+          </p:cNvSpPr>
+          <p:nvPr>
+            <p:ph type="dt" sz="half" idx="13"/>
+          </p:nvPr>
+        </p:nvSpPr>
+        <p:spPr/>
+        <p:txBody>
+          <a:bodyPr/>
+          <a:lstStyle/>
+          <a:p>
+            <a:fld id="{B226B4E6-2447-4D67-A511-B13A2182F919}" type="datetime5">
+              <a:rPr lang="ko-KR" altLang="en-US" smtClean="0"/>
+              <a:t>2021/8/4</a:t>
+            </a:fld>
+            <a:endParaRPr lang="ko-KR" altLang="en-US" dirty="0"/>
+          </a:p>
+        </p:txBody>
+      </p:sp>
+    </p:spTree>
+    <p:extLst>
+      <p:ext uri="{BB962C8B-B14F-4D97-AF65-F5344CB8AC3E}">
+        <p14:creationId xmlns:p14="http://schemas.microsoft.com/office/powerpoint/2010/main" val="1846860768"/>
+      </p:ext>
+    </p:extLst>
+  </p:cSld>
+  <p:clrMapOvr>
+    <a:masterClrMapping/>
+  </p:clrMapOvr>
+</p:sld>
+</file>
+
+<file path=ppt/slides/slide13.xml><?xml version="1.0" encoding="utf-8"?>
+<p:sld xmlns:a="http://schemas.openxmlformats.org/drawingml/2006/main" xmlns:r="http://schemas.openxmlformats.org/officeDocument/2006/relationships" xmlns:p="http://schemas.openxmlformats.org/presentationml/2006/main">
+  <p:cSld>
+    <p:spTree>
+      <p:nvGrpSpPr>
+        <p:cNvPr id="1" name=""/>
+        <p:cNvGrpSpPr/>
+        <p:nvPr/>
+      </p:nvGrpSpPr>
+      <p:grpSpPr>
+        <a:xfrm>
+          <a:off x="0" y="0"/>
+          <a:ext cx="0" cy="0"/>
+          <a:chOff x="0" y="0"/>
+          <a:chExt cx="0" cy="0"/>
+        </a:xfrm>
+      </p:grpSpPr>
+      <p:sp>
+        <p:nvSpPr>
+          <p:cNvPr id="2" name="내용 개체 틀 1">
+            <a:extLst>
+              <a:ext uri="{FF2B5EF4-FFF2-40B4-BE49-F238E27FC236}">
+                <a16:creationId xmlns:a16="http://schemas.microsoft.com/office/drawing/2014/main" id="{4534FBA1-3436-45BE-85B3-28D2D1D2AD5F}"/>
+              </a:ext>
+            </a:extLst>
+          </p:cNvPr>
+          <p:cNvSpPr>
+            <a:spLocks noGrp="1"/>
+          </p:cNvSpPr>
+          <p:nvPr>
+            <p:ph sz="half" idx="14"/>
+          </p:nvPr>
+        </p:nvSpPr>
+        <p:spPr/>
+        <p:txBody>
+          <a:bodyPr/>
+          <a:lstStyle/>
+          <a:p>
+            <a:r>
+              <a:rPr lang="en-US" altLang="ko-KR" dirty="0"/>
+              <a:t>Data Dictionary</a:t>
+            </a:r>
+          </a:p>
+          <a:p>
+            <a:pPr lvl="1"/>
+            <a:r>
+              <a:rPr lang="ko-KR" altLang="en-US" dirty="0"/>
+              <a:t>정의</a:t>
+            </a:r>
+            <a:r>
+              <a:rPr lang="en-US" altLang="ko-KR" dirty="0"/>
+              <a:t>: DB</a:t>
+            </a:r>
+            <a:r>
+              <a:rPr lang="ko-KR" altLang="en-US" dirty="0"/>
+              <a:t>의 테이블</a:t>
+            </a:r>
+            <a:r>
+              <a:rPr lang="en-US" altLang="ko-KR" dirty="0"/>
+              <a:t>, </a:t>
+            </a:r>
+            <a:r>
+              <a:rPr lang="ko-KR" altLang="en-US" dirty="0"/>
+              <a:t>뷰</a:t>
+            </a:r>
+            <a:r>
+              <a:rPr lang="en-US" altLang="ko-KR" dirty="0"/>
+              <a:t>, </a:t>
+            </a:r>
+            <a:r>
+              <a:rPr lang="ko-KR" altLang="en-US" dirty="0"/>
+              <a:t>인덱스 등의 정보를 저장</a:t>
+            </a:r>
+            <a:endParaRPr lang="en-US" altLang="ko-KR" dirty="0"/>
+          </a:p>
+          <a:p>
+            <a:pPr lvl="1"/>
+            <a:r>
+              <a:rPr lang="ko-KR" altLang="en-US" dirty="0"/>
+              <a:t>저장 정보</a:t>
+            </a:r>
+            <a:endParaRPr lang="en-US" altLang="ko-KR" dirty="0"/>
+          </a:p>
+          <a:p>
+            <a:pPr lvl="2"/>
+            <a:r>
+              <a:rPr lang="ko-KR" altLang="en-US" dirty="0"/>
+              <a:t>사용자 정보</a:t>
+            </a:r>
+            <a:endParaRPr lang="en-US" altLang="ko-KR" dirty="0"/>
+          </a:p>
+          <a:p>
+            <a:pPr lvl="2"/>
+            <a:r>
+              <a:rPr lang="en-US" altLang="ko-KR" dirty="0"/>
+              <a:t>DB </a:t>
+            </a:r>
+            <a:r>
+              <a:rPr lang="ko-KR" altLang="en-US" dirty="0"/>
+              <a:t>객체 정보</a:t>
+            </a:r>
+            <a:endParaRPr lang="en-US" altLang="ko-KR" dirty="0"/>
+          </a:p>
+          <a:p>
+            <a:pPr lvl="2"/>
+            <a:r>
+              <a:rPr lang="ko-KR" altLang="en-US" dirty="0"/>
+              <a:t>무결성 제약 정보</a:t>
+            </a:r>
+            <a:endParaRPr lang="en-US" altLang="ko-KR" dirty="0"/>
+          </a:p>
+          <a:p>
+            <a:pPr lvl="2"/>
+            <a:r>
+              <a:rPr lang="ko-KR" altLang="en-US" dirty="0"/>
+              <a:t>함수</a:t>
+            </a:r>
+            <a:r>
+              <a:rPr lang="en-US" altLang="ko-KR" dirty="0"/>
+              <a:t>, </a:t>
+            </a:r>
+            <a:r>
+              <a:rPr lang="ko-KR" altLang="en-US" dirty="0"/>
+              <a:t>프로시저 및 트리거</a:t>
+            </a:r>
+            <a:endParaRPr lang="en-US" altLang="ko-KR" dirty="0"/>
+          </a:p>
+          <a:p>
+            <a:pPr lvl="1"/>
+            <a:endParaRPr lang="en-US" altLang="ko-KR" dirty="0"/>
+          </a:p>
+        </p:txBody>
+      </p:sp>
+      <p:sp>
+        <p:nvSpPr>
+          <p:cNvPr id="3" name="제목 2">
+            <a:extLst>
+              <a:ext uri="{FF2B5EF4-FFF2-40B4-BE49-F238E27FC236}">
+                <a16:creationId xmlns:a16="http://schemas.microsoft.com/office/drawing/2014/main" id="{9825C0D2-29E0-4144-B708-61E54B07FFF4}"/>
+              </a:ext>
+            </a:extLst>
+          </p:cNvPr>
+          <p:cNvSpPr>
+            <a:spLocks noGrp="1"/>
+          </p:cNvSpPr>
+          <p:nvPr>
+            <p:ph type="title"/>
+          </p:nvPr>
+        </p:nvSpPr>
+        <p:spPr/>
+        <p:txBody>
+          <a:bodyPr/>
+          <a:lstStyle/>
+          <a:p>
+            <a:r>
+              <a:rPr lang="en-US" altLang="ko-KR" dirty="0"/>
+              <a:t>Data Dictionary</a:t>
+            </a:r>
+            <a:endParaRPr lang="ko-KR" altLang="en-US" dirty="0"/>
+          </a:p>
+        </p:txBody>
+      </p:sp>
+      <p:sp>
+        <p:nvSpPr>
+          <p:cNvPr id="4" name="내용 개체 틀 3">
+            <a:extLst>
+              <a:ext uri="{FF2B5EF4-FFF2-40B4-BE49-F238E27FC236}">
+                <a16:creationId xmlns:a16="http://schemas.microsoft.com/office/drawing/2014/main" id="{04AD3FF1-2AED-4595-8C6F-94CD707D8FD1}"/>
+              </a:ext>
+            </a:extLst>
+          </p:cNvPr>
+          <p:cNvSpPr>
+            <a:spLocks noGrp="1"/>
+          </p:cNvSpPr>
+          <p:nvPr>
+            <p:ph sz="half" idx="2"/>
+          </p:nvPr>
+        </p:nvSpPr>
+        <p:spPr/>
+        <p:txBody>
+          <a:bodyPr/>
+          <a:lstStyle/>
+          <a:p>
+            <a:endParaRPr lang="ko-KR" altLang="en-US"/>
+          </a:p>
+        </p:txBody>
+      </p:sp>
+      <p:sp>
+        <p:nvSpPr>
+          <p:cNvPr id="5" name="슬라이드 번호 개체 틀 4">
+            <a:extLst>
+              <a:ext uri="{FF2B5EF4-FFF2-40B4-BE49-F238E27FC236}">
+                <a16:creationId xmlns:a16="http://schemas.microsoft.com/office/drawing/2014/main" id="{4AEE7333-8FC5-4100-81B4-A58C6085AF36}"/>
+              </a:ext>
+            </a:extLst>
+          </p:cNvPr>
+          <p:cNvSpPr>
+            <a:spLocks noGrp="1"/>
+          </p:cNvSpPr>
+          <p:nvPr>
+            <p:ph type="sldNum" sz="quarter" idx="12"/>
+          </p:nvPr>
+        </p:nvSpPr>
+        <p:spPr/>
+        <p:txBody>
+          <a:bodyPr/>
+          <a:lstStyle/>
+          <a:p>
+            <a:fld id="{89BED30C-66D9-4104-96BC-081A506F0CF0}" type="slidenum">
+              <a:rPr lang="ko-KR" altLang="en-US" smtClean="0"/>
+              <a:t>13</a:t>
+            </a:fld>
+            <a:endParaRPr lang="ko-KR" altLang="en-US"/>
+          </a:p>
+        </p:txBody>
+      </p:sp>
+      <p:sp>
+        <p:nvSpPr>
+          <p:cNvPr id="6" name="바닥글 개체 틀 5">
+            <a:extLst>
+              <a:ext uri="{FF2B5EF4-FFF2-40B4-BE49-F238E27FC236}">
+                <a16:creationId xmlns:a16="http://schemas.microsoft.com/office/drawing/2014/main" id="{492E335F-7DBA-4A3A-95F8-C80D7563857F}"/>
+              </a:ext>
+            </a:extLst>
+          </p:cNvPr>
+          <p:cNvSpPr>
+            <a:spLocks noGrp="1"/>
+          </p:cNvSpPr>
+          <p:nvPr>
+            <p:ph type="ftr" sz="quarter" idx="3"/>
+          </p:nvPr>
+        </p:nvSpPr>
+        <p:spPr/>
+        <p:txBody>
+          <a:bodyPr/>
+          <a:lstStyle/>
+          <a:p>
+            <a:pPr algn="l"/>
+            <a:r>
+              <a:rPr lang="en-US" altLang="ko-KR"/>
+              <a:t>Nibble</a:t>
+            </a:r>
+            <a:endParaRPr lang="ko-KR" altLang="en-US" dirty="0"/>
+          </a:p>
+        </p:txBody>
+      </p:sp>
+      <p:sp>
+        <p:nvSpPr>
+          <p:cNvPr id="7" name="날짜 개체 틀 6">
+            <a:extLst>
+              <a:ext uri="{FF2B5EF4-FFF2-40B4-BE49-F238E27FC236}">
+                <a16:creationId xmlns:a16="http://schemas.microsoft.com/office/drawing/2014/main" id="{3E4D24D7-4E8E-4C08-8203-4E9A7F7E563B}"/>
+              </a:ext>
+            </a:extLst>
+          </p:cNvPr>
+          <p:cNvSpPr>
+            <a:spLocks noGrp="1"/>
+          </p:cNvSpPr>
+          <p:nvPr>
+            <p:ph type="dt" sz="half" idx="13"/>
+          </p:nvPr>
+        </p:nvSpPr>
+        <p:spPr/>
+        <p:txBody>
+          <a:bodyPr/>
+          <a:lstStyle/>
+          <a:p>
+            <a:fld id="{B226B4E6-2447-4D67-A511-B13A2182F919}" type="datetime5">
+              <a:rPr lang="ko-KR" altLang="en-US" smtClean="0"/>
+              <a:t>2021/8/4</a:t>
+            </a:fld>
+            <a:endParaRPr lang="ko-KR" altLang="en-US" dirty="0"/>
+          </a:p>
+        </p:txBody>
+      </p:sp>
+    </p:spTree>
+    <p:extLst>
+      <p:ext uri="{BB962C8B-B14F-4D97-AF65-F5344CB8AC3E}">
+        <p14:creationId xmlns:p14="http://schemas.microsoft.com/office/powerpoint/2010/main" val="3116855266"/>
+      </p:ext>
+    </p:extLst>
+  </p:cSld>
+  <p:clrMapOvr>
+    <a:masterClrMapping/>
+  </p:clrMapOvr>
+</p:sld>
+</file>
+
+<file path=ppt/slides/slide14.xml><?xml version="1.0" encoding="utf-8"?>
+<p:sld xmlns:a="http://schemas.openxmlformats.org/drawingml/2006/main" xmlns:r="http://schemas.openxmlformats.org/officeDocument/2006/relationships" xmlns:p="http://schemas.openxmlformats.org/presentationml/2006/main">
+  <p:cSld>
+    <p:spTree>
+      <p:nvGrpSpPr>
+        <p:cNvPr id="1" name=""/>
+        <p:cNvGrpSpPr/>
+        <p:nvPr/>
+      </p:nvGrpSpPr>
+      <p:grpSpPr>
+        <a:xfrm>
+          <a:off x="0" y="0"/>
+          <a:ext cx="0" cy="0"/>
+          <a:chOff x="0" y="0"/>
+          <a:chExt cx="0" cy="0"/>
+        </a:xfrm>
+      </p:grpSpPr>
+      <p:sp>
+        <p:nvSpPr>
+          <p:cNvPr id="2" name="내용 개체 틀 1">
+            <a:extLst>
+              <a:ext uri="{FF2B5EF4-FFF2-40B4-BE49-F238E27FC236}">
+                <a16:creationId xmlns:a16="http://schemas.microsoft.com/office/drawing/2014/main" id="{2C0877B8-3072-4B7A-9506-F17606F3E3B7}"/>
+              </a:ext>
+            </a:extLst>
+          </p:cNvPr>
+          <p:cNvSpPr>
+            <a:spLocks noGrp="1"/>
+          </p:cNvSpPr>
+          <p:nvPr>
+            <p:ph sz="half" idx="14"/>
+          </p:nvPr>
+        </p:nvSpPr>
+        <p:spPr/>
+        <p:txBody>
+          <a:bodyPr/>
+          <a:lstStyle/>
+          <a:p>
+            <a:r>
+              <a:rPr lang="en-US" altLang="ko-KR" dirty="0"/>
+              <a:t>View</a:t>
+            </a:r>
+          </a:p>
+          <a:p>
+            <a:pPr lvl="1"/>
+            <a:r>
+              <a:rPr lang="ko-KR" altLang="en-US" dirty="0"/>
+              <a:t>정의</a:t>
+            </a:r>
+            <a:r>
+              <a:rPr lang="en-US" altLang="ko-KR" dirty="0"/>
+              <a:t>: </a:t>
+            </a:r>
+            <a:r>
+              <a:rPr lang="ko-KR" altLang="en-US" dirty="0"/>
+              <a:t>논리 테이블</a:t>
+            </a:r>
+            <a:r>
+              <a:rPr lang="en-US" altLang="ko-KR" dirty="0"/>
+              <a:t>. </a:t>
+            </a:r>
+            <a:r>
+              <a:rPr lang="ko-KR" altLang="en-US" dirty="0"/>
+              <a:t>사용할 때는 일반 테이블과 같다</a:t>
+            </a:r>
+            <a:endParaRPr lang="en-US" altLang="ko-KR" dirty="0"/>
+          </a:p>
+          <a:p>
+            <a:pPr lvl="1"/>
+            <a:endParaRPr lang="en-US" altLang="ko-KR" dirty="0"/>
+          </a:p>
+          <a:p>
+            <a:pPr lvl="1"/>
+            <a:endParaRPr lang="en-US" altLang="ko-KR" dirty="0"/>
+          </a:p>
+          <a:p>
+            <a:pPr lvl="1"/>
+            <a:endParaRPr lang="en-US" altLang="ko-KR" dirty="0"/>
+          </a:p>
+          <a:p>
+            <a:pPr lvl="1"/>
+            <a:endParaRPr lang="en-US" altLang="ko-KR" dirty="0"/>
+          </a:p>
+          <a:p>
+            <a:pPr lvl="1"/>
+            <a:endParaRPr lang="en-US" altLang="ko-KR" dirty="0"/>
+          </a:p>
+          <a:p>
+            <a:pPr lvl="1"/>
+            <a:endParaRPr lang="en-US" altLang="ko-KR" dirty="0"/>
+          </a:p>
+          <a:p>
+            <a:pPr lvl="1"/>
+            <a:endParaRPr lang="en-US" altLang="ko-KR" dirty="0"/>
+          </a:p>
+          <a:p>
+            <a:pPr lvl="1"/>
+            <a:endParaRPr lang="en-US" altLang="ko-KR" dirty="0"/>
+          </a:p>
+          <a:p>
+            <a:pPr lvl="1"/>
+            <a:r>
+              <a:rPr lang="ko-KR" altLang="en-US" dirty="0"/>
+              <a:t>특징</a:t>
+            </a:r>
+            <a:endParaRPr lang="en-US" altLang="ko-KR" dirty="0"/>
+          </a:p>
+          <a:p>
+            <a:pPr lvl="2"/>
+            <a:r>
+              <a:rPr lang="ko-KR" altLang="en-US" dirty="0"/>
+              <a:t>논리적 데이터 독립성 제공</a:t>
+            </a:r>
+            <a:endParaRPr lang="en-US" altLang="ko-KR" dirty="0"/>
+          </a:p>
+          <a:p>
+            <a:pPr lvl="2"/>
+            <a:r>
+              <a:rPr lang="ko-KR" altLang="en-US" dirty="0"/>
+              <a:t>데이터 조작 연산 간소화</a:t>
+            </a:r>
+            <a:endParaRPr lang="en-US" altLang="ko-KR" dirty="0"/>
+          </a:p>
+          <a:p>
+            <a:pPr lvl="2"/>
+            <a:r>
+              <a:rPr lang="ko-KR" altLang="en-US" dirty="0"/>
+              <a:t>보안 기능 제공</a:t>
+            </a:r>
+            <a:endParaRPr lang="en-US" altLang="ko-KR" dirty="0"/>
+          </a:p>
+          <a:p>
+            <a:pPr lvl="2"/>
+            <a:r>
+              <a:rPr lang="ko-KR" altLang="en-US" dirty="0"/>
+              <a:t>변경 불가</a:t>
+            </a:r>
+          </a:p>
+        </p:txBody>
+      </p:sp>
+      <p:sp>
+        <p:nvSpPr>
+          <p:cNvPr id="3" name="제목 2">
+            <a:extLst>
+              <a:ext uri="{FF2B5EF4-FFF2-40B4-BE49-F238E27FC236}">
+                <a16:creationId xmlns:a16="http://schemas.microsoft.com/office/drawing/2014/main" id="{3DEB25A9-E95B-45D9-822B-75570E69152E}"/>
+              </a:ext>
+            </a:extLst>
+          </p:cNvPr>
+          <p:cNvSpPr>
+            <a:spLocks noGrp="1"/>
+          </p:cNvSpPr>
+          <p:nvPr>
+            <p:ph type="title"/>
+          </p:nvPr>
+        </p:nvSpPr>
+        <p:spPr/>
+        <p:txBody>
+          <a:bodyPr/>
+          <a:lstStyle/>
+          <a:p>
+            <a:r>
+              <a:rPr lang="en-US" altLang="ko-KR" dirty="0"/>
+              <a:t>View</a:t>
+            </a:r>
+            <a:endParaRPr lang="ko-KR" altLang="en-US" dirty="0"/>
+          </a:p>
+        </p:txBody>
+      </p:sp>
+      <p:sp>
+        <p:nvSpPr>
+          <p:cNvPr id="4" name="내용 개체 틀 3">
+            <a:extLst>
+              <a:ext uri="{FF2B5EF4-FFF2-40B4-BE49-F238E27FC236}">
+                <a16:creationId xmlns:a16="http://schemas.microsoft.com/office/drawing/2014/main" id="{06F3C8BC-F159-4F46-9E65-D763A49DC8E7}"/>
+              </a:ext>
+            </a:extLst>
+          </p:cNvPr>
+          <p:cNvSpPr>
+            <a:spLocks noGrp="1"/>
+          </p:cNvSpPr>
+          <p:nvPr>
+            <p:ph sz="half" idx="2"/>
+          </p:nvPr>
+        </p:nvSpPr>
+        <p:spPr/>
+        <p:txBody>
+          <a:bodyPr/>
+          <a:lstStyle/>
+          <a:p>
+            <a:endParaRPr lang="en-US" altLang="ko-KR" dirty="0"/>
+          </a:p>
+          <a:p>
+            <a:pPr lvl="1"/>
+            <a:r>
+              <a:rPr lang="ko-KR" altLang="en-US" dirty="0"/>
+              <a:t>예시</a:t>
+            </a:r>
+            <a:endParaRPr lang="en-US" altLang="ko-KR" dirty="0"/>
+          </a:p>
+          <a:p>
+            <a:pPr lvl="2"/>
+            <a:r>
+              <a:rPr lang="en-US" altLang="ko-KR" dirty="0">
+                <a:solidFill>
+                  <a:schemeClr val="accent2"/>
+                </a:solidFill>
+              </a:rPr>
+              <a:t>CREATE</a:t>
+            </a:r>
+            <a:r>
+              <a:rPr lang="en-US" altLang="ko-KR" dirty="0"/>
+              <a:t> </a:t>
+            </a:r>
+            <a:r>
+              <a:rPr lang="en-US" altLang="ko-KR" dirty="0">
+                <a:solidFill>
+                  <a:schemeClr val="accent2"/>
+                </a:solidFill>
+              </a:rPr>
+              <a:t>VIEW</a:t>
+            </a:r>
+            <a:r>
+              <a:rPr lang="en-US" altLang="ko-KR" dirty="0"/>
+              <a:t> name </a:t>
+            </a:r>
+            <a:r>
+              <a:rPr lang="en-US" altLang="ko-KR" dirty="0">
+                <a:solidFill>
+                  <a:schemeClr val="accent2"/>
+                </a:solidFill>
+              </a:rPr>
+              <a:t>AS</a:t>
+            </a:r>
+          </a:p>
+          <a:p>
+            <a:pPr lvl="2"/>
+            <a:r>
+              <a:rPr lang="en-US" altLang="ko-KR" dirty="0">
+                <a:solidFill>
+                  <a:schemeClr val="accent2"/>
+                </a:solidFill>
+              </a:rPr>
+              <a:t>SELECT</a:t>
+            </a:r>
+            <a:r>
+              <a:rPr lang="en-US" altLang="ko-KR" dirty="0"/>
+              <a:t> c1, c2</a:t>
+            </a:r>
+          </a:p>
+          <a:p>
+            <a:pPr lvl="2"/>
+            <a:r>
+              <a:rPr lang="en-US" altLang="ko-KR" dirty="0">
+                <a:solidFill>
+                  <a:schemeClr val="accent2"/>
+                </a:solidFill>
+              </a:rPr>
+              <a:t>FROM</a:t>
+            </a:r>
+            <a:r>
+              <a:rPr lang="en-US" altLang="ko-KR" dirty="0"/>
+              <a:t> table1</a:t>
+            </a:r>
+          </a:p>
+          <a:p>
+            <a:pPr lvl="1"/>
+            <a:endParaRPr lang="ko-KR" altLang="en-US" dirty="0"/>
+          </a:p>
+        </p:txBody>
+      </p:sp>
+      <p:sp>
+        <p:nvSpPr>
+          <p:cNvPr id="5" name="슬라이드 번호 개체 틀 4">
+            <a:extLst>
+              <a:ext uri="{FF2B5EF4-FFF2-40B4-BE49-F238E27FC236}">
+                <a16:creationId xmlns:a16="http://schemas.microsoft.com/office/drawing/2014/main" id="{BA459599-DCF4-4FEC-9C17-1EF6244752C3}"/>
+              </a:ext>
+            </a:extLst>
+          </p:cNvPr>
+          <p:cNvSpPr>
+            <a:spLocks noGrp="1"/>
+          </p:cNvSpPr>
+          <p:nvPr>
+            <p:ph type="sldNum" sz="quarter" idx="12"/>
+          </p:nvPr>
+        </p:nvSpPr>
+        <p:spPr/>
+        <p:txBody>
+          <a:bodyPr/>
+          <a:lstStyle/>
+          <a:p>
+            <a:fld id="{89BED30C-66D9-4104-96BC-081A506F0CF0}" type="slidenum">
+              <a:rPr lang="ko-KR" altLang="en-US" smtClean="0"/>
+              <a:t>14</a:t>
+            </a:fld>
+            <a:endParaRPr lang="ko-KR" altLang="en-US"/>
+          </a:p>
+        </p:txBody>
+      </p:sp>
+      <p:sp>
+        <p:nvSpPr>
+          <p:cNvPr id="6" name="바닥글 개체 틀 5">
+            <a:extLst>
+              <a:ext uri="{FF2B5EF4-FFF2-40B4-BE49-F238E27FC236}">
+                <a16:creationId xmlns:a16="http://schemas.microsoft.com/office/drawing/2014/main" id="{EF1F7D73-B614-4B1C-8ED3-E112E5ACB864}"/>
+              </a:ext>
+            </a:extLst>
+          </p:cNvPr>
+          <p:cNvSpPr>
+            <a:spLocks noGrp="1"/>
+          </p:cNvSpPr>
+          <p:nvPr>
+            <p:ph type="ftr" sz="quarter" idx="3"/>
+          </p:nvPr>
+        </p:nvSpPr>
+        <p:spPr/>
+        <p:txBody>
+          <a:bodyPr/>
+          <a:lstStyle/>
+          <a:p>
+            <a:pPr algn="l"/>
+            <a:r>
+              <a:rPr lang="en-US" altLang="ko-KR"/>
+              <a:t>Nibble</a:t>
+            </a:r>
+            <a:endParaRPr lang="ko-KR" altLang="en-US" dirty="0"/>
+          </a:p>
+        </p:txBody>
+      </p:sp>
+      <p:sp>
+        <p:nvSpPr>
+          <p:cNvPr id="7" name="날짜 개체 틀 6">
+            <a:extLst>
+              <a:ext uri="{FF2B5EF4-FFF2-40B4-BE49-F238E27FC236}">
+                <a16:creationId xmlns:a16="http://schemas.microsoft.com/office/drawing/2014/main" id="{7C2AB5B7-D24C-4251-8502-BC7D97FC31C2}"/>
+              </a:ext>
+            </a:extLst>
+          </p:cNvPr>
+          <p:cNvSpPr>
+            <a:spLocks noGrp="1"/>
+          </p:cNvSpPr>
+          <p:nvPr>
+            <p:ph type="dt" sz="half" idx="13"/>
+          </p:nvPr>
+        </p:nvSpPr>
+        <p:spPr/>
+        <p:txBody>
+          <a:bodyPr/>
+          <a:lstStyle/>
+          <a:p>
+            <a:fld id="{B226B4E6-2447-4D67-A511-B13A2182F919}" type="datetime5">
+              <a:rPr lang="ko-KR" altLang="en-US" smtClean="0"/>
+              <a:t>2021/8/4</a:t>
+            </a:fld>
+            <a:endParaRPr lang="ko-KR" altLang="en-US" dirty="0"/>
+          </a:p>
+        </p:txBody>
+      </p:sp>
+      <p:pic>
+        <p:nvPicPr>
+          <p:cNvPr id="2050" name="Picture 2" descr="데이터베이스 - 뷰(View)">
+            <a:extLst>
+              <a:ext uri="{FF2B5EF4-FFF2-40B4-BE49-F238E27FC236}">
+                <a16:creationId xmlns:a16="http://schemas.microsoft.com/office/drawing/2014/main" id="{36824256-B58B-401E-AFCA-EAB435299094}"/>
+              </a:ext>
+            </a:extLst>
+          </p:cNvPr>
+          <p:cNvPicPr>
+            <a:picLocks noChangeAspect="1" noChangeArrowheads="1"/>
+          </p:cNvPicPr>
+          <p:nvPr/>
+        </p:nvPicPr>
+        <p:blipFill>
+          <a:blip r:embed="rId2">
+            <a:extLst>
+              <a:ext uri="{28A0092B-C50C-407E-A947-70E740481C1C}">
+                <a14:useLocalDpi xmlns:a14="http://schemas.microsoft.com/office/drawing/2010/main" val="0"/>
+              </a:ext>
+            </a:extLst>
+          </a:blip>
+          <a:srcRect/>
+          <a:stretch>
+            <a:fillRect/>
+          </a:stretch>
+        </p:blipFill>
+        <p:spPr bwMode="auto">
+          <a:xfrm>
+            <a:off x="1280959" y="1778465"/>
+            <a:ext cx="4296081" cy="2003615"/>
+          </a:xfrm>
+          <a:prstGeom prst="rect">
+            <a:avLst/>
+          </a:prstGeom>
+          <a:noFill/>
+          <a:extLst>
+            <a:ext uri="{909E8E84-426E-40DD-AFC4-6F175D3DCCD1}">
+              <a14:hiddenFill xmlns:a14="http://schemas.microsoft.com/office/drawing/2010/main">
+                <a:solidFill>
+                  <a:srgbClr val="FFFFFF"/>
+                </a:solidFill>
+              </a14:hiddenFill>
+            </a:ext>
+          </a:extLst>
+        </p:spPr>
+      </p:pic>
+    </p:spTree>
+    <p:extLst>
+      <p:ext uri="{BB962C8B-B14F-4D97-AF65-F5344CB8AC3E}">
+        <p14:creationId xmlns:p14="http://schemas.microsoft.com/office/powerpoint/2010/main" val="446337916"/>
+      </p:ext>
+    </p:extLst>
+  </p:cSld>
+  <p:clrMapOvr>
+    <a:masterClrMapping/>
+  </p:clrMapOvr>
+</p:sld>
+</file>
+
+<file path=ppt/slides/slide15.xml><?xml version="1.0" encoding="utf-8"?>
+<p:sld xmlns:a="http://schemas.openxmlformats.org/drawingml/2006/main" xmlns:r="http://schemas.openxmlformats.org/officeDocument/2006/relationships" xmlns:p="http://schemas.openxmlformats.org/presentationml/2006/main">
+  <p:cSld>
+    <p:spTree>
+      <p:nvGrpSpPr>
+        <p:cNvPr id="1" name=""/>
+        <p:cNvGrpSpPr/>
+        <p:nvPr/>
+      </p:nvGrpSpPr>
+      <p:grpSpPr>
+        <a:xfrm>
+          <a:off x="0" y="0"/>
+          <a:ext cx="0" cy="0"/>
+          <a:chOff x="0" y="0"/>
+          <a:chExt cx="0" cy="0"/>
+        </a:xfrm>
+      </p:grpSpPr>
+      <p:sp>
+        <p:nvSpPr>
+          <p:cNvPr id="2" name="내용 개체 틀 1">
+            <a:extLst>
+              <a:ext uri="{FF2B5EF4-FFF2-40B4-BE49-F238E27FC236}">
+                <a16:creationId xmlns:a16="http://schemas.microsoft.com/office/drawing/2014/main" id="{8AF64737-8F81-46AB-86C6-A67CF9AB6235}"/>
+              </a:ext>
+            </a:extLst>
+          </p:cNvPr>
+          <p:cNvSpPr>
+            <a:spLocks noGrp="1"/>
+          </p:cNvSpPr>
+          <p:nvPr>
+            <p:ph sz="half" idx="14"/>
+          </p:nvPr>
+        </p:nvSpPr>
+        <p:spPr/>
+        <p:txBody>
+          <a:bodyPr/>
+          <a:lstStyle/>
+          <a:p>
+            <a:r>
+              <a:rPr lang="en-US" altLang="ko-KR" dirty="0"/>
+              <a:t>Index</a:t>
+            </a:r>
+          </a:p>
+          <a:p>
+            <a:pPr lvl="1"/>
+            <a:r>
+              <a:rPr lang="ko-KR" altLang="en-US" dirty="0"/>
+              <a:t>정의</a:t>
+            </a:r>
+            <a:r>
+              <a:rPr lang="en-US" altLang="ko-KR" dirty="0"/>
+              <a:t>: </a:t>
+            </a:r>
+            <a:r>
+              <a:rPr lang="ko-KR" altLang="en-US" dirty="0"/>
+              <a:t>데이터를 찾는 수단</a:t>
+            </a:r>
+            <a:endParaRPr lang="en-US" altLang="ko-KR" dirty="0"/>
+          </a:p>
+          <a:p>
+            <a:pPr lvl="1"/>
+            <a:endParaRPr lang="en-US" altLang="ko-KR" dirty="0"/>
+          </a:p>
+          <a:p>
+            <a:pPr lvl="1"/>
+            <a:endParaRPr lang="en-US" altLang="ko-KR" dirty="0"/>
+          </a:p>
+          <a:p>
+            <a:pPr lvl="1"/>
+            <a:endParaRPr lang="en-US" altLang="ko-KR" dirty="0"/>
+          </a:p>
+          <a:p>
+            <a:pPr lvl="1"/>
+            <a:endParaRPr lang="en-US" altLang="ko-KR" dirty="0"/>
+          </a:p>
+          <a:p>
+            <a:pPr lvl="1"/>
+            <a:endParaRPr lang="en-US" altLang="ko-KR" dirty="0"/>
+          </a:p>
+          <a:p>
+            <a:pPr lvl="1"/>
+            <a:endParaRPr lang="en-US" altLang="ko-KR" dirty="0"/>
+          </a:p>
+          <a:p>
+            <a:pPr lvl="1"/>
+            <a:endParaRPr lang="en-US" altLang="ko-KR" dirty="0"/>
+          </a:p>
+          <a:p>
+            <a:pPr lvl="1"/>
+            <a:r>
+              <a:rPr lang="ko-KR" altLang="en-US" dirty="0"/>
+              <a:t>종류</a:t>
+            </a:r>
+            <a:endParaRPr lang="en-US" altLang="ko-KR" dirty="0"/>
+          </a:p>
+          <a:p>
+            <a:pPr lvl="2"/>
+            <a:r>
+              <a:rPr lang="ko-KR" altLang="en-US" dirty="0"/>
+              <a:t>순서 </a:t>
+            </a:r>
+            <a:r>
+              <a:rPr lang="en-US" altLang="ko-KR" dirty="0"/>
+              <a:t>Index</a:t>
+            </a:r>
+          </a:p>
+          <a:p>
+            <a:pPr lvl="2"/>
+            <a:r>
+              <a:rPr lang="ko-KR" altLang="en-US" dirty="0"/>
+              <a:t>해시</a:t>
+            </a:r>
+            <a:r>
+              <a:rPr lang="en-US" altLang="ko-KR" dirty="0"/>
+              <a:t> Index</a:t>
+            </a:r>
+          </a:p>
+          <a:p>
+            <a:pPr lvl="2"/>
+            <a:r>
+              <a:rPr lang="ko-KR" altLang="en-US" dirty="0"/>
+              <a:t>비트맵 </a:t>
+            </a:r>
+            <a:r>
+              <a:rPr lang="en-US" altLang="ko-KR" dirty="0"/>
+              <a:t>Index</a:t>
+            </a:r>
+          </a:p>
+          <a:p>
+            <a:pPr lvl="2"/>
+            <a:r>
+              <a:rPr lang="ko-KR" altLang="en-US" dirty="0"/>
+              <a:t>함수기반 </a:t>
+            </a:r>
+            <a:r>
+              <a:rPr lang="en-US" altLang="ko-KR" dirty="0"/>
+              <a:t>Index</a:t>
+            </a:r>
+          </a:p>
+          <a:p>
+            <a:pPr lvl="2"/>
+            <a:r>
+              <a:rPr lang="ko-KR" altLang="en-US" dirty="0"/>
+              <a:t>단일 </a:t>
+            </a:r>
+            <a:r>
+              <a:rPr lang="en-US" altLang="ko-KR" dirty="0"/>
+              <a:t>Index: </a:t>
+            </a:r>
+            <a:r>
+              <a:rPr lang="ko-KR" altLang="en-US" dirty="0"/>
+              <a:t>하나의 컬럼으로 만들어진 인덱스</a:t>
+            </a:r>
+            <a:endParaRPr lang="en-US" altLang="ko-KR" dirty="0"/>
+          </a:p>
+          <a:p>
+            <a:pPr lvl="2"/>
+            <a:r>
+              <a:rPr lang="ko-KR" altLang="en-US" dirty="0"/>
+              <a:t>결합 </a:t>
+            </a:r>
+            <a:r>
+              <a:rPr lang="en-US" altLang="ko-KR" dirty="0"/>
+              <a:t>Index: N</a:t>
+            </a:r>
+            <a:r>
+              <a:rPr lang="ko-KR" altLang="en-US" dirty="0"/>
+              <a:t>개의 컬럼으로 만들어진 인덱스</a:t>
+            </a:r>
+            <a:endParaRPr lang="en-US" altLang="ko-KR" dirty="0"/>
+          </a:p>
+          <a:p>
+            <a:pPr lvl="2"/>
+            <a:r>
+              <a:rPr lang="ko-KR" altLang="en-US" dirty="0" err="1"/>
+              <a:t>클러스터드</a:t>
+            </a:r>
+            <a:r>
+              <a:rPr lang="ko-KR" altLang="en-US" dirty="0"/>
+              <a:t> </a:t>
+            </a:r>
+            <a:r>
+              <a:rPr lang="en-US" altLang="ko-KR" dirty="0"/>
+              <a:t>Index</a:t>
+            </a:r>
+            <a:endParaRPr lang="ko-KR" altLang="en-US" dirty="0"/>
+          </a:p>
+        </p:txBody>
+      </p:sp>
+      <p:sp>
+        <p:nvSpPr>
+          <p:cNvPr id="3" name="제목 2">
+            <a:extLst>
+              <a:ext uri="{FF2B5EF4-FFF2-40B4-BE49-F238E27FC236}">
+                <a16:creationId xmlns:a16="http://schemas.microsoft.com/office/drawing/2014/main" id="{CF8CAEEE-396A-4004-B601-D027E042F671}"/>
+              </a:ext>
+            </a:extLst>
+          </p:cNvPr>
+          <p:cNvSpPr>
+            <a:spLocks noGrp="1"/>
+          </p:cNvSpPr>
+          <p:nvPr>
+            <p:ph type="title"/>
+          </p:nvPr>
+        </p:nvSpPr>
+        <p:spPr/>
+        <p:txBody>
+          <a:bodyPr/>
+          <a:lstStyle/>
+          <a:p>
+            <a:r>
+              <a:rPr lang="en-US" altLang="ko-KR" dirty="0"/>
+              <a:t>Index</a:t>
+            </a:r>
+            <a:endParaRPr lang="ko-KR" altLang="en-US" dirty="0"/>
+          </a:p>
+        </p:txBody>
+      </p:sp>
+      <p:sp>
+        <p:nvSpPr>
+          <p:cNvPr id="4" name="내용 개체 틀 3">
+            <a:extLst>
+              <a:ext uri="{FF2B5EF4-FFF2-40B4-BE49-F238E27FC236}">
+                <a16:creationId xmlns:a16="http://schemas.microsoft.com/office/drawing/2014/main" id="{80ED55AB-B434-4425-AE1A-2B7307F3EAF5}"/>
+              </a:ext>
+            </a:extLst>
+          </p:cNvPr>
+          <p:cNvSpPr>
+            <a:spLocks noGrp="1"/>
+          </p:cNvSpPr>
+          <p:nvPr>
+            <p:ph sz="half" idx="2"/>
+          </p:nvPr>
+        </p:nvSpPr>
+        <p:spPr/>
+        <p:txBody>
+          <a:bodyPr/>
+          <a:lstStyle/>
+          <a:p>
+            <a:endParaRPr lang="en-US" altLang="ko-KR" dirty="0"/>
+          </a:p>
+          <a:p>
+            <a:pPr lvl="1"/>
+            <a:r>
+              <a:rPr lang="ko-KR" altLang="en-US" dirty="0"/>
+              <a:t>스캔</a:t>
+            </a:r>
+            <a:endParaRPr lang="en-US" altLang="ko-KR" dirty="0"/>
+          </a:p>
+          <a:p>
+            <a:pPr lvl="2"/>
+            <a:r>
+              <a:rPr lang="ko-KR" altLang="en-US" dirty="0"/>
+              <a:t>인덱스 범위 스캔</a:t>
+            </a:r>
+            <a:r>
+              <a:rPr lang="en-US" altLang="ko-KR" dirty="0"/>
+              <a:t>: </a:t>
+            </a:r>
+            <a:r>
+              <a:rPr lang="ko-KR" altLang="en-US" dirty="0"/>
+              <a:t>필요한 범위만 스캔</a:t>
+            </a:r>
+            <a:endParaRPr lang="en-US" altLang="ko-KR" dirty="0"/>
+          </a:p>
+          <a:p>
+            <a:pPr lvl="2"/>
+            <a:r>
+              <a:rPr lang="ko-KR" altLang="en-US" dirty="0"/>
+              <a:t>인덱스 전체 스캔</a:t>
+            </a:r>
+            <a:r>
+              <a:rPr lang="en-US" altLang="ko-KR" dirty="0"/>
+              <a:t>: </a:t>
+            </a:r>
+            <a:r>
+              <a:rPr lang="ko-KR" altLang="en-US" dirty="0"/>
+              <a:t>전체 스캔</a:t>
+            </a:r>
+            <a:endParaRPr lang="en-US" altLang="ko-KR" dirty="0"/>
+          </a:p>
+          <a:p>
+            <a:pPr lvl="2"/>
+            <a:r>
+              <a:rPr lang="ko-KR" altLang="en-US" dirty="0"/>
+              <a:t>인덱스 단일 스캔</a:t>
+            </a:r>
+            <a:r>
+              <a:rPr lang="en-US" altLang="ko-KR" dirty="0"/>
+              <a:t>: </a:t>
+            </a:r>
+            <a:r>
+              <a:rPr lang="ko-KR" altLang="en-US" dirty="0"/>
+              <a:t>하나만 스캔</a:t>
+            </a:r>
+            <a:endParaRPr lang="en-US" altLang="ko-KR" dirty="0"/>
+          </a:p>
+          <a:p>
+            <a:pPr lvl="2"/>
+            <a:r>
+              <a:rPr lang="ko-KR" altLang="en-US" dirty="0"/>
+              <a:t>인덱스 생략 스캔</a:t>
+            </a:r>
+            <a:r>
+              <a:rPr lang="en-US" altLang="ko-KR" dirty="0"/>
+              <a:t>:</a:t>
+            </a:r>
+          </a:p>
+          <a:p>
+            <a:pPr lvl="1"/>
+            <a:endParaRPr lang="ko-KR" altLang="en-US" dirty="0"/>
+          </a:p>
+        </p:txBody>
+      </p:sp>
+      <p:sp>
+        <p:nvSpPr>
+          <p:cNvPr id="5" name="슬라이드 번호 개체 틀 4">
+            <a:extLst>
+              <a:ext uri="{FF2B5EF4-FFF2-40B4-BE49-F238E27FC236}">
+                <a16:creationId xmlns:a16="http://schemas.microsoft.com/office/drawing/2014/main" id="{9C2CE389-E7D9-4B11-B2F5-1E5D5244678A}"/>
+              </a:ext>
+            </a:extLst>
+          </p:cNvPr>
+          <p:cNvSpPr>
+            <a:spLocks noGrp="1"/>
+          </p:cNvSpPr>
+          <p:nvPr>
+            <p:ph type="sldNum" sz="quarter" idx="12"/>
+          </p:nvPr>
+        </p:nvSpPr>
+        <p:spPr/>
+        <p:txBody>
+          <a:bodyPr/>
+          <a:lstStyle/>
+          <a:p>
+            <a:fld id="{89BED30C-66D9-4104-96BC-081A506F0CF0}" type="slidenum">
+              <a:rPr lang="ko-KR" altLang="en-US" smtClean="0"/>
+              <a:t>15</a:t>
+            </a:fld>
+            <a:endParaRPr lang="ko-KR" altLang="en-US"/>
+          </a:p>
+        </p:txBody>
+      </p:sp>
+      <p:sp>
+        <p:nvSpPr>
+          <p:cNvPr id="6" name="바닥글 개체 틀 5">
+            <a:extLst>
+              <a:ext uri="{FF2B5EF4-FFF2-40B4-BE49-F238E27FC236}">
+                <a16:creationId xmlns:a16="http://schemas.microsoft.com/office/drawing/2014/main" id="{9C397561-283E-47A9-B123-E085C9E0A2B2}"/>
+              </a:ext>
+            </a:extLst>
+          </p:cNvPr>
+          <p:cNvSpPr>
+            <a:spLocks noGrp="1"/>
+          </p:cNvSpPr>
+          <p:nvPr>
+            <p:ph type="ftr" sz="quarter" idx="3"/>
+          </p:nvPr>
+        </p:nvSpPr>
+        <p:spPr/>
+        <p:txBody>
+          <a:bodyPr/>
+          <a:lstStyle/>
+          <a:p>
+            <a:pPr algn="l"/>
+            <a:r>
+              <a:rPr lang="en-US" altLang="ko-KR"/>
+              <a:t>Nibble</a:t>
+            </a:r>
+            <a:endParaRPr lang="ko-KR" altLang="en-US" dirty="0"/>
+          </a:p>
+        </p:txBody>
+      </p:sp>
+      <p:sp>
+        <p:nvSpPr>
+          <p:cNvPr id="7" name="날짜 개체 틀 6">
+            <a:extLst>
+              <a:ext uri="{FF2B5EF4-FFF2-40B4-BE49-F238E27FC236}">
+                <a16:creationId xmlns:a16="http://schemas.microsoft.com/office/drawing/2014/main" id="{8348AD39-BE05-4875-9204-5E6C1237F5F5}"/>
+              </a:ext>
+            </a:extLst>
+          </p:cNvPr>
+          <p:cNvSpPr>
+            <a:spLocks noGrp="1"/>
+          </p:cNvSpPr>
+          <p:nvPr>
+            <p:ph type="dt" sz="half" idx="13"/>
+          </p:nvPr>
+        </p:nvSpPr>
+        <p:spPr/>
+        <p:txBody>
+          <a:bodyPr/>
+          <a:lstStyle/>
+          <a:p>
+            <a:fld id="{B226B4E6-2447-4D67-A511-B13A2182F919}" type="datetime5">
+              <a:rPr lang="ko-KR" altLang="en-US" smtClean="0"/>
+              <a:t>2021/8/4</a:t>
+            </a:fld>
+            <a:endParaRPr lang="ko-KR" altLang="en-US" dirty="0"/>
+          </a:p>
+        </p:txBody>
+      </p:sp>
+      <p:pic>
+        <p:nvPicPr>
+          <p:cNvPr id="3074" name="Picture 2" descr="데이터베이스 인덱스 기초 개념 정리(인덱스의 정의, 특징, 사용 지침 등) – Jang">
+            <a:extLst>
+              <a:ext uri="{FF2B5EF4-FFF2-40B4-BE49-F238E27FC236}">
+                <a16:creationId xmlns:a16="http://schemas.microsoft.com/office/drawing/2014/main" id="{9F9E168B-1E04-4F97-AB47-6B41CFC479AC}"/>
+              </a:ext>
+            </a:extLst>
+          </p:cNvPr>
+          <p:cNvPicPr>
+            <a:picLocks noChangeAspect="1" noChangeArrowheads="1"/>
+          </p:cNvPicPr>
+          <p:nvPr/>
+        </p:nvPicPr>
+        <p:blipFill>
+          <a:blip r:embed="rId2">
+            <a:extLst>
+              <a:ext uri="{28A0092B-C50C-407E-A947-70E740481C1C}">
+                <a14:useLocalDpi xmlns:a14="http://schemas.microsoft.com/office/drawing/2010/main" val="0"/>
+              </a:ext>
+            </a:extLst>
+          </a:blip>
+          <a:srcRect/>
+          <a:stretch>
+            <a:fillRect/>
+          </a:stretch>
+        </p:blipFill>
+        <p:spPr bwMode="auto">
+          <a:xfrm>
+            <a:off x="1084277" y="1756171"/>
+            <a:ext cx="4689446" cy="1809223"/>
+          </a:xfrm>
+          <a:prstGeom prst="rect">
+            <a:avLst/>
+          </a:prstGeom>
+          <a:noFill/>
+          <a:extLst>
+            <a:ext uri="{909E8E84-426E-40DD-AFC4-6F175D3DCCD1}">
+              <a14:hiddenFill xmlns:a14="http://schemas.microsoft.com/office/drawing/2010/main">
+                <a:solidFill>
+                  <a:srgbClr val="FFFFFF"/>
+                </a:solidFill>
+              </a14:hiddenFill>
+            </a:ext>
+          </a:extLst>
+        </p:spPr>
+      </p:pic>
+    </p:spTree>
+    <p:extLst>
+      <p:ext uri="{BB962C8B-B14F-4D97-AF65-F5344CB8AC3E}">
+        <p14:creationId xmlns:p14="http://schemas.microsoft.com/office/powerpoint/2010/main" val="1584093277"/>
+      </p:ext>
+    </p:extLst>
+  </p:cSld>
+  <p:clrMapOvr>
+    <a:masterClrMapping/>
+  </p:clrMapOvr>
+</p:sld>
+</file>
+
+<file path=ppt/slides/slide16.xml><?xml version="1.0" encoding="utf-8"?>
+<p:sld xmlns:a="http://schemas.openxmlformats.org/drawingml/2006/main" xmlns:r="http://schemas.openxmlformats.org/officeDocument/2006/relationships" xmlns:p="http://schemas.openxmlformats.org/presentationml/2006/main">
+  <p:cSld>
+    <p:spTree>
+      <p:nvGrpSpPr>
+        <p:cNvPr id="1" name=""/>
+        <p:cNvGrpSpPr/>
+        <p:nvPr/>
+      </p:nvGrpSpPr>
+      <p:grpSpPr>
+        <a:xfrm>
+          <a:off x="0" y="0"/>
+          <a:ext cx="0" cy="0"/>
+          <a:chOff x="0" y="0"/>
+          <a:chExt cx="0" cy="0"/>
+        </a:xfrm>
+      </p:grpSpPr>
+      <p:sp>
+        <p:nvSpPr>
+          <p:cNvPr id="2" name="내용 개체 틀 1">
+            <a:extLst>
+              <a:ext uri="{FF2B5EF4-FFF2-40B4-BE49-F238E27FC236}">
+                <a16:creationId xmlns:a16="http://schemas.microsoft.com/office/drawing/2014/main" id="{4D04E943-B764-46D9-AD35-7B11099006C1}"/>
+              </a:ext>
+            </a:extLst>
+          </p:cNvPr>
+          <p:cNvSpPr>
+            <a:spLocks noGrp="1"/>
+          </p:cNvSpPr>
+          <p:nvPr>
+            <p:ph sz="half" idx="14"/>
+          </p:nvPr>
+        </p:nvSpPr>
+        <p:spPr/>
+        <p:txBody>
+          <a:bodyPr/>
+          <a:lstStyle/>
+          <a:p>
+            <a:r>
+              <a:rPr lang="ko-KR" altLang="en-US" dirty="0"/>
+              <a:t>집합 연산자</a:t>
+            </a:r>
+            <a:endParaRPr lang="en-US" altLang="ko-KR" dirty="0"/>
+          </a:p>
+          <a:p>
+            <a:pPr lvl="1"/>
+            <a:r>
+              <a:rPr lang="ko-KR" altLang="en-US" dirty="0"/>
+              <a:t>정의</a:t>
+            </a:r>
+            <a:endParaRPr lang="en-US" altLang="ko-KR" dirty="0"/>
+          </a:p>
+          <a:p>
+            <a:pPr lvl="2"/>
+            <a:r>
+              <a:rPr lang="en-US" altLang="ko-KR" dirty="0"/>
+              <a:t>N</a:t>
+            </a:r>
+            <a:r>
+              <a:rPr lang="ko-KR" altLang="en-US" dirty="0"/>
+              <a:t>개 테이블에 한 여러 질의의 결과를 연결하는 연산</a:t>
+            </a:r>
+            <a:endParaRPr lang="en-US" altLang="ko-KR" dirty="0"/>
+          </a:p>
+          <a:p>
+            <a:pPr lvl="1"/>
+            <a:r>
+              <a:rPr lang="ko-KR" altLang="en-US" dirty="0"/>
+              <a:t>연산자</a:t>
+            </a:r>
+            <a:endParaRPr lang="en-US" altLang="ko-KR" dirty="0"/>
+          </a:p>
+          <a:p>
+            <a:pPr lvl="2"/>
+            <a:r>
+              <a:rPr lang="en-US" altLang="ko-KR" dirty="0"/>
+              <a:t>UNION: </a:t>
+            </a:r>
+            <a:r>
+              <a:rPr lang="ko-KR" altLang="en-US" dirty="0"/>
+              <a:t>중복 행이 제거된 결과 집합</a:t>
+            </a:r>
+            <a:endParaRPr lang="en-US" altLang="ko-KR" dirty="0"/>
+          </a:p>
+          <a:p>
+            <a:pPr lvl="2"/>
+            <a:r>
+              <a:rPr lang="en-US" altLang="ko-KR" dirty="0"/>
+              <a:t>UNION ALL: </a:t>
+            </a:r>
+            <a:r>
+              <a:rPr lang="ko-KR" altLang="en-US" dirty="0"/>
+              <a:t>중복 행이 제거되지 않은 결과 집합</a:t>
+            </a:r>
+            <a:endParaRPr lang="en-US" altLang="ko-KR" dirty="0"/>
+          </a:p>
+          <a:p>
+            <a:pPr lvl="2"/>
+            <a:r>
+              <a:rPr lang="en-US" altLang="ko-KR" dirty="0"/>
+              <a:t>INTERSECT: </a:t>
+            </a:r>
+            <a:r>
+              <a:rPr lang="ko-KR" altLang="en-US" dirty="0"/>
+              <a:t>교집합</a:t>
+            </a:r>
+            <a:endParaRPr lang="en-US" altLang="ko-KR" dirty="0"/>
+          </a:p>
+          <a:p>
+            <a:pPr lvl="2"/>
+            <a:r>
+              <a:rPr lang="en-US" altLang="ko-KR" dirty="0"/>
+              <a:t>MINUS: </a:t>
+            </a:r>
+            <a:r>
+              <a:rPr lang="ko-KR" altLang="en-US" dirty="0"/>
+              <a:t>첫 쿼리 </a:t>
+            </a:r>
+            <a:r>
+              <a:rPr lang="en-US" altLang="ko-KR" dirty="0"/>
+              <a:t>– </a:t>
+            </a:r>
+            <a:r>
+              <a:rPr lang="ko-KR" altLang="en-US" dirty="0"/>
+              <a:t>둘째 쿼리 집합</a:t>
+            </a:r>
+          </a:p>
+        </p:txBody>
+      </p:sp>
+      <p:sp>
+        <p:nvSpPr>
+          <p:cNvPr id="3" name="제목 2">
+            <a:extLst>
+              <a:ext uri="{FF2B5EF4-FFF2-40B4-BE49-F238E27FC236}">
+                <a16:creationId xmlns:a16="http://schemas.microsoft.com/office/drawing/2014/main" id="{8A51E372-2C23-48FE-BCD7-6EF96E6F3EB8}"/>
+              </a:ext>
+            </a:extLst>
+          </p:cNvPr>
+          <p:cNvSpPr>
+            <a:spLocks noGrp="1"/>
+          </p:cNvSpPr>
+          <p:nvPr>
+            <p:ph type="title"/>
+          </p:nvPr>
+        </p:nvSpPr>
+        <p:spPr/>
+        <p:txBody>
+          <a:bodyPr/>
+          <a:lstStyle/>
+          <a:p>
+            <a:r>
+              <a:rPr lang="ko-KR" altLang="en-US" dirty="0"/>
+              <a:t>집합 연산자</a:t>
+            </a:r>
+          </a:p>
+        </p:txBody>
+      </p:sp>
+      <p:sp>
+        <p:nvSpPr>
+          <p:cNvPr id="4" name="내용 개체 틀 3">
+            <a:extLst>
+              <a:ext uri="{FF2B5EF4-FFF2-40B4-BE49-F238E27FC236}">
+                <a16:creationId xmlns:a16="http://schemas.microsoft.com/office/drawing/2014/main" id="{57ADC70A-7977-45D3-8E97-EC544E069F02}"/>
+              </a:ext>
+            </a:extLst>
+          </p:cNvPr>
+          <p:cNvSpPr>
+            <a:spLocks noGrp="1"/>
+          </p:cNvSpPr>
+          <p:nvPr>
+            <p:ph sz="half" idx="2"/>
+          </p:nvPr>
+        </p:nvSpPr>
+        <p:spPr/>
+        <p:txBody>
+          <a:bodyPr/>
+          <a:lstStyle/>
+          <a:p>
+            <a:endParaRPr lang="ko-KR" altLang="en-US"/>
+          </a:p>
+        </p:txBody>
+      </p:sp>
+      <p:sp>
+        <p:nvSpPr>
+          <p:cNvPr id="5" name="슬라이드 번호 개체 틀 4">
+            <a:extLst>
+              <a:ext uri="{FF2B5EF4-FFF2-40B4-BE49-F238E27FC236}">
+                <a16:creationId xmlns:a16="http://schemas.microsoft.com/office/drawing/2014/main" id="{F11B363C-6671-4FF4-9847-A31833CE327D}"/>
+              </a:ext>
+            </a:extLst>
+          </p:cNvPr>
+          <p:cNvSpPr>
+            <a:spLocks noGrp="1"/>
+          </p:cNvSpPr>
+          <p:nvPr>
+            <p:ph type="sldNum" sz="quarter" idx="12"/>
+          </p:nvPr>
+        </p:nvSpPr>
+        <p:spPr/>
+        <p:txBody>
+          <a:bodyPr/>
+          <a:lstStyle/>
+          <a:p>
+            <a:fld id="{89BED30C-66D9-4104-96BC-081A506F0CF0}" type="slidenum">
+              <a:rPr lang="ko-KR" altLang="en-US" smtClean="0"/>
+              <a:t>16</a:t>
+            </a:fld>
+            <a:endParaRPr lang="ko-KR" altLang="en-US"/>
+          </a:p>
+        </p:txBody>
+      </p:sp>
+      <p:sp>
+        <p:nvSpPr>
+          <p:cNvPr id="6" name="바닥글 개체 틀 5">
+            <a:extLst>
+              <a:ext uri="{FF2B5EF4-FFF2-40B4-BE49-F238E27FC236}">
+                <a16:creationId xmlns:a16="http://schemas.microsoft.com/office/drawing/2014/main" id="{F1BDD036-F2D7-4524-AE2C-9A1B04DC8B35}"/>
+              </a:ext>
+            </a:extLst>
+          </p:cNvPr>
+          <p:cNvSpPr>
+            <a:spLocks noGrp="1"/>
+          </p:cNvSpPr>
+          <p:nvPr>
+            <p:ph type="ftr" sz="quarter" idx="3"/>
+          </p:nvPr>
+        </p:nvSpPr>
+        <p:spPr/>
+        <p:txBody>
+          <a:bodyPr/>
+          <a:lstStyle/>
+          <a:p>
+            <a:pPr algn="l"/>
+            <a:r>
+              <a:rPr lang="en-US" altLang="ko-KR"/>
+              <a:t>Nibble</a:t>
+            </a:r>
+            <a:endParaRPr lang="ko-KR" altLang="en-US" dirty="0"/>
+          </a:p>
+        </p:txBody>
+      </p:sp>
+      <p:sp>
+        <p:nvSpPr>
+          <p:cNvPr id="7" name="날짜 개체 틀 6">
+            <a:extLst>
+              <a:ext uri="{FF2B5EF4-FFF2-40B4-BE49-F238E27FC236}">
+                <a16:creationId xmlns:a16="http://schemas.microsoft.com/office/drawing/2014/main" id="{3E5B238A-3CB6-4AF5-8B87-EE50F43325D7}"/>
+              </a:ext>
+            </a:extLst>
+          </p:cNvPr>
+          <p:cNvSpPr>
+            <a:spLocks noGrp="1"/>
+          </p:cNvSpPr>
+          <p:nvPr>
+            <p:ph type="dt" sz="half" idx="13"/>
+          </p:nvPr>
+        </p:nvSpPr>
+        <p:spPr/>
+        <p:txBody>
+          <a:bodyPr/>
+          <a:lstStyle/>
+          <a:p>
+            <a:fld id="{B226B4E6-2447-4D67-A511-B13A2182F919}" type="datetime5">
+              <a:rPr lang="ko-KR" altLang="en-US" smtClean="0"/>
+              <a:t>2021/8/4</a:t>
+            </a:fld>
+            <a:endParaRPr lang="ko-KR" altLang="en-US" dirty="0"/>
+          </a:p>
+        </p:txBody>
+      </p:sp>
+    </p:spTree>
+    <p:extLst>
+      <p:ext uri="{BB962C8B-B14F-4D97-AF65-F5344CB8AC3E}">
+        <p14:creationId xmlns:p14="http://schemas.microsoft.com/office/powerpoint/2010/main" val="21535573"/>
+      </p:ext>
+    </p:extLst>
+  </p:cSld>
+  <p:clrMapOvr>
+    <a:masterClrMapping/>
+  </p:clrMapOvr>
+</p:sld>
+</file>
+
+<file path=ppt/slides/slide17.xml><?xml version="1.0" encoding="utf-8"?>
+<p:sld xmlns:a="http://schemas.openxmlformats.org/drawingml/2006/main" xmlns:r="http://schemas.openxmlformats.org/officeDocument/2006/relationships" xmlns:p="http://schemas.openxmlformats.org/presentationml/2006/main">
+  <p:cSld>
+    <p:spTree>
+      <p:nvGrpSpPr>
+        <p:cNvPr id="1" name=""/>
+        <p:cNvGrpSpPr/>
+        <p:nvPr/>
+      </p:nvGrpSpPr>
+      <p:grpSpPr>
+        <a:xfrm>
+          <a:off x="0" y="0"/>
+          <a:ext cx="0" cy="0"/>
+          <a:chOff x="0" y="0"/>
+          <a:chExt cx="0" cy="0"/>
+        </a:xfrm>
+      </p:grpSpPr>
+      <p:sp>
+        <p:nvSpPr>
+          <p:cNvPr id="2" name="내용 개체 틀 1">
+            <a:extLst>
+              <a:ext uri="{FF2B5EF4-FFF2-40B4-BE49-F238E27FC236}">
+                <a16:creationId xmlns:a16="http://schemas.microsoft.com/office/drawing/2014/main" id="{B9B2A62B-C3EA-4A2B-931F-E859CCD2E8D0}"/>
+              </a:ext>
+            </a:extLst>
+          </p:cNvPr>
+          <p:cNvSpPr>
+            <a:spLocks noGrp="1"/>
+          </p:cNvSpPr>
+          <p:nvPr>
+            <p:ph sz="half" idx="14"/>
+          </p:nvPr>
+        </p:nvSpPr>
+        <p:spPr/>
+        <p:txBody>
+          <a:bodyPr/>
+          <a:lstStyle/>
+          <a:p>
+            <a:r>
+              <a:rPr lang="en-US" altLang="ko-KR" dirty="0"/>
+              <a:t>Join</a:t>
+            </a:r>
+          </a:p>
+          <a:p>
+            <a:pPr lvl="1"/>
+            <a:r>
+              <a:rPr lang="ko-KR" altLang="en-US" dirty="0"/>
+              <a:t>정의</a:t>
+            </a:r>
+            <a:r>
+              <a:rPr lang="en-US" altLang="ko-KR" dirty="0"/>
+              <a:t>: N</a:t>
+            </a:r>
+            <a:r>
+              <a:rPr lang="ko-KR" altLang="en-US" dirty="0"/>
+              <a:t>개의 테이블을 연결하여 검색하는 방법</a:t>
+            </a:r>
+            <a:endParaRPr lang="en-US" altLang="ko-KR" dirty="0"/>
+          </a:p>
+          <a:p>
+            <a:pPr lvl="1"/>
+            <a:r>
+              <a:rPr lang="ko-KR" altLang="en-US" dirty="0"/>
+              <a:t>유형</a:t>
+            </a:r>
+            <a:endParaRPr lang="en-US" altLang="ko-KR" dirty="0"/>
+          </a:p>
+          <a:p>
+            <a:pPr lvl="2"/>
+            <a:r>
+              <a:rPr lang="ko-KR" altLang="en-US" dirty="0"/>
+              <a:t>논리적 조인</a:t>
+            </a:r>
+            <a:r>
+              <a:rPr lang="en-US" altLang="ko-KR" dirty="0"/>
+              <a:t>: SQL </a:t>
+            </a:r>
+            <a:r>
+              <a:rPr lang="ko-KR" altLang="en-US" dirty="0"/>
+              <a:t>쓸 때 하는 것</a:t>
+            </a:r>
+            <a:endParaRPr lang="en-US" altLang="ko-KR" dirty="0"/>
+          </a:p>
+          <a:p>
+            <a:pPr lvl="3"/>
+            <a:r>
+              <a:rPr lang="ko-KR" altLang="en-US" dirty="0"/>
+              <a:t>내부 조인</a:t>
+            </a:r>
+            <a:endParaRPr lang="en-US" altLang="ko-KR" dirty="0"/>
+          </a:p>
+          <a:p>
+            <a:pPr lvl="3"/>
+            <a:r>
+              <a:rPr lang="ko-KR" altLang="en-US" dirty="0"/>
+              <a:t>외부 조인</a:t>
+            </a:r>
+            <a:endParaRPr lang="en-US" altLang="ko-KR" dirty="0"/>
+          </a:p>
+          <a:p>
+            <a:pPr lvl="3"/>
+            <a:r>
+              <a:rPr lang="ko-KR" altLang="en-US" dirty="0"/>
+              <a:t>교차 조인</a:t>
+            </a:r>
+            <a:endParaRPr lang="en-US" altLang="ko-KR" dirty="0"/>
+          </a:p>
+          <a:p>
+            <a:pPr lvl="3"/>
+            <a:r>
+              <a:rPr lang="ko-KR" altLang="en-US" dirty="0"/>
+              <a:t>셀프 조인</a:t>
+            </a:r>
+            <a:endParaRPr lang="en-US" altLang="ko-KR" dirty="0"/>
+          </a:p>
+          <a:p>
+            <a:pPr lvl="2"/>
+            <a:r>
+              <a:rPr lang="ko-KR" altLang="en-US" dirty="0"/>
+              <a:t>물리적 조인</a:t>
+            </a:r>
+            <a:r>
+              <a:rPr lang="en-US" altLang="ko-KR" dirty="0"/>
+              <a:t>: DB </a:t>
+            </a:r>
+            <a:r>
+              <a:rPr lang="ko-KR" altLang="en-US" dirty="0"/>
+              <a:t>최적화 할 때 하는 것</a:t>
+            </a:r>
+            <a:endParaRPr lang="en-US" altLang="ko-KR" dirty="0"/>
+          </a:p>
+          <a:p>
+            <a:pPr lvl="3"/>
+            <a:r>
+              <a:rPr lang="ko-KR" altLang="en-US" dirty="0"/>
+              <a:t>중첩 반복 조인</a:t>
+            </a:r>
+            <a:r>
+              <a:rPr lang="en-US" altLang="ko-KR" dirty="0"/>
+              <a:t>: </a:t>
+            </a:r>
+            <a:r>
+              <a:rPr lang="ko-KR" altLang="en-US" dirty="0"/>
+              <a:t>각 로우의 짝을 찾아 연결</a:t>
+            </a:r>
+            <a:endParaRPr lang="en-US" altLang="ko-KR" dirty="0"/>
+          </a:p>
+          <a:p>
+            <a:pPr lvl="3"/>
+            <a:r>
+              <a:rPr lang="ko-KR" altLang="en-US" dirty="0"/>
+              <a:t>정렬 합병 조인</a:t>
+            </a:r>
+            <a:r>
+              <a:rPr lang="en-US" altLang="ko-KR" dirty="0"/>
+              <a:t>: </a:t>
+            </a:r>
+            <a:r>
+              <a:rPr lang="ko-KR" altLang="en-US" dirty="0"/>
+              <a:t>양 테이블 정렬 후 연결</a:t>
+            </a:r>
+            <a:endParaRPr lang="en-US" altLang="ko-KR" dirty="0"/>
+          </a:p>
+          <a:p>
+            <a:pPr lvl="3"/>
+            <a:r>
+              <a:rPr lang="ko-KR" altLang="en-US" dirty="0"/>
+              <a:t>해시 조인</a:t>
+            </a:r>
+            <a:r>
+              <a:rPr lang="en-US" altLang="ko-KR" dirty="0"/>
+              <a:t>: </a:t>
+            </a:r>
+            <a:r>
+              <a:rPr lang="ko-KR" altLang="en-US" dirty="0"/>
+              <a:t>해시 사용 연결</a:t>
+            </a:r>
+            <a:endParaRPr lang="en-US" altLang="ko-KR" dirty="0"/>
+          </a:p>
+        </p:txBody>
+      </p:sp>
+      <p:sp>
+        <p:nvSpPr>
+          <p:cNvPr id="3" name="제목 2">
+            <a:extLst>
+              <a:ext uri="{FF2B5EF4-FFF2-40B4-BE49-F238E27FC236}">
+                <a16:creationId xmlns:a16="http://schemas.microsoft.com/office/drawing/2014/main" id="{DC1E7A6C-79C8-4B1A-8F57-717C68780367}"/>
+              </a:ext>
+            </a:extLst>
+          </p:cNvPr>
+          <p:cNvSpPr>
+            <a:spLocks noGrp="1"/>
+          </p:cNvSpPr>
+          <p:nvPr>
+            <p:ph type="title"/>
+          </p:nvPr>
+        </p:nvSpPr>
+        <p:spPr/>
+        <p:txBody>
+          <a:bodyPr/>
+          <a:lstStyle/>
+          <a:p>
+            <a:r>
+              <a:rPr lang="en-US" altLang="ko-KR" dirty="0"/>
+              <a:t>Join</a:t>
+            </a:r>
+            <a:endParaRPr lang="ko-KR" altLang="en-US" dirty="0"/>
+          </a:p>
+        </p:txBody>
+      </p:sp>
+      <p:sp>
+        <p:nvSpPr>
+          <p:cNvPr id="4" name="내용 개체 틀 3">
+            <a:extLst>
+              <a:ext uri="{FF2B5EF4-FFF2-40B4-BE49-F238E27FC236}">
+                <a16:creationId xmlns:a16="http://schemas.microsoft.com/office/drawing/2014/main" id="{6B084076-E6B1-476F-8753-BCF5E9CFDF98}"/>
+              </a:ext>
+            </a:extLst>
+          </p:cNvPr>
+          <p:cNvSpPr>
+            <a:spLocks noGrp="1"/>
+          </p:cNvSpPr>
+          <p:nvPr>
+            <p:ph sz="half" idx="2"/>
+          </p:nvPr>
+        </p:nvSpPr>
+        <p:spPr/>
+        <p:txBody>
+          <a:bodyPr/>
+          <a:lstStyle/>
+          <a:p>
+            <a:endParaRPr lang="ko-KR" altLang="en-US"/>
+          </a:p>
+        </p:txBody>
+      </p:sp>
+      <p:sp>
+        <p:nvSpPr>
+          <p:cNvPr id="5" name="슬라이드 번호 개체 틀 4">
+            <a:extLst>
+              <a:ext uri="{FF2B5EF4-FFF2-40B4-BE49-F238E27FC236}">
+                <a16:creationId xmlns:a16="http://schemas.microsoft.com/office/drawing/2014/main" id="{385B0A63-B743-4B6B-8B39-FF0B214FBBE8}"/>
+              </a:ext>
+            </a:extLst>
+          </p:cNvPr>
+          <p:cNvSpPr>
+            <a:spLocks noGrp="1"/>
+          </p:cNvSpPr>
+          <p:nvPr>
+            <p:ph type="sldNum" sz="quarter" idx="12"/>
+          </p:nvPr>
+        </p:nvSpPr>
+        <p:spPr/>
+        <p:txBody>
+          <a:bodyPr/>
+          <a:lstStyle/>
+          <a:p>
+            <a:fld id="{89BED30C-66D9-4104-96BC-081A506F0CF0}" type="slidenum">
+              <a:rPr lang="ko-KR" altLang="en-US" smtClean="0"/>
+              <a:t>17</a:t>
+            </a:fld>
+            <a:endParaRPr lang="ko-KR" altLang="en-US"/>
+          </a:p>
+        </p:txBody>
+      </p:sp>
+      <p:sp>
+        <p:nvSpPr>
+          <p:cNvPr id="6" name="바닥글 개체 틀 5">
+            <a:extLst>
+              <a:ext uri="{FF2B5EF4-FFF2-40B4-BE49-F238E27FC236}">
+                <a16:creationId xmlns:a16="http://schemas.microsoft.com/office/drawing/2014/main" id="{2923F005-613C-47E3-B7C8-3BEA4CF76943}"/>
+              </a:ext>
+            </a:extLst>
+          </p:cNvPr>
+          <p:cNvSpPr>
+            <a:spLocks noGrp="1"/>
+          </p:cNvSpPr>
+          <p:nvPr>
+            <p:ph type="ftr" sz="quarter" idx="3"/>
+          </p:nvPr>
+        </p:nvSpPr>
+        <p:spPr/>
+        <p:txBody>
+          <a:bodyPr/>
+          <a:lstStyle/>
+          <a:p>
+            <a:pPr algn="l"/>
+            <a:r>
+              <a:rPr lang="en-US" altLang="ko-KR"/>
+              <a:t>Nibble</a:t>
+            </a:r>
+            <a:endParaRPr lang="ko-KR" altLang="en-US" dirty="0"/>
+          </a:p>
+        </p:txBody>
+      </p:sp>
+      <p:sp>
+        <p:nvSpPr>
+          <p:cNvPr id="7" name="날짜 개체 틀 6">
+            <a:extLst>
+              <a:ext uri="{FF2B5EF4-FFF2-40B4-BE49-F238E27FC236}">
+                <a16:creationId xmlns:a16="http://schemas.microsoft.com/office/drawing/2014/main" id="{EBDB7509-0430-4091-AC37-58DA92ED0A3F}"/>
+              </a:ext>
+            </a:extLst>
+          </p:cNvPr>
+          <p:cNvSpPr>
+            <a:spLocks noGrp="1"/>
+          </p:cNvSpPr>
+          <p:nvPr>
+            <p:ph type="dt" sz="half" idx="13"/>
+          </p:nvPr>
+        </p:nvSpPr>
+        <p:spPr/>
+        <p:txBody>
+          <a:bodyPr/>
+          <a:lstStyle/>
+          <a:p>
+            <a:fld id="{B226B4E6-2447-4D67-A511-B13A2182F919}" type="datetime5">
+              <a:rPr lang="ko-KR" altLang="en-US" smtClean="0"/>
+              <a:t>2021/8/4</a:t>
+            </a:fld>
+            <a:endParaRPr lang="ko-KR" altLang="en-US" dirty="0"/>
+          </a:p>
+        </p:txBody>
+      </p:sp>
+    </p:spTree>
+    <p:extLst>
+      <p:ext uri="{BB962C8B-B14F-4D97-AF65-F5344CB8AC3E}">
+        <p14:creationId xmlns:p14="http://schemas.microsoft.com/office/powerpoint/2010/main" val="743928770"/>
+      </p:ext>
+    </p:extLst>
+  </p:cSld>
+  <p:clrMapOvr>
+    <a:masterClrMapping/>
+  </p:clrMapOvr>
+</p:sld>
+</file>
+
+<file path=ppt/slides/slide18.xml><?xml version="1.0" encoding="utf-8"?>
+<p:sld xmlns:a="http://schemas.openxmlformats.org/drawingml/2006/main" xmlns:r="http://schemas.openxmlformats.org/officeDocument/2006/relationships" xmlns:p="http://schemas.openxmlformats.org/presentationml/2006/main">
+  <p:cSld>
+    <p:spTree>
+      <p:nvGrpSpPr>
+        <p:cNvPr id="1" name=""/>
+        <p:cNvGrpSpPr/>
+        <p:nvPr/>
+      </p:nvGrpSpPr>
+      <p:grpSpPr>
+        <a:xfrm>
+          <a:off x="0" y="0"/>
+          <a:ext cx="0" cy="0"/>
+          <a:chOff x="0" y="0"/>
+          <a:chExt cx="0" cy="0"/>
+        </a:xfrm>
+      </p:grpSpPr>
+      <p:sp>
+        <p:nvSpPr>
+          <p:cNvPr id="2" name="내용 개체 틀 1">
+            <a:extLst>
+              <a:ext uri="{FF2B5EF4-FFF2-40B4-BE49-F238E27FC236}">
+                <a16:creationId xmlns:a16="http://schemas.microsoft.com/office/drawing/2014/main" id="{F63ADED8-4D6B-4CD2-A6F7-6483C545E88C}"/>
+              </a:ext>
+            </a:extLst>
+          </p:cNvPr>
+          <p:cNvSpPr>
+            <a:spLocks noGrp="1"/>
+          </p:cNvSpPr>
+          <p:nvPr>
+            <p:ph sz="half" idx="14"/>
+          </p:nvPr>
+        </p:nvSpPr>
+        <p:spPr/>
+        <p:txBody>
+          <a:bodyPr/>
+          <a:lstStyle/>
+          <a:p>
+            <a:r>
+              <a:rPr lang="en-US" altLang="ko-KR" dirty="0"/>
+              <a:t>Sub Query</a:t>
+            </a:r>
+          </a:p>
+          <a:p>
+            <a:pPr lvl="1"/>
+            <a:r>
+              <a:rPr lang="ko-KR" altLang="en-US" dirty="0"/>
+              <a:t>정의</a:t>
+            </a:r>
+            <a:r>
+              <a:rPr lang="en-US" altLang="ko-KR" dirty="0"/>
+              <a:t>: SQL</a:t>
+            </a:r>
+            <a:r>
+              <a:rPr lang="ko-KR" altLang="en-US" dirty="0"/>
+              <a:t>문 안의 </a:t>
+            </a:r>
+            <a:r>
+              <a:rPr lang="en-US" altLang="ko-KR" dirty="0"/>
+              <a:t>SQL</a:t>
+            </a:r>
+            <a:r>
+              <a:rPr lang="ko-KR" altLang="en-US" dirty="0"/>
+              <a:t>문</a:t>
+            </a:r>
+            <a:endParaRPr lang="en-US" altLang="ko-KR" dirty="0"/>
+          </a:p>
+          <a:p>
+            <a:pPr lvl="2"/>
+            <a:endParaRPr lang="ko-KR" altLang="en-US" dirty="0"/>
+          </a:p>
+        </p:txBody>
+      </p:sp>
+      <p:sp>
+        <p:nvSpPr>
+          <p:cNvPr id="3" name="제목 2">
+            <a:extLst>
+              <a:ext uri="{FF2B5EF4-FFF2-40B4-BE49-F238E27FC236}">
+                <a16:creationId xmlns:a16="http://schemas.microsoft.com/office/drawing/2014/main" id="{83C202A7-E03D-4564-AA5F-AB6B54E52A56}"/>
+              </a:ext>
+            </a:extLst>
+          </p:cNvPr>
+          <p:cNvSpPr>
+            <a:spLocks noGrp="1"/>
+          </p:cNvSpPr>
+          <p:nvPr>
+            <p:ph type="title"/>
+          </p:nvPr>
+        </p:nvSpPr>
+        <p:spPr/>
+        <p:txBody>
+          <a:bodyPr/>
+          <a:lstStyle/>
+          <a:p>
+            <a:r>
+              <a:rPr lang="en-US" altLang="ko-KR" dirty="0"/>
+              <a:t>Sub Query</a:t>
+            </a:r>
+            <a:endParaRPr lang="ko-KR" altLang="en-US" dirty="0"/>
+          </a:p>
+        </p:txBody>
+      </p:sp>
+      <p:sp>
+        <p:nvSpPr>
+          <p:cNvPr id="4" name="내용 개체 틀 3">
+            <a:extLst>
+              <a:ext uri="{FF2B5EF4-FFF2-40B4-BE49-F238E27FC236}">
+                <a16:creationId xmlns:a16="http://schemas.microsoft.com/office/drawing/2014/main" id="{126D6FA2-99BE-4DB4-A231-5FC6B877223E}"/>
+              </a:ext>
+            </a:extLst>
+          </p:cNvPr>
+          <p:cNvSpPr>
+            <a:spLocks noGrp="1"/>
+          </p:cNvSpPr>
+          <p:nvPr>
+            <p:ph sz="half" idx="2"/>
+          </p:nvPr>
+        </p:nvSpPr>
+        <p:spPr/>
+        <p:txBody>
+          <a:bodyPr/>
+          <a:lstStyle/>
+          <a:p>
+            <a:endParaRPr lang="ko-KR" altLang="en-US"/>
+          </a:p>
+        </p:txBody>
+      </p:sp>
+      <p:sp>
+        <p:nvSpPr>
+          <p:cNvPr id="5" name="슬라이드 번호 개체 틀 4">
+            <a:extLst>
+              <a:ext uri="{FF2B5EF4-FFF2-40B4-BE49-F238E27FC236}">
+                <a16:creationId xmlns:a16="http://schemas.microsoft.com/office/drawing/2014/main" id="{BF751849-82C4-4A44-962B-A05EA9715D5B}"/>
+              </a:ext>
+            </a:extLst>
+          </p:cNvPr>
+          <p:cNvSpPr>
+            <a:spLocks noGrp="1"/>
+          </p:cNvSpPr>
+          <p:nvPr>
+            <p:ph type="sldNum" sz="quarter" idx="12"/>
+          </p:nvPr>
+        </p:nvSpPr>
+        <p:spPr/>
+        <p:txBody>
+          <a:bodyPr/>
+          <a:lstStyle/>
+          <a:p>
+            <a:fld id="{89BED30C-66D9-4104-96BC-081A506F0CF0}" type="slidenum">
+              <a:rPr lang="ko-KR" altLang="en-US" smtClean="0"/>
+              <a:t>18</a:t>
+            </a:fld>
+            <a:endParaRPr lang="ko-KR" altLang="en-US"/>
+          </a:p>
+        </p:txBody>
+      </p:sp>
+      <p:sp>
+        <p:nvSpPr>
+          <p:cNvPr id="6" name="바닥글 개체 틀 5">
+            <a:extLst>
+              <a:ext uri="{FF2B5EF4-FFF2-40B4-BE49-F238E27FC236}">
+                <a16:creationId xmlns:a16="http://schemas.microsoft.com/office/drawing/2014/main" id="{C685BAE7-2441-4028-A090-2C3D1181E0FA}"/>
+              </a:ext>
+            </a:extLst>
+          </p:cNvPr>
+          <p:cNvSpPr>
+            <a:spLocks noGrp="1"/>
+          </p:cNvSpPr>
+          <p:nvPr>
+            <p:ph type="ftr" sz="quarter" idx="3"/>
+          </p:nvPr>
+        </p:nvSpPr>
+        <p:spPr/>
+        <p:txBody>
+          <a:bodyPr/>
+          <a:lstStyle/>
+          <a:p>
+            <a:pPr algn="l"/>
+            <a:r>
+              <a:rPr lang="en-US" altLang="ko-KR"/>
+              <a:t>Nibble</a:t>
+            </a:r>
+            <a:endParaRPr lang="ko-KR" altLang="en-US" dirty="0"/>
+          </a:p>
+        </p:txBody>
+      </p:sp>
+      <p:sp>
+        <p:nvSpPr>
+          <p:cNvPr id="7" name="날짜 개체 틀 6">
+            <a:extLst>
+              <a:ext uri="{FF2B5EF4-FFF2-40B4-BE49-F238E27FC236}">
+                <a16:creationId xmlns:a16="http://schemas.microsoft.com/office/drawing/2014/main" id="{288F2999-66E2-4C12-A08A-B2546972C558}"/>
+              </a:ext>
+            </a:extLst>
+          </p:cNvPr>
+          <p:cNvSpPr>
+            <a:spLocks noGrp="1"/>
+          </p:cNvSpPr>
+          <p:nvPr>
+            <p:ph type="dt" sz="half" idx="13"/>
+          </p:nvPr>
+        </p:nvSpPr>
+        <p:spPr/>
+        <p:txBody>
+          <a:bodyPr/>
+          <a:lstStyle/>
+          <a:p>
+            <a:fld id="{B226B4E6-2447-4D67-A511-B13A2182F919}" type="datetime5">
+              <a:rPr lang="ko-KR" altLang="en-US" smtClean="0"/>
+              <a:t>2021/8/4</a:t>
+            </a:fld>
+            <a:endParaRPr lang="ko-KR" altLang="en-US" dirty="0"/>
+          </a:p>
+        </p:txBody>
+      </p:sp>
+    </p:spTree>
+    <p:extLst>
+      <p:ext uri="{BB962C8B-B14F-4D97-AF65-F5344CB8AC3E}">
+        <p14:creationId xmlns:p14="http://schemas.microsoft.com/office/powerpoint/2010/main" val="3181505407"/>
+      </p:ext>
+    </p:extLst>
+  </p:cSld>
+  <p:clrMapOvr>
+    <a:masterClrMapping/>
+  </p:clrMapOvr>
+</p:sld>
+</file>
+
 <file path=ppt/slides/slide2.xml><?xml version="1.0" encoding="utf-8"?>
 <p:sld xmlns:a="http://schemas.openxmlformats.org/drawingml/2006/main" xmlns:r="http://schemas.openxmlformats.org/officeDocument/2006/relationships" xmlns:p="http://schemas.openxmlformats.org/presentationml/2006/main">
   <p:cSld>
@@ -3429,7 +6637,7 @@
           <a:p>
             <a:fld id="{B226B4E6-2447-4D67-A511-B13A2182F919}" type="datetime5">
               <a:rPr lang="ko-KR" altLang="en-US" smtClean="0"/>
-              <a:t>2021/8/2</a:t>
+              <a:t>2021/8/4</a:t>
             </a:fld>
             <a:endParaRPr lang="ko-KR" altLang="en-US" dirty="0"/>
           </a:p>
@@ -3526,6 +6734,53 @@
               <a:rPr lang="ko-KR" altLang="en-US" dirty="0"/>
               <a:t>작성</a:t>
             </a:r>
+            <a:endParaRPr lang="en-US" altLang="ko-KR" dirty="0"/>
+          </a:p>
+          <a:p>
+            <a:r>
+              <a:rPr lang="en-US" altLang="ko-KR" dirty="0"/>
+              <a:t>SQL </a:t>
+            </a:r>
+            <a:r>
+              <a:rPr lang="ko-KR" altLang="en-US" dirty="0"/>
+              <a:t>활용</a:t>
+            </a:r>
+            <a:endParaRPr lang="en-US" altLang="ko-KR" dirty="0"/>
+          </a:p>
+          <a:p>
+            <a:pPr lvl="1"/>
+            <a:r>
+              <a:rPr lang="ko-KR" altLang="en-US" dirty="0"/>
+              <a:t>기본 </a:t>
+            </a:r>
+            <a:r>
+              <a:rPr lang="en-US" altLang="ko-KR" dirty="0"/>
+              <a:t>SQL </a:t>
+            </a:r>
+            <a:r>
+              <a:rPr lang="ko-KR" altLang="en-US" dirty="0"/>
+              <a:t>작성</a:t>
+            </a:r>
+            <a:endParaRPr lang="en-US" altLang="ko-KR" dirty="0"/>
+          </a:p>
+          <a:p>
+            <a:pPr lvl="1"/>
+            <a:r>
+              <a:rPr lang="ko-KR" altLang="en-US" dirty="0"/>
+              <a:t>고급 </a:t>
+            </a:r>
+            <a:r>
+              <a:rPr lang="en-US" altLang="ko-KR" dirty="0"/>
+              <a:t>SQL </a:t>
+            </a:r>
+            <a:r>
+              <a:rPr lang="ko-KR" altLang="en-US" dirty="0"/>
+              <a:t>작성</a:t>
+            </a:r>
+          </a:p>
+          <a:p>
+            <a:pPr lvl="1"/>
+            <a:endParaRPr lang="ko-KR" altLang="en-US" dirty="0"/>
           </a:p>
         </p:txBody>
       </p:sp>
@@ -3668,7 +6923,7 @@
           <a:p>
             <a:fld id="{B226B4E6-2447-4D67-A511-B13A2182F919}" type="datetime5">
               <a:rPr lang="ko-KR" altLang="en-US" smtClean="0"/>
-              <a:t>2021/8/2</a:t>
+              <a:t>2021/8/4</a:t>
             </a:fld>
             <a:endParaRPr lang="ko-KR" altLang="en-US" dirty="0"/>
           </a:p>
@@ -4058,7 +7313,7 @@
           <a:p>
             <a:fld id="{B226B4E6-2447-4D67-A511-B13A2182F919}" type="datetime5">
               <a:rPr lang="ko-KR" altLang="en-US" smtClean="0"/>
-              <a:t>2021/8/2</a:t>
+              <a:t>2021/8/4</a:t>
             </a:fld>
             <a:endParaRPr lang="ko-KR" altLang="en-US" dirty="0"/>
           </a:p>
@@ -4951,7 +8206,7 @@
           <a:p>
             <a:fld id="{B226B4E6-2447-4D67-A511-B13A2182F919}" type="datetime5">
               <a:rPr lang="ko-KR" altLang="en-US" smtClean="0"/>
-              <a:t>2021/8/2</a:t>
+              <a:t>2021/8/4</a:t>
             </a:fld>
             <a:endParaRPr lang="ko-KR" altLang="en-US" dirty="0"/>
           </a:p>
@@ -5656,7 +8911,7 @@
           <a:p>
             <a:fld id="{B226B4E6-2447-4D67-A511-B13A2182F919}" type="datetime5">
               <a:rPr lang="ko-KR" altLang="en-US" smtClean="0"/>
-              <a:t>2021/8/2</a:t>
+              <a:t>2021/8/4</a:t>
             </a:fld>
             <a:endParaRPr lang="ko-KR" altLang="en-US" dirty="0"/>
           </a:p>
@@ -6402,7 +9657,7 @@
           <a:p>
             <a:fld id="{B226B4E6-2447-4D67-A511-B13A2182F919}" type="datetime5">
               <a:rPr lang="ko-KR" altLang="en-US" smtClean="0"/>
-              <a:t>2021/8/2</a:t>
+              <a:t>2021/8/4</a:t>
             </a:fld>
             <a:endParaRPr lang="ko-KR" altLang="en-US" dirty="0"/>
           </a:p>
@@ -6752,7 +10007,7 @@
           <a:p>
             <a:fld id="{B226B4E6-2447-4D67-A511-B13A2182F919}" type="datetime5">
               <a:rPr lang="ko-KR" altLang="en-US" smtClean="0"/>
-              <a:t>2021/8/2</a:t>
+              <a:t>2021/8/4</a:t>
             </a:fld>
             <a:endParaRPr lang="ko-KR" altLang="en-US" dirty="0"/>
           </a:p>
@@ -6799,6 +10054,513 @@
     <p:extLst>
       <p:ext uri="{BB962C8B-B14F-4D97-AF65-F5344CB8AC3E}">
         <p14:creationId xmlns:p14="http://schemas.microsoft.com/office/powerpoint/2010/main" val="1169899290"/>
+      </p:ext>
+    </p:extLst>
+  </p:cSld>
+  <p:clrMapOvr>
+    <a:masterClrMapping/>
+  </p:clrMapOvr>
+</p:sld>
+</file>
+
+<file path=ppt/slides/slide9.xml><?xml version="1.0" encoding="utf-8"?>
+<p:sld xmlns:a="http://schemas.openxmlformats.org/drawingml/2006/main" xmlns:r="http://schemas.openxmlformats.org/officeDocument/2006/relationships" xmlns:p="http://schemas.openxmlformats.org/presentationml/2006/main">
+  <p:cSld>
+    <p:spTree>
+      <p:nvGrpSpPr>
+        <p:cNvPr id="1" name=""/>
+        <p:cNvGrpSpPr/>
+        <p:nvPr/>
+      </p:nvGrpSpPr>
+      <p:grpSpPr>
+        <a:xfrm>
+          <a:off x="0" y="0"/>
+          <a:ext cx="0" cy="0"/>
+          <a:chOff x="0" y="0"/>
+          <a:chExt cx="0" cy="0"/>
+        </a:xfrm>
+      </p:grpSpPr>
+      <p:sp>
+        <p:nvSpPr>
+          <p:cNvPr id="2" name="내용 개체 틀 1">
+            <a:extLst>
+              <a:ext uri="{FF2B5EF4-FFF2-40B4-BE49-F238E27FC236}">
+                <a16:creationId xmlns:a16="http://schemas.microsoft.com/office/drawing/2014/main" id="{AA97BEC2-5ACD-46D8-B22E-0B61D5761374}"/>
+              </a:ext>
+            </a:extLst>
+          </p:cNvPr>
+          <p:cNvSpPr>
+            <a:spLocks noGrp="1"/>
+          </p:cNvSpPr>
+          <p:nvPr>
+            <p:ph sz="half" idx="14"/>
+          </p:nvPr>
+        </p:nvSpPr>
+        <p:spPr/>
+        <p:txBody>
+          <a:bodyPr/>
+          <a:lstStyle/>
+          <a:p>
+            <a:r>
+              <a:rPr lang="en-US" altLang="ko-KR" dirty="0"/>
+              <a:t>DDL</a:t>
+            </a:r>
+          </a:p>
+          <a:p>
+            <a:pPr lvl="1"/>
+            <a:r>
+              <a:rPr lang="ko-KR" altLang="en-US" dirty="0"/>
+              <a:t>정의</a:t>
+            </a:r>
+            <a:r>
+              <a:rPr lang="en-US" altLang="ko-KR" dirty="0"/>
+              <a:t>: </a:t>
+            </a:r>
+            <a:r>
+              <a:rPr lang="ko-KR" altLang="en-US" dirty="0"/>
+              <a:t>데이터를 정의하는 언어</a:t>
+            </a:r>
+            <a:endParaRPr lang="en-US" altLang="ko-KR" dirty="0"/>
+          </a:p>
+          <a:p>
+            <a:pPr lvl="1"/>
+            <a:r>
+              <a:rPr lang="ko-KR" altLang="en-US" dirty="0"/>
+              <a:t>대상</a:t>
+            </a:r>
+            <a:endParaRPr lang="en-US" altLang="ko-KR" dirty="0"/>
+          </a:p>
+          <a:p>
+            <a:pPr lvl="2"/>
+            <a:r>
+              <a:rPr lang="en-US" altLang="ko-KR" dirty="0"/>
+              <a:t>Domain: </a:t>
+            </a:r>
+            <a:r>
+              <a:rPr lang="ko-KR" altLang="en-US" dirty="0"/>
+              <a:t>하나의 속성이 가질 수 있는 원자 값들</a:t>
+            </a:r>
+            <a:endParaRPr lang="en-US" altLang="ko-KR" dirty="0"/>
+          </a:p>
+          <a:p>
+            <a:pPr lvl="3"/>
+            <a:r>
+              <a:rPr lang="ko-KR" altLang="en-US" dirty="0"/>
+              <a:t>속성의 데이터 타입과 크기</a:t>
+            </a:r>
+            <a:r>
+              <a:rPr lang="en-US" altLang="ko-KR" dirty="0"/>
+              <a:t>, </a:t>
+            </a:r>
+            <a:r>
+              <a:rPr lang="ko-KR" altLang="en-US" dirty="0"/>
+              <a:t>제약조건 등</a:t>
+            </a:r>
+            <a:endParaRPr lang="en-US" altLang="ko-KR" dirty="0"/>
+          </a:p>
+          <a:p>
+            <a:pPr lvl="2"/>
+            <a:r>
+              <a:rPr lang="en-US" altLang="ko-KR" dirty="0">
+                <a:hlinkClick r:id="rId2"/>
+              </a:rPr>
+              <a:t>Schema</a:t>
+            </a:r>
+            <a:r>
+              <a:rPr lang="en-US" altLang="ko-KR" dirty="0"/>
+              <a:t>: DB</a:t>
+            </a:r>
+            <a:r>
+              <a:rPr lang="ko-KR" altLang="en-US" dirty="0"/>
+              <a:t>의 구조</a:t>
+            </a:r>
+            <a:r>
+              <a:rPr lang="en-US" altLang="ko-KR" dirty="0"/>
+              <a:t>, </a:t>
+            </a:r>
+            <a:r>
+              <a:rPr lang="ko-KR" altLang="en-US" dirty="0"/>
+              <a:t>제약 조건 등을 담는 구조</a:t>
+            </a:r>
+            <a:endParaRPr lang="en-US" altLang="ko-KR" dirty="0"/>
+          </a:p>
+          <a:p>
+            <a:pPr lvl="3"/>
+            <a:r>
+              <a:rPr lang="en-US" altLang="ko-KR" dirty="0"/>
+              <a:t>External</a:t>
+            </a:r>
+            <a:r>
+              <a:rPr lang="ko-KR" altLang="en-US" dirty="0"/>
+              <a:t> </a:t>
+            </a:r>
+            <a:r>
+              <a:rPr lang="en-US" altLang="ko-KR" dirty="0"/>
+              <a:t>Schema: </a:t>
+            </a:r>
+            <a:r>
+              <a:rPr lang="ko-KR" altLang="en-US" dirty="0"/>
+              <a:t>논리적 사용 관점의 </a:t>
+            </a:r>
+            <a:r>
+              <a:rPr lang="en-US" altLang="ko-KR" dirty="0"/>
+              <a:t>DB </a:t>
+            </a:r>
+            <a:r>
+              <a:rPr lang="ko-KR" altLang="en-US" dirty="0"/>
+              <a:t>구조</a:t>
+            </a:r>
+            <a:endParaRPr lang="en-US" altLang="ko-KR" dirty="0"/>
+          </a:p>
+          <a:p>
+            <a:pPr lvl="3"/>
+            <a:r>
+              <a:rPr lang="en-US" altLang="ko-KR" dirty="0"/>
+              <a:t>Conceptual Schema: </a:t>
+            </a:r>
+            <a:r>
+              <a:rPr lang="ko-KR" altLang="en-US" dirty="0"/>
+              <a:t>전체 관점의 </a:t>
+            </a:r>
+            <a:r>
+              <a:rPr lang="en-US" altLang="ko-KR" dirty="0"/>
+              <a:t>DB </a:t>
+            </a:r>
+            <a:r>
+              <a:rPr lang="ko-KR" altLang="en-US" dirty="0"/>
+              <a:t>구조</a:t>
+            </a:r>
+            <a:endParaRPr lang="en-US" altLang="ko-KR" dirty="0"/>
+          </a:p>
+          <a:p>
+            <a:pPr lvl="3"/>
+            <a:r>
+              <a:rPr lang="en-US" altLang="ko-KR" dirty="0"/>
+              <a:t>Internal Schema: </a:t>
+            </a:r>
+            <a:r>
+              <a:rPr lang="ko-KR" altLang="en-US" dirty="0"/>
+              <a:t>물리적 관점의 </a:t>
+            </a:r>
+            <a:r>
+              <a:rPr lang="en-US" altLang="ko-KR" dirty="0"/>
+              <a:t>DB </a:t>
+            </a:r>
+            <a:r>
+              <a:rPr lang="ko-KR" altLang="en-US" dirty="0"/>
+              <a:t>구조</a:t>
+            </a:r>
+            <a:endParaRPr lang="en-US" altLang="ko-KR" dirty="0"/>
+          </a:p>
+          <a:p>
+            <a:pPr lvl="2"/>
+            <a:r>
+              <a:rPr lang="en-US" altLang="ko-KR" dirty="0"/>
+              <a:t>Table: </a:t>
+            </a:r>
+            <a:r>
+              <a:rPr lang="ko-KR" altLang="en-US" dirty="0"/>
+              <a:t>데이터</a:t>
+            </a:r>
+            <a:r>
+              <a:rPr lang="en-US" altLang="ko-KR" dirty="0"/>
+              <a:t> </a:t>
+            </a:r>
+            <a:r>
+              <a:rPr lang="ko-KR" altLang="en-US" dirty="0"/>
+              <a:t>저장 공간</a:t>
+            </a:r>
+            <a:endParaRPr lang="en-US" altLang="ko-KR" dirty="0"/>
+          </a:p>
+          <a:p>
+            <a:pPr lvl="2"/>
+            <a:r>
+              <a:rPr lang="en-US" altLang="ko-KR" dirty="0"/>
+              <a:t>View: </a:t>
+            </a:r>
+            <a:r>
+              <a:rPr lang="ko-KR" altLang="en-US" dirty="0"/>
+              <a:t>물리 테이블에서 유도된 가상 테이블</a:t>
+            </a:r>
+            <a:endParaRPr lang="en-US" altLang="ko-KR" dirty="0"/>
+          </a:p>
+          <a:p>
+            <a:pPr lvl="3"/>
+            <a:r>
+              <a:rPr lang="ko-KR" altLang="en-US" dirty="0"/>
+              <a:t>실제 저장된 데이터를 모아 정리한 것</a:t>
+            </a:r>
+            <a:endParaRPr lang="en-US" altLang="ko-KR" dirty="0"/>
+          </a:p>
+          <a:p>
+            <a:pPr lvl="2"/>
+            <a:r>
+              <a:rPr lang="en-US" altLang="ko-KR" dirty="0"/>
+              <a:t>Index: </a:t>
+            </a:r>
+            <a:r>
+              <a:rPr lang="ko-KR" altLang="en-US" dirty="0"/>
+              <a:t>검색을 빠르게 하기 위한 데이터 구조</a:t>
+            </a:r>
+          </a:p>
+        </p:txBody>
+      </p:sp>
+      <p:sp>
+        <p:nvSpPr>
+          <p:cNvPr id="3" name="제목 2">
+            <a:extLst>
+              <a:ext uri="{FF2B5EF4-FFF2-40B4-BE49-F238E27FC236}">
+                <a16:creationId xmlns:a16="http://schemas.microsoft.com/office/drawing/2014/main" id="{529DF3B5-0230-44D1-A43B-63BBF82CB142}"/>
+              </a:ext>
+            </a:extLst>
+          </p:cNvPr>
+          <p:cNvSpPr>
+            <a:spLocks noGrp="1"/>
+          </p:cNvSpPr>
+          <p:nvPr>
+            <p:ph type="title"/>
+          </p:nvPr>
+        </p:nvSpPr>
+        <p:spPr/>
+        <p:txBody>
+          <a:bodyPr/>
+          <a:lstStyle/>
+          <a:p>
+            <a:r>
+              <a:rPr lang="en-US" altLang="ko-KR" dirty="0"/>
+              <a:t>DDL (Data Definition Language)</a:t>
+            </a:r>
+            <a:endParaRPr lang="ko-KR" altLang="en-US" dirty="0"/>
+          </a:p>
+        </p:txBody>
+      </p:sp>
+      <p:sp>
+        <p:nvSpPr>
+          <p:cNvPr id="4" name="내용 개체 틀 3">
+            <a:extLst>
+              <a:ext uri="{FF2B5EF4-FFF2-40B4-BE49-F238E27FC236}">
+                <a16:creationId xmlns:a16="http://schemas.microsoft.com/office/drawing/2014/main" id="{87D09947-3075-4A88-8E02-F67601FBFCF1}"/>
+              </a:ext>
+            </a:extLst>
+          </p:cNvPr>
+          <p:cNvSpPr>
+            <a:spLocks noGrp="1"/>
+          </p:cNvSpPr>
+          <p:nvPr>
+            <p:ph sz="half" idx="2"/>
+          </p:nvPr>
+        </p:nvSpPr>
+        <p:spPr/>
+        <p:txBody>
+          <a:bodyPr/>
+          <a:lstStyle/>
+          <a:p>
+            <a:endParaRPr lang="en-US" altLang="ko-KR" dirty="0"/>
+          </a:p>
+          <a:p>
+            <a:pPr lvl="1"/>
+            <a:r>
+              <a:rPr lang="ko-KR" altLang="en-US" dirty="0"/>
+              <a:t>명령어</a:t>
+            </a:r>
+            <a:endParaRPr lang="en-US" altLang="ko-KR" dirty="0"/>
+          </a:p>
+          <a:p>
+            <a:pPr lvl="2"/>
+            <a:r>
+              <a:rPr lang="en-US" altLang="ko-KR" dirty="0"/>
+              <a:t>CREATE: </a:t>
+            </a:r>
+            <a:r>
+              <a:rPr lang="ko-KR" altLang="en-US" dirty="0"/>
+              <a:t>생성</a:t>
+            </a:r>
+            <a:endParaRPr lang="en-US" altLang="ko-KR" dirty="0"/>
+          </a:p>
+          <a:p>
+            <a:pPr lvl="2"/>
+            <a:r>
+              <a:rPr lang="en-US" altLang="ko-KR" dirty="0"/>
+              <a:t>ALTER: </a:t>
+            </a:r>
+            <a:r>
+              <a:rPr lang="ko-KR" altLang="en-US" dirty="0"/>
+              <a:t>변경</a:t>
+            </a:r>
+            <a:endParaRPr lang="en-US" altLang="ko-KR" dirty="0"/>
+          </a:p>
+          <a:p>
+            <a:pPr lvl="2"/>
+            <a:r>
+              <a:rPr lang="en-US" altLang="ko-KR" dirty="0"/>
+              <a:t>DROP: </a:t>
+            </a:r>
+            <a:r>
+              <a:rPr lang="ko-KR" altLang="en-US" dirty="0"/>
+              <a:t>삭제</a:t>
+            </a:r>
+            <a:endParaRPr lang="en-US" altLang="ko-KR" dirty="0"/>
+          </a:p>
+          <a:p>
+            <a:pPr lvl="3"/>
+            <a:r>
+              <a:rPr lang="en-US" altLang="ko-KR" dirty="0"/>
+              <a:t>CASCADE: </a:t>
+            </a:r>
+            <a:r>
+              <a:rPr lang="ko-KR" altLang="en-US" dirty="0"/>
+              <a:t>참조하는 테이블을 연쇄적으로 삭제</a:t>
+            </a:r>
+            <a:endParaRPr lang="en-US" altLang="ko-KR" dirty="0"/>
+          </a:p>
+          <a:p>
+            <a:pPr lvl="3"/>
+            <a:r>
+              <a:rPr lang="en-US" altLang="ko-KR" dirty="0"/>
+              <a:t>RESTRICT: </a:t>
+            </a:r>
+            <a:r>
+              <a:rPr lang="ko-KR" altLang="en-US" dirty="0"/>
+              <a:t>참조하는 테이블이 있으면 삭제 안 함</a:t>
+            </a:r>
+            <a:endParaRPr lang="en-US" altLang="ko-KR" dirty="0"/>
+          </a:p>
+          <a:p>
+            <a:pPr lvl="2"/>
+            <a:r>
+              <a:rPr lang="en-US" altLang="ko-KR" dirty="0"/>
+              <a:t>TRUNCATE: </a:t>
+            </a:r>
+            <a:r>
+              <a:rPr lang="ko-KR" altLang="en-US" dirty="0"/>
+              <a:t>내용 삭제</a:t>
+            </a:r>
+            <a:endParaRPr lang="en-US" altLang="ko-KR" dirty="0"/>
+          </a:p>
+        </p:txBody>
+      </p:sp>
+      <p:sp>
+        <p:nvSpPr>
+          <p:cNvPr id="5" name="슬라이드 번호 개체 틀 4">
+            <a:extLst>
+              <a:ext uri="{FF2B5EF4-FFF2-40B4-BE49-F238E27FC236}">
+                <a16:creationId xmlns:a16="http://schemas.microsoft.com/office/drawing/2014/main" id="{C8CB0627-C0B8-424F-AC29-3882465F4D32}"/>
+              </a:ext>
+            </a:extLst>
+          </p:cNvPr>
+          <p:cNvSpPr>
+            <a:spLocks noGrp="1"/>
+          </p:cNvSpPr>
+          <p:nvPr>
+            <p:ph type="sldNum" sz="quarter" idx="12"/>
+          </p:nvPr>
+        </p:nvSpPr>
+        <p:spPr/>
+        <p:txBody>
+          <a:bodyPr/>
+          <a:lstStyle/>
+          <a:p>
+            <a:fld id="{89BED30C-66D9-4104-96BC-081A506F0CF0}" type="slidenum">
+              <a:rPr lang="ko-KR" altLang="en-US" smtClean="0"/>
+              <a:t>9</a:t>
+            </a:fld>
+            <a:endParaRPr lang="ko-KR" altLang="en-US"/>
+          </a:p>
+        </p:txBody>
+      </p:sp>
+      <p:sp>
+        <p:nvSpPr>
+          <p:cNvPr id="6" name="바닥글 개체 틀 5">
+            <a:extLst>
+              <a:ext uri="{FF2B5EF4-FFF2-40B4-BE49-F238E27FC236}">
+                <a16:creationId xmlns:a16="http://schemas.microsoft.com/office/drawing/2014/main" id="{6CBAADC2-6C38-440C-A92B-1F50BC6AC3B1}"/>
+              </a:ext>
+            </a:extLst>
+          </p:cNvPr>
+          <p:cNvSpPr>
+            <a:spLocks noGrp="1"/>
+          </p:cNvSpPr>
+          <p:nvPr>
+            <p:ph type="ftr" sz="quarter" idx="3"/>
+          </p:nvPr>
+        </p:nvSpPr>
+        <p:spPr/>
+        <p:txBody>
+          <a:bodyPr/>
+          <a:lstStyle/>
+          <a:p>
+            <a:pPr algn="l"/>
+            <a:r>
+              <a:rPr lang="en-US" altLang="ko-KR"/>
+              <a:t>Nibble</a:t>
+            </a:r>
+            <a:endParaRPr lang="ko-KR" altLang="en-US" dirty="0"/>
+          </a:p>
+        </p:txBody>
+      </p:sp>
+      <p:sp>
+        <p:nvSpPr>
+          <p:cNvPr id="7" name="날짜 개체 틀 6">
+            <a:extLst>
+              <a:ext uri="{FF2B5EF4-FFF2-40B4-BE49-F238E27FC236}">
+                <a16:creationId xmlns:a16="http://schemas.microsoft.com/office/drawing/2014/main" id="{24CB5BDE-85D6-4659-89FD-8E5786ECB788}"/>
+              </a:ext>
+            </a:extLst>
+          </p:cNvPr>
+          <p:cNvSpPr>
+            <a:spLocks noGrp="1"/>
+          </p:cNvSpPr>
+          <p:nvPr>
+            <p:ph type="dt" sz="half" idx="13"/>
+          </p:nvPr>
+        </p:nvSpPr>
+        <p:spPr/>
+        <p:txBody>
+          <a:bodyPr/>
+          <a:lstStyle/>
+          <a:p>
+            <a:fld id="{B226B4E6-2447-4D67-A511-B13A2182F919}" type="datetime5">
+              <a:rPr lang="ko-KR" altLang="en-US" smtClean="0"/>
+              <a:t>2021/8/4</a:t>
+            </a:fld>
+            <a:endParaRPr lang="ko-KR" altLang="en-US" dirty="0"/>
+          </a:p>
+        </p:txBody>
+      </p:sp>
+      <p:pic>
+        <p:nvPicPr>
+          <p:cNvPr id="9" name="그림 8">
+            <a:extLst>
+              <a:ext uri="{FF2B5EF4-FFF2-40B4-BE49-F238E27FC236}">
+                <a16:creationId xmlns:a16="http://schemas.microsoft.com/office/drawing/2014/main" id="{C17E7F96-69FF-484C-931F-960D27243ED3}"/>
+              </a:ext>
+            </a:extLst>
+          </p:cNvPr>
+          <p:cNvPicPr>
+            <a:picLocks noChangeAspect="1"/>
+          </p:cNvPicPr>
+          <p:nvPr/>
+        </p:nvPicPr>
+        <p:blipFill>
+          <a:blip r:embed="rId3"/>
+          <a:stretch>
+            <a:fillRect/>
+          </a:stretch>
+        </p:blipFill>
+        <p:spPr>
+          <a:xfrm>
+            <a:off x="2275057" y="4597168"/>
+            <a:ext cx="2768122" cy="2094920"/>
+          </a:xfrm>
+          <a:prstGeom prst="rect">
+            <a:avLst/>
+          </a:prstGeom>
+        </p:spPr>
+      </p:pic>
+    </p:spTree>
+    <p:extLst>
+      <p:ext uri="{BB962C8B-B14F-4D97-AF65-F5344CB8AC3E}">
+        <p14:creationId xmlns:p14="http://schemas.microsoft.com/office/powerpoint/2010/main" val="2095540772"/>
       </p:ext>
     </p:extLst>
   </p:cSld>

--- a/정보처리기사/3. DB 구축.pptx
+++ b/정보처리기사/3. DB 구축.pptx
@@ -5,10 +5,10 @@
     <p:sldMasterId id="2147483648" r:id="rId1"/>
   </p:sldMasterIdLst>
   <p:notesMasterIdLst>
-    <p:notesMasterId r:id="rId20"/>
+    <p:notesMasterId r:id="rId26"/>
   </p:notesMasterIdLst>
   <p:handoutMasterIdLst>
-    <p:handoutMasterId r:id="rId21"/>
+    <p:handoutMasterId r:id="rId27"/>
   </p:handoutMasterIdLst>
   <p:sldIdLst>
     <p:sldId id="259" r:id="rId2"/>
@@ -29,6 +29,12 @@
     <p:sldId id="277" r:id="rId17"/>
     <p:sldId id="278" r:id="rId18"/>
     <p:sldId id="279" r:id="rId19"/>
+    <p:sldId id="280" r:id="rId20"/>
+    <p:sldId id="281" r:id="rId21"/>
+    <p:sldId id="282" r:id="rId22"/>
+    <p:sldId id="283" r:id="rId23"/>
+    <p:sldId id="284" r:id="rId24"/>
+    <p:sldId id="285" r:id="rId25"/>
   </p:sldIdLst>
   <p:sldSz cx="12192000" cy="6858000"/>
   <p:notesSz cx="9144000" cy="6858000"/>
@@ -170,6 +176,20 @@
             <p14:sldId id="277"/>
             <p14:sldId id="278"/>
             <p14:sldId id="279"/>
+          </p14:sldIdLst>
+        </p14:section>
+        <p14:section name="논리 데이터베이스 설계 - 관계 데이터베이스 모델" id="{8E3A527D-4179-4765-B006-5981975604EF}">
+          <p14:sldIdLst>
+            <p14:sldId id="280"/>
+            <p14:sldId id="281"/>
+            <p14:sldId id="282"/>
+          </p14:sldIdLst>
+        </p14:section>
+        <p14:section name="논리 데이터베이스 설계 - 데이터 모델링 및 설계" id="{ED944D5F-759A-4DE4-9899-0C3B5A5BFE65}">
+          <p14:sldIdLst>
+            <p14:sldId id="283"/>
+            <p14:sldId id="284"/>
+            <p14:sldId id="285"/>
           </p14:sldIdLst>
         </p14:section>
       </p14:sectionLst>
@@ -6439,6 +6459,280 @@
 </p:sld>
 </file>
 
+<file path=ppt/slides/slide19.xml><?xml version="1.0" encoding="utf-8"?>
+<p:sld xmlns:a="http://schemas.openxmlformats.org/drawingml/2006/main" xmlns:r="http://schemas.openxmlformats.org/officeDocument/2006/relationships" xmlns:p="http://schemas.openxmlformats.org/presentationml/2006/main">
+  <p:cSld>
+    <p:spTree>
+      <p:nvGrpSpPr>
+        <p:cNvPr id="1" name=""/>
+        <p:cNvGrpSpPr/>
+        <p:nvPr/>
+      </p:nvGrpSpPr>
+      <p:grpSpPr>
+        <a:xfrm>
+          <a:off x="0" y="0"/>
+          <a:ext cx="0" cy="0"/>
+          <a:chOff x="0" y="0"/>
+          <a:chExt cx="0" cy="0"/>
+        </a:xfrm>
+      </p:grpSpPr>
+      <p:sp>
+        <p:nvSpPr>
+          <p:cNvPr id="2" name="내용 개체 틀 1">
+            <a:extLst>
+              <a:ext uri="{FF2B5EF4-FFF2-40B4-BE49-F238E27FC236}">
+                <a16:creationId xmlns:a16="http://schemas.microsoft.com/office/drawing/2014/main" id="{4DC3DB20-BC8B-4EF6-ABBC-6F2D8F76C961}"/>
+              </a:ext>
+            </a:extLst>
+          </p:cNvPr>
+          <p:cNvSpPr>
+            <a:spLocks noGrp="1"/>
+          </p:cNvSpPr>
+          <p:nvPr>
+            <p:ph sz="half" idx="14"/>
+          </p:nvPr>
+        </p:nvSpPr>
+        <p:spPr/>
+        <p:txBody>
+          <a:bodyPr/>
+          <a:lstStyle/>
+          <a:p>
+            <a:r>
+              <a:rPr lang="ko-KR" altLang="en-US" dirty="0"/>
+              <a:t>관계 데이터 모델</a:t>
+            </a:r>
+            <a:endParaRPr lang="en-US" altLang="ko-KR" dirty="0"/>
+          </a:p>
+          <a:p>
+            <a:pPr lvl="1"/>
+            <a:r>
+              <a:rPr lang="ko-KR" altLang="en-US" dirty="0"/>
+              <a:t>구성요소</a:t>
+            </a:r>
+            <a:endParaRPr lang="en-US" altLang="ko-KR" dirty="0"/>
+          </a:p>
+          <a:p>
+            <a:pPr lvl="2"/>
+            <a:r>
+              <a:rPr lang="en-US" altLang="ko-KR" dirty="0"/>
+              <a:t>Relation: Table</a:t>
+            </a:r>
+          </a:p>
+          <a:p>
+            <a:pPr lvl="2"/>
+            <a:r>
+              <a:rPr lang="en-US" altLang="ko-KR" dirty="0"/>
+              <a:t>Tuple: row</a:t>
+            </a:r>
+          </a:p>
+          <a:p>
+            <a:pPr lvl="2"/>
+            <a:r>
+              <a:rPr lang="en-US" altLang="ko-KR" dirty="0"/>
+              <a:t>Attribute: Column</a:t>
+            </a:r>
+          </a:p>
+          <a:p>
+            <a:pPr lvl="2"/>
+            <a:r>
+              <a:rPr lang="en-US" altLang="ko-KR" dirty="0"/>
+              <a:t>Cardinality: Number of row</a:t>
+            </a:r>
+          </a:p>
+          <a:p>
+            <a:pPr lvl="2"/>
+            <a:r>
+              <a:rPr lang="en-US" altLang="ko-KR" dirty="0"/>
+              <a:t>Degree: Number of Column</a:t>
+            </a:r>
+          </a:p>
+          <a:p>
+            <a:pPr lvl="2"/>
+            <a:r>
+              <a:rPr lang="en-US" altLang="ko-KR" dirty="0"/>
+              <a:t>Schema: DB</a:t>
+            </a:r>
+            <a:r>
+              <a:rPr lang="ko-KR" altLang="en-US" dirty="0"/>
+              <a:t>의 구조</a:t>
+            </a:r>
+            <a:r>
+              <a:rPr lang="en-US" altLang="ko-KR" dirty="0"/>
+              <a:t>, </a:t>
+            </a:r>
+            <a:r>
+              <a:rPr lang="ko-KR" altLang="en-US" dirty="0"/>
+              <a:t>제약조건 등을 가진 구조</a:t>
+            </a:r>
+            <a:endParaRPr lang="en-US" altLang="ko-KR" dirty="0"/>
+          </a:p>
+          <a:p>
+            <a:pPr lvl="2"/>
+            <a:r>
+              <a:rPr lang="en-US" altLang="ko-KR" dirty="0"/>
+              <a:t>Instance: </a:t>
+            </a:r>
+            <a:r>
+              <a:rPr lang="ko-KR" altLang="en-US" dirty="0"/>
+              <a:t>스키마에 따라 생성된 데이터</a:t>
+            </a:r>
+          </a:p>
+        </p:txBody>
+      </p:sp>
+      <p:sp>
+        <p:nvSpPr>
+          <p:cNvPr id="3" name="제목 2">
+            <a:extLst>
+              <a:ext uri="{FF2B5EF4-FFF2-40B4-BE49-F238E27FC236}">
+                <a16:creationId xmlns:a16="http://schemas.microsoft.com/office/drawing/2014/main" id="{5FF0B517-25CC-40C2-BABC-AE907032A60E}"/>
+              </a:ext>
+            </a:extLst>
+          </p:cNvPr>
+          <p:cNvSpPr>
+            <a:spLocks noGrp="1"/>
+          </p:cNvSpPr>
+          <p:nvPr>
+            <p:ph type="title"/>
+          </p:nvPr>
+        </p:nvSpPr>
+        <p:spPr/>
+        <p:txBody>
+          <a:bodyPr/>
+          <a:lstStyle/>
+          <a:p>
+            <a:r>
+              <a:rPr lang="ko-KR" altLang="en-US" dirty="0"/>
+              <a:t>관계 데이터 모델</a:t>
+            </a:r>
+          </a:p>
+        </p:txBody>
+      </p:sp>
+      <p:sp>
+        <p:nvSpPr>
+          <p:cNvPr id="4" name="내용 개체 틀 3">
+            <a:extLst>
+              <a:ext uri="{FF2B5EF4-FFF2-40B4-BE49-F238E27FC236}">
+                <a16:creationId xmlns:a16="http://schemas.microsoft.com/office/drawing/2014/main" id="{D8C2F02B-8550-4A1E-80DE-0FC316E24F53}"/>
+              </a:ext>
+            </a:extLst>
+          </p:cNvPr>
+          <p:cNvSpPr>
+            <a:spLocks noGrp="1"/>
+          </p:cNvSpPr>
+          <p:nvPr>
+            <p:ph sz="half" idx="2"/>
+          </p:nvPr>
+        </p:nvSpPr>
+        <p:spPr/>
+        <p:txBody>
+          <a:bodyPr/>
+          <a:lstStyle/>
+          <a:p>
+            <a:endParaRPr lang="ko-KR" altLang="en-US"/>
+          </a:p>
+        </p:txBody>
+      </p:sp>
+      <p:sp>
+        <p:nvSpPr>
+          <p:cNvPr id="5" name="슬라이드 번호 개체 틀 4">
+            <a:extLst>
+              <a:ext uri="{FF2B5EF4-FFF2-40B4-BE49-F238E27FC236}">
+                <a16:creationId xmlns:a16="http://schemas.microsoft.com/office/drawing/2014/main" id="{17F92380-E9AD-4B3B-B758-47AD66C6A705}"/>
+              </a:ext>
+            </a:extLst>
+          </p:cNvPr>
+          <p:cNvSpPr>
+            <a:spLocks noGrp="1"/>
+          </p:cNvSpPr>
+          <p:nvPr>
+            <p:ph type="sldNum" sz="quarter" idx="12"/>
+          </p:nvPr>
+        </p:nvSpPr>
+        <p:spPr/>
+        <p:txBody>
+          <a:bodyPr/>
+          <a:lstStyle/>
+          <a:p>
+            <a:fld id="{89BED30C-66D9-4104-96BC-081A506F0CF0}" type="slidenum">
+              <a:rPr lang="ko-KR" altLang="en-US" smtClean="0"/>
+              <a:t>19</a:t>
+            </a:fld>
+            <a:endParaRPr lang="ko-KR" altLang="en-US"/>
+          </a:p>
+        </p:txBody>
+      </p:sp>
+      <p:sp>
+        <p:nvSpPr>
+          <p:cNvPr id="6" name="바닥글 개체 틀 5">
+            <a:extLst>
+              <a:ext uri="{FF2B5EF4-FFF2-40B4-BE49-F238E27FC236}">
+                <a16:creationId xmlns:a16="http://schemas.microsoft.com/office/drawing/2014/main" id="{231AAE8D-D450-4AD4-9582-6940F6E45971}"/>
+              </a:ext>
+            </a:extLst>
+          </p:cNvPr>
+          <p:cNvSpPr>
+            <a:spLocks noGrp="1"/>
+          </p:cNvSpPr>
+          <p:nvPr>
+            <p:ph type="ftr" sz="quarter" idx="3"/>
+          </p:nvPr>
+        </p:nvSpPr>
+        <p:spPr/>
+        <p:txBody>
+          <a:bodyPr/>
+          <a:lstStyle/>
+          <a:p>
+            <a:pPr algn="l"/>
+            <a:r>
+              <a:rPr lang="en-US" altLang="ko-KR"/>
+              <a:t>Nibble</a:t>
+            </a:r>
+            <a:endParaRPr lang="ko-KR" altLang="en-US" dirty="0"/>
+          </a:p>
+        </p:txBody>
+      </p:sp>
+      <p:sp>
+        <p:nvSpPr>
+          <p:cNvPr id="7" name="날짜 개체 틀 6">
+            <a:extLst>
+              <a:ext uri="{FF2B5EF4-FFF2-40B4-BE49-F238E27FC236}">
+                <a16:creationId xmlns:a16="http://schemas.microsoft.com/office/drawing/2014/main" id="{4E8C4F31-EA34-49BD-A31F-38AAD2AD4B7F}"/>
+              </a:ext>
+            </a:extLst>
+          </p:cNvPr>
+          <p:cNvSpPr>
+            <a:spLocks noGrp="1"/>
+          </p:cNvSpPr>
+          <p:nvPr>
+            <p:ph type="dt" sz="half" idx="13"/>
+          </p:nvPr>
+        </p:nvSpPr>
+        <p:spPr/>
+        <p:txBody>
+          <a:bodyPr/>
+          <a:lstStyle/>
+          <a:p>
+            <a:fld id="{B226B4E6-2447-4D67-A511-B13A2182F919}" type="datetime5">
+              <a:rPr lang="ko-KR" altLang="en-US" smtClean="0"/>
+              <a:t>2021/8/4</a:t>
+            </a:fld>
+            <a:endParaRPr lang="ko-KR" altLang="en-US" dirty="0"/>
+          </a:p>
+        </p:txBody>
+      </p:sp>
+    </p:spTree>
+    <p:extLst>
+      <p:ext uri="{BB962C8B-B14F-4D97-AF65-F5344CB8AC3E}">
+        <p14:creationId xmlns:p14="http://schemas.microsoft.com/office/powerpoint/2010/main" val="1496346341"/>
+      </p:ext>
+    </p:extLst>
+  </p:cSld>
+  <p:clrMapOvr>
+    <a:masterClrMapping/>
+  </p:clrMapOvr>
+</p:sld>
+</file>
+
 <file path=ppt/slides/slide2.xml><?xml version="1.0" encoding="utf-8"?>
 <p:sld xmlns:a="http://schemas.openxmlformats.org/drawingml/2006/main" xmlns:r="http://schemas.openxmlformats.org/officeDocument/2006/relationships" xmlns:p="http://schemas.openxmlformats.org/presentationml/2006/main">
   <p:cSld>
@@ -6647,6 +6941,1770 @@
     <p:extLst>
       <p:ext uri="{BB962C8B-B14F-4D97-AF65-F5344CB8AC3E}">
         <p14:creationId xmlns:p14="http://schemas.microsoft.com/office/powerpoint/2010/main" val="2990559732"/>
+      </p:ext>
+    </p:extLst>
+  </p:cSld>
+  <p:clrMapOvr>
+    <a:masterClrMapping/>
+  </p:clrMapOvr>
+</p:sld>
+</file>
+
+<file path=ppt/slides/slide20.xml><?xml version="1.0" encoding="utf-8"?>
+<p:sld xmlns:a="http://schemas.openxmlformats.org/drawingml/2006/main" xmlns:r="http://schemas.openxmlformats.org/officeDocument/2006/relationships" xmlns:p="http://schemas.openxmlformats.org/presentationml/2006/main">
+  <p:cSld>
+    <p:spTree>
+      <p:nvGrpSpPr>
+        <p:cNvPr id="1" name=""/>
+        <p:cNvGrpSpPr/>
+        <p:nvPr/>
+      </p:nvGrpSpPr>
+      <p:grpSpPr>
+        <a:xfrm>
+          <a:off x="0" y="0"/>
+          <a:ext cx="0" cy="0"/>
+          <a:chOff x="0" y="0"/>
+          <a:chExt cx="0" cy="0"/>
+        </a:xfrm>
+      </p:grpSpPr>
+      <p:sp>
+        <p:nvSpPr>
+          <p:cNvPr id="2" name="내용 개체 틀 1">
+            <a:extLst>
+              <a:ext uri="{FF2B5EF4-FFF2-40B4-BE49-F238E27FC236}">
+                <a16:creationId xmlns:a16="http://schemas.microsoft.com/office/drawing/2014/main" id="{39BE5656-918B-474A-BEE3-1A7AABE04C00}"/>
+              </a:ext>
+            </a:extLst>
+          </p:cNvPr>
+          <p:cNvSpPr>
+            <a:spLocks noGrp="1"/>
+          </p:cNvSpPr>
+          <p:nvPr>
+            <p:ph sz="half" idx="14"/>
+          </p:nvPr>
+        </p:nvSpPr>
+        <p:spPr/>
+        <p:txBody>
+          <a:bodyPr>
+            <a:normAutofit/>
+          </a:bodyPr>
+          <a:lstStyle/>
+          <a:p>
+            <a:r>
+              <a:rPr lang="ko-KR" altLang="en-US" dirty="0"/>
+              <a:t>관계 대수</a:t>
+            </a:r>
+            <a:endParaRPr lang="en-US" altLang="ko-KR" dirty="0"/>
+          </a:p>
+          <a:p>
+            <a:pPr lvl="1"/>
+            <a:r>
+              <a:rPr lang="ko-KR" altLang="en-US" dirty="0"/>
+              <a:t>정의</a:t>
+            </a:r>
+            <a:r>
+              <a:rPr lang="en-US" altLang="ko-KR" dirty="0"/>
+              <a:t>: </a:t>
+            </a:r>
+            <a:r>
+              <a:rPr lang="ko-KR" altLang="en-US" dirty="0"/>
+              <a:t>원하는 정보를 유도하는 절차적 방법</a:t>
+            </a:r>
+            <a:endParaRPr lang="en-US" altLang="ko-KR" dirty="0"/>
+          </a:p>
+          <a:p>
+            <a:pPr lvl="1"/>
+            <a:r>
+              <a:rPr lang="ko-KR" altLang="en-US" dirty="0"/>
+              <a:t>연산자</a:t>
+            </a:r>
+            <a:endParaRPr lang="en-US" altLang="ko-KR" dirty="0"/>
+          </a:p>
+          <a:p>
+            <a:pPr lvl="2"/>
+            <a:r>
+              <a:rPr lang="en-US" altLang="ko-KR" dirty="0"/>
+              <a:t>Union (U): </a:t>
+            </a:r>
+            <a:r>
+              <a:rPr lang="ko-KR" altLang="en-US" dirty="0"/>
+              <a:t>두 릴레이션의 합집합</a:t>
+            </a:r>
+            <a:endParaRPr lang="en-US" altLang="ko-KR" dirty="0"/>
+          </a:p>
+          <a:p>
+            <a:pPr lvl="2"/>
+            <a:r>
+              <a:rPr lang="en-US" altLang="ko-KR" dirty="0"/>
+              <a:t>Intersection (∩): </a:t>
+            </a:r>
+            <a:r>
+              <a:rPr lang="ko-KR" altLang="en-US" dirty="0"/>
+              <a:t>두 릴레이션의 교집합</a:t>
+            </a:r>
+            <a:endParaRPr lang="en-US" altLang="ko-KR" dirty="0"/>
+          </a:p>
+          <a:p>
+            <a:pPr lvl="2"/>
+            <a:r>
+              <a:rPr lang="en-US" altLang="ko-KR" dirty="0"/>
+              <a:t>Difference (-): </a:t>
+            </a:r>
+            <a:r>
+              <a:rPr lang="ko-KR" altLang="en-US" dirty="0"/>
+              <a:t>두 릴레이션의 차집합</a:t>
+            </a:r>
+            <a:endParaRPr lang="en-US" altLang="ko-KR" dirty="0"/>
+          </a:p>
+          <a:p>
+            <a:pPr lvl="2"/>
+            <a:r>
+              <a:rPr lang="en-US" altLang="ko-KR" dirty="0"/>
+              <a:t>CARTESIAN Product (X): </a:t>
+            </a:r>
+            <a:r>
+              <a:rPr lang="ko-KR" altLang="en-US" dirty="0"/>
+              <a:t>모든 튜플을 연결해 생성</a:t>
+            </a:r>
+            <a:endParaRPr lang="en-US" altLang="ko-KR" dirty="0"/>
+          </a:p>
+          <a:p>
+            <a:pPr lvl="2"/>
+            <a:endParaRPr lang="en-US" altLang="ko-KR" dirty="0"/>
+          </a:p>
+          <a:p>
+            <a:pPr lvl="2"/>
+            <a:endParaRPr lang="en-US" altLang="ko-KR" dirty="0"/>
+          </a:p>
+          <a:p>
+            <a:pPr lvl="2"/>
+            <a:endParaRPr lang="en-US" altLang="ko-KR" dirty="0"/>
+          </a:p>
+          <a:p>
+            <a:pPr lvl="2"/>
+            <a:endParaRPr lang="en-US" altLang="ko-KR" dirty="0"/>
+          </a:p>
+          <a:p>
+            <a:pPr lvl="2"/>
+            <a:endParaRPr lang="en-US" altLang="ko-KR" dirty="0"/>
+          </a:p>
+          <a:p>
+            <a:pPr lvl="2"/>
+            <a:endParaRPr lang="en-US" altLang="ko-KR" dirty="0"/>
+          </a:p>
+          <a:p>
+            <a:pPr lvl="2"/>
+            <a:endParaRPr lang="en-US" altLang="ko-KR" dirty="0"/>
+          </a:p>
+          <a:p>
+            <a:pPr lvl="2"/>
+            <a:r>
+              <a:rPr lang="en-US" altLang="ko-KR" dirty="0"/>
+              <a:t>Select (</a:t>
+            </a:r>
+            <a:r>
+              <a:rPr lang="el-GR" altLang="ko-KR" b="0" i="0" dirty="0">
+                <a:solidFill>
+                  <a:srgbClr val="4D5156"/>
+                </a:solidFill>
+                <a:effectLst/>
+                <a:latin typeface="Apple SD Gothic Neo"/>
+              </a:rPr>
+              <a:t>σ</a:t>
+            </a:r>
+            <a:r>
+              <a:rPr lang="en-US" altLang="ko-KR" dirty="0"/>
+              <a:t>): </a:t>
+            </a:r>
+            <a:r>
+              <a:rPr lang="ko-KR" altLang="en-US" dirty="0"/>
+              <a:t>조건을 만족하는 튜플로 새 </a:t>
+            </a:r>
+            <a:r>
+              <a:rPr lang="en-US" altLang="ko-KR" dirty="0"/>
+              <a:t>R</a:t>
+            </a:r>
+            <a:r>
+              <a:rPr lang="ko-KR" altLang="en-US" dirty="0"/>
+              <a:t> 리턴</a:t>
+            </a:r>
+            <a:endParaRPr lang="en-US" altLang="ko-KR" dirty="0"/>
+          </a:p>
+          <a:p>
+            <a:pPr lvl="2"/>
+            <a:r>
+              <a:rPr lang="en-US" altLang="ko-KR" dirty="0"/>
+              <a:t>Project (</a:t>
+            </a:r>
+            <a:r>
+              <a:rPr lang="el-GR" altLang="ko-KR" dirty="0"/>
+              <a:t>π</a:t>
+            </a:r>
+            <a:r>
+              <a:rPr lang="en-US" altLang="ko-KR" dirty="0"/>
+              <a:t>): </a:t>
+            </a:r>
+            <a:r>
+              <a:rPr lang="ko-KR" altLang="en-US" dirty="0"/>
+              <a:t>주어진 컬럼만 가지는 새 </a:t>
+            </a:r>
+            <a:r>
+              <a:rPr lang="en-US" altLang="ko-KR" dirty="0"/>
+              <a:t>R</a:t>
+            </a:r>
+            <a:r>
+              <a:rPr lang="ko-KR" altLang="en-US" dirty="0"/>
+              <a:t> 리턴</a:t>
+            </a:r>
+            <a:endParaRPr lang="en-US" altLang="ko-KR" dirty="0"/>
+          </a:p>
+          <a:p>
+            <a:pPr lvl="2"/>
+            <a:r>
+              <a:rPr lang="en-US" altLang="ko-KR" dirty="0"/>
+              <a:t>Join (</a:t>
+            </a:r>
+            <a:r>
+              <a:rPr lang="ko-KR" altLang="en-US" b="0" i="0" dirty="0">
+                <a:solidFill>
+                  <a:srgbClr val="333333"/>
+                </a:solidFill>
+                <a:effectLst/>
+                <a:latin typeface="Noto Sans"/>
+              </a:rPr>
+              <a:t>▷◁</a:t>
+            </a:r>
+            <a:r>
+              <a:rPr lang="en-US" altLang="ko-KR" dirty="0"/>
+              <a:t>): </a:t>
+            </a:r>
+            <a:r>
+              <a:rPr lang="ko-KR" altLang="en-US" dirty="0"/>
+              <a:t>조인</a:t>
+            </a:r>
+            <a:r>
+              <a:rPr lang="en-US" altLang="ko-KR" dirty="0"/>
+              <a:t> </a:t>
+            </a:r>
+            <a:r>
+              <a:rPr lang="ko-KR" altLang="en-US" dirty="0"/>
+              <a:t>한 새 </a:t>
+            </a:r>
+            <a:r>
+              <a:rPr lang="en-US" altLang="ko-KR" dirty="0"/>
+              <a:t>R</a:t>
+            </a:r>
+            <a:r>
+              <a:rPr lang="ko-KR" altLang="en-US" dirty="0"/>
+              <a:t> 리턴</a:t>
+            </a:r>
+            <a:endParaRPr lang="en-US" altLang="ko-KR" dirty="0"/>
+          </a:p>
+          <a:p>
+            <a:pPr lvl="2"/>
+            <a:r>
+              <a:rPr lang="en-US" altLang="ko-KR" dirty="0"/>
+              <a:t>Division (</a:t>
+            </a:r>
+            <a:r>
+              <a:rPr lang="en-US" altLang="ko-KR" b="0" i="0" dirty="0">
+                <a:solidFill>
+                  <a:srgbClr val="333333"/>
+                </a:solidFill>
+                <a:effectLst/>
+                <a:latin typeface="Noto Sans"/>
+              </a:rPr>
+              <a:t>÷</a:t>
+            </a:r>
+            <a:r>
+              <a:rPr lang="en-US" altLang="ko-KR" dirty="0"/>
+              <a:t>): </a:t>
+            </a:r>
+            <a:r>
+              <a:rPr lang="ko-KR" altLang="en-US" dirty="0"/>
+              <a:t>어떤 </a:t>
+            </a:r>
+            <a:r>
+              <a:rPr lang="en-US" altLang="ko-KR" dirty="0"/>
+              <a:t>R</a:t>
+            </a:r>
+            <a:r>
+              <a:rPr lang="ko-KR" altLang="en-US" dirty="0"/>
+              <a:t>과 관계 있는 튜플로 새 </a:t>
+            </a:r>
+            <a:r>
+              <a:rPr lang="en-US" altLang="ko-KR" dirty="0"/>
+              <a:t>R </a:t>
+            </a:r>
+            <a:r>
+              <a:rPr lang="ko-KR" altLang="en-US" dirty="0"/>
+              <a:t>리턴</a:t>
+            </a:r>
+          </a:p>
+          <a:p>
+            <a:pPr lvl="2"/>
+            <a:endParaRPr lang="en-US" altLang="ko-KR" dirty="0"/>
+          </a:p>
+        </p:txBody>
+      </p:sp>
+      <p:sp>
+        <p:nvSpPr>
+          <p:cNvPr id="3" name="제목 2">
+            <a:extLst>
+              <a:ext uri="{FF2B5EF4-FFF2-40B4-BE49-F238E27FC236}">
+                <a16:creationId xmlns:a16="http://schemas.microsoft.com/office/drawing/2014/main" id="{04E3BD68-7EEF-45FA-9FEB-DF16622461C1}"/>
+              </a:ext>
+            </a:extLst>
+          </p:cNvPr>
+          <p:cNvSpPr>
+            <a:spLocks noGrp="1"/>
+          </p:cNvSpPr>
+          <p:nvPr>
+            <p:ph type="title"/>
+          </p:nvPr>
+        </p:nvSpPr>
+        <p:spPr/>
+        <p:txBody>
+          <a:bodyPr/>
+          <a:lstStyle/>
+          <a:p>
+            <a:r>
+              <a:rPr lang="ko-KR" altLang="en-US" dirty="0"/>
+              <a:t>관계 데이터 언어</a:t>
+            </a:r>
+          </a:p>
+        </p:txBody>
+      </p:sp>
+      <p:sp>
+        <p:nvSpPr>
+          <p:cNvPr id="4" name="내용 개체 틀 3">
+            <a:extLst>
+              <a:ext uri="{FF2B5EF4-FFF2-40B4-BE49-F238E27FC236}">
+                <a16:creationId xmlns:a16="http://schemas.microsoft.com/office/drawing/2014/main" id="{43BA0BE3-9340-45FF-BF35-E3D5017CA2F2}"/>
+              </a:ext>
+            </a:extLst>
+          </p:cNvPr>
+          <p:cNvSpPr>
+            <a:spLocks noGrp="1"/>
+          </p:cNvSpPr>
+          <p:nvPr>
+            <p:ph sz="half" idx="2"/>
+          </p:nvPr>
+        </p:nvSpPr>
+        <p:spPr>
+          <a:xfrm>
+            <a:off x="6172200" y="1210480"/>
+            <a:ext cx="5362662" cy="5007619"/>
+          </a:xfrm>
+        </p:spPr>
+        <p:txBody>
+          <a:bodyPr/>
+          <a:lstStyle/>
+          <a:p>
+            <a:endParaRPr lang="en-US" altLang="ko-KR" dirty="0"/>
+          </a:p>
+        </p:txBody>
+      </p:sp>
+      <p:sp>
+        <p:nvSpPr>
+          <p:cNvPr id="5" name="슬라이드 번호 개체 틀 4">
+            <a:extLst>
+              <a:ext uri="{FF2B5EF4-FFF2-40B4-BE49-F238E27FC236}">
+                <a16:creationId xmlns:a16="http://schemas.microsoft.com/office/drawing/2014/main" id="{3C4073CB-530E-465F-9776-44D6CCB58C55}"/>
+              </a:ext>
+            </a:extLst>
+          </p:cNvPr>
+          <p:cNvSpPr>
+            <a:spLocks noGrp="1"/>
+          </p:cNvSpPr>
+          <p:nvPr>
+            <p:ph type="sldNum" sz="quarter" idx="12"/>
+          </p:nvPr>
+        </p:nvSpPr>
+        <p:spPr/>
+        <p:txBody>
+          <a:bodyPr/>
+          <a:lstStyle/>
+          <a:p>
+            <a:fld id="{89BED30C-66D9-4104-96BC-081A506F0CF0}" type="slidenum">
+              <a:rPr lang="ko-KR" altLang="en-US" smtClean="0"/>
+              <a:t>20</a:t>
+            </a:fld>
+            <a:endParaRPr lang="ko-KR" altLang="en-US"/>
+          </a:p>
+        </p:txBody>
+      </p:sp>
+      <p:sp>
+        <p:nvSpPr>
+          <p:cNvPr id="6" name="바닥글 개체 틀 5">
+            <a:extLst>
+              <a:ext uri="{FF2B5EF4-FFF2-40B4-BE49-F238E27FC236}">
+                <a16:creationId xmlns:a16="http://schemas.microsoft.com/office/drawing/2014/main" id="{AF007A38-6AC0-409F-AE54-329542BEB685}"/>
+              </a:ext>
+            </a:extLst>
+          </p:cNvPr>
+          <p:cNvSpPr>
+            <a:spLocks noGrp="1"/>
+          </p:cNvSpPr>
+          <p:nvPr>
+            <p:ph type="ftr" sz="quarter" idx="3"/>
+          </p:nvPr>
+        </p:nvSpPr>
+        <p:spPr/>
+        <p:txBody>
+          <a:bodyPr/>
+          <a:lstStyle/>
+          <a:p>
+            <a:pPr algn="l"/>
+            <a:r>
+              <a:rPr lang="en-US" altLang="ko-KR"/>
+              <a:t>Nibble</a:t>
+            </a:r>
+            <a:endParaRPr lang="ko-KR" altLang="en-US" dirty="0"/>
+          </a:p>
+        </p:txBody>
+      </p:sp>
+      <p:sp>
+        <p:nvSpPr>
+          <p:cNvPr id="7" name="날짜 개체 틀 6">
+            <a:extLst>
+              <a:ext uri="{FF2B5EF4-FFF2-40B4-BE49-F238E27FC236}">
+                <a16:creationId xmlns:a16="http://schemas.microsoft.com/office/drawing/2014/main" id="{5B8946CB-069E-4800-9B03-90CBC2131B30}"/>
+              </a:ext>
+            </a:extLst>
+          </p:cNvPr>
+          <p:cNvSpPr>
+            <a:spLocks noGrp="1"/>
+          </p:cNvSpPr>
+          <p:nvPr>
+            <p:ph type="dt" sz="half" idx="13"/>
+          </p:nvPr>
+        </p:nvSpPr>
+        <p:spPr/>
+        <p:txBody>
+          <a:bodyPr/>
+          <a:lstStyle/>
+          <a:p>
+            <a:fld id="{B226B4E6-2447-4D67-A511-B13A2182F919}" type="datetime5">
+              <a:rPr lang="ko-KR" altLang="en-US" smtClean="0"/>
+              <a:t>2021/8/4</a:t>
+            </a:fld>
+            <a:endParaRPr lang="ko-KR" altLang="en-US" dirty="0"/>
+          </a:p>
+        </p:txBody>
+      </p:sp>
+      <p:pic>
+        <p:nvPicPr>
+          <p:cNvPr id="9" name="그림 8">
+            <a:extLst>
+              <a:ext uri="{FF2B5EF4-FFF2-40B4-BE49-F238E27FC236}">
+                <a16:creationId xmlns:a16="http://schemas.microsoft.com/office/drawing/2014/main" id="{3F6BCA35-ACC4-49E0-AADC-8D12E7C02092}"/>
+              </a:ext>
+            </a:extLst>
+          </p:cNvPr>
+          <p:cNvPicPr>
+            <a:picLocks noChangeAspect="1"/>
+          </p:cNvPicPr>
+          <p:nvPr/>
+        </p:nvPicPr>
+        <p:blipFill>
+          <a:blip r:embed="rId2"/>
+          <a:stretch>
+            <a:fillRect/>
+          </a:stretch>
+        </p:blipFill>
+        <p:spPr>
+          <a:xfrm>
+            <a:off x="2462293" y="3045203"/>
+            <a:ext cx="2203685" cy="1753470"/>
+          </a:xfrm>
+          <a:prstGeom prst="rect">
+            <a:avLst/>
+          </a:prstGeom>
+        </p:spPr>
+      </p:pic>
+    </p:spTree>
+    <p:extLst>
+      <p:ext uri="{BB962C8B-B14F-4D97-AF65-F5344CB8AC3E}">
+        <p14:creationId xmlns:p14="http://schemas.microsoft.com/office/powerpoint/2010/main" val="2234766197"/>
+      </p:ext>
+    </p:extLst>
+  </p:cSld>
+  <p:clrMapOvr>
+    <a:masterClrMapping/>
+  </p:clrMapOvr>
+</p:sld>
+</file>
+
+<file path=ppt/slides/slide21.xml><?xml version="1.0" encoding="utf-8"?>
+<p:sld xmlns:a="http://schemas.openxmlformats.org/drawingml/2006/main" xmlns:r="http://schemas.openxmlformats.org/officeDocument/2006/relationships" xmlns:p="http://schemas.openxmlformats.org/presentationml/2006/main">
+  <p:cSld>
+    <p:spTree>
+      <p:nvGrpSpPr>
+        <p:cNvPr id="1" name=""/>
+        <p:cNvGrpSpPr/>
+        <p:nvPr/>
+      </p:nvGrpSpPr>
+      <p:grpSpPr>
+        <a:xfrm>
+          <a:off x="0" y="0"/>
+          <a:ext cx="0" cy="0"/>
+          <a:chOff x="0" y="0"/>
+          <a:chExt cx="0" cy="0"/>
+        </a:xfrm>
+      </p:grpSpPr>
+      <p:sp>
+        <p:nvSpPr>
+          <p:cNvPr id="2" name="내용 개체 틀 1">
+            <a:extLst>
+              <a:ext uri="{FF2B5EF4-FFF2-40B4-BE49-F238E27FC236}">
+                <a16:creationId xmlns:a16="http://schemas.microsoft.com/office/drawing/2014/main" id="{E344E1B0-ED37-4B80-8CEE-8E473375AB6F}"/>
+              </a:ext>
+            </a:extLst>
+          </p:cNvPr>
+          <p:cNvSpPr>
+            <a:spLocks noGrp="1"/>
+          </p:cNvSpPr>
+          <p:nvPr>
+            <p:ph sz="half" idx="14"/>
+          </p:nvPr>
+        </p:nvSpPr>
+        <p:spPr/>
+        <p:txBody>
+          <a:bodyPr/>
+          <a:lstStyle/>
+          <a:p>
+            <a:r>
+              <a:rPr lang="ko-KR" altLang="en-US" dirty="0"/>
+              <a:t>시스템 카탈로그</a:t>
+            </a:r>
+            <a:endParaRPr lang="en-US" altLang="ko-KR" dirty="0"/>
+          </a:p>
+          <a:p>
+            <a:pPr lvl="1"/>
+            <a:r>
+              <a:rPr lang="ko-KR" altLang="en-US" dirty="0"/>
+              <a:t>정의</a:t>
+            </a:r>
+            <a:r>
+              <a:rPr lang="en-US" altLang="ko-KR" dirty="0"/>
+              <a:t>: DB</a:t>
+            </a:r>
+            <a:r>
+              <a:rPr lang="ko-KR" altLang="en-US" dirty="0"/>
+              <a:t>의 테이블</a:t>
+            </a:r>
+            <a:r>
+              <a:rPr lang="en-US" altLang="ko-KR" dirty="0"/>
+              <a:t>, </a:t>
+            </a:r>
+            <a:r>
+              <a:rPr lang="ko-KR" altLang="en-US" dirty="0"/>
+              <a:t>뷰</a:t>
+            </a:r>
+            <a:r>
+              <a:rPr lang="en-US" altLang="ko-KR" dirty="0"/>
+              <a:t>, </a:t>
+            </a:r>
+            <a:r>
+              <a:rPr lang="ko-KR" altLang="en-US" dirty="0"/>
+              <a:t>인덱스</a:t>
+            </a:r>
+            <a:r>
+              <a:rPr lang="en-US" altLang="ko-KR" dirty="0"/>
+              <a:t>, </a:t>
+            </a:r>
+            <a:r>
+              <a:rPr lang="ko-KR" altLang="en-US" dirty="0"/>
+              <a:t>권한 등을 저장하는 </a:t>
+            </a:r>
+            <a:r>
+              <a:rPr lang="en-US" altLang="ko-KR" dirty="0"/>
+              <a:t>DB</a:t>
+            </a:r>
+          </a:p>
+          <a:p>
+            <a:pPr lvl="1"/>
+            <a:r>
+              <a:rPr lang="ko-KR" altLang="en-US" dirty="0"/>
+              <a:t>특징</a:t>
+            </a:r>
+            <a:endParaRPr lang="en-US" altLang="ko-KR" dirty="0"/>
+          </a:p>
+          <a:p>
+            <a:pPr lvl="2"/>
+            <a:r>
+              <a:rPr lang="en-US" altLang="ko-KR" dirty="0"/>
+              <a:t>Data Dictionary</a:t>
+            </a:r>
+            <a:r>
+              <a:rPr lang="ko-KR" altLang="en-US" dirty="0"/>
+              <a:t>라고도 함</a:t>
+            </a:r>
+            <a:endParaRPr lang="en-US" altLang="ko-KR" dirty="0"/>
+          </a:p>
+          <a:p>
+            <a:pPr lvl="2"/>
+            <a:r>
+              <a:rPr lang="en-US" altLang="ko-KR" dirty="0"/>
+              <a:t>DBMS</a:t>
+            </a:r>
+            <a:r>
+              <a:rPr lang="ko-KR" altLang="en-US" dirty="0"/>
+              <a:t>가 스스로 관리</a:t>
+            </a:r>
+          </a:p>
+        </p:txBody>
+      </p:sp>
+      <p:sp>
+        <p:nvSpPr>
+          <p:cNvPr id="3" name="제목 2">
+            <a:extLst>
+              <a:ext uri="{FF2B5EF4-FFF2-40B4-BE49-F238E27FC236}">
+                <a16:creationId xmlns:a16="http://schemas.microsoft.com/office/drawing/2014/main" id="{9C073080-892C-4B9D-992E-B37EB7937B09}"/>
+              </a:ext>
+            </a:extLst>
+          </p:cNvPr>
+          <p:cNvSpPr>
+            <a:spLocks noGrp="1"/>
+          </p:cNvSpPr>
+          <p:nvPr>
+            <p:ph type="title"/>
+          </p:nvPr>
+        </p:nvSpPr>
+        <p:spPr/>
+        <p:txBody>
+          <a:bodyPr/>
+          <a:lstStyle/>
+          <a:p>
+            <a:r>
+              <a:rPr lang="ko-KR" altLang="en-US" dirty="0"/>
+              <a:t>시스템 카탈로그</a:t>
+            </a:r>
+          </a:p>
+        </p:txBody>
+      </p:sp>
+      <p:sp>
+        <p:nvSpPr>
+          <p:cNvPr id="4" name="내용 개체 틀 3">
+            <a:extLst>
+              <a:ext uri="{FF2B5EF4-FFF2-40B4-BE49-F238E27FC236}">
+                <a16:creationId xmlns:a16="http://schemas.microsoft.com/office/drawing/2014/main" id="{16FFC522-2EE5-484A-857A-F9099571FA9A}"/>
+              </a:ext>
+            </a:extLst>
+          </p:cNvPr>
+          <p:cNvSpPr>
+            <a:spLocks noGrp="1"/>
+          </p:cNvSpPr>
+          <p:nvPr>
+            <p:ph sz="half" idx="2"/>
+          </p:nvPr>
+        </p:nvSpPr>
+        <p:spPr/>
+        <p:txBody>
+          <a:bodyPr/>
+          <a:lstStyle/>
+          <a:p>
+            <a:endParaRPr lang="ko-KR" altLang="en-US"/>
+          </a:p>
+        </p:txBody>
+      </p:sp>
+      <p:sp>
+        <p:nvSpPr>
+          <p:cNvPr id="5" name="슬라이드 번호 개체 틀 4">
+            <a:extLst>
+              <a:ext uri="{FF2B5EF4-FFF2-40B4-BE49-F238E27FC236}">
+                <a16:creationId xmlns:a16="http://schemas.microsoft.com/office/drawing/2014/main" id="{92BADC80-B947-4068-8265-72892346A0EF}"/>
+              </a:ext>
+            </a:extLst>
+          </p:cNvPr>
+          <p:cNvSpPr>
+            <a:spLocks noGrp="1"/>
+          </p:cNvSpPr>
+          <p:nvPr>
+            <p:ph type="sldNum" sz="quarter" idx="12"/>
+          </p:nvPr>
+        </p:nvSpPr>
+        <p:spPr/>
+        <p:txBody>
+          <a:bodyPr/>
+          <a:lstStyle/>
+          <a:p>
+            <a:fld id="{89BED30C-66D9-4104-96BC-081A506F0CF0}" type="slidenum">
+              <a:rPr lang="ko-KR" altLang="en-US" smtClean="0"/>
+              <a:t>21</a:t>
+            </a:fld>
+            <a:endParaRPr lang="ko-KR" altLang="en-US"/>
+          </a:p>
+        </p:txBody>
+      </p:sp>
+      <p:sp>
+        <p:nvSpPr>
+          <p:cNvPr id="6" name="바닥글 개체 틀 5">
+            <a:extLst>
+              <a:ext uri="{FF2B5EF4-FFF2-40B4-BE49-F238E27FC236}">
+                <a16:creationId xmlns:a16="http://schemas.microsoft.com/office/drawing/2014/main" id="{CBD2732F-410A-4796-AB07-C9BF7BE7EFDF}"/>
+              </a:ext>
+            </a:extLst>
+          </p:cNvPr>
+          <p:cNvSpPr>
+            <a:spLocks noGrp="1"/>
+          </p:cNvSpPr>
+          <p:nvPr>
+            <p:ph type="ftr" sz="quarter" idx="3"/>
+          </p:nvPr>
+        </p:nvSpPr>
+        <p:spPr/>
+        <p:txBody>
+          <a:bodyPr/>
+          <a:lstStyle/>
+          <a:p>
+            <a:pPr algn="l"/>
+            <a:r>
+              <a:rPr lang="en-US" altLang="ko-KR"/>
+              <a:t>Nibble</a:t>
+            </a:r>
+            <a:endParaRPr lang="ko-KR" altLang="en-US" dirty="0"/>
+          </a:p>
+        </p:txBody>
+      </p:sp>
+      <p:sp>
+        <p:nvSpPr>
+          <p:cNvPr id="7" name="날짜 개체 틀 6">
+            <a:extLst>
+              <a:ext uri="{FF2B5EF4-FFF2-40B4-BE49-F238E27FC236}">
+                <a16:creationId xmlns:a16="http://schemas.microsoft.com/office/drawing/2014/main" id="{033CC408-43AC-4F24-AC96-EF40222399F2}"/>
+              </a:ext>
+            </a:extLst>
+          </p:cNvPr>
+          <p:cNvSpPr>
+            <a:spLocks noGrp="1"/>
+          </p:cNvSpPr>
+          <p:nvPr>
+            <p:ph type="dt" sz="half" idx="13"/>
+          </p:nvPr>
+        </p:nvSpPr>
+        <p:spPr/>
+        <p:txBody>
+          <a:bodyPr/>
+          <a:lstStyle/>
+          <a:p>
+            <a:fld id="{B226B4E6-2447-4D67-A511-B13A2182F919}" type="datetime5">
+              <a:rPr lang="ko-KR" altLang="en-US" smtClean="0"/>
+              <a:t>2021/8/4</a:t>
+            </a:fld>
+            <a:endParaRPr lang="ko-KR" altLang="en-US" dirty="0"/>
+          </a:p>
+        </p:txBody>
+      </p:sp>
+    </p:spTree>
+    <p:extLst>
+      <p:ext uri="{BB962C8B-B14F-4D97-AF65-F5344CB8AC3E}">
+        <p14:creationId xmlns:p14="http://schemas.microsoft.com/office/powerpoint/2010/main" val="4101196807"/>
+      </p:ext>
+    </p:extLst>
+  </p:cSld>
+  <p:clrMapOvr>
+    <a:masterClrMapping/>
+  </p:clrMapOvr>
+</p:sld>
+</file>
+
+<file path=ppt/slides/slide22.xml><?xml version="1.0" encoding="utf-8"?>
+<p:sld xmlns:a="http://schemas.openxmlformats.org/drawingml/2006/main" xmlns:r="http://schemas.openxmlformats.org/officeDocument/2006/relationships" xmlns:p="http://schemas.openxmlformats.org/presentationml/2006/main">
+  <p:cSld>
+    <p:spTree>
+      <p:nvGrpSpPr>
+        <p:cNvPr id="1" name=""/>
+        <p:cNvGrpSpPr/>
+        <p:nvPr/>
+      </p:nvGrpSpPr>
+      <p:grpSpPr>
+        <a:xfrm>
+          <a:off x="0" y="0"/>
+          <a:ext cx="0" cy="0"/>
+          <a:chOff x="0" y="0"/>
+          <a:chExt cx="0" cy="0"/>
+        </a:xfrm>
+      </p:grpSpPr>
+      <p:sp>
+        <p:nvSpPr>
+          <p:cNvPr id="2" name="내용 개체 틀 1">
+            <a:extLst>
+              <a:ext uri="{FF2B5EF4-FFF2-40B4-BE49-F238E27FC236}">
+                <a16:creationId xmlns:a16="http://schemas.microsoft.com/office/drawing/2014/main" id="{08CA0146-8157-496D-B1F1-C257465895A3}"/>
+              </a:ext>
+            </a:extLst>
+          </p:cNvPr>
+          <p:cNvSpPr>
+            <a:spLocks noGrp="1"/>
+          </p:cNvSpPr>
+          <p:nvPr>
+            <p:ph sz="half" idx="14"/>
+          </p:nvPr>
+        </p:nvSpPr>
+        <p:spPr/>
+        <p:txBody>
+          <a:bodyPr/>
+          <a:lstStyle/>
+          <a:p>
+            <a:r>
+              <a:rPr lang="ko-KR" altLang="en-US" dirty="0"/>
+              <a:t>데이터 모델</a:t>
+            </a:r>
+            <a:endParaRPr lang="en-US" altLang="ko-KR" dirty="0"/>
+          </a:p>
+          <a:p>
+            <a:pPr lvl="1"/>
+            <a:r>
+              <a:rPr lang="ko-KR" altLang="en-US" dirty="0"/>
+              <a:t>정의</a:t>
+            </a:r>
+            <a:r>
+              <a:rPr lang="en-US" altLang="ko-KR" dirty="0"/>
+              <a:t>: </a:t>
+            </a:r>
+            <a:r>
+              <a:rPr lang="ko-KR" altLang="en-US" dirty="0"/>
+              <a:t>현실의</a:t>
+            </a:r>
+            <a:r>
+              <a:rPr lang="en-US" altLang="ko-KR" dirty="0"/>
+              <a:t> </a:t>
+            </a:r>
+            <a:r>
+              <a:rPr lang="ko-KR" altLang="en-US" dirty="0"/>
+              <a:t>정보를 컴퓨터가 이해하게 바꾼 것</a:t>
+            </a:r>
+            <a:endParaRPr lang="en-US" altLang="ko-KR" dirty="0"/>
+          </a:p>
+          <a:p>
+            <a:pPr lvl="1"/>
+            <a:r>
+              <a:rPr lang="ko-KR" altLang="en-US" dirty="0"/>
+              <a:t>종류</a:t>
+            </a:r>
+            <a:endParaRPr lang="en-US" altLang="ko-KR" dirty="0"/>
+          </a:p>
+          <a:p>
+            <a:pPr lvl="2"/>
+            <a:r>
+              <a:rPr lang="ko-KR" altLang="en-US" dirty="0"/>
+              <a:t>개념적 데이터 모델</a:t>
+            </a:r>
+            <a:endParaRPr lang="en-US" altLang="ko-KR" dirty="0"/>
+          </a:p>
+          <a:p>
+            <a:pPr lvl="3"/>
+            <a:r>
+              <a:rPr lang="ko-KR" altLang="en-US" dirty="0"/>
+              <a:t>현실 정보를 개념적으로 표현한 모델</a:t>
+            </a:r>
+            <a:endParaRPr lang="en-US" altLang="ko-KR" dirty="0"/>
+          </a:p>
+          <a:p>
+            <a:pPr lvl="2"/>
+            <a:r>
+              <a:rPr lang="ko-KR" altLang="en-US" dirty="0"/>
+              <a:t>논리적 데이터 모델</a:t>
+            </a:r>
+            <a:endParaRPr lang="en-US" altLang="ko-KR" dirty="0"/>
+          </a:p>
+          <a:p>
+            <a:pPr lvl="3"/>
+            <a:r>
+              <a:rPr lang="ko-KR" altLang="en-US" dirty="0"/>
+              <a:t>모델링 표기법으로 표현</a:t>
+            </a:r>
+            <a:endParaRPr lang="en-US" altLang="ko-KR" dirty="0"/>
+          </a:p>
+          <a:p>
+            <a:pPr lvl="2"/>
+            <a:r>
+              <a:rPr lang="ko-KR" altLang="en-US" dirty="0"/>
+              <a:t>물리적 데이터 모델</a:t>
+            </a:r>
+            <a:endParaRPr lang="en-US" altLang="ko-KR" dirty="0"/>
+          </a:p>
+          <a:p>
+            <a:pPr lvl="3"/>
+            <a:r>
+              <a:rPr lang="ko-KR" altLang="en-US" dirty="0"/>
+              <a:t>논리 모델로 성능을 고려해 만드는 실제 모델</a:t>
+            </a:r>
+            <a:endParaRPr lang="en-US" altLang="ko-KR" dirty="0"/>
+          </a:p>
+        </p:txBody>
+      </p:sp>
+      <p:sp>
+        <p:nvSpPr>
+          <p:cNvPr id="3" name="제목 2">
+            <a:extLst>
+              <a:ext uri="{FF2B5EF4-FFF2-40B4-BE49-F238E27FC236}">
+                <a16:creationId xmlns:a16="http://schemas.microsoft.com/office/drawing/2014/main" id="{18F884E0-F240-4059-A38F-B60D6B7019EB}"/>
+              </a:ext>
+            </a:extLst>
+          </p:cNvPr>
+          <p:cNvSpPr>
+            <a:spLocks noGrp="1"/>
+          </p:cNvSpPr>
+          <p:nvPr>
+            <p:ph type="title"/>
+          </p:nvPr>
+        </p:nvSpPr>
+        <p:spPr/>
+        <p:txBody>
+          <a:bodyPr/>
+          <a:lstStyle/>
+          <a:p>
+            <a:r>
+              <a:rPr lang="ko-KR" altLang="en-US" dirty="0"/>
+              <a:t>데이터 모델</a:t>
+            </a:r>
+          </a:p>
+        </p:txBody>
+      </p:sp>
+      <p:sp>
+        <p:nvSpPr>
+          <p:cNvPr id="4" name="내용 개체 틀 3">
+            <a:extLst>
+              <a:ext uri="{FF2B5EF4-FFF2-40B4-BE49-F238E27FC236}">
+                <a16:creationId xmlns:a16="http://schemas.microsoft.com/office/drawing/2014/main" id="{BCE4E991-DB18-43CB-8F40-C08554987B6F}"/>
+              </a:ext>
+            </a:extLst>
+          </p:cNvPr>
+          <p:cNvSpPr>
+            <a:spLocks noGrp="1"/>
+          </p:cNvSpPr>
+          <p:nvPr>
+            <p:ph sz="half" idx="2"/>
+          </p:nvPr>
+        </p:nvSpPr>
+        <p:spPr/>
+        <p:txBody>
+          <a:bodyPr/>
+          <a:lstStyle/>
+          <a:p>
+            <a:endParaRPr lang="ko-KR" altLang="en-US"/>
+          </a:p>
+        </p:txBody>
+      </p:sp>
+      <p:sp>
+        <p:nvSpPr>
+          <p:cNvPr id="5" name="슬라이드 번호 개체 틀 4">
+            <a:extLst>
+              <a:ext uri="{FF2B5EF4-FFF2-40B4-BE49-F238E27FC236}">
+                <a16:creationId xmlns:a16="http://schemas.microsoft.com/office/drawing/2014/main" id="{2820576C-A954-4AD1-A06A-DA74922E6316}"/>
+              </a:ext>
+            </a:extLst>
+          </p:cNvPr>
+          <p:cNvSpPr>
+            <a:spLocks noGrp="1"/>
+          </p:cNvSpPr>
+          <p:nvPr>
+            <p:ph type="sldNum" sz="quarter" idx="12"/>
+          </p:nvPr>
+        </p:nvSpPr>
+        <p:spPr/>
+        <p:txBody>
+          <a:bodyPr/>
+          <a:lstStyle/>
+          <a:p>
+            <a:fld id="{89BED30C-66D9-4104-96BC-081A506F0CF0}" type="slidenum">
+              <a:rPr lang="ko-KR" altLang="en-US" smtClean="0"/>
+              <a:t>22</a:t>
+            </a:fld>
+            <a:endParaRPr lang="ko-KR" altLang="en-US"/>
+          </a:p>
+        </p:txBody>
+      </p:sp>
+      <p:sp>
+        <p:nvSpPr>
+          <p:cNvPr id="6" name="바닥글 개체 틀 5">
+            <a:extLst>
+              <a:ext uri="{FF2B5EF4-FFF2-40B4-BE49-F238E27FC236}">
+                <a16:creationId xmlns:a16="http://schemas.microsoft.com/office/drawing/2014/main" id="{CCE6ACAE-9952-44A7-B82F-3F4602B090EE}"/>
+              </a:ext>
+            </a:extLst>
+          </p:cNvPr>
+          <p:cNvSpPr>
+            <a:spLocks noGrp="1"/>
+          </p:cNvSpPr>
+          <p:nvPr>
+            <p:ph type="ftr" sz="quarter" idx="3"/>
+          </p:nvPr>
+        </p:nvSpPr>
+        <p:spPr/>
+        <p:txBody>
+          <a:bodyPr/>
+          <a:lstStyle/>
+          <a:p>
+            <a:pPr algn="l"/>
+            <a:r>
+              <a:rPr lang="en-US" altLang="ko-KR"/>
+              <a:t>Nibble</a:t>
+            </a:r>
+            <a:endParaRPr lang="ko-KR" altLang="en-US" dirty="0"/>
+          </a:p>
+        </p:txBody>
+      </p:sp>
+      <p:sp>
+        <p:nvSpPr>
+          <p:cNvPr id="7" name="날짜 개체 틀 6">
+            <a:extLst>
+              <a:ext uri="{FF2B5EF4-FFF2-40B4-BE49-F238E27FC236}">
+                <a16:creationId xmlns:a16="http://schemas.microsoft.com/office/drawing/2014/main" id="{B9F2DCE2-686E-44B9-836B-349F1F571BC9}"/>
+              </a:ext>
+            </a:extLst>
+          </p:cNvPr>
+          <p:cNvSpPr>
+            <a:spLocks noGrp="1"/>
+          </p:cNvSpPr>
+          <p:nvPr>
+            <p:ph type="dt" sz="half" idx="13"/>
+          </p:nvPr>
+        </p:nvSpPr>
+        <p:spPr/>
+        <p:txBody>
+          <a:bodyPr/>
+          <a:lstStyle/>
+          <a:p>
+            <a:fld id="{B226B4E6-2447-4D67-A511-B13A2182F919}" type="datetime5">
+              <a:rPr lang="ko-KR" altLang="en-US" smtClean="0"/>
+              <a:t>2021/8/4</a:t>
+            </a:fld>
+            <a:endParaRPr lang="ko-KR" altLang="en-US" dirty="0"/>
+          </a:p>
+        </p:txBody>
+      </p:sp>
+    </p:spTree>
+    <p:extLst>
+      <p:ext uri="{BB962C8B-B14F-4D97-AF65-F5344CB8AC3E}">
+        <p14:creationId xmlns:p14="http://schemas.microsoft.com/office/powerpoint/2010/main" val="3934894589"/>
+      </p:ext>
+    </p:extLst>
+  </p:cSld>
+  <p:clrMapOvr>
+    <a:masterClrMapping/>
+  </p:clrMapOvr>
+</p:sld>
+</file>
+
+<file path=ppt/slides/slide23.xml><?xml version="1.0" encoding="utf-8"?>
+<p:sld xmlns:a="http://schemas.openxmlformats.org/drawingml/2006/main" xmlns:r="http://schemas.openxmlformats.org/officeDocument/2006/relationships" xmlns:p="http://schemas.openxmlformats.org/presentationml/2006/main">
+  <p:cSld>
+    <p:spTree>
+      <p:nvGrpSpPr>
+        <p:cNvPr id="1" name=""/>
+        <p:cNvGrpSpPr/>
+        <p:nvPr/>
+      </p:nvGrpSpPr>
+      <p:grpSpPr>
+        <a:xfrm>
+          <a:off x="0" y="0"/>
+          <a:ext cx="0" cy="0"/>
+          <a:chOff x="0" y="0"/>
+          <a:chExt cx="0" cy="0"/>
+        </a:xfrm>
+      </p:grpSpPr>
+      <p:sp>
+        <p:nvSpPr>
+          <p:cNvPr id="2" name="내용 개체 틀 1">
+            <a:extLst>
+              <a:ext uri="{FF2B5EF4-FFF2-40B4-BE49-F238E27FC236}">
+                <a16:creationId xmlns:a16="http://schemas.microsoft.com/office/drawing/2014/main" id="{DB6C52CB-1BED-4E9E-A843-0F8E8C15043E}"/>
+              </a:ext>
+            </a:extLst>
+          </p:cNvPr>
+          <p:cNvSpPr>
+            <a:spLocks noGrp="1"/>
+          </p:cNvSpPr>
+          <p:nvPr>
+            <p:ph sz="half" idx="14"/>
+          </p:nvPr>
+        </p:nvSpPr>
+        <p:spPr/>
+        <p:txBody>
+          <a:bodyPr/>
+          <a:lstStyle/>
+          <a:p>
+            <a:r>
+              <a:rPr lang="en-US" altLang="ko-KR" dirty="0"/>
+              <a:t>ER Model</a:t>
+            </a:r>
+          </a:p>
+          <a:p>
+            <a:pPr lvl="1"/>
+            <a:r>
+              <a:rPr lang="ko-KR" altLang="en-US" dirty="0"/>
+              <a:t>정의</a:t>
+            </a:r>
+            <a:r>
+              <a:rPr lang="en-US" altLang="ko-KR" dirty="0"/>
+              <a:t>	</a:t>
+            </a:r>
+          </a:p>
+          <a:p>
+            <a:pPr lvl="2"/>
+            <a:r>
+              <a:rPr lang="ko-KR" altLang="en-US" dirty="0"/>
+              <a:t>현실의 데이터와 관계를 이해할 수 있는 형태로 표현</a:t>
+            </a:r>
+            <a:endParaRPr lang="en-US" altLang="ko-KR" dirty="0"/>
+          </a:p>
+          <a:p>
+            <a:pPr lvl="1"/>
+            <a:r>
+              <a:rPr lang="ko-KR" altLang="en-US" dirty="0"/>
+              <a:t>구성요소</a:t>
+            </a:r>
+            <a:endParaRPr lang="en-US" altLang="ko-KR" dirty="0"/>
+          </a:p>
+          <a:p>
+            <a:pPr lvl="2"/>
+            <a:r>
+              <a:rPr lang="en-US" altLang="ko-KR" dirty="0"/>
+              <a:t>Entity</a:t>
+            </a:r>
+          </a:p>
+          <a:p>
+            <a:pPr lvl="2"/>
+            <a:r>
+              <a:rPr lang="en-US" altLang="ko-KR" dirty="0"/>
+              <a:t>Attribute</a:t>
+            </a:r>
+          </a:p>
+          <a:p>
+            <a:pPr lvl="2"/>
+            <a:r>
+              <a:rPr lang="en-US" altLang="ko-KR" dirty="0"/>
+              <a:t>Relationship</a:t>
+            </a:r>
+          </a:p>
+          <a:p>
+            <a:pPr lvl="1"/>
+            <a:r>
+              <a:rPr lang="ko-KR" altLang="en-US" dirty="0"/>
+              <a:t>기호</a:t>
+            </a:r>
+          </a:p>
+        </p:txBody>
+      </p:sp>
+      <p:sp>
+        <p:nvSpPr>
+          <p:cNvPr id="3" name="제목 2">
+            <a:extLst>
+              <a:ext uri="{FF2B5EF4-FFF2-40B4-BE49-F238E27FC236}">
+                <a16:creationId xmlns:a16="http://schemas.microsoft.com/office/drawing/2014/main" id="{B1FBF4F4-A8E6-44B6-8036-C4081B13EEE6}"/>
+              </a:ext>
+            </a:extLst>
+          </p:cNvPr>
+          <p:cNvSpPr>
+            <a:spLocks noGrp="1"/>
+          </p:cNvSpPr>
+          <p:nvPr>
+            <p:ph type="title"/>
+          </p:nvPr>
+        </p:nvSpPr>
+        <p:spPr/>
+        <p:txBody>
+          <a:bodyPr/>
+          <a:lstStyle/>
+          <a:p>
+            <a:r>
+              <a:rPr lang="en-US" altLang="ko-KR" dirty="0"/>
+              <a:t>ER Model</a:t>
+            </a:r>
+            <a:endParaRPr lang="ko-KR" altLang="en-US" dirty="0"/>
+          </a:p>
+        </p:txBody>
+      </p:sp>
+      <p:sp>
+        <p:nvSpPr>
+          <p:cNvPr id="4" name="내용 개체 틀 3">
+            <a:extLst>
+              <a:ext uri="{FF2B5EF4-FFF2-40B4-BE49-F238E27FC236}">
+                <a16:creationId xmlns:a16="http://schemas.microsoft.com/office/drawing/2014/main" id="{433C2330-FE68-4633-BD53-748540F0CD78}"/>
+              </a:ext>
+            </a:extLst>
+          </p:cNvPr>
+          <p:cNvSpPr>
+            <a:spLocks noGrp="1"/>
+          </p:cNvSpPr>
+          <p:nvPr>
+            <p:ph sz="half" idx="2"/>
+          </p:nvPr>
+        </p:nvSpPr>
+        <p:spPr/>
+        <p:txBody>
+          <a:bodyPr/>
+          <a:lstStyle/>
+          <a:p>
+            <a:endParaRPr lang="ko-KR" altLang="en-US" dirty="0"/>
+          </a:p>
+        </p:txBody>
+      </p:sp>
+      <p:sp>
+        <p:nvSpPr>
+          <p:cNvPr id="5" name="슬라이드 번호 개체 틀 4">
+            <a:extLst>
+              <a:ext uri="{FF2B5EF4-FFF2-40B4-BE49-F238E27FC236}">
+                <a16:creationId xmlns:a16="http://schemas.microsoft.com/office/drawing/2014/main" id="{D3DAC0EB-1BC7-4070-867B-4BB2209A4AC8}"/>
+              </a:ext>
+            </a:extLst>
+          </p:cNvPr>
+          <p:cNvSpPr>
+            <a:spLocks noGrp="1"/>
+          </p:cNvSpPr>
+          <p:nvPr>
+            <p:ph type="sldNum" sz="quarter" idx="12"/>
+          </p:nvPr>
+        </p:nvSpPr>
+        <p:spPr/>
+        <p:txBody>
+          <a:bodyPr/>
+          <a:lstStyle/>
+          <a:p>
+            <a:fld id="{89BED30C-66D9-4104-96BC-081A506F0CF0}" type="slidenum">
+              <a:rPr lang="ko-KR" altLang="en-US" smtClean="0"/>
+              <a:t>23</a:t>
+            </a:fld>
+            <a:endParaRPr lang="ko-KR" altLang="en-US"/>
+          </a:p>
+        </p:txBody>
+      </p:sp>
+      <p:sp>
+        <p:nvSpPr>
+          <p:cNvPr id="6" name="바닥글 개체 틀 5">
+            <a:extLst>
+              <a:ext uri="{FF2B5EF4-FFF2-40B4-BE49-F238E27FC236}">
+                <a16:creationId xmlns:a16="http://schemas.microsoft.com/office/drawing/2014/main" id="{23E6BEB8-B56C-4167-A0DC-60E2A0D62FA7}"/>
+              </a:ext>
+            </a:extLst>
+          </p:cNvPr>
+          <p:cNvSpPr>
+            <a:spLocks noGrp="1"/>
+          </p:cNvSpPr>
+          <p:nvPr>
+            <p:ph type="ftr" sz="quarter" idx="3"/>
+          </p:nvPr>
+        </p:nvSpPr>
+        <p:spPr/>
+        <p:txBody>
+          <a:bodyPr/>
+          <a:lstStyle/>
+          <a:p>
+            <a:pPr algn="l"/>
+            <a:r>
+              <a:rPr lang="en-US" altLang="ko-KR"/>
+              <a:t>Nibble</a:t>
+            </a:r>
+            <a:endParaRPr lang="ko-KR" altLang="en-US" dirty="0"/>
+          </a:p>
+        </p:txBody>
+      </p:sp>
+      <p:sp>
+        <p:nvSpPr>
+          <p:cNvPr id="7" name="날짜 개체 틀 6">
+            <a:extLst>
+              <a:ext uri="{FF2B5EF4-FFF2-40B4-BE49-F238E27FC236}">
+                <a16:creationId xmlns:a16="http://schemas.microsoft.com/office/drawing/2014/main" id="{CEA2078A-9873-447D-A24A-4E0D8D1CD2F9}"/>
+              </a:ext>
+            </a:extLst>
+          </p:cNvPr>
+          <p:cNvSpPr>
+            <a:spLocks noGrp="1"/>
+          </p:cNvSpPr>
+          <p:nvPr>
+            <p:ph type="dt" sz="half" idx="13"/>
+          </p:nvPr>
+        </p:nvSpPr>
+        <p:spPr/>
+        <p:txBody>
+          <a:bodyPr/>
+          <a:lstStyle/>
+          <a:p>
+            <a:fld id="{B226B4E6-2447-4D67-A511-B13A2182F919}" type="datetime5">
+              <a:rPr lang="ko-KR" altLang="en-US" smtClean="0"/>
+              <a:t>2021/8/4</a:t>
+            </a:fld>
+            <a:endParaRPr lang="ko-KR" altLang="en-US" dirty="0"/>
+          </a:p>
+        </p:txBody>
+      </p:sp>
+      <p:pic>
+        <p:nvPicPr>
+          <p:cNvPr id="1026" name="Picture 2" descr="관계형 데이터베이스] - ER 다이어그램 (Entity-Relationship Diagram)">
+            <a:extLst>
+              <a:ext uri="{FF2B5EF4-FFF2-40B4-BE49-F238E27FC236}">
+                <a16:creationId xmlns:a16="http://schemas.microsoft.com/office/drawing/2014/main" id="{36407AE6-DF2B-4BC5-88F5-0434F4F56FCC}"/>
+              </a:ext>
+            </a:extLst>
+          </p:cNvPr>
+          <p:cNvPicPr>
+            <a:picLocks noChangeAspect="1" noChangeArrowheads="1"/>
+          </p:cNvPicPr>
+          <p:nvPr/>
+        </p:nvPicPr>
+        <p:blipFill>
+          <a:blip r:embed="rId2">
+            <a:extLst>
+              <a:ext uri="{28A0092B-C50C-407E-A947-70E740481C1C}">
+                <a14:useLocalDpi xmlns:a14="http://schemas.microsoft.com/office/drawing/2010/main" val="0"/>
+              </a:ext>
+            </a:extLst>
+          </a:blip>
+          <a:srcRect/>
+          <a:stretch>
+            <a:fillRect/>
+          </a:stretch>
+        </p:blipFill>
+        <p:spPr bwMode="auto">
+          <a:xfrm>
+            <a:off x="1782660" y="3331017"/>
+            <a:ext cx="3292679" cy="2737039"/>
+          </a:xfrm>
+          <a:prstGeom prst="rect">
+            <a:avLst/>
+          </a:prstGeom>
+          <a:noFill/>
+          <a:extLst>
+            <a:ext uri="{909E8E84-426E-40DD-AFC4-6F175D3DCCD1}">
+              <a14:hiddenFill xmlns:a14="http://schemas.microsoft.com/office/drawing/2010/main">
+                <a:solidFill>
+                  <a:srgbClr val="FFFFFF"/>
+                </a:solidFill>
+              </a14:hiddenFill>
+            </a:ext>
+          </a:extLst>
+        </p:spPr>
+      </p:pic>
+    </p:spTree>
+    <p:extLst>
+      <p:ext uri="{BB962C8B-B14F-4D97-AF65-F5344CB8AC3E}">
+        <p14:creationId xmlns:p14="http://schemas.microsoft.com/office/powerpoint/2010/main" val="3874135482"/>
+      </p:ext>
+    </p:extLst>
+  </p:cSld>
+  <p:clrMapOvr>
+    <a:masterClrMapping/>
+  </p:clrMapOvr>
+</p:sld>
+</file>
+
+<file path=ppt/slides/slide24.xml><?xml version="1.0" encoding="utf-8"?>
+<p:sld xmlns:a="http://schemas.openxmlformats.org/drawingml/2006/main" xmlns:r="http://schemas.openxmlformats.org/officeDocument/2006/relationships" xmlns:p="http://schemas.openxmlformats.org/presentationml/2006/main">
+  <p:cSld>
+    <p:spTree>
+      <p:nvGrpSpPr>
+        <p:cNvPr id="1" name=""/>
+        <p:cNvGrpSpPr/>
+        <p:nvPr/>
+      </p:nvGrpSpPr>
+      <p:grpSpPr>
+        <a:xfrm>
+          <a:off x="0" y="0"/>
+          <a:ext cx="0" cy="0"/>
+          <a:chOff x="0" y="0"/>
+          <a:chExt cx="0" cy="0"/>
+        </a:xfrm>
+      </p:grpSpPr>
+      <p:sp>
+        <p:nvSpPr>
+          <p:cNvPr id="2" name="내용 개체 틀 1">
+            <a:extLst>
+              <a:ext uri="{FF2B5EF4-FFF2-40B4-BE49-F238E27FC236}">
+                <a16:creationId xmlns:a16="http://schemas.microsoft.com/office/drawing/2014/main" id="{1B3AFB13-6DC8-43F8-B9CD-60ED2BBEACD3}"/>
+              </a:ext>
+            </a:extLst>
+          </p:cNvPr>
+          <p:cNvSpPr>
+            <a:spLocks noGrp="1"/>
+          </p:cNvSpPr>
+          <p:nvPr>
+            <p:ph sz="half" idx="14"/>
+          </p:nvPr>
+        </p:nvSpPr>
+        <p:spPr/>
+        <p:txBody>
+          <a:bodyPr/>
+          <a:lstStyle/>
+          <a:p>
+            <a:r>
+              <a:rPr lang="ko-KR" altLang="en-US" dirty="0"/>
+              <a:t>정규화 </a:t>
+            </a:r>
+            <a:r>
+              <a:rPr lang="en-US" altLang="ko-KR" dirty="0"/>
+              <a:t>(</a:t>
+            </a:r>
+            <a:r>
+              <a:rPr lang="ko-KR" altLang="en-US" dirty="0">
+                <a:hlinkClick r:id="rId2"/>
+              </a:rPr>
+              <a:t>참고</a:t>
+            </a:r>
+            <a:r>
+              <a:rPr lang="en-US" altLang="ko-KR" dirty="0"/>
+              <a:t>)</a:t>
+            </a:r>
+          </a:p>
+          <a:p>
+            <a:pPr lvl="1"/>
+            <a:r>
+              <a:rPr lang="ko-KR" altLang="en-US" dirty="0"/>
+              <a:t>정의</a:t>
+            </a:r>
+            <a:r>
+              <a:rPr lang="en-US" altLang="ko-KR" dirty="0"/>
+              <a:t>: Anomaly </a:t>
+            </a:r>
+            <a:r>
+              <a:rPr lang="ko-KR" altLang="en-US" dirty="0"/>
+              <a:t>제거를 위한 처리</a:t>
+            </a:r>
+            <a:endParaRPr lang="en-US" altLang="ko-KR" dirty="0"/>
+          </a:p>
+          <a:p>
+            <a:pPr lvl="1"/>
+            <a:r>
+              <a:rPr lang="ko-KR" altLang="en-US" dirty="0"/>
+              <a:t>단계</a:t>
+            </a:r>
+            <a:endParaRPr lang="en-US" altLang="ko-KR" dirty="0"/>
+          </a:p>
+          <a:p>
+            <a:pPr lvl="2"/>
+            <a:r>
+              <a:rPr lang="en-US" altLang="ko-KR" dirty="0"/>
+              <a:t>1: </a:t>
+            </a:r>
+            <a:r>
+              <a:rPr lang="ko-KR" altLang="en-US" dirty="0"/>
+              <a:t>원자 값으로 구성</a:t>
+            </a:r>
+            <a:endParaRPr lang="en-US" altLang="ko-KR" dirty="0"/>
+          </a:p>
+          <a:p>
+            <a:pPr lvl="3"/>
+            <a:r>
+              <a:rPr lang="ko-KR" altLang="en-US" dirty="0"/>
+              <a:t>하나의 </a:t>
+            </a:r>
+            <a:r>
+              <a:rPr lang="en-US" altLang="ko-KR" dirty="0"/>
+              <a:t>Field</a:t>
+            </a:r>
+            <a:r>
+              <a:rPr lang="ko-KR" altLang="en-US" dirty="0"/>
+              <a:t>에 여러 값을 가진 경우</a:t>
+            </a:r>
+            <a:endParaRPr lang="en-US" altLang="ko-KR" dirty="0"/>
+          </a:p>
+          <a:p>
+            <a:pPr lvl="3"/>
+            <a:r>
+              <a:rPr lang="ko-KR" altLang="en-US" dirty="0"/>
+              <a:t>여러 </a:t>
+            </a:r>
+            <a:r>
+              <a:rPr lang="en-US" altLang="ko-KR" dirty="0"/>
+              <a:t>Row</a:t>
+            </a:r>
+            <a:r>
+              <a:rPr lang="ko-KR" altLang="en-US" dirty="0"/>
+              <a:t>로 나눈다</a:t>
+            </a:r>
+            <a:endParaRPr lang="en-US" altLang="ko-KR" dirty="0"/>
+          </a:p>
+          <a:p>
+            <a:pPr lvl="2"/>
+            <a:r>
+              <a:rPr lang="en-US" altLang="ko-KR" dirty="0"/>
+              <a:t>2: </a:t>
+            </a:r>
+            <a:r>
+              <a:rPr lang="ko-KR" altLang="en-US" dirty="0"/>
+              <a:t>부분 함수 종속 제거</a:t>
+            </a:r>
+            <a:endParaRPr lang="en-US" altLang="ko-KR" dirty="0"/>
+          </a:p>
+          <a:p>
+            <a:pPr lvl="3"/>
+            <a:r>
+              <a:rPr lang="ko-KR" altLang="en-US" dirty="0"/>
+              <a:t>함수 사용시 다른 데이터에 영향이 가는 경우</a:t>
+            </a:r>
+            <a:endParaRPr lang="en-US" altLang="ko-KR" dirty="0"/>
+          </a:p>
+          <a:p>
+            <a:pPr lvl="3"/>
+            <a:r>
+              <a:rPr lang="ko-KR" altLang="en-US" dirty="0"/>
+              <a:t>테이블을 쪼갠다</a:t>
+            </a:r>
+            <a:endParaRPr lang="en-US" altLang="ko-KR" dirty="0"/>
+          </a:p>
+          <a:p>
+            <a:pPr lvl="2"/>
+            <a:r>
+              <a:rPr lang="en-US" altLang="ko-KR" dirty="0"/>
+              <a:t>3: </a:t>
+            </a:r>
+            <a:r>
+              <a:rPr lang="ko-KR" altLang="en-US" dirty="0"/>
+              <a:t>이행 함수 종속 제거</a:t>
+            </a:r>
+            <a:endParaRPr lang="en-US" altLang="ko-KR" dirty="0"/>
+          </a:p>
+          <a:p>
+            <a:pPr lvl="2"/>
+            <a:r>
+              <a:rPr lang="ko-KR" altLang="en-US" dirty="0"/>
+              <a:t>보이스 코드 정규형 </a:t>
+            </a:r>
+            <a:r>
+              <a:rPr lang="en-US" altLang="ko-KR" dirty="0"/>
+              <a:t>(BCNF)</a:t>
+            </a:r>
+          </a:p>
+          <a:p>
+            <a:pPr lvl="3"/>
+            <a:r>
+              <a:rPr lang="ko-KR" altLang="en-US" dirty="0"/>
+              <a:t>결정자가 후보 키가 아닌 함수 종속 제거</a:t>
+            </a:r>
+            <a:endParaRPr lang="en-US" altLang="ko-KR" dirty="0"/>
+          </a:p>
+          <a:p>
+            <a:pPr lvl="2"/>
+            <a:r>
+              <a:rPr lang="en-US" altLang="ko-KR" dirty="0"/>
+              <a:t>4: </a:t>
+            </a:r>
+            <a:r>
+              <a:rPr lang="ko-KR" altLang="en-US" dirty="0"/>
+              <a:t>다치 종속성 제거</a:t>
+            </a:r>
+            <a:endParaRPr lang="en-US" altLang="ko-KR" dirty="0"/>
+          </a:p>
+          <a:p>
+            <a:pPr lvl="2"/>
+            <a:r>
+              <a:rPr lang="en-US" altLang="ko-KR" dirty="0"/>
+              <a:t>5: </a:t>
+            </a:r>
+            <a:r>
+              <a:rPr lang="ko-KR" altLang="en-US" dirty="0"/>
+              <a:t>조인 종속성 제거</a:t>
+            </a:r>
+            <a:endParaRPr lang="en-US" altLang="ko-KR" dirty="0"/>
+          </a:p>
+          <a:p>
+            <a:pPr lvl="3"/>
+            <a:endParaRPr lang="en-US" altLang="ko-KR" dirty="0"/>
+          </a:p>
+          <a:p>
+            <a:pPr lvl="2"/>
+            <a:endParaRPr lang="en-US" altLang="ko-KR" dirty="0"/>
+          </a:p>
+        </p:txBody>
+      </p:sp>
+      <p:sp>
+        <p:nvSpPr>
+          <p:cNvPr id="3" name="제목 2">
+            <a:extLst>
+              <a:ext uri="{FF2B5EF4-FFF2-40B4-BE49-F238E27FC236}">
+                <a16:creationId xmlns:a16="http://schemas.microsoft.com/office/drawing/2014/main" id="{7FAFDCF4-68F3-4B58-B128-BCCE3B30220F}"/>
+              </a:ext>
+            </a:extLst>
+          </p:cNvPr>
+          <p:cNvSpPr>
+            <a:spLocks noGrp="1"/>
+          </p:cNvSpPr>
+          <p:nvPr>
+            <p:ph type="title"/>
+          </p:nvPr>
+        </p:nvSpPr>
+        <p:spPr/>
+        <p:txBody>
+          <a:bodyPr/>
+          <a:lstStyle/>
+          <a:p>
+            <a:r>
+              <a:rPr lang="ko-KR" altLang="en-US" dirty="0"/>
+              <a:t>정규화</a:t>
+            </a:r>
+          </a:p>
+        </p:txBody>
+      </p:sp>
+      <p:sp>
+        <p:nvSpPr>
+          <p:cNvPr id="4" name="내용 개체 틀 3">
+            <a:extLst>
+              <a:ext uri="{FF2B5EF4-FFF2-40B4-BE49-F238E27FC236}">
+                <a16:creationId xmlns:a16="http://schemas.microsoft.com/office/drawing/2014/main" id="{CA403227-0E70-43B4-A6CC-B306BF7FE2B4}"/>
+              </a:ext>
+            </a:extLst>
+          </p:cNvPr>
+          <p:cNvSpPr>
+            <a:spLocks noGrp="1"/>
+          </p:cNvSpPr>
+          <p:nvPr>
+            <p:ph sz="half" idx="2"/>
+          </p:nvPr>
+        </p:nvSpPr>
+        <p:spPr/>
+        <p:txBody>
+          <a:bodyPr/>
+          <a:lstStyle/>
+          <a:p>
+            <a:r>
+              <a:rPr lang="en-US" altLang="ko-KR" dirty="0"/>
+              <a:t>Anomaly</a:t>
+            </a:r>
+          </a:p>
+          <a:p>
+            <a:pPr lvl="1"/>
+            <a:r>
+              <a:rPr lang="ko-KR" altLang="en-US" dirty="0"/>
+              <a:t>삽입 이상</a:t>
+            </a:r>
+            <a:endParaRPr lang="en-US" altLang="ko-KR" dirty="0"/>
+          </a:p>
+          <a:p>
+            <a:pPr lvl="2"/>
+            <a:r>
+              <a:rPr lang="ko-KR" altLang="en-US" dirty="0"/>
+              <a:t>삽입 시 다른 데이터도 넣어야 하는 경우</a:t>
+            </a:r>
+            <a:endParaRPr lang="en-US" altLang="ko-KR" dirty="0"/>
+          </a:p>
+          <a:p>
+            <a:pPr lvl="1"/>
+            <a:r>
+              <a:rPr lang="ko-KR" altLang="en-US" dirty="0"/>
+              <a:t>삭제 이상</a:t>
+            </a:r>
+            <a:endParaRPr lang="en-US" altLang="ko-KR" dirty="0"/>
+          </a:p>
+          <a:p>
+            <a:pPr lvl="2"/>
+            <a:r>
+              <a:rPr lang="ko-KR" altLang="en-US" dirty="0"/>
+              <a:t>삭제 시 상관없는 데이터도 삭제해야 하는 경우</a:t>
+            </a:r>
+            <a:endParaRPr lang="en-US" altLang="ko-KR" dirty="0"/>
+          </a:p>
+          <a:p>
+            <a:pPr lvl="1"/>
+            <a:r>
+              <a:rPr lang="ko-KR" altLang="en-US" dirty="0"/>
+              <a:t>갱신 이상</a:t>
+            </a:r>
+            <a:endParaRPr lang="en-US" altLang="ko-KR" dirty="0"/>
+          </a:p>
+          <a:p>
+            <a:pPr lvl="2"/>
+            <a:r>
+              <a:rPr lang="ko-KR" altLang="en-US" dirty="0"/>
+              <a:t>업데이트시 일부 정보만 업데이트되어 정보 모순</a:t>
+            </a:r>
+          </a:p>
+        </p:txBody>
+      </p:sp>
+      <p:sp>
+        <p:nvSpPr>
+          <p:cNvPr id="5" name="슬라이드 번호 개체 틀 4">
+            <a:extLst>
+              <a:ext uri="{FF2B5EF4-FFF2-40B4-BE49-F238E27FC236}">
+                <a16:creationId xmlns:a16="http://schemas.microsoft.com/office/drawing/2014/main" id="{81496E8C-2AA4-489A-89D5-9E8DC9ED7C96}"/>
+              </a:ext>
+            </a:extLst>
+          </p:cNvPr>
+          <p:cNvSpPr>
+            <a:spLocks noGrp="1"/>
+          </p:cNvSpPr>
+          <p:nvPr>
+            <p:ph type="sldNum" sz="quarter" idx="12"/>
+          </p:nvPr>
+        </p:nvSpPr>
+        <p:spPr/>
+        <p:txBody>
+          <a:bodyPr/>
+          <a:lstStyle/>
+          <a:p>
+            <a:fld id="{89BED30C-66D9-4104-96BC-081A506F0CF0}" type="slidenum">
+              <a:rPr lang="ko-KR" altLang="en-US" smtClean="0"/>
+              <a:t>24</a:t>
+            </a:fld>
+            <a:endParaRPr lang="ko-KR" altLang="en-US"/>
+          </a:p>
+        </p:txBody>
+      </p:sp>
+      <p:sp>
+        <p:nvSpPr>
+          <p:cNvPr id="6" name="바닥글 개체 틀 5">
+            <a:extLst>
+              <a:ext uri="{FF2B5EF4-FFF2-40B4-BE49-F238E27FC236}">
+                <a16:creationId xmlns:a16="http://schemas.microsoft.com/office/drawing/2014/main" id="{4492D995-8731-47F3-9B46-723802AE4AE1}"/>
+              </a:ext>
+            </a:extLst>
+          </p:cNvPr>
+          <p:cNvSpPr>
+            <a:spLocks noGrp="1"/>
+          </p:cNvSpPr>
+          <p:nvPr>
+            <p:ph type="ftr" sz="quarter" idx="3"/>
+          </p:nvPr>
+        </p:nvSpPr>
+        <p:spPr/>
+        <p:txBody>
+          <a:bodyPr/>
+          <a:lstStyle/>
+          <a:p>
+            <a:pPr algn="l"/>
+            <a:r>
+              <a:rPr lang="en-US" altLang="ko-KR"/>
+              <a:t>Nibble</a:t>
+            </a:r>
+            <a:endParaRPr lang="ko-KR" altLang="en-US" dirty="0"/>
+          </a:p>
+        </p:txBody>
+      </p:sp>
+      <p:sp>
+        <p:nvSpPr>
+          <p:cNvPr id="7" name="날짜 개체 틀 6">
+            <a:extLst>
+              <a:ext uri="{FF2B5EF4-FFF2-40B4-BE49-F238E27FC236}">
+                <a16:creationId xmlns:a16="http://schemas.microsoft.com/office/drawing/2014/main" id="{2476855D-D586-42E1-A952-DAB5ECD87DDA}"/>
+              </a:ext>
+            </a:extLst>
+          </p:cNvPr>
+          <p:cNvSpPr>
+            <a:spLocks noGrp="1"/>
+          </p:cNvSpPr>
+          <p:nvPr>
+            <p:ph type="dt" sz="half" idx="13"/>
+          </p:nvPr>
+        </p:nvSpPr>
+        <p:spPr/>
+        <p:txBody>
+          <a:bodyPr/>
+          <a:lstStyle/>
+          <a:p>
+            <a:fld id="{B226B4E6-2447-4D67-A511-B13A2182F919}" type="datetime5">
+              <a:rPr lang="ko-KR" altLang="en-US" smtClean="0"/>
+              <a:t>2021/8/4</a:t>
+            </a:fld>
+            <a:endParaRPr lang="ko-KR" altLang="en-US" dirty="0"/>
+          </a:p>
+        </p:txBody>
+      </p:sp>
+    </p:spTree>
+    <p:extLst>
+      <p:ext uri="{BB962C8B-B14F-4D97-AF65-F5344CB8AC3E}">
+        <p14:creationId xmlns:p14="http://schemas.microsoft.com/office/powerpoint/2010/main" val="2079651897"/>
       </p:ext>
     </p:extLst>
   </p:cSld>
@@ -6776,6 +8834,37 @@
             <a:r>
               <a:rPr lang="ko-KR" altLang="en-US" dirty="0"/>
               <a:t>작성</a:t>
+            </a:r>
+            <a:endParaRPr lang="en-US" altLang="ko-KR" dirty="0"/>
+          </a:p>
+          <a:p>
+            <a:r>
+              <a:rPr lang="ko-KR" altLang="en-US" dirty="0"/>
+              <a:t>논리</a:t>
+            </a:r>
+            <a:r>
+              <a:rPr lang="en-US" altLang="ko-KR" dirty="0"/>
+              <a:t> </a:t>
+            </a:r>
+            <a:r>
+              <a:rPr lang="ko-KR" altLang="en-US" dirty="0"/>
+              <a:t>데이터베이스 설계</a:t>
+            </a:r>
+            <a:endParaRPr lang="en-US" altLang="ko-KR" dirty="0"/>
+          </a:p>
+          <a:p>
+            <a:pPr lvl="1"/>
+            <a:r>
+              <a:rPr lang="ko-KR" altLang="en-US" dirty="0"/>
+              <a:t>관계 데이터베이스 모델</a:t>
+            </a:r>
+            <a:endParaRPr lang="en-US" altLang="ko-KR" dirty="0"/>
+          </a:p>
+          <a:p>
+            <a:pPr lvl="1"/>
+            <a:r>
+              <a:rPr lang="ko-KR" altLang="en-US" dirty="0"/>
+              <a:t>데이터 모델링 및 설계</a:t>
             </a:r>
           </a:p>
           <a:p>

--- a/정보처리기사/3. DB 구축.pptx
+++ b/정보처리기사/3. DB 구축.pptx
@@ -5,10 +5,10 @@
     <p:sldMasterId id="2147483648" r:id="rId1"/>
   </p:sldMasterIdLst>
   <p:notesMasterIdLst>
-    <p:notesMasterId r:id="rId26"/>
+    <p:notesMasterId r:id="rId40"/>
   </p:notesMasterIdLst>
   <p:handoutMasterIdLst>
-    <p:handoutMasterId r:id="rId27"/>
+    <p:handoutMasterId r:id="rId41"/>
   </p:handoutMasterIdLst>
   <p:sldIdLst>
     <p:sldId id="259" r:id="rId2"/>
@@ -35,6 +35,20 @@
     <p:sldId id="283" r:id="rId23"/>
     <p:sldId id="284" r:id="rId24"/>
     <p:sldId id="285" r:id="rId25"/>
+    <p:sldId id="286" r:id="rId26"/>
+    <p:sldId id="287" r:id="rId27"/>
+    <p:sldId id="288" r:id="rId28"/>
+    <p:sldId id="289" r:id="rId29"/>
+    <p:sldId id="290" r:id="rId30"/>
+    <p:sldId id="291" r:id="rId31"/>
+    <p:sldId id="292" r:id="rId32"/>
+    <p:sldId id="293" r:id="rId33"/>
+    <p:sldId id="294" r:id="rId34"/>
+    <p:sldId id="295" r:id="rId35"/>
+    <p:sldId id="296" r:id="rId36"/>
+    <p:sldId id="297" r:id="rId37"/>
+    <p:sldId id="298" r:id="rId38"/>
+    <p:sldId id="299" r:id="rId39"/>
   </p:sldIdLst>
   <p:sldSz cx="12192000" cy="6858000"/>
   <p:notesSz cx="9144000" cy="6858000"/>
@@ -192,6 +206,44 @@
             <p14:sldId id="285"/>
           </p14:sldIdLst>
         </p14:section>
+        <p14:section name="물리 데이터베이스 설계 - 물리 요소 조사 분석" id="{9BA13400-E80B-443C-96AA-511B5323BB60}">
+          <p14:sldIdLst>
+            <p14:sldId id="286"/>
+            <p14:sldId id="287"/>
+            <p14:sldId id="288"/>
+            <p14:sldId id="289"/>
+          </p14:sldIdLst>
+        </p14:section>
+        <p14:section name="물리 데이터베이스 설계 – DB 물리 속성 설계" id="{A02D4CB7-5867-47A8-AC0F-B809CF2960E1}">
+          <p14:sldIdLst>
+            <p14:sldId id="290"/>
+            <p14:sldId id="291"/>
+            <p14:sldId id="292"/>
+            <p14:sldId id="293"/>
+            <p14:sldId id="294"/>
+          </p14:sldIdLst>
+        </p14:section>
+        <p14:section name="물리 데이터베이스 설계 - 물리 DB 모델링" id="{A016D1AF-03B5-4E07-A75A-63B39052ACEF}">
+          <p14:sldIdLst>
+            <p14:sldId id="295"/>
+            <p14:sldId id="296"/>
+          </p14:sldIdLst>
+        </p14:section>
+        <p14:section name="물리 데이터베이스 설계 - DB 반 정규화" id="{F688E334-21BE-4BDF-B0EF-95E6A6B0B6E5}">
+          <p14:sldIdLst>
+            <p14:sldId id="297"/>
+          </p14:sldIdLst>
+        </p14:section>
+        <p14:section name="물리 데이터베이스 설계 - 물리 데이터 품질 검토" id="{4A6EFC29-A8B7-4724-85C1-1BA3263691BB}">
+          <p14:sldIdLst>
+            <p14:sldId id="298"/>
+          </p14:sldIdLst>
+        </p14:section>
+        <p14:section name="데이터 전환 - 데이터 전환 기술" id="{A438E83D-3B5A-4A1D-BD06-CF85C888312D}">
+          <p14:sldIdLst>
+            <p14:sldId id="299"/>
+          </p14:sldIdLst>
+        </p14:section>
       </p14:sectionLst>
     </p:ext>
     <p:ext uri="{EFAFB233-063F-42B5-8137-9DF3F51BA10A}">
@@ -298,7 +350,7 @@
           <a:p>
             <a:fld id="{A4D0E862-B602-4F19-9CCB-DBEF680D281A}" type="datetimeFigureOut">
               <a:rPr lang="ko-KR" altLang="en-US" smtClean="0"/>
-              <a:t>2021-08-04</a:t>
+              <a:t>2021-08-05</a:t>
             </a:fld>
             <a:endParaRPr lang="ko-KR" altLang="en-US"/>
           </a:p>
@@ -475,7 +527,7 @@
           <a:p>
             <a:fld id="{44272663-55A4-40A7-950D-2D273278BFB3}" type="datetimeFigureOut">
               <a:rPr lang="ko-KR" altLang="en-US" smtClean="0"/>
-              <a:t>2021-08-04</a:t>
+              <a:t>2021-08-05</a:t>
             </a:fld>
             <a:endParaRPr lang="ko-KR" altLang="en-US"/>
           </a:p>
@@ -1582,7 +1634,7 @@
           <a:p>
             <a:fld id="{B226B4E6-2447-4D67-A511-B13A2182F919}" type="datetime5">
               <a:rPr lang="ko-KR" altLang="en-US" smtClean="0"/>
-              <a:t>2021/8/4</a:t>
+              <a:t>2021/8/5</a:t>
             </a:fld>
             <a:endParaRPr lang="ko-KR" altLang="en-US" dirty="0"/>
           </a:p>
@@ -1953,7 +2005,7 @@
           <a:p>
             <a:fld id="{B226B4E6-2447-4D67-A511-B13A2182F919}" type="datetime5">
               <a:rPr lang="ko-KR" altLang="en-US" smtClean="0"/>
-              <a:t>2021/8/4</a:t>
+              <a:t>2021/8/5</a:t>
             </a:fld>
             <a:endParaRPr lang="ko-KR" altLang="en-US" dirty="0"/>
           </a:p>
@@ -2247,7 +2299,7 @@
           <a:p>
             <a:fld id="{B226B4E6-2447-4D67-A511-B13A2182F919}" type="datetime5">
               <a:rPr lang="ko-KR" altLang="en-US" smtClean="0"/>
-              <a:t>2021/8/4</a:t>
+              <a:t>2021/8/5</a:t>
             </a:fld>
             <a:endParaRPr lang="ko-KR" altLang="en-US" dirty="0"/>
           </a:p>
@@ -2549,7 +2601,7 @@
           <a:p>
             <a:fld id="{B226B4E6-2447-4D67-A511-B13A2182F919}" type="datetime5">
               <a:rPr lang="ko-KR" altLang="en-US" smtClean="0"/>
-              <a:t>2021/8/4</a:t>
+              <a:t>2021/8/5</a:t>
             </a:fld>
             <a:endParaRPr lang="ko-KR" altLang="en-US" dirty="0"/>
           </a:p>
@@ -3499,7 +3551,7 @@
           <a:p>
             <a:fld id="{B226B4E6-2447-4D67-A511-B13A2182F919}" type="datetime5">
               <a:rPr lang="ko-KR" altLang="en-US" smtClean="0"/>
-              <a:t>2021/8/4</a:t>
+              <a:t>2021/8/5</a:t>
             </a:fld>
             <a:endParaRPr lang="ko-KR" altLang="en-US" dirty="0"/>
           </a:p>
@@ -4061,7 +4113,7 @@
           <a:p>
             <a:fld id="{B226B4E6-2447-4D67-A511-B13A2182F919}" type="datetime5">
               <a:rPr lang="ko-KR" altLang="en-US" smtClean="0"/>
-              <a:t>2021/8/4</a:t>
+              <a:t>2021/8/5</a:t>
             </a:fld>
             <a:endParaRPr lang="ko-KR" altLang="en-US" dirty="0"/>
           </a:p>
@@ -4424,7 +4476,7 @@
           <a:p>
             <a:fld id="{B226B4E6-2447-4D67-A511-B13A2182F919}" type="datetime5">
               <a:rPr lang="ko-KR" altLang="en-US" smtClean="0"/>
-              <a:t>2021/8/4</a:t>
+              <a:t>2021/8/5</a:t>
             </a:fld>
             <a:endParaRPr lang="ko-KR" altLang="en-US" dirty="0"/>
           </a:p>
@@ -4712,7 +4764,7 @@
           <a:p>
             <a:fld id="{B226B4E6-2447-4D67-A511-B13A2182F919}" type="datetime5">
               <a:rPr lang="ko-KR" altLang="en-US" smtClean="0"/>
-              <a:t>2021/8/4</a:t>
+              <a:t>2021/8/5</a:t>
             </a:fld>
             <a:endParaRPr lang="ko-KR" altLang="en-US" dirty="0"/>
           </a:p>
@@ -5084,7 +5136,7 @@
           <a:p>
             <a:fld id="{B226B4E6-2447-4D67-A511-B13A2182F919}" type="datetime5">
               <a:rPr lang="ko-KR" altLang="en-US" smtClean="0"/>
-              <a:t>2021/8/4</a:t>
+              <a:t>2021/8/5</a:t>
             </a:fld>
             <a:endParaRPr lang="ko-KR" altLang="en-US" dirty="0"/>
           </a:p>
@@ -5546,7 +5598,7 @@
           <a:p>
             <a:fld id="{B226B4E6-2447-4D67-A511-B13A2182F919}" type="datetime5">
               <a:rPr lang="ko-KR" altLang="en-US" smtClean="0"/>
-              <a:t>2021/8/4</a:t>
+              <a:t>2021/8/5</a:t>
             </a:fld>
             <a:endParaRPr lang="ko-KR" altLang="en-US" dirty="0"/>
           </a:p>
@@ -5876,7 +5928,7 @@
           <a:p>
             <a:fld id="{B226B4E6-2447-4D67-A511-B13A2182F919}" type="datetime5">
               <a:rPr lang="ko-KR" altLang="en-US" smtClean="0"/>
-              <a:t>2021/8/4</a:t>
+              <a:t>2021/8/5</a:t>
             </a:fld>
             <a:endParaRPr lang="ko-KR" altLang="en-US" dirty="0"/>
           </a:p>
@@ -6212,7 +6264,7 @@
           <a:p>
             <a:fld id="{B226B4E6-2447-4D67-A511-B13A2182F919}" type="datetime5">
               <a:rPr lang="ko-KR" altLang="en-US" smtClean="0"/>
-              <a:t>2021/8/4</a:t>
+              <a:t>2021/8/5</a:t>
             </a:fld>
             <a:endParaRPr lang="ko-KR" altLang="en-US" dirty="0"/>
           </a:p>
@@ -6440,7 +6492,7 @@
           <a:p>
             <a:fld id="{B226B4E6-2447-4D67-A511-B13A2182F919}" type="datetime5">
               <a:rPr lang="ko-KR" altLang="en-US" smtClean="0"/>
-              <a:t>2021/8/4</a:t>
+              <a:t>2021/8/5</a:t>
             </a:fld>
             <a:endParaRPr lang="ko-KR" altLang="en-US" dirty="0"/>
           </a:p>
@@ -6714,7 +6766,7 @@
           <a:p>
             <a:fld id="{B226B4E6-2447-4D67-A511-B13A2182F919}" type="datetime5">
               <a:rPr lang="ko-KR" altLang="en-US" smtClean="0"/>
-              <a:t>2021/8/4</a:t>
+              <a:t>2021/8/5</a:t>
             </a:fld>
             <a:endParaRPr lang="ko-KR" altLang="en-US" dirty="0"/>
           </a:p>
@@ -6931,7 +6983,7 @@
           <a:p>
             <a:fld id="{B226B4E6-2447-4D67-A511-B13A2182F919}" type="datetime5">
               <a:rPr lang="ko-KR" altLang="en-US" smtClean="0"/>
-              <a:t>2021/8/4</a:t>
+              <a:t>2021/8/5</a:t>
             </a:fld>
             <a:endParaRPr lang="ko-KR" altLang="en-US" dirty="0"/>
           </a:p>
@@ -7387,7 +7439,7 @@
           <a:p>
             <a:fld id="{B226B4E6-2447-4D67-A511-B13A2182F919}" type="datetime5">
               <a:rPr lang="ko-KR" altLang="en-US" smtClean="0"/>
-              <a:t>2021/8/4</a:t>
+              <a:t>2021/8/5</a:t>
             </a:fld>
             <a:endParaRPr lang="ko-KR" altLang="en-US" dirty="0"/>
           </a:p>
@@ -7691,7 +7743,7 @@
           <a:p>
             <a:fld id="{B226B4E6-2447-4D67-A511-B13A2182F919}" type="datetime5">
               <a:rPr lang="ko-KR" altLang="en-US" smtClean="0"/>
-              <a:t>2021/8/4</a:t>
+              <a:t>2021/8/5</a:t>
             </a:fld>
             <a:endParaRPr lang="ko-KR" altLang="en-US" dirty="0"/>
           </a:p>
@@ -7971,7 +8023,7 @@
           <a:p>
             <a:fld id="{B226B4E6-2447-4D67-A511-B13A2182F919}" type="datetime5">
               <a:rPr lang="ko-KR" altLang="en-US" smtClean="0"/>
-              <a:t>2021/8/4</a:t>
+              <a:t>2021/8/5</a:t>
             </a:fld>
             <a:endParaRPr lang="ko-KR" altLang="en-US" dirty="0"/>
           </a:p>
@@ -8226,7 +8278,7 @@
           <a:p>
             <a:fld id="{B226B4E6-2447-4D67-A511-B13A2182F919}" type="datetime5">
               <a:rPr lang="ko-KR" altLang="en-US" smtClean="0"/>
-              <a:t>2021/8/4</a:t>
+              <a:t>2021/8/5</a:t>
             </a:fld>
             <a:endParaRPr lang="ko-KR" altLang="en-US" dirty="0"/>
           </a:p>
@@ -8695,7 +8747,7 @@
           <a:p>
             <a:fld id="{B226B4E6-2447-4D67-A511-B13A2182F919}" type="datetime5">
               <a:rPr lang="ko-KR" altLang="en-US" smtClean="0"/>
-              <a:t>2021/8/4</a:t>
+              <a:t>2021/8/5</a:t>
             </a:fld>
             <a:endParaRPr lang="ko-KR" altLang="en-US" dirty="0"/>
           </a:p>
@@ -8705,6 +8757,1568 @@
     <p:extLst>
       <p:ext uri="{BB962C8B-B14F-4D97-AF65-F5344CB8AC3E}">
         <p14:creationId xmlns:p14="http://schemas.microsoft.com/office/powerpoint/2010/main" val="2079651897"/>
+      </p:ext>
+    </p:extLst>
+  </p:cSld>
+  <p:clrMapOvr>
+    <a:masterClrMapping/>
+  </p:clrMapOvr>
+</p:sld>
+</file>
+
+<file path=ppt/slides/slide25.xml><?xml version="1.0" encoding="utf-8"?>
+<p:sld xmlns:a="http://schemas.openxmlformats.org/drawingml/2006/main" xmlns:r="http://schemas.openxmlformats.org/officeDocument/2006/relationships" xmlns:p="http://schemas.openxmlformats.org/presentationml/2006/main">
+  <p:cSld>
+    <p:spTree>
+      <p:nvGrpSpPr>
+        <p:cNvPr id="1" name=""/>
+        <p:cNvGrpSpPr/>
+        <p:nvPr/>
+      </p:nvGrpSpPr>
+      <p:grpSpPr>
+        <a:xfrm>
+          <a:off x="0" y="0"/>
+          <a:ext cx="0" cy="0"/>
+          <a:chOff x="0" y="0"/>
+          <a:chExt cx="0" cy="0"/>
+        </a:xfrm>
+      </p:grpSpPr>
+      <p:sp>
+        <p:nvSpPr>
+          <p:cNvPr id="2" name="내용 개체 틀 1">
+            <a:extLst>
+              <a:ext uri="{FF2B5EF4-FFF2-40B4-BE49-F238E27FC236}">
+                <a16:creationId xmlns:a16="http://schemas.microsoft.com/office/drawing/2014/main" id="{C2AC42FC-6136-476F-BBF7-D868A0F5C839}"/>
+              </a:ext>
+            </a:extLst>
+          </p:cNvPr>
+          <p:cNvSpPr>
+            <a:spLocks noGrp="1"/>
+          </p:cNvSpPr>
+          <p:nvPr>
+            <p:ph sz="half" idx="14"/>
+          </p:nvPr>
+        </p:nvSpPr>
+        <p:spPr/>
+        <p:txBody>
+          <a:bodyPr/>
+          <a:lstStyle/>
+          <a:p>
+            <a:r>
+              <a:rPr lang="ko-KR" altLang="en-US" dirty="0"/>
+              <a:t>스토리지</a:t>
+            </a:r>
+            <a:endParaRPr lang="en-US" altLang="ko-KR" dirty="0"/>
+          </a:p>
+          <a:p>
+            <a:pPr lvl="1"/>
+            <a:r>
+              <a:rPr lang="ko-KR" altLang="en-US" dirty="0"/>
+              <a:t>정의</a:t>
+            </a:r>
+            <a:r>
+              <a:rPr lang="en-US" altLang="ko-KR" dirty="0"/>
+              <a:t>: </a:t>
+            </a:r>
+            <a:r>
+              <a:rPr lang="ko-KR" altLang="en-US" dirty="0"/>
+              <a:t>데이터를 저장하는 저장 장치</a:t>
+            </a:r>
+            <a:endParaRPr lang="en-US" altLang="ko-KR" dirty="0"/>
+          </a:p>
+          <a:p>
+            <a:pPr lvl="1"/>
+            <a:r>
+              <a:rPr lang="ko-KR" altLang="en-US" dirty="0"/>
+              <a:t>구성</a:t>
+            </a:r>
+            <a:endParaRPr lang="en-US" altLang="ko-KR" dirty="0"/>
+          </a:p>
+          <a:p>
+            <a:pPr lvl="2"/>
+            <a:r>
+              <a:rPr lang="en-US" altLang="ko-KR" dirty="0"/>
+              <a:t>DAS (Direct Attached Storage)</a:t>
+            </a:r>
+          </a:p>
+          <a:p>
+            <a:pPr lvl="3"/>
+            <a:r>
+              <a:rPr lang="ko-KR" altLang="en-US" dirty="0"/>
+              <a:t>서버와 스토리지를 케이블로 직접 연결</a:t>
+            </a:r>
+            <a:endParaRPr lang="en-US" altLang="ko-KR" dirty="0"/>
+          </a:p>
+          <a:p>
+            <a:pPr lvl="2"/>
+            <a:r>
+              <a:rPr lang="en-US" altLang="ko-KR" dirty="0"/>
+              <a:t>NAS (Network</a:t>
+            </a:r>
+            <a:r>
+              <a:rPr lang="ko-KR" altLang="en-US" dirty="0"/>
+              <a:t> </a:t>
+            </a:r>
+            <a:r>
+              <a:rPr lang="en-US" altLang="ko-KR" dirty="0"/>
+              <a:t>Attached Storage)</a:t>
+            </a:r>
+          </a:p>
+          <a:p>
+            <a:pPr lvl="3"/>
+            <a:r>
+              <a:rPr lang="ko-KR" altLang="en-US" dirty="0"/>
+              <a:t>서버와 스토리지를 </a:t>
+            </a:r>
+            <a:r>
+              <a:rPr lang="en-US" altLang="ko-KR" dirty="0"/>
+              <a:t>LAN</a:t>
+            </a:r>
+            <a:r>
+              <a:rPr lang="ko-KR" altLang="en-US" dirty="0"/>
+              <a:t>으로 연결</a:t>
+            </a:r>
+            <a:endParaRPr lang="en-US" altLang="ko-KR" dirty="0"/>
+          </a:p>
+          <a:p>
+            <a:pPr lvl="2"/>
+            <a:r>
+              <a:rPr lang="en-US" altLang="ko-KR" dirty="0"/>
+              <a:t>SAN</a:t>
+            </a:r>
+            <a:r>
+              <a:rPr lang="ko-KR" altLang="en-US" dirty="0"/>
+              <a:t> </a:t>
+            </a:r>
+            <a:r>
+              <a:rPr lang="en-US" altLang="ko-KR" dirty="0"/>
+              <a:t>(Storage Area Network)</a:t>
+            </a:r>
+          </a:p>
+          <a:p>
+            <a:pPr lvl="3"/>
+            <a:r>
+              <a:rPr lang="ko-KR" altLang="en-US" dirty="0"/>
+              <a:t>서버와 스토리지를 광섬유 채널로 연결</a:t>
+            </a:r>
+            <a:endParaRPr lang="en-US" altLang="ko-KR" dirty="0"/>
+          </a:p>
+          <a:p>
+            <a:pPr lvl="3"/>
+            <a:endParaRPr lang="en-US" altLang="ko-KR" dirty="0"/>
+          </a:p>
+          <a:p>
+            <a:pPr lvl="3"/>
+            <a:endParaRPr lang="ko-KR" altLang="en-US" dirty="0"/>
+          </a:p>
+        </p:txBody>
+      </p:sp>
+      <p:sp>
+        <p:nvSpPr>
+          <p:cNvPr id="3" name="제목 2">
+            <a:extLst>
+              <a:ext uri="{FF2B5EF4-FFF2-40B4-BE49-F238E27FC236}">
+                <a16:creationId xmlns:a16="http://schemas.microsoft.com/office/drawing/2014/main" id="{98D829E4-CBB6-4A90-A01F-EE174F6D22D0}"/>
+              </a:ext>
+            </a:extLst>
+          </p:cNvPr>
+          <p:cNvSpPr>
+            <a:spLocks noGrp="1"/>
+          </p:cNvSpPr>
+          <p:nvPr>
+            <p:ph type="title"/>
+          </p:nvPr>
+        </p:nvSpPr>
+        <p:spPr/>
+        <p:txBody>
+          <a:bodyPr/>
+          <a:lstStyle/>
+          <a:p>
+            <a:r>
+              <a:rPr lang="ko-KR" altLang="en-US" dirty="0"/>
+              <a:t>스토리지</a:t>
+            </a:r>
+          </a:p>
+        </p:txBody>
+      </p:sp>
+      <p:sp>
+        <p:nvSpPr>
+          <p:cNvPr id="4" name="내용 개체 틀 3">
+            <a:extLst>
+              <a:ext uri="{FF2B5EF4-FFF2-40B4-BE49-F238E27FC236}">
+                <a16:creationId xmlns:a16="http://schemas.microsoft.com/office/drawing/2014/main" id="{0268AE47-A630-49F2-AB34-6E92AEA58291}"/>
+              </a:ext>
+            </a:extLst>
+          </p:cNvPr>
+          <p:cNvSpPr>
+            <a:spLocks noGrp="1"/>
+          </p:cNvSpPr>
+          <p:nvPr>
+            <p:ph sz="half" idx="2"/>
+          </p:nvPr>
+        </p:nvSpPr>
+        <p:spPr/>
+        <p:txBody>
+          <a:bodyPr/>
+          <a:lstStyle/>
+          <a:p>
+            <a:endParaRPr lang="ko-KR" altLang="en-US" dirty="0"/>
+          </a:p>
+        </p:txBody>
+      </p:sp>
+      <p:sp>
+        <p:nvSpPr>
+          <p:cNvPr id="5" name="슬라이드 번호 개체 틀 4">
+            <a:extLst>
+              <a:ext uri="{FF2B5EF4-FFF2-40B4-BE49-F238E27FC236}">
+                <a16:creationId xmlns:a16="http://schemas.microsoft.com/office/drawing/2014/main" id="{8D595D3D-0068-4ABD-AEF7-B76DD5348B81}"/>
+              </a:ext>
+            </a:extLst>
+          </p:cNvPr>
+          <p:cNvSpPr>
+            <a:spLocks noGrp="1"/>
+          </p:cNvSpPr>
+          <p:nvPr>
+            <p:ph type="sldNum" sz="quarter" idx="12"/>
+          </p:nvPr>
+        </p:nvSpPr>
+        <p:spPr/>
+        <p:txBody>
+          <a:bodyPr/>
+          <a:lstStyle/>
+          <a:p>
+            <a:fld id="{89BED30C-66D9-4104-96BC-081A506F0CF0}" type="slidenum">
+              <a:rPr lang="ko-KR" altLang="en-US" smtClean="0"/>
+              <a:t>25</a:t>
+            </a:fld>
+            <a:endParaRPr lang="ko-KR" altLang="en-US"/>
+          </a:p>
+        </p:txBody>
+      </p:sp>
+      <p:sp>
+        <p:nvSpPr>
+          <p:cNvPr id="6" name="바닥글 개체 틀 5">
+            <a:extLst>
+              <a:ext uri="{FF2B5EF4-FFF2-40B4-BE49-F238E27FC236}">
+                <a16:creationId xmlns:a16="http://schemas.microsoft.com/office/drawing/2014/main" id="{D14B0963-6CF4-4111-AF70-9018A063AAF5}"/>
+              </a:ext>
+            </a:extLst>
+          </p:cNvPr>
+          <p:cNvSpPr>
+            <a:spLocks noGrp="1"/>
+          </p:cNvSpPr>
+          <p:nvPr>
+            <p:ph type="ftr" sz="quarter" idx="3"/>
+          </p:nvPr>
+        </p:nvSpPr>
+        <p:spPr/>
+        <p:txBody>
+          <a:bodyPr/>
+          <a:lstStyle/>
+          <a:p>
+            <a:pPr algn="l"/>
+            <a:r>
+              <a:rPr lang="en-US" altLang="ko-KR"/>
+              <a:t>Nibble</a:t>
+            </a:r>
+            <a:endParaRPr lang="ko-KR" altLang="en-US" dirty="0"/>
+          </a:p>
+        </p:txBody>
+      </p:sp>
+      <p:sp>
+        <p:nvSpPr>
+          <p:cNvPr id="7" name="날짜 개체 틀 6">
+            <a:extLst>
+              <a:ext uri="{FF2B5EF4-FFF2-40B4-BE49-F238E27FC236}">
+                <a16:creationId xmlns:a16="http://schemas.microsoft.com/office/drawing/2014/main" id="{5D4F0F7D-FEAF-405E-A047-48BE195BEEC6}"/>
+              </a:ext>
+            </a:extLst>
+          </p:cNvPr>
+          <p:cNvSpPr>
+            <a:spLocks noGrp="1"/>
+          </p:cNvSpPr>
+          <p:nvPr>
+            <p:ph type="dt" sz="half" idx="13"/>
+          </p:nvPr>
+        </p:nvSpPr>
+        <p:spPr/>
+        <p:txBody>
+          <a:bodyPr/>
+          <a:lstStyle/>
+          <a:p>
+            <a:fld id="{B226B4E6-2447-4D67-A511-B13A2182F919}" type="datetime5">
+              <a:rPr lang="ko-KR" altLang="en-US" smtClean="0"/>
+              <a:t>2021/8/5</a:t>
+            </a:fld>
+            <a:endParaRPr lang="ko-KR" altLang="en-US" dirty="0"/>
+          </a:p>
+        </p:txBody>
+      </p:sp>
+    </p:spTree>
+    <p:extLst>
+      <p:ext uri="{BB962C8B-B14F-4D97-AF65-F5344CB8AC3E}">
+        <p14:creationId xmlns:p14="http://schemas.microsoft.com/office/powerpoint/2010/main" val="767275238"/>
+      </p:ext>
+    </p:extLst>
+  </p:cSld>
+  <p:clrMapOvr>
+    <a:masterClrMapping/>
+  </p:clrMapOvr>
+</p:sld>
+</file>
+
+<file path=ppt/slides/slide26.xml><?xml version="1.0" encoding="utf-8"?>
+<p:sld xmlns:a="http://schemas.openxmlformats.org/drawingml/2006/main" xmlns:r="http://schemas.openxmlformats.org/officeDocument/2006/relationships" xmlns:p="http://schemas.openxmlformats.org/presentationml/2006/main">
+  <p:cSld>
+    <p:spTree>
+      <p:nvGrpSpPr>
+        <p:cNvPr id="1" name=""/>
+        <p:cNvGrpSpPr/>
+        <p:nvPr/>
+      </p:nvGrpSpPr>
+      <p:grpSpPr>
+        <a:xfrm>
+          <a:off x="0" y="0"/>
+          <a:ext cx="0" cy="0"/>
+          <a:chOff x="0" y="0"/>
+          <a:chExt cx="0" cy="0"/>
+        </a:xfrm>
+      </p:grpSpPr>
+      <p:sp>
+        <p:nvSpPr>
+          <p:cNvPr id="2" name="내용 개체 틀 1">
+            <a:extLst>
+              <a:ext uri="{FF2B5EF4-FFF2-40B4-BE49-F238E27FC236}">
+                <a16:creationId xmlns:a16="http://schemas.microsoft.com/office/drawing/2014/main" id="{34131EA1-4A32-4DA9-9B7C-6144EDADB2AE}"/>
+              </a:ext>
+            </a:extLst>
+          </p:cNvPr>
+          <p:cNvSpPr>
+            <a:spLocks noGrp="1"/>
+          </p:cNvSpPr>
+          <p:nvPr>
+            <p:ph sz="half" idx="14"/>
+          </p:nvPr>
+        </p:nvSpPr>
+        <p:spPr/>
+        <p:txBody>
+          <a:bodyPr/>
+          <a:lstStyle/>
+          <a:p>
+            <a:r>
+              <a:rPr lang="ko-KR" altLang="en-US" dirty="0"/>
+              <a:t>분산 데이터베이스</a:t>
+            </a:r>
+            <a:endParaRPr lang="en-US" altLang="ko-KR" dirty="0"/>
+          </a:p>
+          <a:p>
+            <a:pPr lvl="1"/>
+            <a:r>
+              <a:rPr lang="ko-KR" altLang="en-US" dirty="0"/>
+              <a:t>정의</a:t>
+            </a:r>
+            <a:r>
+              <a:rPr lang="en-US" altLang="ko-KR" dirty="0"/>
+              <a:t>: </a:t>
+            </a:r>
+            <a:r>
+              <a:rPr lang="ko-KR" altLang="en-US" dirty="0"/>
+              <a:t>물리적 분산되어 있고 논리적 통합된 </a:t>
+            </a:r>
+            <a:r>
+              <a:rPr lang="en-US" altLang="ko-KR" dirty="0"/>
+              <a:t>DB</a:t>
+            </a:r>
+          </a:p>
+          <a:p>
+            <a:pPr lvl="1"/>
+            <a:r>
+              <a:rPr lang="ko-KR" altLang="en-US" dirty="0"/>
+              <a:t>투명성</a:t>
+            </a:r>
+            <a:endParaRPr lang="en-US" altLang="ko-KR" dirty="0"/>
+          </a:p>
+          <a:p>
+            <a:pPr lvl="2"/>
+            <a:r>
+              <a:rPr lang="ko-KR" altLang="en-US" dirty="0"/>
+              <a:t>위치 투명성</a:t>
+            </a:r>
+            <a:endParaRPr lang="en-US" altLang="ko-KR" dirty="0"/>
+          </a:p>
+          <a:p>
+            <a:pPr lvl="3"/>
+            <a:r>
+              <a:rPr lang="ko-KR" altLang="en-US" dirty="0"/>
+              <a:t>사용자는 데이터의 물리적 위치를 몰라도 됨</a:t>
+            </a:r>
+            <a:endParaRPr lang="en-US" altLang="ko-KR" dirty="0"/>
+          </a:p>
+          <a:p>
+            <a:pPr lvl="2"/>
+            <a:r>
+              <a:rPr lang="ko-KR" altLang="en-US" dirty="0"/>
+              <a:t>복제 투명성</a:t>
+            </a:r>
+            <a:endParaRPr lang="en-US" altLang="ko-KR" dirty="0"/>
+          </a:p>
+          <a:p>
+            <a:pPr lvl="3"/>
+            <a:r>
+              <a:rPr lang="ko-KR" altLang="en-US" dirty="0"/>
+              <a:t>사용자는 데이터의 물리적 복제를 몰라도 됨</a:t>
+            </a:r>
+            <a:endParaRPr lang="en-US" altLang="ko-KR" dirty="0"/>
+          </a:p>
+          <a:p>
+            <a:pPr lvl="2"/>
+            <a:r>
+              <a:rPr lang="ko-KR" altLang="en-US" dirty="0"/>
+              <a:t>병행 투명성</a:t>
+            </a:r>
+            <a:endParaRPr lang="en-US" altLang="ko-KR" dirty="0"/>
+          </a:p>
+          <a:p>
+            <a:pPr lvl="3"/>
+            <a:r>
+              <a:rPr lang="ko-KR" altLang="en-US" dirty="0"/>
+              <a:t>병행 해도 문제 없음</a:t>
+            </a:r>
+            <a:endParaRPr lang="en-US" altLang="ko-KR" dirty="0"/>
+          </a:p>
+          <a:p>
+            <a:pPr lvl="2"/>
+            <a:r>
+              <a:rPr lang="ko-KR" altLang="en-US" dirty="0"/>
+              <a:t>분할 투명성</a:t>
+            </a:r>
+            <a:endParaRPr lang="en-US" altLang="ko-KR" dirty="0"/>
+          </a:p>
+          <a:p>
+            <a:pPr lvl="3"/>
+            <a:r>
+              <a:rPr lang="ko-KR" altLang="en-US" dirty="0"/>
+              <a:t>사용자는 데이터의 물리적 분할을 몰라도 됨</a:t>
+            </a:r>
+            <a:endParaRPr lang="en-US" altLang="ko-KR" dirty="0"/>
+          </a:p>
+          <a:p>
+            <a:pPr lvl="2"/>
+            <a:r>
+              <a:rPr lang="ko-KR" altLang="en-US" dirty="0"/>
+              <a:t>장애 투명성</a:t>
+            </a:r>
+            <a:endParaRPr lang="en-US" altLang="ko-KR" dirty="0"/>
+          </a:p>
+          <a:p>
+            <a:pPr lvl="3"/>
+            <a:r>
+              <a:rPr lang="ko-KR" altLang="en-US" dirty="0"/>
+              <a:t>사용자는 물리적 장애를 몰라도 됨</a:t>
+            </a:r>
+          </a:p>
+        </p:txBody>
+      </p:sp>
+      <p:sp>
+        <p:nvSpPr>
+          <p:cNvPr id="3" name="제목 2">
+            <a:extLst>
+              <a:ext uri="{FF2B5EF4-FFF2-40B4-BE49-F238E27FC236}">
+                <a16:creationId xmlns:a16="http://schemas.microsoft.com/office/drawing/2014/main" id="{79342A58-A669-4FAB-ACE3-B77BF9F26489}"/>
+              </a:ext>
+            </a:extLst>
+          </p:cNvPr>
+          <p:cNvSpPr>
+            <a:spLocks noGrp="1"/>
+          </p:cNvSpPr>
+          <p:nvPr>
+            <p:ph type="title"/>
+          </p:nvPr>
+        </p:nvSpPr>
+        <p:spPr/>
+        <p:txBody>
+          <a:bodyPr/>
+          <a:lstStyle/>
+          <a:p>
+            <a:r>
+              <a:rPr lang="ko-KR" altLang="en-US" dirty="0"/>
+              <a:t>분산 데이터베이스</a:t>
+            </a:r>
+          </a:p>
+        </p:txBody>
+      </p:sp>
+      <p:sp>
+        <p:nvSpPr>
+          <p:cNvPr id="4" name="내용 개체 틀 3">
+            <a:extLst>
+              <a:ext uri="{FF2B5EF4-FFF2-40B4-BE49-F238E27FC236}">
+                <a16:creationId xmlns:a16="http://schemas.microsoft.com/office/drawing/2014/main" id="{5915FC72-F6AB-40ED-A2D4-042A4B29EB4A}"/>
+              </a:ext>
+            </a:extLst>
+          </p:cNvPr>
+          <p:cNvSpPr>
+            <a:spLocks noGrp="1"/>
+          </p:cNvSpPr>
+          <p:nvPr>
+            <p:ph sz="half" idx="2"/>
+          </p:nvPr>
+        </p:nvSpPr>
+        <p:spPr/>
+        <p:txBody>
+          <a:bodyPr/>
+          <a:lstStyle/>
+          <a:p>
+            <a:endParaRPr lang="ko-KR" altLang="en-US"/>
+          </a:p>
+        </p:txBody>
+      </p:sp>
+      <p:sp>
+        <p:nvSpPr>
+          <p:cNvPr id="5" name="슬라이드 번호 개체 틀 4">
+            <a:extLst>
+              <a:ext uri="{FF2B5EF4-FFF2-40B4-BE49-F238E27FC236}">
+                <a16:creationId xmlns:a16="http://schemas.microsoft.com/office/drawing/2014/main" id="{A6C224AE-EAE0-4153-B1B5-1F6CD903C7E9}"/>
+              </a:ext>
+            </a:extLst>
+          </p:cNvPr>
+          <p:cNvSpPr>
+            <a:spLocks noGrp="1"/>
+          </p:cNvSpPr>
+          <p:nvPr>
+            <p:ph type="sldNum" sz="quarter" idx="12"/>
+          </p:nvPr>
+        </p:nvSpPr>
+        <p:spPr/>
+        <p:txBody>
+          <a:bodyPr/>
+          <a:lstStyle/>
+          <a:p>
+            <a:fld id="{89BED30C-66D9-4104-96BC-081A506F0CF0}" type="slidenum">
+              <a:rPr lang="ko-KR" altLang="en-US" smtClean="0"/>
+              <a:t>26</a:t>
+            </a:fld>
+            <a:endParaRPr lang="ko-KR" altLang="en-US"/>
+          </a:p>
+        </p:txBody>
+      </p:sp>
+      <p:sp>
+        <p:nvSpPr>
+          <p:cNvPr id="6" name="바닥글 개체 틀 5">
+            <a:extLst>
+              <a:ext uri="{FF2B5EF4-FFF2-40B4-BE49-F238E27FC236}">
+                <a16:creationId xmlns:a16="http://schemas.microsoft.com/office/drawing/2014/main" id="{DF92A926-7190-4051-B7AE-922C025F829D}"/>
+              </a:ext>
+            </a:extLst>
+          </p:cNvPr>
+          <p:cNvSpPr>
+            <a:spLocks noGrp="1"/>
+          </p:cNvSpPr>
+          <p:nvPr>
+            <p:ph type="ftr" sz="quarter" idx="3"/>
+          </p:nvPr>
+        </p:nvSpPr>
+        <p:spPr/>
+        <p:txBody>
+          <a:bodyPr/>
+          <a:lstStyle/>
+          <a:p>
+            <a:pPr algn="l"/>
+            <a:r>
+              <a:rPr lang="en-US" altLang="ko-KR"/>
+              <a:t>Nibble</a:t>
+            </a:r>
+            <a:endParaRPr lang="ko-KR" altLang="en-US" dirty="0"/>
+          </a:p>
+        </p:txBody>
+      </p:sp>
+      <p:sp>
+        <p:nvSpPr>
+          <p:cNvPr id="7" name="날짜 개체 틀 6">
+            <a:extLst>
+              <a:ext uri="{FF2B5EF4-FFF2-40B4-BE49-F238E27FC236}">
+                <a16:creationId xmlns:a16="http://schemas.microsoft.com/office/drawing/2014/main" id="{259A11E7-38F2-440F-B4B1-02281BC670E9}"/>
+              </a:ext>
+            </a:extLst>
+          </p:cNvPr>
+          <p:cNvSpPr>
+            <a:spLocks noGrp="1"/>
+          </p:cNvSpPr>
+          <p:nvPr>
+            <p:ph type="dt" sz="half" idx="13"/>
+          </p:nvPr>
+        </p:nvSpPr>
+        <p:spPr/>
+        <p:txBody>
+          <a:bodyPr/>
+          <a:lstStyle/>
+          <a:p>
+            <a:fld id="{B226B4E6-2447-4D67-A511-B13A2182F919}" type="datetime5">
+              <a:rPr lang="ko-KR" altLang="en-US" smtClean="0"/>
+              <a:t>2021/8/5</a:t>
+            </a:fld>
+            <a:endParaRPr lang="ko-KR" altLang="en-US" dirty="0"/>
+          </a:p>
+        </p:txBody>
+      </p:sp>
+    </p:spTree>
+    <p:extLst>
+      <p:ext uri="{BB962C8B-B14F-4D97-AF65-F5344CB8AC3E}">
+        <p14:creationId xmlns:p14="http://schemas.microsoft.com/office/powerpoint/2010/main" val="3680166586"/>
+      </p:ext>
+    </p:extLst>
+  </p:cSld>
+  <p:clrMapOvr>
+    <a:masterClrMapping/>
+  </p:clrMapOvr>
+</p:sld>
+</file>
+
+<file path=ppt/slides/slide27.xml><?xml version="1.0" encoding="utf-8"?>
+<p:sld xmlns:a="http://schemas.openxmlformats.org/drawingml/2006/main" xmlns:r="http://schemas.openxmlformats.org/officeDocument/2006/relationships" xmlns:p="http://schemas.openxmlformats.org/presentationml/2006/main">
+  <p:cSld>
+    <p:spTree>
+      <p:nvGrpSpPr>
+        <p:cNvPr id="1" name=""/>
+        <p:cNvGrpSpPr/>
+        <p:nvPr/>
+      </p:nvGrpSpPr>
+      <p:grpSpPr>
+        <a:xfrm>
+          <a:off x="0" y="0"/>
+          <a:ext cx="0" cy="0"/>
+          <a:chOff x="0" y="0"/>
+          <a:chExt cx="0" cy="0"/>
+        </a:xfrm>
+      </p:grpSpPr>
+      <p:sp>
+        <p:nvSpPr>
+          <p:cNvPr id="2" name="내용 개체 틀 1">
+            <a:extLst>
+              <a:ext uri="{FF2B5EF4-FFF2-40B4-BE49-F238E27FC236}">
+                <a16:creationId xmlns:a16="http://schemas.microsoft.com/office/drawing/2014/main" id="{C65FE05F-1E94-4E27-8188-7CDD004F671C}"/>
+              </a:ext>
+            </a:extLst>
+          </p:cNvPr>
+          <p:cNvSpPr>
+            <a:spLocks noGrp="1"/>
+          </p:cNvSpPr>
+          <p:nvPr>
+            <p:ph sz="half" idx="14"/>
+          </p:nvPr>
+        </p:nvSpPr>
+        <p:spPr/>
+        <p:txBody>
+          <a:bodyPr/>
+          <a:lstStyle/>
+          <a:p>
+            <a:r>
+              <a:rPr lang="ko-KR" altLang="en-US" dirty="0"/>
+              <a:t>데이터베이스 이중화 구성</a:t>
+            </a:r>
+            <a:endParaRPr lang="en-US" altLang="ko-KR" dirty="0"/>
+          </a:p>
+          <a:p>
+            <a:pPr lvl="1"/>
+            <a:r>
+              <a:rPr lang="ko-KR" altLang="en-US" dirty="0"/>
+              <a:t>정의</a:t>
+            </a:r>
+            <a:endParaRPr lang="en-US" altLang="ko-KR" dirty="0"/>
+          </a:p>
+          <a:p>
+            <a:pPr lvl="2"/>
+            <a:r>
+              <a:rPr lang="ko-KR" altLang="en-US" dirty="0"/>
+              <a:t>자신의 변경 내용을 물리적으로 떨어진 </a:t>
+            </a:r>
+            <a:r>
+              <a:rPr lang="en-US" altLang="ko-KR" dirty="0"/>
+              <a:t>DB</a:t>
+            </a:r>
+            <a:r>
+              <a:rPr lang="ko-KR" altLang="en-US" dirty="0"/>
+              <a:t>에 적용</a:t>
+            </a:r>
+            <a:endParaRPr lang="en-US" altLang="ko-KR" dirty="0"/>
+          </a:p>
+          <a:p>
+            <a:pPr lvl="2"/>
+            <a:r>
+              <a:rPr lang="ko-KR" altLang="en-US" dirty="0"/>
+              <a:t>복제본이 있는 상태로 만든다</a:t>
+            </a:r>
+            <a:endParaRPr lang="en-US" altLang="ko-KR" dirty="0"/>
+          </a:p>
+          <a:p>
+            <a:pPr lvl="1"/>
+            <a:r>
+              <a:rPr lang="ko-KR" altLang="en-US" dirty="0"/>
+              <a:t>형태</a:t>
+            </a:r>
+            <a:endParaRPr lang="en-US" altLang="ko-KR" dirty="0"/>
+          </a:p>
+          <a:p>
+            <a:pPr lvl="2"/>
+            <a:r>
+              <a:rPr lang="en-US" altLang="ko-KR" dirty="0"/>
+              <a:t>Active-Active: </a:t>
+            </a:r>
+            <a:r>
+              <a:rPr lang="ko-KR" altLang="en-US" dirty="0"/>
+              <a:t>두 </a:t>
+            </a:r>
+            <a:r>
+              <a:rPr lang="en-US" altLang="ko-KR" dirty="0"/>
+              <a:t>DB</a:t>
+            </a:r>
+            <a:r>
+              <a:rPr lang="ko-KR" altLang="en-US" dirty="0"/>
+              <a:t>모두 사용</a:t>
+            </a:r>
+            <a:endParaRPr lang="en-US" altLang="ko-KR" dirty="0"/>
+          </a:p>
+          <a:p>
+            <a:pPr lvl="2"/>
+            <a:r>
+              <a:rPr lang="en-US" altLang="ko-KR" dirty="0"/>
+              <a:t>Active-Standby: </a:t>
+            </a:r>
+            <a:r>
+              <a:rPr lang="ko-KR" altLang="en-US" dirty="0"/>
+              <a:t>하나의 </a:t>
+            </a:r>
+            <a:r>
+              <a:rPr lang="en-US" altLang="ko-KR" dirty="0"/>
+              <a:t>DB </a:t>
+            </a:r>
+            <a:r>
+              <a:rPr lang="ko-KR" altLang="en-US" dirty="0"/>
+              <a:t>사용</a:t>
+            </a:r>
+            <a:r>
+              <a:rPr lang="en-US" altLang="ko-KR" dirty="0"/>
+              <a:t>. </a:t>
+            </a:r>
+            <a:r>
+              <a:rPr lang="ko-KR" altLang="en-US" dirty="0"/>
+              <a:t>나머지는 비상시</a:t>
+            </a:r>
+            <a:endParaRPr lang="en-US" altLang="ko-KR" dirty="0"/>
+          </a:p>
+          <a:p>
+            <a:pPr lvl="2"/>
+            <a:endParaRPr lang="ko-KR" altLang="en-US" dirty="0"/>
+          </a:p>
+        </p:txBody>
+      </p:sp>
+      <p:sp>
+        <p:nvSpPr>
+          <p:cNvPr id="3" name="제목 2">
+            <a:extLst>
+              <a:ext uri="{FF2B5EF4-FFF2-40B4-BE49-F238E27FC236}">
+                <a16:creationId xmlns:a16="http://schemas.microsoft.com/office/drawing/2014/main" id="{38C41690-698A-4F87-A19E-1103BC43AB93}"/>
+              </a:ext>
+            </a:extLst>
+          </p:cNvPr>
+          <p:cNvSpPr>
+            <a:spLocks noGrp="1"/>
+          </p:cNvSpPr>
+          <p:nvPr>
+            <p:ph type="title"/>
+          </p:nvPr>
+        </p:nvSpPr>
+        <p:spPr/>
+        <p:txBody>
+          <a:bodyPr/>
+          <a:lstStyle/>
+          <a:p>
+            <a:r>
+              <a:rPr lang="ko-KR" altLang="en-US" dirty="0"/>
+              <a:t>데이터베이스 이중화 구성</a:t>
+            </a:r>
+          </a:p>
+        </p:txBody>
+      </p:sp>
+      <p:sp>
+        <p:nvSpPr>
+          <p:cNvPr id="4" name="내용 개체 틀 3">
+            <a:extLst>
+              <a:ext uri="{FF2B5EF4-FFF2-40B4-BE49-F238E27FC236}">
+                <a16:creationId xmlns:a16="http://schemas.microsoft.com/office/drawing/2014/main" id="{33841736-6C5F-45D4-BC22-AD43E985C9A1}"/>
+              </a:ext>
+            </a:extLst>
+          </p:cNvPr>
+          <p:cNvSpPr>
+            <a:spLocks noGrp="1"/>
+          </p:cNvSpPr>
+          <p:nvPr>
+            <p:ph sz="half" idx="2"/>
+          </p:nvPr>
+        </p:nvSpPr>
+        <p:spPr/>
+        <p:txBody>
+          <a:bodyPr/>
+          <a:lstStyle/>
+          <a:p>
+            <a:endParaRPr lang="ko-KR" altLang="en-US"/>
+          </a:p>
+        </p:txBody>
+      </p:sp>
+      <p:sp>
+        <p:nvSpPr>
+          <p:cNvPr id="5" name="슬라이드 번호 개체 틀 4">
+            <a:extLst>
+              <a:ext uri="{FF2B5EF4-FFF2-40B4-BE49-F238E27FC236}">
+                <a16:creationId xmlns:a16="http://schemas.microsoft.com/office/drawing/2014/main" id="{14EA56C9-844B-42AA-8E7A-987E9EBCD8DA}"/>
+              </a:ext>
+            </a:extLst>
+          </p:cNvPr>
+          <p:cNvSpPr>
+            <a:spLocks noGrp="1"/>
+          </p:cNvSpPr>
+          <p:nvPr>
+            <p:ph type="sldNum" sz="quarter" idx="12"/>
+          </p:nvPr>
+        </p:nvSpPr>
+        <p:spPr/>
+        <p:txBody>
+          <a:bodyPr/>
+          <a:lstStyle/>
+          <a:p>
+            <a:fld id="{89BED30C-66D9-4104-96BC-081A506F0CF0}" type="slidenum">
+              <a:rPr lang="ko-KR" altLang="en-US" smtClean="0"/>
+              <a:t>27</a:t>
+            </a:fld>
+            <a:endParaRPr lang="ko-KR" altLang="en-US"/>
+          </a:p>
+        </p:txBody>
+      </p:sp>
+      <p:sp>
+        <p:nvSpPr>
+          <p:cNvPr id="6" name="바닥글 개체 틀 5">
+            <a:extLst>
+              <a:ext uri="{FF2B5EF4-FFF2-40B4-BE49-F238E27FC236}">
+                <a16:creationId xmlns:a16="http://schemas.microsoft.com/office/drawing/2014/main" id="{3B62D9F9-432F-45C2-9311-48C7C718E164}"/>
+              </a:ext>
+            </a:extLst>
+          </p:cNvPr>
+          <p:cNvSpPr>
+            <a:spLocks noGrp="1"/>
+          </p:cNvSpPr>
+          <p:nvPr>
+            <p:ph type="ftr" sz="quarter" idx="3"/>
+          </p:nvPr>
+        </p:nvSpPr>
+        <p:spPr/>
+        <p:txBody>
+          <a:bodyPr/>
+          <a:lstStyle/>
+          <a:p>
+            <a:pPr algn="l"/>
+            <a:r>
+              <a:rPr lang="en-US" altLang="ko-KR"/>
+              <a:t>Nibble</a:t>
+            </a:r>
+            <a:endParaRPr lang="ko-KR" altLang="en-US" dirty="0"/>
+          </a:p>
+        </p:txBody>
+      </p:sp>
+      <p:sp>
+        <p:nvSpPr>
+          <p:cNvPr id="7" name="날짜 개체 틀 6">
+            <a:extLst>
+              <a:ext uri="{FF2B5EF4-FFF2-40B4-BE49-F238E27FC236}">
+                <a16:creationId xmlns:a16="http://schemas.microsoft.com/office/drawing/2014/main" id="{FD7312A9-625D-4803-9728-9BCFA3E12DBE}"/>
+              </a:ext>
+            </a:extLst>
+          </p:cNvPr>
+          <p:cNvSpPr>
+            <a:spLocks noGrp="1"/>
+          </p:cNvSpPr>
+          <p:nvPr>
+            <p:ph type="dt" sz="half" idx="13"/>
+          </p:nvPr>
+        </p:nvSpPr>
+        <p:spPr/>
+        <p:txBody>
+          <a:bodyPr/>
+          <a:lstStyle/>
+          <a:p>
+            <a:fld id="{B226B4E6-2447-4D67-A511-B13A2182F919}" type="datetime5">
+              <a:rPr lang="ko-KR" altLang="en-US" smtClean="0"/>
+              <a:t>2021/8/5</a:t>
+            </a:fld>
+            <a:endParaRPr lang="ko-KR" altLang="en-US" dirty="0"/>
+          </a:p>
+        </p:txBody>
+      </p:sp>
+    </p:spTree>
+    <p:extLst>
+      <p:ext uri="{BB962C8B-B14F-4D97-AF65-F5344CB8AC3E}">
+        <p14:creationId xmlns:p14="http://schemas.microsoft.com/office/powerpoint/2010/main" val="4101634782"/>
+      </p:ext>
+    </p:extLst>
+  </p:cSld>
+  <p:clrMapOvr>
+    <a:masterClrMapping/>
+  </p:clrMapOvr>
+</p:sld>
+</file>
+
+<file path=ppt/slides/slide28.xml><?xml version="1.0" encoding="utf-8"?>
+<p:sld xmlns:a="http://schemas.openxmlformats.org/drawingml/2006/main" xmlns:r="http://schemas.openxmlformats.org/officeDocument/2006/relationships" xmlns:p="http://schemas.openxmlformats.org/presentationml/2006/main">
+  <p:cSld>
+    <p:spTree>
+      <p:nvGrpSpPr>
+        <p:cNvPr id="1" name=""/>
+        <p:cNvGrpSpPr/>
+        <p:nvPr/>
+      </p:nvGrpSpPr>
+      <p:grpSpPr>
+        <a:xfrm>
+          <a:off x="0" y="0"/>
+          <a:ext cx="0" cy="0"/>
+          <a:chOff x="0" y="0"/>
+          <a:chExt cx="0" cy="0"/>
+        </a:xfrm>
+      </p:grpSpPr>
+      <p:sp>
+        <p:nvSpPr>
+          <p:cNvPr id="2" name="내용 개체 틀 1">
+            <a:extLst>
+              <a:ext uri="{FF2B5EF4-FFF2-40B4-BE49-F238E27FC236}">
+                <a16:creationId xmlns:a16="http://schemas.microsoft.com/office/drawing/2014/main" id="{0C40C0D1-1F7A-4190-9C54-C16FC8C590D5}"/>
+              </a:ext>
+            </a:extLst>
+          </p:cNvPr>
+          <p:cNvSpPr>
+            <a:spLocks noGrp="1"/>
+          </p:cNvSpPr>
+          <p:nvPr>
+            <p:ph sz="half" idx="14"/>
+          </p:nvPr>
+        </p:nvSpPr>
+        <p:spPr/>
+        <p:txBody>
+          <a:bodyPr/>
+          <a:lstStyle/>
+          <a:p>
+            <a:r>
+              <a:rPr lang="en-US" altLang="ko-KR" dirty="0"/>
+              <a:t>DB </a:t>
+            </a:r>
+            <a:r>
+              <a:rPr lang="ko-KR" altLang="en-US" dirty="0"/>
+              <a:t>암호화</a:t>
+            </a:r>
+            <a:endParaRPr lang="en-US" altLang="ko-KR" dirty="0"/>
+          </a:p>
+          <a:p>
+            <a:pPr lvl="1"/>
+            <a:r>
+              <a:rPr lang="ko-KR" altLang="en-US" dirty="0"/>
+              <a:t>정의</a:t>
+            </a:r>
+            <a:r>
+              <a:rPr lang="en-US" altLang="ko-KR" dirty="0"/>
+              <a:t>: DB</a:t>
+            </a:r>
+            <a:r>
+              <a:rPr lang="ko-KR" altLang="en-US" dirty="0"/>
+              <a:t>의 데이터를 암호화 해 제 </a:t>
+            </a:r>
+            <a:r>
+              <a:rPr lang="en-US" altLang="ko-KR" dirty="0"/>
+              <a:t>3</a:t>
+            </a:r>
+            <a:r>
+              <a:rPr lang="ko-KR" altLang="en-US" dirty="0"/>
+              <a:t>자가 볼 수 없게 함</a:t>
+            </a:r>
+            <a:endParaRPr lang="en-US" altLang="ko-KR" dirty="0"/>
+          </a:p>
+          <a:p>
+            <a:pPr lvl="1"/>
+            <a:r>
+              <a:rPr lang="ko-KR" altLang="en-US" dirty="0"/>
+              <a:t>적용 방식</a:t>
+            </a:r>
+            <a:endParaRPr lang="en-US" altLang="ko-KR" dirty="0"/>
+          </a:p>
+          <a:p>
+            <a:pPr lvl="2"/>
+            <a:r>
+              <a:rPr lang="ko-KR" altLang="en-US" dirty="0"/>
+              <a:t>컬럼 암호화</a:t>
+            </a:r>
+            <a:endParaRPr lang="en-US" altLang="ko-KR" dirty="0"/>
+          </a:p>
+          <a:p>
+            <a:pPr lvl="3"/>
+            <a:r>
+              <a:rPr lang="ko-KR" altLang="en-US" dirty="0"/>
+              <a:t>특정 컬럼을 암호화 하여 데이터 보관</a:t>
+            </a:r>
+            <a:endParaRPr lang="en-US" altLang="ko-KR" dirty="0"/>
+          </a:p>
+          <a:p>
+            <a:pPr lvl="4"/>
+            <a:r>
+              <a:rPr lang="en-US" altLang="ko-KR" dirty="0"/>
+              <a:t>API</a:t>
+            </a:r>
+          </a:p>
+          <a:p>
+            <a:pPr lvl="4"/>
+            <a:r>
+              <a:rPr lang="en-US" altLang="ko-KR" dirty="0"/>
+              <a:t>Plug-In</a:t>
+            </a:r>
+          </a:p>
+          <a:p>
+            <a:pPr lvl="4"/>
+            <a:r>
+              <a:rPr lang="en-US" altLang="ko-KR" dirty="0"/>
+              <a:t>Hybrid</a:t>
+            </a:r>
+          </a:p>
+          <a:p>
+            <a:pPr lvl="2"/>
+            <a:r>
+              <a:rPr lang="ko-KR" altLang="en-US" dirty="0"/>
+              <a:t>블록 암호화</a:t>
+            </a:r>
+            <a:endParaRPr lang="en-US" altLang="ko-KR" dirty="0"/>
+          </a:p>
+          <a:p>
+            <a:pPr lvl="3"/>
+            <a:r>
+              <a:rPr lang="en-US" altLang="ko-KR" dirty="0"/>
+              <a:t>DB,</a:t>
+            </a:r>
+            <a:r>
+              <a:rPr lang="ko-KR" altLang="en-US" dirty="0"/>
+              <a:t> </a:t>
+            </a:r>
+            <a:r>
+              <a:rPr lang="en-US" altLang="ko-KR" dirty="0"/>
+              <a:t>OS</a:t>
+            </a:r>
+            <a:r>
+              <a:rPr lang="ko-KR" altLang="en-US" dirty="0"/>
+              <a:t> 블록 단위로 암호화</a:t>
+            </a:r>
+            <a:endParaRPr lang="en-US" altLang="ko-KR" dirty="0"/>
+          </a:p>
+          <a:p>
+            <a:pPr lvl="4"/>
+            <a:r>
+              <a:rPr lang="en-US" altLang="ko-KR" dirty="0"/>
+              <a:t>TDE: DB </a:t>
+            </a:r>
+            <a:r>
+              <a:rPr lang="ko-KR" altLang="en-US" dirty="0"/>
+              <a:t>내부에서</a:t>
+            </a:r>
+            <a:r>
+              <a:rPr lang="en-US" altLang="ko-KR" dirty="0"/>
+              <a:t> </a:t>
+            </a:r>
+            <a:r>
+              <a:rPr lang="ko-KR" altLang="en-US" dirty="0"/>
+              <a:t>암호화</a:t>
+            </a:r>
+            <a:endParaRPr lang="en-US" altLang="ko-KR" dirty="0"/>
+          </a:p>
+          <a:p>
+            <a:pPr lvl="4"/>
+            <a:r>
+              <a:rPr lang="ko-KR" altLang="en-US" dirty="0"/>
+              <a:t>파일 암호화</a:t>
+            </a:r>
+            <a:r>
+              <a:rPr lang="en-US" altLang="ko-KR" dirty="0"/>
+              <a:t>: OS</a:t>
+            </a:r>
+            <a:r>
+              <a:rPr lang="ko-KR" altLang="en-US" dirty="0"/>
+              <a:t>에서 암호화</a:t>
+            </a:r>
+            <a:endParaRPr lang="en-US" altLang="ko-KR" dirty="0"/>
+          </a:p>
+        </p:txBody>
+      </p:sp>
+      <p:sp>
+        <p:nvSpPr>
+          <p:cNvPr id="3" name="제목 2">
+            <a:extLst>
+              <a:ext uri="{FF2B5EF4-FFF2-40B4-BE49-F238E27FC236}">
+                <a16:creationId xmlns:a16="http://schemas.microsoft.com/office/drawing/2014/main" id="{510E9C2E-CD67-44B9-8D09-EDD9B227B0A7}"/>
+              </a:ext>
+            </a:extLst>
+          </p:cNvPr>
+          <p:cNvSpPr>
+            <a:spLocks noGrp="1"/>
+          </p:cNvSpPr>
+          <p:nvPr>
+            <p:ph type="title"/>
+          </p:nvPr>
+        </p:nvSpPr>
+        <p:spPr/>
+        <p:txBody>
+          <a:bodyPr/>
+          <a:lstStyle/>
+          <a:p>
+            <a:r>
+              <a:rPr lang="en-US" altLang="ko-KR" dirty="0"/>
+              <a:t>DB </a:t>
+            </a:r>
+            <a:r>
+              <a:rPr lang="ko-KR" altLang="en-US" dirty="0"/>
+              <a:t>암호화</a:t>
+            </a:r>
+          </a:p>
+        </p:txBody>
+      </p:sp>
+      <p:sp>
+        <p:nvSpPr>
+          <p:cNvPr id="4" name="내용 개체 틀 3">
+            <a:extLst>
+              <a:ext uri="{FF2B5EF4-FFF2-40B4-BE49-F238E27FC236}">
+                <a16:creationId xmlns:a16="http://schemas.microsoft.com/office/drawing/2014/main" id="{75784919-CF2A-4A35-9A98-EDD0D0D53D68}"/>
+              </a:ext>
+            </a:extLst>
+          </p:cNvPr>
+          <p:cNvSpPr>
+            <a:spLocks noGrp="1"/>
+          </p:cNvSpPr>
+          <p:nvPr>
+            <p:ph sz="half" idx="2"/>
+          </p:nvPr>
+        </p:nvSpPr>
+        <p:spPr/>
+        <p:txBody>
+          <a:bodyPr/>
+          <a:lstStyle/>
+          <a:p>
+            <a:endParaRPr lang="ko-KR" altLang="en-US"/>
+          </a:p>
+        </p:txBody>
+      </p:sp>
+      <p:sp>
+        <p:nvSpPr>
+          <p:cNvPr id="5" name="슬라이드 번호 개체 틀 4">
+            <a:extLst>
+              <a:ext uri="{FF2B5EF4-FFF2-40B4-BE49-F238E27FC236}">
+                <a16:creationId xmlns:a16="http://schemas.microsoft.com/office/drawing/2014/main" id="{28F5066E-5E2E-42A2-9FB3-5BDEE205535F}"/>
+              </a:ext>
+            </a:extLst>
+          </p:cNvPr>
+          <p:cNvSpPr>
+            <a:spLocks noGrp="1"/>
+          </p:cNvSpPr>
+          <p:nvPr>
+            <p:ph type="sldNum" sz="quarter" idx="12"/>
+          </p:nvPr>
+        </p:nvSpPr>
+        <p:spPr/>
+        <p:txBody>
+          <a:bodyPr/>
+          <a:lstStyle/>
+          <a:p>
+            <a:fld id="{89BED30C-66D9-4104-96BC-081A506F0CF0}" type="slidenum">
+              <a:rPr lang="ko-KR" altLang="en-US" smtClean="0"/>
+              <a:t>28</a:t>
+            </a:fld>
+            <a:endParaRPr lang="ko-KR" altLang="en-US"/>
+          </a:p>
+        </p:txBody>
+      </p:sp>
+      <p:sp>
+        <p:nvSpPr>
+          <p:cNvPr id="6" name="바닥글 개체 틀 5">
+            <a:extLst>
+              <a:ext uri="{FF2B5EF4-FFF2-40B4-BE49-F238E27FC236}">
+                <a16:creationId xmlns:a16="http://schemas.microsoft.com/office/drawing/2014/main" id="{3425939C-A79D-460D-B1A8-C5E6B8670D4C}"/>
+              </a:ext>
+            </a:extLst>
+          </p:cNvPr>
+          <p:cNvSpPr>
+            <a:spLocks noGrp="1"/>
+          </p:cNvSpPr>
+          <p:nvPr>
+            <p:ph type="ftr" sz="quarter" idx="3"/>
+          </p:nvPr>
+        </p:nvSpPr>
+        <p:spPr/>
+        <p:txBody>
+          <a:bodyPr/>
+          <a:lstStyle/>
+          <a:p>
+            <a:pPr algn="l"/>
+            <a:r>
+              <a:rPr lang="en-US" altLang="ko-KR"/>
+              <a:t>Nibble</a:t>
+            </a:r>
+            <a:endParaRPr lang="ko-KR" altLang="en-US" dirty="0"/>
+          </a:p>
+        </p:txBody>
+      </p:sp>
+      <p:sp>
+        <p:nvSpPr>
+          <p:cNvPr id="7" name="날짜 개체 틀 6">
+            <a:extLst>
+              <a:ext uri="{FF2B5EF4-FFF2-40B4-BE49-F238E27FC236}">
+                <a16:creationId xmlns:a16="http://schemas.microsoft.com/office/drawing/2014/main" id="{68DC96BF-E742-4D38-9E29-7CC7F688013C}"/>
+              </a:ext>
+            </a:extLst>
+          </p:cNvPr>
+          <p:cNvSpPr>
+            <a:spLocks noGrp="1"/>
+          </p:cNvSpPr>
+          <p:nvPr>
+            <p:ph type="dt" sz="half" idx="13"/>
+          </p:nvPr>
+        </p:nvSpPr>
+        <p:spPr/>
+        <p:txBody>
+          <a:bodyPr/>
+          <a:lstStyle/>
+          <a:p>
+            <a:fld id="{B226B4E6-2447-4D67-A511-B13A2182F919}" type="datetime5">
+              <a:rPr lang="ko-KR" altLang="en-US" smtClean="0"/>
+              <a:t>2021/8/5</a:t>
+            </a:fld>
+            <a:endParaRPr lang="ko-KR" altLang="en-US" dirty="0"/>
+          </a:p>
+        </p:txBody>
+      </p:sp>
+    </p:spTree>
+    <p:extLst>
+      <p:ext uri="{BB962C8B-B14F-4D97-AF65-F5344CB8AC3E}">
+        <p14:creationId xmlns:p14="http://schemas.microsoft.com/office/powerpoint/2010/main" val="1414187013"/>
+      </p:ext>
+    </p:extLst>
+  </p:cSld>
+  <p:clrMapOvr>
+    <a:masterClrMapping/>
+  </p:clrMapOvr>
+</p:sld>
+</file>
+
+<file path=ppt/slides/slide29.xml><?xml version="1.0" encoding="utf-8"?>
+<p:sld xmlns:a="http://schemas.openxmlformats.org/drawingml/2006/main" xmlns:r="http://schemas.openxmlformats.org/officeDocument/2006/relationships" xmlns:p="http://schemas.openxmlformats.org/presentationml/2006/main">
+  <p:cSld>
+    <p:spTree>
+      <p:nvGrpSpPr>
+        <p:cNvPr id="1" name=""/>
+        <p:cNvGrpSpPr/>
+        <p:nvPr/>
+      </p:nvGrpSpPr>
+      <p:grpSpPr>
+        <a:xfrm>
+          <a:off x="0" y="0"/>
+          <a:ext cx="0" cy="0"/>
+          <a:chOff x="0" y="0"/>
+          <a:chExt cx="0" cy="0"/>
+        </a:xfrm>
+      </p:grpSpPr>
+      <p:sp>
+        <p:nvSpPr>
+          <p:cNvPr id="2" name="내용 개체 틀 1">
+            <a:extLst>
+              <a:ext uri="{FF2B5EF4-FFF2-40B4-BE49-F238E27FC236}">
+                <a16:creationId xmlns:a16="http://schemas.microsoft.com/office/drawing/2014/main" id="{EA4C0FCE-9360-4C7B-A28E-0E0A0979123A}"/>
+              </a:ext>
+            </a:extLst>
+          </p:cNvPr>
+          <p:cNvSpPr>
+            <a:spLocks noGrp="1"/>
+          </p:cNvSpPr>
+          <p:nvPr>
+            <p:ph sz="half" idx="14"/>
+          </p:nvPr>
+        </p:nvSpPr>
+        <p:spPr/>
+        <p:txBody>
+          <a:bodyPr/>
+          <a:lstStyle/>
+          <a:p>
+            <a:r>
+              <a:rPr lang="ko-KR" altLang="en-US" dirty="0"/>
+              <a:t>파티셔닝</a:t>
+            </a:r>
+            <a:endParaRPr lang="en-US" altLang="ko-KR" dirty="0"/>
+          </a:p>
+          <a:p>
+            <a:pPr lvl="1"/>
+            <a:r>
+              <a:rPr lang="ko-KR" altLang="en-US" dirty="0"/>
+              <a:t>정의</a:t>
+            </a:r>
+            <a:r>
+              <a:rPr lang="en-US" altLang="ko-KR" dirty="0"/>
+              <a:t>: </a:t>
+            </a:r>
+            <a:r>
+              <a:rPr lang="ko-KR" altLang="en-US" dirty="0"/>
+              <a:t>대용량의 테이블을 파티션이라는 작은 단위로 나눔</a:t>
+            </a:r>
+            <a:endParaRPr lang="en-US" altLang="ko-KR" dirty="0"/>
+          </a:p>
+          <a:p>
+            <a:pPr lvl="2"/>
+            <a:r>
+              <a:rPr lang="ko-KR" altLang="en-US" dirty="0"/>
+              <a:t>성능 저항 방지</a:t>
+            </a:r>
+            <a:r>
+              <a:rPr lang="en-US" altLang="ko-KR" dirty="0"/>
+              <a:t>, </a:t>
+            </a:r>
+            <a:r>
+              <a:rPr lang="ko-KR" altLang="en-US" dirty="0"/>
+              <a:t>관리 용이성 향상</a:t>
+            </a:r>
+            <a:endParaRPr lang="en-US" altLang="ko-KR" dirty="0"/>
+          </a:p>
+          <a:p>
+            <a:pPr lvl="1"/>
+            <a:r>
+              <a:rPr lang="ko-KR" altLang="en-US" dirty="0"/>
+              <a:t>유형</a:t>
+            </a:r>
+            <a:endParaRPr lang="en-US" altLang="ko-KR" dirty="0"/>
+          </a:p>
+          <a:p>
+            <a:pPr lvl="2"/>
+            <a:r>
+              <a:rPr lang="en-US" altLang="ko-KR" dirty="0"/>
+              <a:t>Range Partitioning</a:t>
+            </a:r>
+          </a:p>
+          <a:p>
+            <a:pPr lvl="3"/>
+            <a:r>
+              <a:rPr lang="ko-KR" altLang="en-US" dirty="0"/>
+              <a:t>분할 키 값이 범위 내에 있는지 여부로 분할</a:t>
+            </a:r>
+            <a:endParaRPr lang="en-US" altLang="ko-KR" dirty="0"/>
+          </a:p>
+          <a:p>
+            <a:pPr lvl="3"/>
+            <a:r>
+              <a:rPr lang="en-US" altLang="ko-KR" dirty="0"/>
+              <a:t>Ex) </a:t>
+            </a:r>
+            <a:r>
+              <a:rPr lang="ko-KR" altLang="en-US" dirty="0"/>
+              <a:t>가입 월일을 각 월로 분할 </a:t>
+            </a:r>
+            <a:r>
+              <a:rPr lang="en-US" altLang="ko-KR" dirty="0"/>
+              <a:t>(1, 2, 3…)</a:t>
+            </a:r>
+          </a:p>
+          <a:p>
+            <a:pPr lvl="2"/>
+            <a:r>
+              <a:rPr lang="en-US" altLang="ko-KR" dirty="0"/>
+              <a:t>Hash Partitioning</a:t>
+            </a:r>
+          </a:p>
+          <a:p>
+            <a:pPr lvl="3"/>
+            <a:r>
+              <a:rPr lang="ko-KR" altLang="en-US" dirty="0"/>
+              <a:t>해시</a:t>
+            </a:r>
+            <a:r>
+              <a:rPr lang="en-US" altLang="ko-KR" dirty="0"/>
+              <a:t> </a:t>
+            </a:r>
+            <a:r>
+              <a:rPr lang="ko-KR" altLang="en-US" dirty="0"/>
+              <a:t>함수의 값에 따라 분할</a:t>
+            </a:r>
+            <a:endParaRPr lang="en-US" altLang="ko-KR" dirty="0"/>
+          </a:p>
+          <a:p>
+            <a:pPr lvl="2"/>
+            <a:r>
+              <a:rPr lang="en-US" altLang="ko-KR" dirty="0"/>
+              <a:t>List Partitioning</a:t>
+            </a:r>
+          </a:p>
+          <a:p>
+            <a:pPr lvl="3"/>
+            <a:r>
+              <a:rPr lang="ko-KR" altLang="en-US" dirty="0"/>
+              <a:t>사용자가 나누는 방법을 정하고 분할</a:t>
+            </a:r>
+            <a:endParaRPr lang="en-US" altLang="ko-KR" dirty="0"/>
+          </a:p>
+          <a:p>
+            <a:pPr lvl="2"/>
+            <a:r>
+              <a:rPr lang="en-US" altLang="ko-KR" dirty="0"/>
+              <a:t>Composite Partitioning</a:t>
+            </a:r>
+          </a:p>
+          <a:p>
+            <a:pPr lvl="3"/>
+            <a:r>
+              <a:rPr lang="ko-KR" altLang="en-US" dirty="0"/>
+              <a:t>위의 파티셔닝을 함께 사용</a:t>
+            </a:r>
+          </a:p>
+        </p:txBody>
+      </p:sp>
+      <p:sp>
+        <p:nvSpPr>
+          <p:cNvPr id="3" name="제목 2">
+            <a:extLst>
+              <a:ext uri="{FF2B5EF4-FFF2-40B4-BE49-F238E27FC236}">
+                <a16:creationId xmlns:a16="http://schemas.microsoft.com/office/drawing/2014/main" id="{57FFFF44-99D3-4E04-BEF6-B1A0DAB67691}"/>
+              </a:ext>
+            </a:extLst>
+          </p:cNvPr>
+          <p:cNvSpPr>
+            <a:spLocks noGrp="1"/>
+          </p:cNvSpPr>
+          <p:nvPr>
+            <p:ph type="title"/>
+          </p:nvPr>
+        </p:nvSpPr>
+        <p:spPr/>
+        <p:txBody>
+          <a:bodyPr/>
+          <a:lstStyle/>
+          <a:p>
+            <a:r>
+              <a:rPr lang="ko-KR" altLang="en-US" dirty="0"/>
+              <a:t>파티셔닝</a:t>
+            </a:r>
+          </a:p>
+        </p:txBody>
+      </p:sp>
+      <p:sp>
+        <p:nvSpPr>
+          <p:cNvPr id="4" name="내용 개체 틀 3">
+            <a:extLst>
+              <a:ext uri="{FF2B5EF4-FFF2-40B4-BE49-F238E27FC236}">
+                <a16:creationId xmlns:a16="http://schemas.microsoft.com/office/drawing/2014/main" id="{4779E3B0-1C09-484C-AE67-123C1CCF1558}"/>
+              </a:ext>
+            </a:extLst>
+          </p:cNvPr>
+          <p:cNvSpPr>
+            <a:spLocks noGrp="1"/>
+          </p:cNvSpPr>
+          <p:nvPr>
+            <p:ph sz="half" idx="2"/>
+          </p:nvPr>
+        </p:nvSpPr>
+        <p:spPr/>
+        <p:txBody>
+          <a:bodyPr/>
+          <a:lstStyle/>
+          <a:p>
+            <a:endParaRPr lang="ko-KR" altLang="en-US"/>
+          </a:p>
+        </p:txBody>
+      </p:sp>
+      <p:sp>
+        <p:nvSpPr>
+          <p:cNvPr id="5" name="슬라이드 번호 개체 틀 4">
+            <a:extLst>
+              <a:ext uri="{FF2B5EF4-FFF2-40B4-BE49-F238E27FC236}">
+                <a16:creationId xmlns:a16="http://schemas.microsoft.com/office/drawing/2014/main" id="{AF451476-33DF-4E8D-AAA8-143579712034}"/>
+              </a:ext>
+            </a:extLst>
+          </p:cNvPr>
+          <p:cNvSpPr>
+            <a:spLocks noGrp="1"/>
+          </p:cNvSpPr>
+          <p:nvPr>
+            <p:ph type="sldNum" sz="quarter" idx="12"/>
+          </p:nvPr>
+        </p:nvSpPr>
+        <p:spPr/>
+        <p:txBody>
+          <a:bodyPr/>
+          <a:lstStyle/>
+          <a:p>
+            <a:fld id="{89BED30C-66D9-4104-96BC-081A506F0CF0}" type="slidenum">
+              <a:rPr lang="ko-KR" altLang="en-US" smtClean="0"/>
+              <a:t>29</a:t>
+            </a:fld>
+            <a:endParaRPr lang="ko-KR" altLang="en-US"/>
+          </a:p>
+        </p:txBody>
+      </p:sp>
+      <p:sp>
+        <p:nvSpPr>
+          <p:cNvPr id="6" name="바닥글 개체 틀 5">
+            <a:extLst>
+              <a:ext uri="{FF2B5EF4-FFF2-40B4-BE49-F238E27FC236}">
+                <a16:creationId xmlns:a16="http://schemas.microsoft.com/office/drawing/2014/main" id="{5028966A-7BC7-44EA-A017-E156F24D456E}"/>
+              </a:ext>
+            </a:extLst>
+          </p:cNvPr>
+          <p:cNvSpPr>
+            <a:spLocks noGrp="1"/>
+          </p:cNvSpPr>
+          <p:nvPr>
+            <p:ph type="ftr" sz="quarter" idx="3"/>
+          </p:nvPr>
+        </p:nvSpPr>
+        <p:spPr/>
+        <p:txBody>
+          <a:bodyPr/>
+          <a:lstStyle/>
+          <a:p>
+            <a:pPr algn="l"/>
+            <a:r>
+              <a:rPr lang="en-US" altLang="ko-KR"/>
+              <a:t>Nibble</a:t>
+            </a:r>
+            <a:endParaRPr lang="ko-KR" altLang="en-US" dirty="0"/>
+          </a:p>
+        </p:txBody>
+      </p:sp>
+      <p:sp>
+        <p:nvSpPr>
+          <p:cNvPr id="7" name="날짜 개체 틀 6">
+            <a:extLst>
+              <a:ext uri="{FF2B5EF4-FFF2-40B4-BE49-F238E27FC236}">
+                <a16:creationId xmlns:a16="http://schemas.microsoft.com/office/drawing/2014/main" id="{25D65A5F-5C3E-4E84-AF73-5A6C672DAE61}"/>
+              </a:ext>
+            </a:extLst>
+          </p:cNvPr>
+          <p:cNvSpPr>
+            <a:spLocks noGrp="1"/>
+          </p:cNvSpPr>
+          <p:nvPr>
+            <p:ph type="dt" sz="half" idx="13"/>
+          </p:nvPr>
+        </p:nvSpPr>
+        <p:spPr/>
+        <p:txBody>
+          <a:bodyPr/>
+          <a:lstStyle/>
+          <a:p>
+            <a:fld id="{B226B4E6-2447-4D67-A511-B13A2182F919}" type="datetime5">
+              <a:rPr lang="ko-KR" altLang="en-US" smtClean="0"/>
+              <a:t>2021/8/5</a:t>
+            </a:fld>
+            <a:endParaRPr lang="ko-KR" altLang="en-US" dirty="0"/>
+          </a:p>
+        </p:txBody>
+      </p:sp>
+    </p:spTree>
+    <p:extLst>
+      <p:ext uri="{BB962C8B-B14F-4D97-AF65-F5344CB8AC3E}">
+        <p14:creationId xmlns:p14="http://schemas.microsoft.com/office/powerpoint/2010/main" val="3030773453"/>
       </p:ext>
     </p:extLst>
   </p:cSld>
@@ -8866,11 +10480,83 @@
               <a:rPr lang="ko-KR" altLang="en-US" dirty="0"/>
               <a:t>데이터 모델링 및 설계</a:t>
             </a:r>
+            <a:endParaRPr lang="en-US" altLang="ko-KR" dirty="0"/>
+          </a:p>
+          <a:p>
+            <a:r>
+              <a:rPr lang="ko-KR" altLang="en-US" dirty="0"/>
+              <a:t>물리 데이터베이스 설계</a:t>
+            </a:r>
+            <a:endParaRPr lang="en-US" altLang="ko-KR" dirty="0"/>
+          </a:p>
+          <a:p>
+            <a:pPr lvl="1"/>
+            <a:r>
+              <a:rPr lang="ko-KR" altLang="en-US" dirty="0"/>
+              <a:t>물리 요소 조사 분석</a:t>
+            </a:r>
+            <a:endParaRPr lang="en-US" altLang="ko-KR" dirty="0"/>
+          </a:p>
+          <a:p>
+            <a:pPr lvl="1"/>
+            <a:r>
+              <a:rPr lang="en-US" altLang="ko-KR" dirty="0"/>
+              <a:t>DB </a:t>
+            </a:r>
+            <a:r>
+              <a:rPr lang="ko-KR" altLang="en-US" dirty="0"/>
+              <a:t>물리 속성 설계</a:t>
+            </a:r>
+            <a:endParaRPr lang="en-US" altLang="ko-KR" dirty="0"/>
+          </a:p>
+          <a:p>
+            <a:pPr lvl="1"/>
+            <a:r>
+              <a:rPr lang="ko-KR" altLang="en-US" dirty="0"/>
+              <a:t>물리 </a:t>
+            </a:r>
+            <a:r>
+              <a:rPr lang="en-US" altLang="ko-KR" dirty="0"/>
+              <a:t>DB </a:t>
+            </a:r>
+            <a:r>
+              <a:rPr lang="ko-KR" altLang="en-US" dirty="0"/>
+              <a:t>모델링</a:t>
+            </a:r>
+            <a:endParaRPr lang="en-US" altLang="ko-KR" dirty="0"/>
+          </a:p>
+          <a:p>
+            <a:pPr lvl="1"/>
+            <a:r>
+              <a:rPr lang="en-US" altLang="ko-KR" dirty="0"/>
+              <a:t>DB </a:t>
+            </a:r>
+            <a:r>
+              <a:rPr lang="ko-KR" altLang="en-US" dirty="0"/>
+              <a:t>반 정규화</a:t>
+            </a:r>
+            <a:endParaRPr lang="en-US" altLang="ko-KR" dirty="0"/>
+          </a:p>
+          <a:p>
+            <a:pPr lvl="1"/>
+            <a:r>
+              <a:rPr lang="ko-KR" altLang="en-US" dirty="0"/>
+              <a:t>물리 데이터 품질 검토</a:t>
+            </a:r>
+            <a:endParaRPr lang="en-US" altLang="ko-KR" dirty="0"/>
+          </a:p>
+          <a:p>
+            <a:pPr lvl="1"/>
+            <a:endParaRPr lang="en-US" altLang="ko-KR" dirty="0"/>
           </a:p>
           <a:p>
             <a:pPr lvl="1"/>
             <a:endParaRPr lang="ko-KR" altLang="en-US" dirty="0"/>
           </a:p>
+          <a:p>
+            <a:pPr lvl="1"/>
+            <a:endParaRPr lang="ko-KR" altLang="en-US" dirty="0"/>
+          </a:p>
         </p:txBody>
       </p:sp>
       <p:sp>
@@ -8926,7 +10612,25 @@
           <a:bodyPr/>
           <a:lstStyle/>
           <a:p>
-            <a:endParaRPr lang="ko-KR" altLang="en-US"/>
+            <a:r>
+              <a:rPr lang="ko-KR" altLang="en-US" dirty="0"/>
+              <a:t>데이터 전환</a:t>
+            </a:r>
+            <a:endParaRPr lang="en-US" altLang="ko-KR" dirty="0"/>
+          </a:p>
+          <a:p>
+            <a:pPr lvl="1"/>
+            <a:r>
+              <a:rPr lang="ko-KR" altLang="en-US" dirty="0"/>
+              <a:t>데이터 전환 기술</a:t>
+            </a:r>
+          </a:p>
+          <a:p>
+            <a:pPr lvl="1"/>
+            <a:r>
+              <a:rPr lang="ko-KR" altLang="en-US" dirty="0"/>
+              <a:t>데이터 전환 수행</a:t>
+            </a:r>
           </a:p>
         </p:txBody>
       </p:sp>
@@ -9012,7 +10716,7 @@
           <a:p>
             <a:fld id="{B226B4E6-2447-4D67-A511-B13A2182F919}" type="datetime5">
               <a:rPr lang="ko-KR" altLang="en-US" smtClean="0"/>
-              <a:t>2021/8/4</a:t>
+              <a:t>2021/8/5</a:t>
             </a:fld>
             <a:endParaRPr lang="ko-KR" altLang="en-US" dirty="0"/>
           </a:p>
@@ -9022,6 +10726,2605 @@
     <p:extLst>
       <p:ext uri="{BB962C8B-B14F-4D97-AF65-F5344CB8AC3E}">
         <p14:creationId xmlns:p14="http://schemas.microsoft.com/office/powerpoint/2010/main" val="3523267945"/>
+      </p:ext>
+    </p:extLst>
+  </p:cSld>
+  <p:clrMapOvr>
+    <a:masterClrMapping/>
+  </p:clrMapOvr>
+</p:sld>
+</file>
+
+<file path=ppt/slides/slide30.xml><?xml version="1.0" encoding="utf-8"?>
+<p:sld xmlns:a="http://schemas.openxmlformats.org/drawingml/2006/main" xmlns:r="http://schemas.openxmlformats.org/officeDocument/2006/relationships" xmlns:p="http://schemas.openxmlformats.org/presentationml/2006/main">
+  <p:cSld>
+    <p:spTree>
+      <p:nvGrpSpPr>
+        <p:cNvPr id="1" name=""/>
+        <p:cNvGrpSpPr/>
+        <p:nvPr/>
+      </p:nvGrpSpPr>
+      <p:grpSpPr>
+        <a:xfrm>
+          <a:off x="0" y="0"/>
+          <a:ext cx="0" cy="0"/>
+          <a:chOff x="0" y="0"/>
+          <a:chExt cx="0" cy="0"/>
+        </a:xfrm>
+      </p:grpSpPr>
+      <p:sp>
+        <p:nvSpPr>
+          <p:cNvPr id="2" name="내용 개체 틀 1">
+            <a:extLst>
+              <a:ext uri="{FF2B5EF4-FFF2-40B4-BE49-F238E27FC236}">
+                <a16:creationId xmlns:a16="http://schemas.microsoft.com/office/drawing/2014/main" id="{4ECDC5E7-A40E-4E43-9A79-8EF30F27F917}"/>
+              </a:ext>
+            </a:extLst>
+          </p:cNvPr>
+          <p:cNvSpPr>
+            <a:spLocks noGrp="1"/>
+          </p:cNvSpPr>
+          <p:nvPr>
+            <p:ph sz="half" idx="14"/>
+          </p:nvPr>
+        </p:nvSpPr>
+        <p:spPr/>
+        <p:txBody>
+          <a:bodyPr/>
+          <a:lstStyle/>
+          <a:p>
+            <a:r>
+              <a:rPr lang="ko-KR" altLang="en-US" dirty="0"/>
+              <a:t>클러스터링</a:t>
+            </a:r>
+            <a:endParaRPr lang="en-US" altLang="ko-KR" dirty="0"/>
+          </a:p>
+          <a:p>
+            <a:pPr lvl="1"/>
+            <a:r>
+              <a:rPr lang="ko-KR" altLang="en-US" dirty="0"/>
+              <a:t>정의</a:t>
+            </a:r>
+            <a:r>
+              <a:rPr lang="en-US" altLang="ko-KR" dirty="0"/>
+              <a:t>: </a:t>
+            </a:r>
+            <a:r>
+              <a:rPr lang="ko-KR" altLang="en-US" dirty="0"/>
+              <a:t>지정된 컬럼 값의 순서대로 데이터를 저장</a:t>
+            </a:r>
+            <a:endParaRPr lang="en-US" altLang="ko-KR" dirty="0"/>
+          </a:p>
+          <a:p>
+            <a:pPr lvl="2"/>
+            <a:r>
+              <a:rPr lang="ko-KR" altLang="en-US" dirty="0"/>
+              <a:t>접근 효율 향상을 위한 저장 방법</a:t>
+            </a:r>
+            <a:endParaRPr lang="en-US" altLang="ko-KR" dirty="0"/>
+          </a:p>
+          <a:p>
+            <a:pPr lvl="2"/>
+            <a:r>
+              <a:rPr lang="ko-KR" altLang="en-US" dirty="0"/>
+              <a:t>지정된 컬럼 값의 시작 주소를 저장하여 찾는다</a:t>
+            </a:r>
+            <a:endParaRPr lang="en-US" altLang="ko-KR" dirty="0"/>
+          </a:p>
+          <a:p>
+            <a:pPr lvl="1"/>
+            <a:r>
+              <a:rPr lang="ko-KR" altLang="en-US" dirty="0"/>
+              <a:t>유형</a:t>
+            </a:r>
+            <a:endParaRPr lang="en-US" altLang="ko-KR" dirty="0"/>
+          </a:p>
+          <a:p>
+            <a:pPr lvl="2"/>
+            <a:r>
+              <a:rPr lang="ko-KR" altLang="en-US" dirty="0"/>
+              <a:t>단일 클러스터링</a:t>
+            </a:r>
+            <a:r>
+              <a:rPr lang="en-US" altLang="ko-KR" dirty="0"/>
+              <a:t>: </a:t>
+            </a:r>
+            <a:r>
+              <a:rPr lang="ko-KR" altLang="en-US" dirty="0"/>
+              <a:t>정렬에 사용되는 컬럼 값이 </a:t>
+            </a:r>
+            <a:r>
+              <a:rPr lang="en-US" altLang="ko-KR" dirty="0"/>
+              <a:t>1</a:t>
+            </a:r>
+            <a:r>
+              <a:rPr lang="ko-KR" altLang="en-US" dirty="0"/>
+              <a:t>개</a:t>
+            </a:r>
+            <a:endParaRPr lang="en-US" altLang="ko-KR" dirty="0"/>
+          </a:p>
+          <a:p>
+            <a:pPr lvl="2"/>
+            <a:r>
+              <a:rPr lang="ko-KR" altLang="en-US" dirty="0"/>
+              <a:t>다중 클러스터링</a:t>
+            </a:r>
+            <a:r>
+              <a:rPr lang="en-US" altLang="ko-KR" dirty="0"/>
+              <a:t>: </a:t>
+            </a:r>
+            <a:r>
+              <a:rPr lang="ko-KR" altLang="en-US" dirty="0"/>
+              <a:t>정렬에 사용되는 컬럼 값이 </a:t>
+            </a:r>
+            <a:r>
+              <a:rPr lang="en-US" altLang="ko-KR" dirty="0"/>
+              <a:t>N</a:t>
+            </a:r>
+            <a:r>
+              <a:rPr lang="ko-KR" altLang="en-US" dirty="0"/>
+              <a:t>개</a:t>
+            </a:r>
+            <a:endParaRPr lang="en-US" altLang="ko-KR" dirty="0"/>
+          </a:p>
+          <a:p>
+            <a:pPr lvl="2"/>
+            <a:endParaRPr lang="ko-KR" altLang="en-US" dirty="0"/>
+          </a:p>
+        </p:txBody>
+      </p:sp>
+      <p:sp>
+        <p:nvSpPr>
+          <p:cNvPr id="3" name="제목 2">
+            <a:extLst>
+              <a:ext uri="{FF2B5EF4-FFF2-40B4-BE49-F238E27FC236}">
+                <a16:creationId xmlns:a16="http://schemas.microsoft.com/office/drawing/2014/main" id="{B7DE48CF-A5B5-4283-9679-943607CDF78E}"/>
+              </a:ext>
+            </a:extLst>
+          </p:cNvPr>
+          <p:cNvSpPr>
+            <a:spLocks noGrp="1"/>
+          </p:cNvSpPr>
+          <p:nvPr>
+            <p:ph type="title"/>
+          </p:nvPr>
+        </p:nvSpPr>
+        <p:spPr/>
+        <p:txBody>
+          <a:bodyPr/>
+          <a:lstStyle/>
+          <a:p>
+            <a:r>
+              <a:rPr lang="ko-KR" altLang="en-US" dirty="0"/>
+              <a:t>클러스터링</a:t>
+            </a:r>
+          </a:p>
+        </p:txBody>
+      </p:sp>
+      <p:sp>
+        <p:nvSpPr>
+          <p:cNvPr id="4" name="내용 개체 틀 3">
+            <a:extLst>
+              <a:ext uri="{FF2B5EF4-FFF2-40B4-BE49-F238E27FC236}">
+                <a16:creationId xmlns:a16="http://schemas.microsoft.com/office/drawing/2014/main" id="{6B71BBF2-D39B-4B53-9C1B-4FB99C04271D}"/>
+              </a:ext>
+            </a:extLst>
+          </p:cNvPr>
+          <p:cNvSpPr>
+            <a:spLocks noGrp="1"/>
+          </p:cNvSpPr>
+          <p:nvPr>
+            <p:ph sz="half" idx="2"/>
+          </p:nvPr>
+        </p:nvSpPr>
+        <p:spPr/>
+        <p:txBody>
+          <a:bodyPr/>
+          <a:lstStyle/>
+          <a:p>
+            <a:endParaRPr lang="ko-KR" altLang="en-US"/>
+          </a:p>
+        </p:txBody>
+      </p:sp>
+      <p:sp>
+        <p:nvSpPr>
+          <p:cNvPr id="5" name="슬라이드 번호 개체 틀 4">
+            <a:extLst>
+              <a:ext uri="{FF2B5EF4-FFF2-40B4-BE49-F238E27FC236}">
+                <a16:creationId xmlns:a16="http://schemas.microsoft.com/office/drawing/2014/main" id="{1D4EA8C4-0FD1-4BD9-8CD5-F991D4A0F860}"/>
+              </a:ext>
+            </a:extLst>
+          </p:cNvPr>
+          <p:cNvSpPr>
+            <a:spLocks noGrp="1"/>
+          </p:cNvSpPr>
+          <p:nvPr>
+            <p:ph type="sldNum" sz="quarter" idx="12"/>
+          </p:nvPr>
+        </p:nvSpPr>
+        <p:spPr/>
+        <p:txBody>
+          <a:bodyPr/>
+          <a:lstStyle/>
+          <a:p>
+            <a:fld id="{89BED30C-66D9-4104-96BC-081A506F0CF0}" type="slidenum">
+              <a:rPr lang="ko-KR" altLang="en-US" smtClean="0"/>
+              <a:t>30</a:t>
+            </a:fld>
+            <a:endParaRPr lang="ko-KR" altLang="en-US"/>
+          </a:p>
+        </p:txBody>
+      </p:sp>
+      <p:sp>
+        <p:nvSpPr>
+          <p:cNvPr id="6" name="바닥글 개체 틀 5">
+            <a:extLst>
+              <a:ext uri="{FF2B5EF4-FFF2-40B4-BE49-F238E27FC236}">
+                <a16:creationId xmlns:a16="http://schemas.microsoft.com/office/drawing/2014/main" id="{097D0CA5-7A53-4259-BDE0-EAE60722FE55}"/>
+              </a:ext>
+            </a:extLst>
+          </p:cNvPr>
+          <p:cNvSpPr>
+            <a:spLocks noGrp="1"/>
+          </p:cNvSpPr>
+          <p:nvPr>
+            <p:ph type="ftr" sz="quarter" idx="3"/>
+          </p:nvPr>
+        </p:nvSpPr>
+        <p:spPr/>
+        <p:txBody>
+          <a:bodyPr/>
+          <a:lstStyle/>
+          <a:p>
+            <a:pPr algn="l"/>
+            <a:r>
+              <a:rPr lang="en-US" altLang="ko-KR"/>
+              <a:t>Nibble</a:t>
+            </a:r>
+            <a:endParaRPr lang="ko-KR" altLang="en-US" dirty="0"/>
+          </a:p>
+        </p:txBody>
+      </p:sp>
+      <p:sp>
+        <p:nvSpPr>
+          <p:cNvPr id="7" name="날짜 개체 틀 6">
+            <a:extLst>
+              <a:ext uri="{FF2B5EF4-FFF2-40B4-BE49-F238E27FC236}">
+                <a16:creationId xmlns:a16="http://schemas.microsoft.com/office/drawing/2014/main" id="{F7F9F0B6-E68E-4A17-8772-AFF199C90353}"/>
+              </a:ext>
+            </a:extLst>
+          </p:cNvPr>
+          <p:cNvSpPr>
+            <a:spLocks noGrp="1"/>
+          </p:cNvSpPr>
+          <p:nvPr>
+            <p:ph type="dt" sz="half" idx="13"/>
+          </p:nvPr>
+        </p:nvSpPr>
+        <p:spPr/>
+        <p:txBody>
+          <a:bodyPr/>
+          <a:lstStyle/>
+          <a:p>
+            <a:fld id="{B226B4E6-2447-4D67-A511-B13A2182F919}" type="datetime5">
+              <a:rPr lang="ko-KR" altLang="en-US" smtClean="0"/>
+              <a:t>2021/8/5</a:t>
+            </a:fld>
+            <a:endParaRPr lang="ko-KR" altLang="en-US" dirty="0"/>
+          </a:p>
+        </p:txBody>
+      </p:sp>
+      <p:pic>
+        <p:nvPicPr>
+          <p:cNvPr id="1026" name="Picture 2" descr="PostgreSQL 인덱스 클러스터 : 네이버 블로그">
+            <a:extLst>
+              <a:ext uri="{FF2B5EF4-FFF2-40B4-BE49-F238E27FC236}">
+                <a16:creationId xmlns:a16="http://schemas.microsoft.com/office/drawing/2014/main" id="{2EC55EF9-A23B-4290-AA35-BA9C20BC3EB5}"/>
+              </a:ext>
+            </a:extLst>
+          </p:cNvPr>
+          <p:cNvPicPr>
+            <a:picLocks noChangeAspect="1" noChangeArrowheads="1"/>
+          </p:cNvPicPr>
+          <p:nvPr/>
+        </p:nvPicPr>
+        <p:blipFill>
+          <a:blip r:embed="rId2">
+            <a:extLst>
+              <a:ext uri="{28A0092B-C50C-407E-A947-70E740481C1C}">
+                <a14:useLocalDpi xmlns:a14="http://schemas.microsoft.com/office/drawing/2010/main" val="0"/>
+              </a:ext>
+            </a:extLst>
+          </a:blip>
+          <a:srcRect/>
+          <a:stretch>
+            <a:fillRect/>
+          </a:stretch>
+        </p:blipFill>
+        <p:spPr bwMode="auto">
+          <a:xfrm>
+            <a:off x="1795244" y="3714289"/>
+            <a:ext cx="3477245" cy="2295525"/>
+          </a:xfrm>
+          <a:prstGeom prst="rect">
+            <a:avLst/>
+          </a:prstGeom>
+          <a:noFill/>
+          <a:extLst>
+            <a:ext uri="{909E8E84-426E-40DD-AFC4-6F175D3DCCD1}">
+              <a14:hiddenFill xmlns:a14="http://schemas.microsoft.com/office/drawing/2010/main">
+                <a:solidFill>
+                  <a:srgbClr val="FFFFFF"/>
+                </a:solidFill>
+              </a14:hiddenFill>
+            </a:ext>
+          </a:extLst>
+        </p:spPr>
+      </p:pic>
+    </p:spTree>
+    <p:extLst>
+      <p:ext uri="{BB962C8B-B14F-4D97-AF65-F5344CB8AC3E}">
+        <p14:creationId xmlns:p14="http://schemas.microsoft.com/office/powerpoint/2010/main" val="2061938132"/>
+      </p:ext>
+    </p:extLst>
+  </p:cSld>
+  <p:clrMapOvr>
+    <a:masterClrMapping/>
+  </p:clrMapOvr>
+</p:sld>
+</file>
+
+<file path=ppt/slides/slide31.xml><?xml version="1.0" encoding="utf-8"?>
+<p:sld xmlns:a="http://schemas.openxmlformats.org/drawingml/2006/main" xmlns:r="http://schemas.openxmlformats.org/officeDocument/2006/relationships" xmlns:p="http://schemas.openxmlformats.org/presentationml/2006/main">
+  <p:cSld>
+    <p:spTree>
+      <p:nvGrpSpPr>
+        <p:cNvPr id="1" name=""/>
+        <p:cNvGrpSpPr/>
+        <p:nvPr/>
+      </p:nvGrpSpPr>
+      <p:grpSpPr>
+        <a:xfrm>
+          <a:off x="0" y="0"/>
+          <a:ext cx="0" cy="0"/>
+          <a:chOff x="0" y="0"/>
+          <a:chExt cx="0" cy="0"/>
+        </a:xfrm>
+      </p:grpSpPr>
+      <p:sp>
+        <p:nvSpPr>
+          <p:cNvPr id="2" name="내용 개체 틀 1">
+            <a:extLst>
+              <a:ext uri="{FF2B5EF4-FFF2-40B4-BE49-F238E27FC236}">
+                <a16:creationId xmlns:a16="http://schemas.microsoft.com/office/drawing/2014/main" id="{CAAE7EC1-9546-497F-B830-82B9C5B00B55}"/>
+              </a:ext>
+            </a:extLst>
+          </p:cNvPr>
+          <p:cNvSpPr>
+            <a:spLocks noGrp="1"/>
+          </p:cNvSpPr>
+          <p:nvPr>
+            <p:ph sz="half" idx="14"/>
+          </p:nvPr>
+        </p:nvSpPr>
+        <p:spPr/>
+        <p:txBody>
+          <a:bodyPr/>
+          <a:lstStyle/>
+          <a:p>
+            <a:r>
+              <a:rPr lang="en-US" altLang="ko-KR" dirty="0"/>
+              <a:t>DB </a:t>
+            </a:r>
+            <a:r>
+              <a:rPr lang="ko-KR" altLang="en-US" dirty="0"/>
+              <a:t>백업</a:t>
+            </a:r>
+            <a:endParaRPr lang="en-US" altLang="ko-KR" dirty="0"/>
+          </a:p>
+          <a:p>
+            <a:pPr lvl="1"/>
+            <a:r>
+              <a:rPr lang="ko-KR" altLang="en-US" dirty="0"/>
+              <a:t>종류</a:t>
+            </a:r>
+            <a:endParaRPr lang="en-US" altLang="ko-KR" dirty="0"/>
+          </a:p>
+          <a:p>
+            <a:pPr lvl="2"/>
+            <a:r>
+              <a:rPr lang="ko-KR" altLang="en-US" dirty="0"/>
+              <a:t>전체 백업</a:t>
+            </a:r>
+            <a:endParaRPr lang="en-US" altLang="ko-KR" dirty="0"/>
+          </a:p>
+          <a:p>
+            <a:pPr lvl="2"/>
+            <a:r>
+              <a:rPr lang="ko-KR" altLang="en-US" dirty="0"/>
+              <a:t>차등 백업</a:t>
+            </a:r>
+            <a:endParaRPr lang="en-US" altLang="ko-KR" dirty="0"/>
+          </a:p>
+          <a:p>
+            <a:pPr lvl="3"/>
+            <a:r>
+              <a:rPr lang="ko-KR" altLang="en-US" dirty="0"/>
+              <a:t>마지막 전체 백업 후 변경된 데이터를 백업</a:t>
+            </a:r>
+            <a:endParaRPr lang="en-US" altLang="ko-KR" dirty="0"/>
+          </a:p>
+          <a:p>
+            <a:pPr lvl="2"/>
+            <a:r>
+              <a:rPr lang="ko-KR" altLang="en-US" dirty="0"/>
+              <a:t>증분 백업</a:t>
+            </a:r>
+            <a:endParaRPr lang="en-US" altLang="ko-KR" dirty="0"/>
+          </a:p>
+          <a:p>
+            <a:pPr lvl="3"/>
+            <a:r>
+              <a:rPr lang="ko-KR" altLang="en-US" dirty="0"/>
+              <a:t>정해진 시간 기준으로 그 후에 변경된 파일 백업</a:t>
+            </a:r>
+            <a:endParaRPr lang="en-US" altLang="ko-KR" dirty="0"/>
+          </a:p>
+          <a:p>
+            <a:pPr lvl="2"/>
+            <a:r>
+              <a:rPr lang="ko-KR" altLang="en-US" dirty="0"/>
+              <a:t>트랜잭션 로그 백업</a:t>
+            </a:r>
+            <a:endParaRPr lang="en-US" altLang="ko-KR" dirty="0"/>
+          </a:p>
+          <a:p>
+            <a:pPr lvl="3"/>
+            <a:r>
+              <a:rPr lang="ko-KR" altLang="en-US" dirty="0"/>
+              <a:t>트랜잭션을 백업</a:t>
+            </a:r>
+          </a:p>
+        </p:txBody>
+      </p:sp>
+      <p:sp>
+        <p:nvSpPr>
+          <p:cNvPr id="3" name="제목 2">
+            <a:extLst>
+              <a:ext uri="{FF2B5EF4-FFF2-40B4-BE49-F238E27FC236}">
+                <a16:creationId xmlns:a16="http://schemas.microsoft.com/office/drawing/2014/main" id="{FEAE7703-C3F0-4B90-BFDF-D94AA66BB6F0}"/>
+              </a:ext>
+            </a:extLst>
+          </p:cNvPr>
+          <p:cNvSpPr>
+            <a:spLocks noGrp="1"/>
+          </p:cNvSpPr>
+          <p:nvPr>
+            <p:ph type="title"/>
+          </p:nvPr>
+        </p:nvSpPr>
+        <p:spPr/>
+        <p:txBody>
+          <a:bodyPr/>
+          <a:lstStyle/>
+          <a:p>
+            <a:r>
+              <a:rPr lang="en-US" altLang="ko-KR" dirty="0"/>
+              <a:t>DB </a:t>
+            </a:r>
+            <a:r>
+              <a:rPr lang="ko-KR" altLang="en-US" dirty="0"/>
+              <a:t>백업</a:t>
+            </a:r>
+          </a:p>
+        </p:txBody>
+      </p:sp>
+      <p:sp>
+        <p:nvSpPr>
+          <p:cNvPr id="4" name="내용 개체 틀 3">
+            <a:extLst>
+              <a:ext uri="{FF2B5EF4-FFF2-40B4-BE49-F238E27FC236}">
+                <a16:creationId xmlns:a16="http://schemas.microsoft.com/office/drawing/2014/main" id="{6D46B343-2C4A-4862-AC63-945B87643089}"/>
+              </a:ext>
+            </a:extLst>
+          </p:cNvPr>
+          <p:cNvSpPr>
+            <a:spLocks noGrp="1"/>
+          </p:cNvSpPr>
+          <p:nvPr>
+            <p:ph sz="half" idx="2"/>
+          </p:nvPr>
+        </p:nvSpPr>
+        <p:spPr/>
+        <p:txBody>
+          <a:bodyPr/>
+          <a:lstStyle/>
+          <a:p>
+            <a:endParaRPr lang="ko-KR" altLang="en-US"/>
+          </a:p>
+        </p:txBody>
+      </p:sp>
+      <p:sp>
+        <p:nvSpPr>
+          <p:cNvPr id="5" name="슬라이드 번호 개체 틀 4">
+            <a:extLst>
+              <a:ext uri="{FF2B5EF4-FFF2-40B4-BE49-F238E27FC236}">
+                <a16:creationId xmlns:a16="http://schemas.microsoft.com/office/drawing/2014/main" id="{9B90BEC6-FDD4-4600-8B7A-E0226A48EC4C}"/>
+              </a:ext>
+            </a:extLst>
+          </p:cNvPr>
+          <p:cNvSpPr>
+            <a:spLocks noGrp="1"/>
+          </p:cNvSpPr>
+          <p:nvPr>
+            <p:ph type="sldNum" sz="quarter" idx="12"/>
+          </p:nvPr>
+        </p:nvSpPr>
+        <p:spPr/>
+        <p:txBody>
+          <a:bodyPr/>
+          <a:lstStyle/>
+          <a:p>
+            <a:fld id="{89BED30C-66D9-4104-96BC-081A506F0CF0}" type="slidenum">
+              <a:rPr lang="ko-KR" altLang="en-US" smtClean="0"/>
+              <a:t>31</a:t>
+            </a:fld>
+            <a:endParaRPr lang="ko-KR" altLang="en-US"/>
+          </a:p>
+        </p:txBody>
+      </p:sp>
+      <p:sp>
+        <p:nvSpPr>
+          <p:cNvPr id="6" name="바닥글 개체 틀 5">
+            <a:extLst>
+              <a:ext uri="{FF2B5EF4-FFF2-40B4-BE49-F238E27FC236}">
+                <a16:creationId xmlns:a16="http://schemas.microsoft.com/office/drawing/2014/main" id="{BE9A1D8C-114E-432E-9FB6-CC59555966B8}"/>
+              </a:ext>
+            </a:extLst>
+          </p:cNvPr>
+          <p:cNvSpPr>
+            <a:spLocks noGrp="1"/>
+          </p:cNvSpPr>
+          <p:nvPr>
+            <p:ph type="ftr" sz="quarter" idx="3"/>
+          </p:nvPr>
+        </p:nvSpPr>
+        <p:spPr/>
+        <p:txBody>
+          <a:bodyPr/>
+          <a:lstStyle/>
+          <a:p>
+            <a:pPr algn="l"/>
+            <a:r>
+              <a:rPr lang="en-US" altLang="ko-KR"/>
+              <a:t>Nibble</a:t>
+            </a:r>
+            <a:endParaRPr lang="ko-KR" altLang="en-US" dirty="0"/>
+          </a:p>
+        </p:txBody>
+      </p:sp>
+      <p:sp>
+        <p:nvSpPr>
+          <p:cNvPr id="7" name="날짜 개체 틀 6">
+            <a:extLst>
+              <a:ext uri="{FF2B5EF4-FFF2-40B4-BE49-F238E27FC236}">
+                <a16:creationId xmlns:a16="http://schemas.microsoft.com/office/drawing/2014/main" id="{2F45667A-5DEC-4BD8-A6E9-9E6FD8570648}"/>
+              </a:ext>
+            </a:extLst>
+          </p:cNvPr>
+          <p:cNvSpPr>
+            <a:spLocks noGrp="1"/>
+          </p:cNvSpPr>
+          <p:nvPr>
+            <p:ph type="dt" sz="half" idx="13"/>
+          </p:nvPr>
+        </p:nvSpPr>
+        <p:spPr/>
+        <p:txBody>
+          <a:bodyPr/>
+          <a:lstStyle/>
+          <a:p>
+            <a:fld id="{B226B4E6-2447-4D67-A511-B13A2182F919}" type="datetime5">
+              <a:rPr lang="ko-KR" altLang="en-US" smtClean="0"/>
+              <a:t>2021/8/5</a:t>
+            </a:fld>
+            <a:endParaRPr lang="ko-KR" altLang="en-US" dirty="0"/>
+          </a:p>
+        </p:txBody>
+      </p:sp>
+    </p:spTree>
+    <p:extLst>
+      <p:ext uri="{BB962C8B-B14F-4D97-AF65-F5344CB8AC3E}">
+        <p14:creationId xmlns:p14="http://schemas.microsoft.com/office/powerpoint/2010/main" val="2890487186"/>
+      </p:ext>
+    </p:extLst>
+  </p:cSld>
+  <p:clrMapOvr>
+    <a:masterClrMapping/>
+  </p:clrMapOvr>
+</p:sld>
+</file>
+
+<file path=ppt/slides/slide32.xml><?xml version="1.0" encoding="utf-8"?>
+<p:sld xmlns:a="http://schemas.openxmlformats.org/drawingml/2006/main" xmlns:r="http://schemas.openxmlformats.org/officeDocument/2006/relationships" xmlns:p="http://schemas.openxmlformats.org/presentationml/2006/main">
+  <p:cSld>
+    <p:spTree>
+      <p:nvGrpSpPr>
+        <p:cNvPr id="1" name=""/>
+        <p:cNvGrpSpPr/>
+        <p:nvPr/>
+      </p:nvGrpSpPr>
+      <p:grpSpPr>
+        <a:xfrm>
+          <a:off x="0" y="0"/>
+          <a:ext cx="0" cy="0"/>
+          <a:chOff x="0" y="0"/>
+          <a:chExt cx="0" cy="0"/>
+        </a:xfrm>
+      </p:grpSpPr>
+      <p:sp>
+        <p:nvSpPr>
+          <p:cNvPr id="2" name="내용 개체 틀 1">
+            <a:extLst>
+              <a:ext uri="{FF2B5EF4-FFF2-40B4-BE49-F238E27FC236}">
+                <a16:creationId xmlns:a16="http://schemas.microsoft.com/office/drawing/2014/main" id="{459A04DB-B999-47F6-B72C-3059E304B758}"/>
+              </a:ext>
+            </a:extLst>
+          </p:cNvPr>
+          <p:cNvSpPr>
+            <a:spLocks noGrp="1"/>
+          </p:cNvSpPr>
+          <p:nvPr>
+            <p:ph sz="half" idx="14"/>
+          </p:nvPr>
+        </p:nvSpPr>
+        <p:spPr/>
+        <p:txBody>
+          <a:bodyPr/>
+          <a:lstStyle/>
+          <a:p>
+            <a:r>
+              <a:rPr lang="ko-KR" altLang="en-US" dirty="0"/>
+              <a:t>테이블 저장 </a:t>
+            </a:r>
+            <a:r>
+              <a:rPr lang="ko-KR" altLang="en-US" dirty="0" err="1"/>
+              <a:t>사이징</a:t>
+            </a:r>
+            <a:endParaRPr lang="en-US" altLang="ko-KR" dirty="0"/>
+          </a:p>
+          <a:p>
+            <a:pPr lvl="1"/>
+            <a:r>
+              <a:rPr lang="ko-KR" altLang="en-US" dirty="0"/>
+              <a:t>정의</a:t>
+            </a:r>
+            <a:r>
+              <a:rPr lang="en-US" altLang="ko-KR" dirty="0"/>
+              <a:t>: </a:t>
+            </a:r>
+            <a:r>
+              <a:rPr lang="ko-KR" altLang="en-US" dirty="0"/>
+              <a:t>정확한 데이터 용량을 예측하여 저장 공간을 효과적으로 사용</a:t>
+            </a:r>
+          </a:p>
+        </p:txBody>
+      </p:sp>
+      <p:sp>
+        <p:nvSpPr>
+          <p:cNvPr id="3" name="제목 2">
+            <a:extLst>
+              <a:ext uri="{FF2B5EF4-FFF2-40B4-BE49-F238E27FC236}">
+                <a16:creationId xmlns:a16="http://schemas.microsoft.com/office/drawing/2014/main" id="{44A009E1-ABB7-42A3-A837-A78B1E2823FC}"/>
+              </a:ext>
+            </a:extLst>
+          </p:cNvPr>
+          <p:cNvSpPr>
+            <a:spLocks noGrp="1"/>
+          </p:cNvSpPr>
+          <p:nvPr>
+            <p:ph type="title"/>
+          </p:nvPr>
+        </p:nvSpPr>
+        <p:spPr/>
+        <p:txBody>
+          <a:bodyPr/>
+          <a:lstStyle/>
+          <a:p>
+            <a:r>
+              <a:rPr lang="ko-KR" altLang="en-US" dirty="0"/>
+              <a:t>테이블 저장 </a:t>
+            </a:r>
+            <a:r>
+              <a:rPr lang="ko-KR" altLang="en-US" dirty="0" err="1"/>
+              <a:t>사이징</a:t>
+            </a:r>
+            <a:endParaRPr lang="ko-KR" altLang="en-US" dirty="0"/>
+          </a:p>
+        </p:txBody>
+      </p:sp>
+      <p:sp>
+        <p:nvSpPr>
+          <p:cNvPr id="4" name="내용 개체 틀 3">
+            <a:extLst>
+              <a:ext uri="{FF2B5EF4-FFF2-40B4-BE49-F238E27FC236}">
+                <a16:creationId xmlns:a16="http://schemas.microsoft.com/office/drawing/2014/main" id="{B7B9F921-A78A-438F-8608-9FFB852758CD}"/>
+              </a:ext>
+            </a:extLst>
+          </p:cNvPr>
+          <p:cNvSpPr>
+            <a:spLocks noGrp="1"/>
+          </p:cNvSpPr>
+          <p:nvPr>
+            <p:ph sz="half" idx="2"/>
+          </p:nvPr>
+        </p:nvSpPr>
+        <p:spPr/>
+        <p:txBody>
+          <a:bodyPr/>
+          <a:lstStyle/>
+          <a:p>
+            <a:endParaRPr lang="ko-KR" altLang="en-US"/>
+          </a:p>
+        </p:txBody>
+      </p:sp>
+      <p:sp>
+        <p:nvSpPr>
+          <p:cNvPr id="5" name="슬라이드 번호 개체 틀 4">
+            <a:extLst>
+              <a:ext uri="{FF2B5EF4-FFF2-40B4-BE49-F238E27FC236}">
+                <a16:creationId xmlns:a16="http://schemas.microsoft.com/office/drawing/2014/main" id="{3032C5E2-B413-4D3D-89D2-ABC11E86A64F}"/>
+              </a:ext>
+            </a:extLst>
+          </p:cNvPr>
+          <p:cNvSpPr>
+            <a:spLocks noGrp="1"/>
+          </p:cNvSpPr>
+          <p:nvPr>
+            <p:ph type="sldNum" sz="quarter" idx="12"/>
+          </p:nvPr>
+        </p:nvSpPr>
+        <p:spPr/>
+        <p:txBody>
+          <a:bodyPr/>
+          <a:lstStyle/>
+          <a:p>
+            <a:fld id="{89BED30C-66D9-4104-96BC-081A506F0CF0}" type="slidenum">
+              <a:rPr lang="ko-KR" altLang="en-US" smtClean="0"/>
+              <a:t>32</a:t>
+            </a:fld>
+            <a:endParaRPr lang="ko-KR" altLang="en-US"/>
+          </a:p>
+        </p:txBody>
+      </p:sp>
+      <p:sp>
+        <p:nvSpPr>
+          <p:cNvPr id="6" name="바닥글 개체 틀 5">
+            <a:extLst>
+              <a:ext uri="{FF2B5EF4-FFF2-40B4-BE49-F238E27FC236}">
+                <a16:creationId xmlns:a16="http://schemas.microsoft.com/office/drawing/2014/main" id="{3361B248-34D3-49FB-85C1-FCDEB84B7465}"/>
+              </a:ext>
+            </a:extLst>
+          </p:cNvPr>
+          <p:cNvSpPr>
+            <a:spLocks noGrp="1"/>
+          </p:cNvSpPr>
+          <p:nvPr>
+            <p:ph type="ftr" sz="quarter" idx="3"/>
+          </p:nvPr>
+        </p:nvSpPr>
+        <p:spPr/>
+        <p:txBody>
+          <a:bodyPr/>
+          <a:lstStyle/>
+          <a:p>
+            <a:pPr algn="l"/>
+            <a:r>
+              <a:rPr lang="en-US" altLang="ko-KR"/>
+              <a:t>Nibble</a:t>
+            </a:r>
+            <a:endParaRPr lang="ko-KR" altLang="en-US" dirty="0"/>
+          </a:p>
+        </p:txBody>
+      </p:sp>
+      <p:sp>
+        <p:nvSpPr>
+          <p:cNvPr id="7" name="날짜 개체 틀 6">
+            <a:extLst>
+              <a:ext uri="{FF2B5EF4-FFF2-40B4-BE49-F238E27FC236}">
+                <a16:creationId xmlns:a16="http://schemas.microsoft.com/office/drawing/2014/main" id="{C13A197A-388A-438C-AF85-9F00A905AE14}"/>
+              </a:ext>
+            </a:extLst>
+          </p:cNvPr>
+          <p:cNvSpPr>
+            <a:spLocks noGrp="1"/>
+          </p:cNvSpPr>
+          <p:nvPr>
+            <p:ph type="dt" sz="half" idx="13"/>
+          </p:nvPr>
+        </p:nvSpPr>
+        <p:spPr/>
+        <p:txBody>
+          <a:bodyPr/>
+          <a:lstStyle/>
+          <a:p>
+            <a:fld id="{B226B4E6-2447-4D67-A511-B13A2182F919}" type="datetime5">
+              <a:rPr lang="ko-KR" altLang="en-US" smtClean="0"/>
+              <a:t>2021/8/5</a:t>
+            </a:fld>
+            <a:endParaRPr lang="ko-KR" altLang="en-US" dirty="0"/>
+          </a:p>
+        </p:txBody>
+      </p:sp>
+    </p:spTree>
+    <p:extLst>
+      <p:ext uri="{BB962C8B-B14F-4D97-AF65-F5344CB8AC3E}">
+        <p14:creationId xmlns:p14="http://schemas.microsoft.com/office/powerpoint/2010/main" val="952197140"/>
+      </p:ext>
+    </p:extLst>
+  </p:cSld>
+  <p:clrMapOvr>
+    <a:masterClrMapping/>
+  </p:clrMapOvr>
+</p:sld>
+</file>
+
+<file path=ppt/slides/slide33.xml><?xml version="1.0" encoding="utf-8"?>
+<p:sld xmlns:a="http://schemas.openxmlformats.org/drawingml/2006/main" xmlns:r="http://schemas.openxmlformats.org/officeDocument/2006/relationships" xmlns:p="http://schemas.openxmlformats.org/presentationml/2006/main">
+  <p:cSld>
+    <p:spTree>
+      <p:nvGrpSpPr>
+        <p:cNvPr id="1" name=""/>
+        <p:cNvGrpSpPr/>
+        <p:nvPr/>
+      </p:nvGrpSpPr>
+      <p:grpSpPr>
+        <a:xfrm>
+          <a:off x="0" y="0"/>
+          <a:ext cx="0" cy="0"/>
+          <a:chOff x="0" y="0"/>
+          <a:chExt cx="0" cy="0"/>
+        </a:xfrm>
+      </p:grpSpPr>
+      <p:sp>
+        <p:nvSpPr>
+          <p:cNvPr id="2" name="내용 개체 틀 1">
+            <a:extLst>
+              <a:ext uri="{FF2B5EF4-FFF2-40B4-BE49-F238E27FC236}">
+                <a16:creationId xmlns:a16="http://schemas.microsoft.com/office/drawing/2014/main" id="{A2B81D64-6D96-48B7-AAE7-5B682C2FFB4F}"/>
+              </a:ext>
+            </a:extLst>
+          </p:cNvPr>
+          <p:cNvSpPr>
+            <a:spLocks noGrp="1"/>
+          </p:cNvSpPr>
+          <p:nvPr>
+            <p:ph sz="half" idx="14"/>
+          </p:nvPr>
+        </p:nvSpPr>
+        <p:spPr/>
+        <p:txBody>
+          <a:bodyPr/>
+          <a:lstStyle/>
+          <a:p>
+            <a:r>
+              <a:rPr lang="ko-KR" altLang="en-US" dirty="0"/>
+              <a:t>데이터 지역화</a:t>
+            </a:r>
+            <a:endParaRPr lang="en-US" altLang="ko-KR" dirty="0"/>
+          </a:p>
+          <a:p>
+            <a:pPr lvl="1"/>
+            <a:r>
+              <a:rPr lang="ko-KR" altLang="en-US" dirty="0"/>
+              <a:t>정의</a:t>
+            </a:r>
+            <a:r>
+              <a:rPr lang="en-US" altLang="ko-KR" dirty="0"/>
+              <a:t>: DB</a:t>
+            </a:r>
+            <a:r>
+              <a:rPr lang="ko-KR" altLang="en-US" dirty="0"/>
+              <a:t>의 데이터를 사용처의 물리적으로 가까이 배치</a:t>
+            </a:r>
+            <a:endParaRPr lang="en-US" altLang="ko-KR" dirty="0"/>
+          </a:p>
+          <a:p>
+            <a:pPr lvl="1"/>
+            <a:r>
+              <a:rPr lang="ko-KR" altLang="en-US" dirty="0"/>
+              <a:t>종류</a:t>
+            </a:r>
+            <a:endParaRPr lang="en-US" altLang="ko-KR" dirty="0"/>
+          </a:p>
+          <a:p>
+            <a:pPr lvl="2"/>
+            <a:r>
+              <a:rPr lang="ko-KR" altLang="en-US" dirty="0"/>
+              <a:t>시간적 지역화</a:t>
+            </a:r>
+            <a:endParaRPr lang="en-US" altLang="ko-KR" dirty="0"/>
+          </a:p>
+          <a:p>
+            <a:pPr lvl="3"/>
+            <a:r>
+              <a:rPr lang="ko-KR" altLang="en-US" dirty="0"/>
+              <a:t>최근에 참조된 장소가 참조될 가능성이 높다</a:t>
+            </a:r>
+            <a:endParaRPr lang="en-US" altLang="ko-KR" dirty="0"/>
+          </a:p>
+          <a:p>
+            <a:pPr lvl="2"/>
+            <a:r>
+              <a:rPr lang="ko-KR" altLang="en-US" dirty="0"/>
+              <a:t>공간적 지역화</a:t>
+            </a:r>
+            <a:endParaRPr lang="en-US" altLang="ko-KR" dirty="0"/>
+          </a:p>
+          <a:p>
+            <a:pPr lvl="3"/>
+            <a:r>
+              <a:rPr lang="ko-KR" altLang="en-US" dirty="0"/>
+              <a:t>최근에 참조된 장소와 가까운 장소가 참조될 가능성 높다</a:t>
+            </a:r>
+            <a:endParaRPr lang="en-US" altLang="ko-KR" dirty="0"/>
+          </a:p>
+          <a:p>
+            <a:pPr lvl="2"/>
+            <a:r>
+              <a:rPr lang="ko-KR" altLang="en-US" dirty="0"/>
+              <a:t>순차적 지역화</a:t>
+            </a:r>
+            <a:endParaRPr lang="en-US" altLang="ko-KR" dirty="0"/>
+          </a:p>
+          <a:p>
+            <a:pPr lvl="3"/>
+            <a:r>
+              <a:rPr lang="ko-KR" altLang="en-US" dirty="0"/>
+              <a:t>별도의 분기가 없으면 데이터가 순차적으로 참조될 가능성이 높다</a:t>
+            </a:r>
+          </a:p>
+        </p:txBody>
+      </p:sp>
+      <p:sp>
+        <p:nvSpPr>
+          <p:cNvPr id="3" name="제목 2">
+            <a:extLst>
+              <a:ext uri="{FF2B5EF4-FFF2-40B4-BE49-F238E27FC236}">
+                <a16:creationId xmlns:a16="http://schemas.microsoft.com/office/drawing/2014/main" id="{711E9279-73CA-4E8B-AFA2-8E78F3FA8F5B}"/>
+              </a:ext>
+            </a:extLst>
+          </p:cNvPr>
+          <p:cNvSpPr>
+            <a:spLocks noGrp="1"/>
+          </p:cNvSpPr>
+          <p:nvPr>
+            <p:ph type="title"/>
+          </p:nvPr>
+        </p:nvSpPr>
+        <p:spPr/>
+        <p:txBody>
+          <a:bodyPr/>
+          <a:lstStyle/>
+          <a:p>
+            <a:r>
+              <a:rPr lang="ko-KR" altLang="en-US" dirty="0"/>
+              <a:t>데이터 지역화</a:t>
+            </a:r>
+          </a:p>
+        </p:txBody>
+      </p:sp>
+      <p:sp>
+        <p:nvSpPr>
+          <p:cNvPr id="4" name="내용 개체 틀 3">
+            <a:extLst>
+              <a:ext uri="{FF2B5EF4-FFF2-40B4-BE49-F238E27FC236}">
+                <a16:creationId xmlns:a16="http://schemas.microsoft.com/office/drawing/2014/main" id="{1FD0F74E-B1A1-458F-9CA4-57E08962804A}"/>
+              </a:ext>
+            </a:extLst>
+          </p:cNvPr>
+          <p:cNvSpPr>
+            <a:spLocks noGrp="1"/>
+          </p:cNvSpPr>
+          <p:nvPr>
+            <p:ph sz="half" idx="2"/>
+          </p:nvPr>
+        </p:nvSpPr>
+        <p:spPr/>
+        <p:txBody>
+          <a:bodyPr/>
+          <a:lstStyle/>
+          <a:p>
+            <a:endParaRPr lang="ko-KR" altLang="en-US"/>
+          </a:p>
+        </p:txBody>
+      </p:sp>
+      <p:sp>
+        <p:nvSpPr>
+          <p:cNvPr id="5" name="슬라이드 번호 개체 틀 4">
+            <a:extLst>
+              <a:ext uri="{FF2B5EF4-FFF2-40B4-BE49-F238E27FC236}">
+                <a16:creationId xmlns:a16="http://schemas.microsoft.com/office/drawing/2014/main" id="{EC265BEE-5721-4342-8222-A46ACBFB04FF}"/>
+              </a:ext>
+            </a:extLst>
+          </p:cNvPr>
+          <p:cNvSpPr>
+            <a:spLocks noGrp="1"/>
+          </p:cNvSpPr>
+          <p:nvPr>
+            <p:ph type="sldNum" sz="quarter" idx="12"/>
+          </p:nvPr>
+        </p:nvSpPr>
+        <p:spPr/>
+        <p:txBody>
+          <a:bodyPr/>
+          <a:lstStyle/>
+          <a:p>
+            <a:fld id="{89BED30C-66D9-4104-96BC-081A506F0CF0}" type="slidenum">
+              <a:rPr lang="ko-KR" altLang="en-US" smtClean="0"/>
+              <a:t>33</a:t>
+            </a:fld>
+            <a:endParaRPr lang="ko-KR" altLang="en-US"/>
+          </a:p>
+        </p:txBody>
+      </p:sp>
+      <p:sp>
+        <p:nvSpPr>
+          <p:cNvPr id="6" name="바닥글 개체 틀 5">
+            <a:extLst>
+              <a:ext uri="{FF2B5EF4-FFF2-40B4-BE49-F238E27FC236}">
+                <a16:creationId xmlns:a16="http://schemas.microsoft.com/office/drawing/2014/main" id="{C5547BF0-990D-4C21-9BFF-536DF7080D39}"/>
+              </a:ext>
+            </a:extLst>
+          </p:cNvPr>
+          <p:cNvSpPr>
+            <a:spLocks noGrp="1"/>
+          </p:cNvSpPr>
+          <p:nvPr>
+            <p:ph type="ftr" sz="quarter" idx="3"/>
+          </p:nvPr>
+        </p:nvSpPr>
+        <p:spPr/>
+        <p:txBody>
+          <a:bodyPr/>
+          <a:lstStyle/>
+          <a:p>
+            <a:pPr algn="l"/>
+            <a:r>
+              <a:rPr lang="en-US" altLang="ko-KR"/>
+              <a:t>Nibble</a:t>
+            </a:r>
+            <a:endParaRPr lang="ko-KR" altLang="en-US" dirty="0"/>
+          </a:p>
+        </p:txBody>
+      </p:sp>
+      <p:sp>
+        <p:nvSpPr>
+          <p:cNvPr id="7" name="날짜 개체 틀 6">
+            <a:extLst>
+              <a:ext uri="{FF2B5EF4-FFF2-40B4-BE49-F238E27FC236}">
+                <a16:creationId xmlns:a16="http://schemas.microsoft.com/office/drawing/2014/main" id="{EAA98D7F-71FE-438C-8D94-E74C0FB6DBE1}"/>
+              </a:ext>
+            </a:extLst>
+          </p:cNvPr>
+          <p:cNvSpPr>
+            <a:spLocks noGrp="1"/>
+          </p:cNvSpPr>
+          <p:nvPr>
+            <p:ph type="dt" sz="half" idx="13"/>
+          </p:nvPr>
+        </p:nvSpPr>
+        <p:spPr/>
+        <p:txBody>
+          <a:bodyPr/>
+          <a:lstStyle/>
+          <a:p>
+            <a:fld id="{B226B4E6-2447-4D67-A511-B13A2182F919}" type="datetime5">
+              <a:rPr lang="ko-KR" altLang="en-US" smtClean="0"/>
+              <a:t>2021/8/5</a:t>
+            </a:fld>
+            <a:endParaRPr lang="ko-KR" altLang="en-US" dirty="0"/>
+          </a:p>
+        </p:txBody>
+      </p:sp>
+    </p:spTree>
+    <p:extLst>
+      <p:ext uri="{BB962C8B-B14F-4D97-AF65-F5344CB8AC3E}">
+        <p14:creationId xmlns:p14="http://schemas.microsoft.com/office/powerpoint/2010/main" val="1935437026"/>
+      </p:ext>
+    </p:extLst>
+  </p:cSld>
+  <p:clrMapOvr>
+    <a:masterClrMapping/>
+  </p:clrMapOvr>
+</p:sld>
+</file>
+
+<file path=ppt/slides/slide34.xml><?xml version="1.0" encoding="utf-8"?>
+<p:sld xmlns:a="http://schemas.openxmlformats.org/drawingml/2006/main" xmlns:r="http://schemas.openxmlformats.org/officeDocument/2006/relationships" xmlns:p="http://schemas.openxmlformats.org/presentationml/2006/main">
+  <p:cSld>
+    <p:spTree>
+      <p:nvGrpSpPr>
+        <p:cNvPr id="1" name=""/>
+        <p:cNvGrpSpPr/>
+        <p:nvPr/>
+      </p:nvGrpSpPr>
+      <p:grpSpPr>
+        <a:xfrm>
+          <a:off x="0" y="0"/>
+          <a:ext cx="0" cy="0"/>
+          <a:chOff x="0" y="0"/>
+          <a:chExt cx="0" cy="0"/>
+        </a:xfrm>
+      </p:grpSpPr>
+      <p:sp>
+        <p:nvSpPr>
+          <p:cNvPr id="2" name="내용 개체 틀 1">
+            <a:extLst>
+              <a:ext uri="{FF2B5EF4-FFF2-40B4-BE49-F238E27FC236}">
+                <a16:creationId xmlns:a16="http://schemas.microsoft.com/office/drawing/2014/main" id="{50C47BC1-4249-4692-94F8-4E619FE4795F}"/>
+              </a:ext>
+            </a:extLst>
+          </p:cNvPr>
+          <p:cNvSpPr>
+            <a:spLocks noGrp="1"/>
+          </p:cNvSpPr>
+          <p:nvPr>
+            <p:ph sz="half" idx="14"/>
+          </p:nvPr>
+        </p:nvSpPr>
+        <p:spPr/>
+        <p:txBody>
+          <a:bodyPr/>
+          <a:lstStyle/>
+          <a:p>
+            <a:r>
+              <a:rPr lang="en-US" altLang="ko-KR" dirty="0"/>
+              <a:t>DB </a:t>
+            </a:r>
+            <a:r>
+              <a:rPr lang="ko-KR" altLang="en-US" dirty="0"/>
+              <a:t>무결성</a:t>
+            </a:r>
+            <a:endParaRPr lang="en-US" altLang="ko-KR" dirty="0"/>
+          </a:p>
+          <a:p>
+            <a:pPr lvl="1"/>
+            <a:r>
+              <a:rPr lang="ko-KR" altLang="en-US" dirty="0"/>
+              <a:t>정의</a:t>
+            </a:r>
+            <a:r>
+              <a:rPr lang="en-US" altLang="ko-KR" dirty="0"/>
+              <a:t>: </a:t>
+            </a:r>
+            <a:r>
+              <a:rPr lang="ko-KR" altLang="en-US" dirty="0"/>
+              <a:t>데이터를 보호하는 특성</a:t>
+            </a:r>
+            <a:endParaRPr lang="en-US" altLang="ko-KR" dirty="0"/>
+          </a:p>
+          <a:p>
+            <a:pPr lvl="1"/>
+            <a:r>
+              <a:rPr lang="ko-KR" altLang="en-US" dirty="0"/>
+              <a:t>종류</a:t>
+            </a:r>
+            <a:endParaRPr lang="en-US" altLang="ko-KR" dirty="0"/>
+          </a:p>
+          <a:p>
+            <a:pPr lvl="2"/>
+            <a:r>
+              <a:rPr lang="ko-KR" altLang="en-US" dirty="0"/>
+              <a:t>개체 무결성</a:t>
+            </a:r>
+            <a:endParaRPr lang="en-US" altLang="ko-KR" dirty="0"/>
+          </a:p>
+          <a:p>
+            <a:pPr lvl="3"/>
+            <a:r>
+              <a:rPr lang="ko-KR" altLang="en-US" dirty="0"/>
+              <a:t>한</a:t>
+            </a:r>
+            <a:r>
+              <a:rPr lang="en-US" altLang="ko-KR" dirty="0"/>
+              <a:t> </a:t>
+            </a:r>
+            <a:r>
+              <a:rPr lang="ko-KR" altLang="en-US" dirty="0"/>
+              <a:t>엔티티에서 같은 </a:t>
+            </a:r>
+            <a:r>
+              <a:rPr lang="en-US" altLang="ko-KR" dirty="0"/>
+              <a:t>PK</a:t>
+            </a:r>
+            <a:r>
+              <a:rPr lang="ko-KR" altLang="en-US" dirty="0"/>
+              <a:t>를 가질 수 없다</a:t>
+            </a:r>
+            <a:endParaRPr lang="en-US" altLang="ko-KR" dirty="0"/>
+          </a:p>
+          <a:p>
+            <a:pPr lvl="3"/>
+            <a:r>
+              <a:rPr lang="en-US" altLang="ko-KR" dirty="0"/>
+              <a:t>PK</a:t>
+            </a:r>
+            <a:r>
+              <a:rPr lang="ko-KR" altLang="en-US" dirty="0"/>
+              <a:t>는 </a:t>
+            </a:r>
+            <a:r>
+              <a:rPr lang="en-US" altLang="ko-KR" dirty="0"/>
+              <a:t>NULL</a:t>
+            </a:r>
+            <a:r>
+              <a:rPr lang="ko-KR" altLang="en-US" dirty="0"/>
+              <a:t>일 수 없다</a:t>
+            </a:r>
+            <a:endParaRPr lang="en-US" altLang="ko-KR" dirty="0"/>
+          </a:p>
+          <a:p>
+            <a:pPr lvl="2"/>
+            <a:r>
+              <a:rPr lang="ko-KR" altLang="en-US" dirty="0"/>
+              <a:t>참조 무결성</a:t>
+            </a:r>
+            <a:endParaRPr lang="en-US" altLang="ko-KR" dirty="0"/>
+          </a:p>
+          <a:p>
+            <a:pPr lvl="3"/>
+            <a:r>
+              <a:rPr lang="en-US" altLang="ko-KR" dirty="0"/>
+              <a:t>FK</a:t>
+            </a:r>
+            <a:r>
+              <a:rPr lang="ko-KR" altLang="en-US" dirty="0"/>
+              <a:t>의 값은 있는 </a:t>
+            </a:r>
+            <a:r>
+              <a:rPr lang="en-US" altLang="ko-KR" dirty="0"/>
+              <a:t>PK</a:t>
+            </a:r>
+            <a:r>
+              <a:rPr lang="ko-KR" altLang="en-US" dirty="0"/>
+              <a:t>값이나 </a:t>
+            </a:r>
+            <a:r>
+              <a:rPr lang="en-US" altLang="ko-KR" dirty="0"/>
+              <a:t>NULL</a:t>
+            </a:r>
+            <a:r>
+              <a:rPr lang="ko-KR" altLang="en-US" dirty="0" err="1"/>
+              <a:t>이여야</a:t>
+            </a:r>
+            <a:r>
+              <a:rPr lang="ko-KR" altLang="en-US" dirty="0"/>
+              <a:t> 한다</a:t>
+            </a:r>
+            <a:endParaRPr lang="en-US" altLang="ko-KR" dirty="0"/>
+          </a:p>
+          <a:p>
+            <a:pPr lvl="2"/>
+            <a:r>
+              <a:rPr lang="ko-KR" altLang="en-US" dirty="0"/>
+              <a:t>속성 무결성</a:t>
+            </a:r>
+            <a:endParaRPr lang="en-US" altLang="ko-KR" dirty="0"/>
+          </a:p>
+          <a:p>
+            <a:pPr lvl="3"/>
+            <a:r>
+              <a:rPr lang="ko-KR" altLang="en-US" dirty="0"/>
+              <a:t>속성은 지정된 규칙을 준수해야 한다</a:t>
+            </a:r>
+            <a:endParaRPr lang="en-US" altLang="ko-KR" dirty="0"/>
+          </a:p>
+          <a:p>
+            <a:pPr lvl="2"/>
+            <a:r>
+              <a:rPr lang="ko-KR" altLang="en-US" dirty="0"/>
+              <a:t>사용자 무결성</a:t>
+            </a:r>
+            <a:endParaRPr lang="en-US" altLang="ko-KR" dirty="0"/>
+          </a:p>
+          <a:p>
+            <a:pPr lvl="2"/>
+            <a:r>
+              <a:rPr lang="ko-KR" altLang="en-US" dirty="0"/>
+              <a:t>키 무결성</a:t>
+            </a:r>
+            <a:endParaRPr lang="en-US" altLang="ko-KR" dirty="0"/>
+          </a:p>
+          <a:p>
+            <a:pPr lvl="3"/>
+            <a:r>
+              <a:rPr lang="ko-KR" altLang="en-US" dirty="0"/>
+              <a:t>한 </a:t>
+            </a:r>
+            <a:r>
+              <a:rPr lang="ko-KR" altLang="en-US" dirty="0" err="1"/>
+              <a:t>릴레이션에</a:t>
+            </a:r>
+            <a:r>
+              <a:rPr lang="ko-KR" altLang="en-US" dirty="0"/>
+              <a:t> 같은 키 값을 가진 튜플을 허용할 수 없음</a:t>
+            </a:r>
+          </a:p>
+        </p:txBody>
+      </p:sp>
+      <p:sp>
+        <p:nvSpPr>
+          <p:cNvPr id="3" name="제목 2">
+            <a:extLst>
+              <a:ext uri="{FF2B5EF4-FFF2-40B4-BE49-F238E27FC236}">
+                <a16:creationId xmlns:a16="http://schemas.microsoft.com/office/drawing/2014/main" id="{3A093EAC-564D-40AE-93B3-D2F3E2D0FA05}"/>
+              </a:ext>
+            </a:extLst>
+          </p:cNvPr>
+          <p:cNvSpPr>
+            <a:spLocks noGrp="1"/>
+          </p:cNvSpPr>
+          <p:nvPr>
+            <p:ph type="title"/>
+          </p:nvPr>
+        </p:nvSpPr>
+        <p:spPr/>
+        <p:txBody>
+          <a:bodyPr/>
+          <a:lstStyle/>
+          <a:p>
+            <a:r>
+              <a:rPr lang="en-US" altLang="ko-KR" dirty="0"/>
+              <a:t>DB </a:t>
+            </a:r>
+            <a:r>
+              <a:rPr lang="ko-KR" altLang="en-US" dirty="0"/>
+              <a:t>무결성</a:t>
+            </a:r>
+          </a:p>
+        </p:txBody>
+      </p:sp>
+      <p:sp>
+        <p:nvSpPr>
+          <p:cNvPr id="4" name="내용 개체 틀 3">
+            <a:extLst>
+              <a:ext uri="{FF2B5EF4-FFF2-40B4-BE49-F238E27FC236}">
+                <a16:creationId xmlns:a16="http://schemas.microsoft.com/office/drawing/2014/main" id="{F9896344-235B-4A4A-8613-7ACE5E4CF374}"/>
+              </a:ext>
+            </a:extLst>
+          </p:cNvPr>
+          <p:cNvSpPr>
+            <a:spLocks noGrp="1"/>
+          </p:cNvSpPr>
+          <p:nvPr>
+            <p:ph sz="half" idx="2"/>
+          </p:nvPr>
+        </p:nvSpPr>
+        <p:spPr/>
+        <p:txBody>
+          <a:bodyPr/>
+          <a:lstStyle/>
+          <a:p>
+            <a:endParaRPr lang="ko-KR" altLang="en-US"/>
+          </a:p>
+        </p:txBody>
+      </p:sp>
+      <p:sp>
+        <p:nvSpPr>
+          <p:cNvPr id="5" name="슬라이드 번호 개체 틀 4">
+            <a:extLst>
+              <a:ext uri="{FF2B5EF4-FFF2-40B4-BE49-F238E27FC236}">
+                <a16:creationId xmlns:a16="http://schemas.microsoft.com/office/drawing/2014/main" id="{5198D36C-0B6A-4A96-9E94-80ED6B648F88}"/>
+              </a:ext>
+            </a:extLst>
+          </p:cNvPr>
+          <p:cNvSpPr>
+            <a:spLocks noGrp="1"/>
+          </p:cNvSpPr>
+          <p:nvPr>
+            <p:ph type="sldNum" sz="quarter" idx="12"/>
+          </p:nvPr>
+        </p:nvSpPr>
+        <p:spPr/>
+        <p:txBody>
+          <a:bodyPr/>
+          <a:lstStyle/>
+          <a:p>
+            <a:fld id="{89BED30C-66D9-4104-96BC-081A506F0CF0}" type="slidenum">
+              <a:rPr lang="ko-KR" altLang="en-US" smtClean="0"/>
+              <a:t>34</a:t>
+            </a:fld>
+            <a:endParaRPr lang="ko-KR" altLang="en-US"/>
+          </a:p>
+        </p:txBody>
+      </p:sp>
+      <p:sp>
+        <p:nvSpPr>
+          <p:cNvPr id="6" name="바닥글 개체 틀 5">
+            <a:extLst>
+              <a:ext uri="{FF2B5EF4-FFF2-40B4-BE49-F238E27FC236}">
+                <a16:creationId xmlns:a16="http://schemas.microsoft.com/office/drawing/2014/main" id="{6400A97D-1D5B-4BAC-9187-801A4568D9AA}"/>
+              </a:ext>
+            </a:extLst>
+          </p:cNvPr>
+          <p:cNvSpPr>
+            <a:spLocks noGrp="1"/>
+          </p:cNvSpPr>
+          <p:nvPr>
+            <p:ph type="ftr" sz="quarter" idx="3"/>
+          </p:nvPr>
+        </p:nvSpPr>
+        <p:spPr/>
+        <p:txBody>
+          <a:bodyPr/>
+          <a:lstStyle/>
+          <a:p>
+            <a:pPr algn="l"/>
+            <a:r>
+              <a:rPr lang="en-US" altLang="ko-KR"/>
+              <a:t>Nibble</a:t>
+            </a:r>
+            <a:endParaRPr lang="ko-KR" altLang="en-US" dirty="0"/>
+          </a:p>
+        </p:txBody>
+      </p:sp>
+      <p:sp>
+        <p:nvSpPr>
+          <p:cNvPr id="7" name="날짜 개체 틀 6">
+            <a:extLst>
+              <a:ext uri="{FF2B5EF4-FFF2-40B4-BE49-F238E27FC236}">
+                <a16:creationId xmlns:a16="http://schemas.microsoft.com/office/drawing/2014/main" id="{4DE7BFC8-84E5-4B0C-82F8-54B18298BB34}"/>
+              </a:ext>
+            </a:extLst>
+          </p:cNvPr>
+          <p:cNvSpPr>
+            <a:spLocks noGrp="1"/>
+          </p:cNvSpPr>
+          <p:nvPr>
+            <p:ph type="dt" sz="half" idx="13"/>
+          </p:nvPr>
+        </p:nvSpPr>
+        <p:spPr/>
+        <p:txBody>
+          <a:bodyPr/>
+          <a:lstStyle/>
+          <a:p>
+            <a:fld id="{B226B4E6-2447-4D67-A511-B13A2182F919}" type="datetime5">
+              <a:rPr lang="ko-KR" altLang="en-US" smtClean="0"/>
+              <a:t>2021/8/5</a:t>
+            </a:fld>
+            <a:endParaRPr lang="ko-KR" altLang="en-US" dirty="0"/>
+          </a:p>
+        </p:txBody>
+      </p:sp>
+    </p:spTree>
+    <p:extLst>
+      <p:ext uri="{BB962C8B-B14F-4D97-AF65-F5344CB8AC3E}">
+        <p14:creationId xmlns:p14="http://schemas.microsoft.com/office/powerpoint/2010/main" val="792360032"/>
+      </p:ext>
+    </p:extLst>
+  </p:cSld>
+  <p:clrMapOvr>
+    <a:masterClrMapping/>
+  </p:clrMapOvr>
+</p:sld>
+</file>
+
+<file path=ppt/slides/slide35.xml><?xml version="1.0" encoding="utf-8"?>
+<p:sld xmlns:a="http://schemas.openxmlformats.org/drawingml/2006/main" xmlns:r="http://schemas.openxmlformats.org/officeDocument/2006/relationships" xmlns:p="http://schemas.openxmlformats.org/presentationml/2006/main">
+  <p:cSld>
+    <p:spTree>
+      <p:nvGrpSpPr>
+        <p:cNvPr id="1" name=""/>
+        <p:cNvGrpSpPr/>
+        <p:nvPr/>
+      </p:nvGrpSpPr>
+      <p:grpSpPr>
+        <a:xfrm>
+          <a:off x="0" y="0"/>
+          <a:ext cx="0" cy="0"/>
+          <a:chOff x="0" y="0"/>
+          <a:chExt cx="0" cy="0"/>
+        </a:xfrm>
+      </p:grpSpPr>
+      <p:sp>
+        <p:nvSpPr>
+          <p:cNvPr id="2" name="내용 개체 틀 1">
+            <a:extLst>
+              <a:ext uri="{FF2B5EF4-FFF2-40B4-BE49-F238E27FC236}">
+                <a16:creationId xmlns:a16="http://schemas.microsoft.com/office/drawing/2014/main" id="{E3AD8FF2-C965-4B15-97E6-A47C98244E2F}"/>
+              </a:ext>
+            </a:extLst>
+          </p:cNvPr>
+          <p:cNvSpPr>
+            <a:spLocks noGrp="1"/>
+          </p:cNvSpPr>
+          <p:nvPr>
+            <p:ph sz="half" idx="14"/>
+          </p:nvPr>
+        </p:nvSpPr>
+        <p:spPr/>
+        <p:txBody>
+          <a:bodyPr/>
+          <a:lstStyle/>
+          <a:p>
+            <a:r>
+              <a:rPr lang="ko-KR" altLang="en-US" dirty="0"/>
+              <a:t>키</a:t>
+            </a:r>
+            <a:endParaRPr lang="en-US" altLang="ko-KR" dirty="0"/>
+          </a:p>
+          <a:p>
+            <a:pPr lvl="1"/>
+            <a:r>
+              <a:rPr lang="ko-KR" altLang="en-US" dirty="0"/>
+              <a:t>정의</a:t>
+            </a:r>
+            <a:r>
+              <a:rPr lang="en-US" altLang="ko-KR" dirty="0"/>
+              <a:t>: </a:t>
+            </a:r>
+            <a:r>
+              <a:rPr lang="ko-KR" altLang="en-US" dirty="0"/>
+              <a:t>다른 </a:t>
+            </a:r>
+            <a:r>
+              <a:rPr lang="ko-KR" altLang="en-US" dirty="0" err="1"/>
+              <a:t>튜플들과</a:t>
+            </a:r>
+            <a:r>
+              <a:rPr lang="ko-KR" altLang="en-US" dirty="0"/>
+              <a:t> 구분할 수 있는 기준</a:t>
+            </a:r>
+            <a:endParaRPr lang="en-US" altLang="ko-KR" dirty="0"/>
+          </a:p>
+          <a:p>
+            <a:pPr lvl="1"/>
+            <a:r>
+              <a:rPr lang="ko-KR" altLang="en-US" dirty="0"/>
+              <a:t>특성</a:t>
+            </a:r>
+            <a:endParaRPr lang="en-US" altLang="ko-KR" dirty="0"/>
+          </a:p>
+          <a:p>
+            <a:pPr lvl="2"/>
+            <a:r>
+              <a:rPr lang="ko-KR" altLang="en-US" dirty="0"/>
+              <a:t>유일성</a:t>
+            </a:r>
+            <a:r>
+              <a:rPr lang="en-US" altLang="ko-KR" dirty="0"/>
+              <a:t>: </a:t>
+            </a:r>
+            <a:r>
+              <a:rPr lang="ko-KR" altLang="en-US" dirty="0"/>
+              <a:t>유일함</a:t>
+            </a:r>
+            <a:endParaRPr lang="en-US" altLang="ko-KR" dirty="0"/>
+          </a:p>
+          <a:p>
+            <a:pPr lvl="2"/>
+            <a:r>
+              <a:rPr lang="ko-KR" altLang="en-US" dirty="0" err="1"/>
+              <a:t>최소성</a:t>
+            </a:r>
+            <a:r>
+              <a:rPr lang="en-US" altLang="ko-KR" dirty="0"/>
+              <a:t>:</a:t>
+            </a:r>
+            <a:r>
+              <a:rPr lang="ko-KR" altLang="en-US" dirty="0"/>
+              <a:t> 최소한의 속성으로 이루어짐</a:t>
+            </a:r>
+            <a:endParaRPr lang="en-US" altLang="ko-KR" dirty="0"/>
+          </a:p>
+          <a:p>
+            <a:pPr lvl="1"/>
+            <a:r>
+              <a:rPr lang="ko-KR" altLang="en-US" dirty="0"/>
+              <a:t>종류</a:t>
+            </a:r>
+            <a:endParaRPr lang="en-US" altLang="ko-KR" dirty="0"/>
+          </a:p>
+          <a:p>
+            <a:pPr lvl="2"/>
+            <a:r>
+              <a:rPr lang="ko-KR" altLang="en-US" dirty="0"/>
+              <a:t>기본 키</a:t>
+            </a:r>
+            <a:r>
+              <a:rPr lang="en-US" altLang="ko-KR" dirty="0"/>
+              <a:t>: </a:t>
+            </a:r>
+            <a:r>
+              <a:rPr lang="ko-KR" altLang="en-US" dirty="0"/>
+              <a:t>각</a:t>
+            </a:r>
+            <a:r>
+              <a:rPr lang="en-US" altLang="ko-KR" dirty="0"/>
+              <a:t> </a:t>
+            </a:r>
+            <a:r>
+              <a:rPr lang="ko-KR" altLang="en-US" dirty="0"/>
+              <a:t>튜플을 고유 식별하는 컬럼</a:t>
+            </a:r>
+            <a:endParaRPr lang="en-US" altLang="ko-KR" dirty="0"/>
+          </a:p>
+          <a:p>
+            <a:pPr lvl="2"/>
+            <a:r>
+              <a:rPr lang="ko-KR" altLang="en-US" dirty="0"/>
+              <a:t>대체 키</a:t>
+            </a:r>
+            <a:r>
+              <a:rPr lang="en-US" altLang="ko-KR" dirty="0"/>
+              <a:t>: </a:t>
+            </a:r>
+            <a:r>
+              <a:rPr lang="ko-KR" altLang="en-US" dirty="0"/>
+              <a:t>후보 키 중 </a:t>
+            </a:r>
+            <a:r>
+              <a:rPr lang="en-US" altLang="ko-KR" dirty="0"/>
+              <a:t>PK</a:t>
+            </a:r>
+            <a:r>
+              <a:rPr lang="ko-KR" altLang="en-US" dirty="0"/>
+              <a:t>가 아닌 키</a:t>
+            </a:r>
+            <a:endParaRPr lang="en-US" altLang="ko-KR" dirty="0"/>
+          </a:p>
+          <a:p>
+            <a:pPr lvl="2"/>
+            <a:r>
+              <a:rPr lang="ko-KR" altLang="en-US" dirty="0"/>
+              <a:t>후보 키</a:t>
+            </a:r>
+            <a:r>
+              <a:rPr lang="en-US" altLang="ko-KR" dirty="0"/>
+              <a:t>: PK</a:t>
+            </a:r>
+            <a:r>
+              <a:rPr lang="ko-KR" altLang="en-US" dirty="0"/>
+              <a:t>가 될 수 있는 키</a:t>
+            </a:r>
+            <a:endParaRPr lang="en-US" altLang="ko-KR" dirty="0"/>
+          </a:p>
+          <a:p>
+            <a:pPr lvl="2"/>
+            <a:r>
+              <a:rPr lang="ko-KR" altLang="en-US" dirty="0"/>
+              <a:t>슈퍼 키</a:t>
+            </a:r>
+            <a:r>
+              <a:rPr lang="en-US" altLang="ko-KR" dirty="0"/>
+              <a:t>: </a:t>
+            </a:r>
+            <a:r>
+              <a:rPr lang="ko-KR" altLang="en-US" dirty="0"/>
+              <a:t>유일하나 최소성은 아닌 키</a:t>
+            </a:r>
+            <a:endParaRPr lang="en-US" altLang="ko-KR" dirty="0"/>
+          </a:p>
+          <a:p>
+            <a:pPr lvl="2"/>
+            <a:r>
+              <a:rPr lang="ko-KR" altLang="en-US" dirty="0"/>
+              <a:t>외래 키</a:t>
+            </a:r>
+            <a:r>
+              <a:rPr lang="en-US" altLang="ko-KR" dirty="0"/>
+              <a:t>: </a:t>
+            </a:r>
+            <a:r>
+              <a:rPr lang="ko-KR" altLang="en-US" dirty="0"/>
+              <a:t>참조하는데 쓰는 키</a:t>
+            </a:r>
+          </a:p>
+        </p:txBody>
+      </p:sp>
+      <p:sp>
+        <p:nvSpPr>
+          <p:cNvPr id="3" name="제목 2">
+            <a:extLst>
+              <a:ext uri="{FF2B5EF4-FFF2-40B4-BE49-F238E27FC236}">
+                <a16:creationId xmlns:a16="http://schemas.microsoft.com/office/drawing/2014/main" id="{92CD46A9-5D59-4B4F-9797-86BD699F09CF}"/>
+              </a:ext>
+            </a:extLst>
+          </p:cNvPr>
+          <p:cNvSpPr>
+            <a:spLocks noGrp="1"/>
+          </p:cNvSpPr>
+          <p:nvPr>
+            <p:ph type="title"/>
+          </p:nvPr>
+        </p:nvSpPr>
+        <p:spPr/>
+        <p:txBody>
+          <a:bodyPr/>
+          <a:lstStyle/>
+          <a:p>
+            <a:r>
+              <a:rPr lang="ko-KR" altLang="en-US" dirty="0"/>
+              <a:t>키</a:t>
+            </a:r>
+          </a:p>
+        </p:txBody>
+      </p:sp>
+      <p:sp>
+        <p:nvSpPr>
+          <p:cNvPr id="4" name="내용 개체 틀 3">
+            <a:extLst>
+              <a:ext uri="{FF2B5EF4-FFF2-40B4-BE49-F238E27FC236}">
+                <a16:creationId xmlns:a16="http://schemas.microsoft.com/office/drawing/2014/main" id="{E4D8F2B5-A64C-4DF2-AE1B-FB13DB6C6E8A}"/>
+              </a:ext>
+            </a:extLst>
+          </p:cNvPr>
+          <p:cNvSpPr>
+            <a:spLocks noGrp="1"/>
+          </p:cNvSpPr>
+          <p:nvPr>
+            <p:ph sz="half" idx="2"/>
+          </p:nvPr>
+        </p:nvSpPr>
+        <p:spPr/>
+        <p:txBody>
+          <a:bodyPr/>
+          <a:lstStyle/>
+          <a:p>
+            <a:endParaRPr lang="ko-KR" altLang="en-US"/>
+          </a:p>
+        </p:txBody>
+      </p:sp>
+      <p:sp>
+        <p:nvSpPr>
+          <p:cNvPr id="5" name="슬라이드 번호 개체 틀 4">
+            <a:extLst>
+              <a:ext uri="{FF2B5EF4-FFF2-40B4-BE49-F238E27FC236}">
+                <a16:creationId xmlns:a16="http://schemas.microsoft.com/office/drawing/2014/main" id="{DB98651F-3F4D-47D0-843A-252B16837544}"/>
+              </a:ext>
+            </a:extLst>
+          </p:cNvPr>
+          <p:cNvSpPr>
+            <a:spLocks noGrp="1"/>
+          </p:cNvSpPr>
+          <p:nvPr>
+            <p:ph type="sldNum" sz="quarter" idx="12"/>
+          </p:nvPr>
+        </p:nvSpPr>
+        <p:spPr/>
+        <p:txBody>
+          <a:bodyPr/>
+          <a:lstStyle/>
+          <a:p>
+            <a:fld id="{89BED30C-66D9-4104-96BC-081A506F0CF0}" type="slidenum">
+              <a:rPr lang="ko-KR" altLang="en-US" smtClean="0"/>
+              <a:t>35</a:t>
+            </a:fld>
+            <a:endParaRPr lang="ko-KR" altLang="en-US"/>
+          </a:p>
+        </p:txBody>
+      </p:sp>
+      <p:sp>
+        <p:nvSpPr>
+          <p:cNvPr id="6" name="바닥글 개체 틀 5">
+            <a:extLst>
+              <a:ext uri="{FF2B5EF4-FFF2-40B4-BE49-F238E27FC236}">
+                <a16:creationId xmlns:a16="http://schemas.microsoft.com/office/drawing/2014/main" id="{47010F85-6D71-4E26-8E74-843C147A814D}"/>
+              </a:ext>
+            </a:extLst>
+          </p:cNvPr>
+          <p:cNvSpPr>
+            <a:spLocks noGrp="1"/>
+          </p:cNvSpPr>
+          <p:nvPr>
+            <p:ph type="ftr" sz="quarter" idx="3"/>
+          </p:nvPr>
+        </p:nvSpPr>
+        <p:spPr/>
+        <p:txBody>
+          <a:bodyPr/>
+          <a:lstStyle/>
+          <a:p>
+            <a:pPr algn="l"/>
+            <a:r>
+              <a:rPr lang="en-US" altLang="ko-KR"/>
+              <a:t>Nibble</a:t>
+            </a:r>
+            <a:endParaRPr lang="ko-KR" altLang="en-US" dirty="0"/>
+          </a:p>
+        </p:txBody>
+      </p:sp>
+      <p:sp>
+        <p:nvSpPr>
+          <p:cNvPr id="7" name="날짜 개체 틀 6">
+            <a:extLst>
+              <a:ext uri="{FF2B5EF4-FFF2-40B4-BE49-F238E27FC236}">
+                <a16:creationId xmlns:a16="http://schemas.microsoft.com/office/drawing/2014/main" id="{77A9282D-119A-4071-A4D7-84A4859CA45B}"/>
+              </a:ext>
+            </a:extLst>
+          </p:cNvPr>
+          <p:cNvSpPr>
+            <a:spLocks noGrp="1"/>
+          </p:cNvSpPr>
+          <p:nvPr>
+            <p:ph type="dt" sz="half" idx="13"/>
+          </p:nvPr>
+        </p:nvSpPr>
+        <p:spPr/>
+        <p:txBody>
+          <a:bodyPr/>
+          <a:lstStyle/>
+          <a:p>
+            <a:fld id="{B226B4E6-2447-4D67-A511-B13A2182F919}" type="datetime5">
+              <a:rPr lang="ko-KR" altLang="en-US" smtClean="0"/>
+              <a:t>2021/8/5</a:t>
+            </a:fld>
+            <a:endParaRPr lang="ko-KR" altLang="en-US" dirty="0"/>
+          </a:p>
+        </p:txBody>
+      </p:sp>
+    </p:spTree>
+    <p:extLst>
+      <p:ext uri="{BB962C8B-B14F-4D97-AF65-F5344CB8AC3E}">
+        <p14:creationId xmlns:p14="http://schemas.microsoft.com/office/powerpoint/2010/main" val="2490165107"/>
+      </p:ext>
+    </p:extLst>
+  </p:cSld>
+  <p:clrMapOvr>
+    <a:masterClrMapping/>
+  </p:clrMapOvr>
+</p:sld>
+</file>
+
+<file path=ppt/slides/slide36.xml><?xml version="1.0" encoding="utf-8"?>
+<p:sld xmlns:a="http://schemas.openxmlformats.org/drawingml/2006/main" xmlns:r="http://schemas.openxmlformats.org/officeDocument/2006/relationships" xmlns:p="http://schemas.openxmlformats.org/presentationml/2006/main">
+  <p:cSld>
+    <p:spTree>
+      <p:nvGrpSpPr>
+        <p:cNvPr id="1" name=""/>
+        <p:cNvGrpSpPr/>
+        <p:nvPr/>
+      </p:nvGrpSpPr>
+      <p:grpSpPr>
+        <a:xfrm>
+          <a:off x="0" y="0"/>
+          <a:ext cx="0" cy="0"/>
+          <a:chOff x="0" y="0"/>
+          <a:chExt cx="0" cy="0"/>
+        </a:xfrm>
+      </p:grpSpPr>
+      <p:sp>
+        <p:nvSpPr>
+          <p:cNvPr id="2" name="내용 개체 틀 1">
+            <a:extLst>
+              <a:ext uri="{FF2B5EF4-FFF2-40B4-BE49-F238E27FC236}">
+                <a16:creationId xmlns:a16="http://schemas.microsoft.com/office/drawing/2014/main" id="{F8F8F017-4214-4BC2-8752-DB72EBA29757}"/>
+              </a:ext>
+            </a:extLst>
+          </p:cNvPr>
+          <p:cNvSpPr>
+            <a:spLocks noGrp="1"/>
+          </p:cNvSpPr>
+          <p:nvPr>
+            <p:ph sz="half" idx="14"/>
+          </p:nvPr>
+        </p:nvSpPr>
+        <p:spPr/>
+        <p:txBody>
+          <a:bodyPr/>
+          <a:lstStyle/>
+          <a:p>
+            <a:r>
+              <a:rPr lang="en-US" altLang="ko-KR" dirty="0"/>
+              <a:t>DB </a:t>
+            </a:r>
+            <a:r>
+              <a:rPr lang="ko-KR" altLang="en-US" dirty="0"/>
+              <a:t>반 정규화</a:t>
+            </a:r>
+            <a:endParaRPr lang="en-US" altLang="ko-KR" dirty="0"/>
+          </a:p>
+          <a:p>
+            <a:pPr lvl="1"/>
+            <a:r>
+              <a:rPr lang="ko-KR" altLang="en-US" dirty="0"/>
+              <a:t>정의</a:t>
+            </a:r>
+            <a:r>
+              <a:rPr lang="en-US" altLang="ko-KR" dirty="0"/>
+              <a:t>: DB </a:t>
+            </a:r>
+            <a:r>
+              <a:rPr lang="ko-KR" altLang="en-US" dirty="0"/>
+              <a:t>성능 향상을 위한 모델링 기법</a:t>
+            </a:r>
+          </a:p>
+        </p:txBody>
+      </p:sp>
+      <p:sp>
+        <p:nvSpPr>
+          <p:cNvPr id="3" name="제목 2">
+            <a:extLst>
+              <a:ext uri="{FF2B5EF4-FFF2-40B4-BE49-F238E27FC236}">
+                <a16:creationId xmlns:a16="http://schemas.microsoft.com/office/drawing/2014/main" id="{C57F6DD3-D420-428F-BC49-B195F2910E95}"/>
+              </a:ext>
+            </a:extLst>
+          </p:cNvPr>
+          <p:cNvSpPr>
+            <a:spLocks noGrp="1"/>
+          </p:cNvSpPr>
+          <p:nvPr>
+            <p:ph type="title"/>
+          </p:nvPr>
+        </p:nvSpPr>
+        <p:spPr/>
+        <p:txBody>
+          <a:bodyPr/>
+          <a:lstStyle/>
+          <a:p>
+            <a:r>
+              <a:rPr lang="en-US" altLang="ko-KR" dirty="0"/>
+              <a:t>DB </a:t>
+            </a:r>
+            <a:r>
+              <a:rPr lang="ko-KR" altLang="en-US" dirty="0"/>
+              <a:t>반 정규화</a:t>
+            </a:r>
+          </a:p>
+        </p:txBody>
+      </p:sp>
+      <p:sp>
+        <p:nvSpPr>
+          <p:cNvPr id="4" name="내용 개체 틀 3">
+            <a:extLst>
+              <a:ext uri="{FF2B5EF4-FFF2-40B4-BE49-F238E27FC236}">
+                <a16:creationId xmlns:a16="http://schemas.microsoft.com/office/drawing/2014/main" id="{2BF5FB41-3BF3-4A99-85EC-15AFC995FE50}"/>
+              </a:ext>
+            </a:extLst>
+          </p:cNvPr>
+          <p:cNvSpPr>
+            <a:spLocks noGrp="1"/>
+          </p:cNvSpPr>
+          <p:nvPr>
+            <p:ph sz="half" idx="2"/>
+          </p:nvPr>
+        </p:nvSpPr>
+        <p:spPr/>
+        <p:txBody>
+          <a:bodyPr/>
+          <a:lstStyle/>
+          <a:p>
+            <a:endParaRPr lang="ko-KR" altLang="en-US"/>
+          </a:p>
+        </p:txBody>
+      </p:sp>
+      <p:sp>
+        <p:nvSpPr>
+          <p:cNvPr id="5" name="슬라이드 번호 개체 틀 4">
+            <a:extLst>
+              <a:ext uri="{FF2B5EF4-FFF2-40B4-BE49-F238E27FC236}">
+                <a16:creationId xmlns:a16="http://schemas.microsoft.com/office/drawing/2014/main" id="{DD6BD77D-C8AC-43AA-8F02-145D26E7C082}"/>
+              </a:ext>
+            </a:extLst>
+          </p:cNvPr>
+          <p:cNvSpPr>
+            <a:spLocks noGrp="1"/>
+          </p:cNvSpPr>
+          <p:nvPr>
+            <p:ph type="sldNum" sz="quarter" idx="12"/>
+          </p:nvPr>
+        </p:nvSpPr>
+        <p:spPr/>
+        <p:txBody>
+          <a:bodyPr/>
+          <a:lstStyle/>
+          <a:p>
+            <a:fld id="{89BED30C-66D9-4104-96BC-081A506F0CF0}" type="slidenum">
+              <a:rPr lang="ko-KR" altLang="en-US" smtClean="0"/>
+              <a:t>36</a:t>
+            </a:fld>
+            <a:endParaRPr lang="ko-KR" altLang="en-US"/>
+          </a:p>
+        </p:txBody>
+      </p:sp>
+      <p:sp>
+        <p:nvSpPr>
+          <p:cNvPr id="6" name="바닥글 개체 틀 5">
+            <a:extLst>
+              <a:ext uri="{FF2B5EF4-FFF2-40B4-BE49-F238E27FC236}">
+                <a16:creationId xmlns:a16="http://schemas.microsoft.com/office/drawing/2014/main" id="{B273E067-9932-46EA-B4D6-4836FA3AF51A}"/>
+              </a:ext>
+            </a:extLst>
+          </p:cNvPr>
+          <p:cNvSpPr>
+            <a:spLocks noGrp="1"/>
+          </p:cNvSpPr>
+          <p:nvPr>
+            <p:ph type="ftr" sz="quarter" idx="3"/>
+          </p:nvPr>
+        </p:nvSpPr>
+        <p:spPr/>
+        <p:txBody>
+          <a:bodyPr/>
+          <a:lstStyle/>
+          <a:p>
+            <a:pPr algn="l"/>
+            <a:r>
+              <a:rPr lang="en-US" altLang="ko-KR"/>
+              <a:t>Nibble</a:t>
+            </a:r>
+            <a:endParaRPr lang="ko-KR" altLang="en-US" dirty="0"/>
+          </a:p>
+        </p:txBody>
+      </p:sp>
+      <p:sp>
+        <p:nvSpPr>
+          <p:cNvPr id="7" name="날짜 개체 틀 6">
+            <a:extLst>
+              <a:ext uri="{FF2B5EF4-FFF2-40B4-BE49-F238E27FC236}">
+                <a16:creationId xmlns:a16="http://schemas.microsoft.com/office/drawing/2014/main" id="{974187BB-9063-46EA-A15F-0AD2C814915B}"/>
+              </a:ext>
+            </a:extLst>
+          </p:cNvPr>
+          <p:cNvSpPr>
+            <a:spLocks noGrp="1"/>
+          </p:cNvSpPr>
+          <p:nvPr>
+            <p:ph type="dt" sz="half" idx="13"/>
+          </p:nvPr>
+        </p:nvSpPr>
+        <p:spPr/>
+        <p:txBody>
+          <a:bodyPr/>
+          <a:lstStyle/>
+          <a:p>
+            <a:fld id="{B226B4E6-2447-4D67-A511-B13A2182F919}" type="datetime5">
+              <a:rPr lang="ko-KR" altLang="en-US" smtClean="0"/>
+              <a:t>2021/8/5</a:t>
+            </a:fld>
+            <a:endParaRPr lang="ko-KR" altLang="en-US" dirty="0"/>
+          </a:p>
+        </p:txBody>
+      </p:sp>
+    </p:spTree>
+    <p:extLst>
+      <p:ext uri="{BB962C8B-B14F-4D97-AF65-F5344CB8AC3E}">
+        <p14:creationId xmlns:p14="http://schemas.microsoft.com/office/powerpoint/2010/main" val="1588763900"/>
+      </p:ext>
+    </p:extLst>
+  </p:cSld>
+  <p:clrMapOvr>
+    <a:masterClrMapping/>
+  </p:clrMapOvr>
+</p:sld>
+</file>
+
+<file path=ppt/slides/slide37.xml><?xml version="1.0" encoding="utf-8"?>
+<p:sld xmlns:a="http://schemas.openxmlformats.org/drawingml/2006/main" xmlns:r="http://schemas.openxmlformats.org/officeDocument/2006/relationships" xmlns:p="http://schemas.openxmlformats.org/presentationml/2006/main">
+  <p:cSld>
+    <p:spTree>
+      <p:nvGrpSpPr>
+        <p:cNvPr id="1" name=""/>
+        <p:cNvGrpSpPr/>
+        <p:nvPr/>
+      </p:nvGrpSpPr>
+      <p:grpSpPr>
+        <a:xfrm>
+          <a:off x="0" y="0"/>
+          <a:ext cx="0" cy="0"/>
+          <a:chOff x="0" y="0"/>
+          <a:chExt cx="0" cy="0"/>
+        </a:xfrm>
+      </p:grpSpPr>
+      <p:sp>
+        <p:nvSpPr>
+          <p:cNvPr id="2" name="내용 개체 틀 1">
+            <a:extLst>
+              <a:ext uri="{FF2B5EF4-FFF2-40B4-BE49-F238E27FC236}">
+                <a16:creationId xmlns:a16="http://schemas.microsoft.com/office/drawing/2014/main" id="{3702EB06-1B27-4916-A739-0AAB89AFEA5A}"/>
+              </a:ext>
+            </a:extLst>
+          </p:cNvPr>
+          <p:cNvSpPr>
+            <a:spLocks noGrp="1"/>
+          </p:cNvSpPr>
+          <p:nvPr>
+            <p:ph sz="half" idx="14"/>
+          </p:nvPr>
+        </p:nvSpPr>
+        <p:spPr/>
+        <p:txBody>
+          <a:bodyPr/>
+          <a:lstStyle/>
+          <a:p>
+            <a:r>
+              <a:rPr lang="en-US" altLang="ko-KR" dirty="0"/>
+              <a:t>CRUD </a:t>
+            </a:r>
+            <a:r>
+              <a:rPr lang="ko-KR" altLang="en-US" dirty="0"/>
+              <a:t>분석</a:t>
+            </a:r>
+            <a:endParaRPr lang="en-US" altLang="ko-KR" dirty="0"/>
+          </a:p>
+          <a:p>
+            <a:pPr lvl="1"/>
+            <a:r>
+              <a:rPr lang="ko-KR" altLang="en-US" dirty="0"/>
+              <a:t>정의</a:t>
+            </a:r>
+            <a:r>
+              <a:rPr lang="en-US" altLang="ko-KR" dirty="0"/>
+              <a:t>: CRUD</a:t>
+            </a:r>
+            <a:r>
+              <a:rPr lang="ko-KR" altLang="en-US" dirty="0"/>
+              <a:t>를 실행하며 트랜잭션을 분석</a:t>
+            </a:r>
+          </a:p>
+        </p:txBody>
+      </p:sp>
+      <p:sp>
+        <p:nvSpPr>
+          <p:cNvPr id="3" name="제목 2">
+            <a:extLst>
+              <a:ext uri="{FF2B5EF4-FFF2-40B4-BE49-F238E27FC236}">
+                <a16:creationId xmlns:a16="http://schemas.microsoft.com/office/drawing/2014/main" id="{EE28BB29-6572-4473-91D3-A4D0C811D60B}"/>
+              </a:ext>
+            </a:extLst>
+          </p:cNvPr>
+          <p:cNvSpPr>
+            <a:spLocks noGrp="1"/>
+          </p:cNvSpPr>
+          <p:nvPr>
+            <p:ph type="title"/>
+          </p:nvPr>
+        </p:nvSpPr>
+        <p:spPr/>
+        <p:txBody>
+          <a:bodyPr/>
+          <a:lstStyle/>
+          <a:p>
+            <a:r>
+              <a:rPr lang="en-US" altLang="ko-KR" dirty="0"/>
+              <a:t>CRUD </a:t>
+            </a:r>
+            <a:r>
+              <a:rPr lang="ko-KR" altLang="en-US" dirty="0"/>
+              <a:t>분석</a:t>
+            </a:r>
+          </a:p>
+        </p:txBody>
+      </p:sp>
+      <p:sp>
+        <p:nvSpPr>
+          <p:cNvPr id="4" name="내용 개체 틀 3">
+            <a:extLst>
+              <a:ext uri="{FF2B5EF4-FFF2-40B4-BE49-F238E27FC236}">
+                <a16:creationId xmlns:a16="http://schemas.microsoft.com/office/drawing/2014/main" id="{6157806C-1763-417C-BE02-1357E503D178}"/>
+              </a:ext>
+            </a:extLst>
+          </p:cNvPr>
+          <p:cNvSpPr>
+            <a:spLocks noGrp="1"/>
+          </p:cNvSpPr>
+          <p:nvPr>
+            <p:ph sz="half" idx="2"/>
+          </p:nvPr>
+        </p:nvSpPr>
+        <p:spPr/>
+        <p:txBody>
+          <a:bodyPr/>
+          <a:lstStyle/>
+          <a:p>
+            <a:endParaRPr lang="ko-KR" altLang="en-US"/>
+          </a:p>
+        </p:txBody>
+      </p:sp>
+      <p:sp>
+        <p:nvSpPr>
+          <p:cNvPr id="5" name="슬라이드 번호 개체 틀 4">
+            <a:extLst>
+              <a:ext uri="{FF2B5EF4-FFF2-40B4-BE49-F238E27FC236}">
+                <a16:creationId xmlns:a16="http://schemas.microsoft.com/office/drawing/2014/main" id="{912E3ECA-E224-48F5-87DE-C11903DDC8D4}"/>
+              </a:ext>
+            </a:extLst>
+          </p:cNvPr>
+          <p:cNvSpPr>
+            <a:spLocks noGrp="1"/>
+          </p:cNvSpPr>
+          <p:nvPr>
+            <p:ph type="sldNum" sz="quarter" idx="12"/>
+          </p:nvPr>
+        </p:nvSpPr>
+        <p:spPr/>
+        <p:txBody>
+          <a:bodyPr/>
+          <a:lstStyle/>
+          <a:p>
+            <a:fld id="{89BED30C-66D9-4104-96BC-081A506F0CF0}" type="slidenum">
+              <a:rPr lang="ko-KR" altLang="en-US" smtClean="0"/>
+              <a:t>37</a:t>
+            </a:fld>
+            <a:endParaRPr lang="ko-KR" altLang="en-US"/>
+          </a:p>
+        </p:txBody>
+      </p:sp>
+      <p:sp>
+        <p:nvSpPr>
+          <p:cNvPr id="6" name="바닥글 개체 틀 5">
+            <a:extLst>
+              <a:ext uri="{FF2B5EF4-FFF2-40B4-BE49-F238E27FC236}">
+                <a16:creationId xmlns:a16="http://schemas.microsoft.com/office/drawing/2014/main" id="{C03EF868-C3F7-4B96-819C-B89B110DCB56}"/>
+              </a:ext>
+            </a:extLst>
+          </p:cNvPr>
+          <p:cNvSpPr>
+            <a:spLocks noGrp="1"/>
+          </p:cNvSpPr>
+          <p:nvPr>
+            <p:ph type="ftr" sz="quarter" idx="3"/>
+          </p:nvPr>
+        </p:nvSpPr>
+        <p:spPr/>
+        <p:txBody>
+          <a:bodyPr/>
+          <a:lstStyle/>
+          <a:p>
+            <a:pPr algn="l"/>
+            <a:r>
+              <a:rPr lang="en-US" altLang="ko-KR"/>
+              <a:t>Nibble</a:t>
+            </a:r>
+            <a:endParaRPr lang="ko-KR" altLang="en-US" dirty="0"/>
+          </a:p>
+        </p:txBody>
+      </p:sp>
+      <p:sp>
+        <p:nvSpPr>
+          <p:cNvPr id="7" name="날짜 개체 틀 6">
+            <a:extLst>
+              <a:ext uri="{FF2B5EF4-FFF2-40B4-BE49-F238E27FC236}">
+                <a16:creationId xmlns:a16="http://schemas.microsoft.com/office/drawing/2014/main" id="{B7959C78-14BF-40D6-8D3F-313AD272F29C}"/>
+              </a:ext>
+            </a:extLst>
+          </p:cNvPr>
+          <p:cNvSpPr>
+            <a:spLocks noGrp="1"/>
+          </p:cNvSpPr>
+          <p:nvPr>
+            <p:ph type="dt" sz="half" idx="13"/>
+          </p:nvPr>
+        </p:nvSpPr>
+        <p:spPr/>
+        <p:txBody>
+          <a:bodyPr/>
+          <a:lstStyle/>
+          <a:p>
+            <a:fld id="{B226B4E6-2447-4D67-A511-B13A2182F919}" type="datetime5">
+              <a:rPr lang="ko-KR" altLang="en-US" smtClean="0"/>
+              <a:t>2021/8/5</a:t>
+            </a:fld>
+            <a:endParaRPr lang="ko-KR" altLang="en-US" dirty="0"/>
+          </a:p>
+        </p:txBody>
+      </p:sp>
+    </p:spTree>
+    <p:extLst>
+      <p:ext uri="{BB962C8B-B14F-4D97-AF65-F5344CB8AC3E}">
+        <p14:creationId xmlns:p14="http://schemas.microsoft.com/office/powerpoint/2010/main" val="1361969264"/>
+      </p:ext>
+    </p:extLst>
+  </p:cSld>
+  <p:clrMapOvr>
+    <a:masterClrMapping/>
+  </p:clrMapOvr>
+</p:sld>
+</file>
+
+<file path=ppt/slides/slide38.xml><?xml version="1.0" encoding="utf-8"?>
+<p:sld xmlns:a="http://schemas.openxmlformats.org/drawingml/2006/main" xmlns:r="http://schemas.openxmlformats.org/officeDocument/2006/relationships" xmlns:p="http://schemas.openxmlformats.org/presentationml/2006/main">
+  <p:cSld>
+    <p:spTree>
+      <p:nvGrpSpPr>
+        <p:cNvPr id="1" name=""/>
+        <p:cNvGrpSpPr/>
+        <p:nvPr/>
+      </p:nvGrpSpPr>
+      <p:grpSpPr>
+        <a:xfrm>
+          <a:off x="0" y="0"/>
+          <a:ext cx="0" cy="0"/>
+          <a:chOff x="0" y="0"/>
+          <a:chExt cx="0" cy="0"/>
+        </a:xfrm>
+      </p:grpSpPr>
+      <p:sp>
+        <p:nvSpPr>
+          <p:cNvPr id="2" name="내용 개체 틀 1">
+            <a:extLst>
+              <a:ext uri="{FF2B5EF4-FFF2-40B4-BE49-F238E27FC236}">
+                <a16:creationId xmlns:a16="http://schemas.microsoft.com/office/drawing/2014/main" id="{4B77AEBA-7BD7-4285-95AC-4B534B9B8172}"/>
+              </a:ext>
+            </a:extLst>
+          </p:cNvPr>
+          <p:cNvSpPr>
+            <a:spLocks noGrp="1"/>
+          </p:cNvSpPr>
+          <p:nvPr>
+            <p:ph sz="half" idx="14"/>
+          </p:nvPr>
+        </p:nvSpPr>
+        <p:spPr/>
+        <p:txBody>
+          <a:bodyPr/>
+          <a:lstStyle/>
+          <a:p>
+            <a:r>
+              <a:rPr lang="en-US" altLang="ko-KR" dirty="0"/>
+              <a:t>ETL (Extraction</a:t>
+            </a:r>
+            <a:r>
+              <a:rPr lang="ko-KR" altLang="en-US" dirty="0"/>
+              <a:t> </a:t>
+            </a:r>
+            <a:r>
+              <a:rPr lang="en-US" altLang="ko-KR" dirty="0"/>
+              <a:t>Transformation Loading)</a:t>
+            </a:r>
+          </a:p>
+          <a:p>
+            <a:pPr lvl="1"/>
+            <a:r>
+              <a:rPr lang="ko-KR" altLang="en-US" dirty="0"/>
+              <a:t>정의</a:t>
+            </a:r>
+            <a:r>
+              <a:rPr lang="en-US" altLang="ko-KR" dirty="0"/>
+              <a:t>: </a:t>
+            </a:r>
+            <a:r>
+              <a:rPr lang="ko-KR" altLang="en-US" dirty="0"/>
+              <a:t>원천</a:t>
+            </a:r>
+            <a:r>
+              <a:rPr lang="en-US" altLang="ko-KR" dirty="0"/>
+              <a:t> </a:t>
+            </a:r>
+            <a:r>
+              <a:rPr lang="ko-KR" altLang="en-US" dirty="0"/>
+              <a:t>시스템에서 데이터를 추출</a:t>
+            </a:r>
+            <a:r>
+              <a:rPr lang="en-US" altLang="ko-KR" dirty="0"/>
+              <a:t>, </a:t>
+            </a:r>
+            <a:r>
+              <a:rPr lang="ko-KR" altLang="en-US" dirty="0"/>
+              <a:t>변환하여 목적 시스템에 올리는 활동</a:t>
+            </a:r>
+            <a:endParaRPr lang="en-US" altLang="ko-KR" dirty="0"/>
+          </a:p>
+          <a:p>
+            <a:r>
+              <a:rPr lang="ko-KR" altLang="en-US" dirty="0"/>
+              <a:t>파일</a:t>
+            </a:r>
+            <a:r>
+              <a:rPr lang="en-US" altLang="ko-KR" dirty="0"/>
+              <a:t> </a:t>
+            </a:r>
+            <a:r>
+              <a:rPr lang="ko-KR" altLang="en-US" dirty="0"/>
+              <a:t>처리 기술</a:t>
+            </a:r>
+            <a:endParaRPr lang="en-US" altLang="ko-KR" dirty="0"/>
+          </a:p>
+          <a:p>
+            <a:pPr lvl="1"/>
+            <a:r>
+              <a:rPr lang="ko-KR" altLang="en-US" dirty="0"/>
+              <a:t>유형</a:t>
+            </a:r>
+            <a:endParaRPr lang="en-US" altLang="ko-KR" dirty="0"/>
+          </a:p>
+          <a:p>
+            <a:pPr lvl="2"/>
+            <a:r>
+              <a:rPr lang="ko-KR" altLang="en-US" dirty="0"/>
+              <a:t>순차 파일</a:t>
+            </a:r>
+            <a:endParaRPr lang="en-US" altLang="ko-KR" dirty="0"/>
+          </a:p>
+          <a:p>
+            <a:pPr lvl="3"/>
+            <a:r>
+              <a:rPr lang="ko-KR" altLang="en-US" dirty="0"/>
+              <a:t>데이터를 논리적 순서에 따라 물리적 연속 공간에 저장</a:t>
+            </a:r>
+            <a:endParaRPr lang="en-US" altLang="ko-KR" dirty="0"/>
+          </a:p>
+          <a:p>
+            <a:pPr lvl="2"/>
+            <a:r>
+              <a:rPr lang="ko-KR" altLang="en-US" dirty="0"/>
+              <a:t>색인 순차 파일</a:t>
+            </a:r>
+            <a:endParaRPr lang="en-US" altLang="ko-KR" dirty="0"/>
+          </a:p>
+          <a:p>
+            <a:pPr lvl="3"/>
+            <a:r>
+              <a:rPr lang="ko-KR" altLang="en-US" dirty="0"/>
+              <a:t>데이터를 키 순으로 정렬하고 색인을 구성하는 방식</a:t>
+            </a:r>
+            <a:endParaRPr lang="en-US" altLang="ko-KR" dirty="0"/>
+          </a:p>
+          <a:p>
+            <a:pPr lvl="2"/>
+            <a:r>
+              <a:rPr lang="ko-KR" altLang="en-US" dirty="0"/>
+              <a:t>직접 파일</a:t>
+            </a:r>
+            <a:endParaRPr lang="en-US" altLang="ko-KR" dirty="0"/>
+          </a:p>
+          <a:p>
+            <a:pPr lvl="3"/>
+            <a:r>
+              <a:rPr lang="ko-KR" altLang="en-US" dirty="0"/>
+              <a:t>데이터를 임의의 물리적 저장 공간에 저장</a:t>
+            </a:r>
+            <a:endParaRPr lang="en-US" altLang="ko-KR" dirty="0"/>
+          </a:p>
+        </p:txBody>
+      </p:sp>
+      <p:sp>
+        <p:nvSpPr>
+          <p:cNvPr id="3" name="제목 2">
+            <a:extLst>
+              <a:ext uri="{FF2B5EF4-FFF2-40B4-BE49-F238E27FC236}">
+                <a16:creationId xmlns:a16="http://schemas.microsoft.com/office/drawing/2014/main" id="{4B518072-FB90-4A06-9E02-6A2410C15396}"/>
+              </a:ext>
+            </a:extLst>
+          </p:cNvPr>
+          <p:cNvSpPr>
+            <a:spLocks noGrp="1"/>
+          </p:cNvSpPr>
+          <p:nvPr>
+            <p:ph type="title"/>
+          </p:nvPr>
+        </p:nvSpPr>
+        <p:spPr/>
+        <p:txBody>
+          <a:bodyPr/>
+          <a:lstStyle/>
+          <a:p>
+            <a:r>
+              <a:rPr lang="ko-KR" altLang="en-US" dirty="0"/>
+              <a:t>데이터 전환 기술</a:t>
+            </a:r>
+          </a:p>
+        </p:txBody>
+      </p:sp>
+      <p:sp>
+        <p:nvSpPr>
+          <p:cNvPr id="4" name="내용 개체 틀 3">
+            <a:extLst>
+              <a:ext uri="{FF2B5EF4-FFF2-40B4-BE49-F238E27FC236}">
+                <a16:creationId xmlns:a16="http://schemas.microsoft.com/office/drawing/2014/main" id="{AEC7E08A-FAC4-4471-8DBC-1598D2026719}"/>
+              </a:ext>
+            </a:extLst>
+          </p:cNvPr>
+          <p:cNvSpPr>
+            <a:spLocks noGrp="1"/>
+          </p:cNvSpPr>
+          <p:nvPr>
+            <p:ph sz="half" idx="2"/>
+          </p:nvPr>
+        </p:nvSpPr>
+        <p:spPr/>
+        <p:txBody>
+          <a:bodyPr/>
+          <a:lstStyle/>
+          <a:p>
+            <a:endParaRPr lang="ko-KR" altLang="en-US"/>
+          </a:p>
+        </p:txBody>
+      </p:sp>
+      <p:sp>
+        <p:nvSpPr>
+          <p:cNvPr id="5" name="슬라이드 번호 개체 틀 4">
+            <a:extLst>
+              <a:ext uri="{FF2B5EF4-FFF2-40B4-BE49-F238E27FC236}">
+                <a16:creationId xmlns:a16="http://schemas.microsoft.com/office/drawing/2014/main" id="{8ECBDB40-66B4-46DA-B300-4A0C88F9638B}"/>
+              </a:ext>
+            </a:extLst>
+          </p:cNvPr>
+          <p:cNvSpPr>
+            <a:spLocks noGrp="1"/>
+          </p:cNvSpPr>
+          <p:nvPr>
+            <p:ph type="sldNum" sz="quarter" idx="12"/>
+          </p:nvPr>
+        </p:nvSpPr>
+        <p:spPr/>
+        <p:txBody>
+          <a:bodyPr/>
+          <a:lstStyle/>
+          <a:p>
+            <a:fld id="{89BED30C-66D9-4104-96BC-081A506F0CF0}" type="slidenum">
+              <a:rPr lang="ko-KR" altLang="en-US" smtClean="0"/>
+              <a:t>38</a:t>
+            </a:fld>
+            <a:endParaRPr lang="ko-KR" altLang="en-US"/>
+          </a:p>
+        </p:txBody>
+      </p:sp>
+      <p:sp>
+        <p:nvSpPr>
+          <p:cNvPr id="6" name="바닥글 개체 틀 5">
+            <a:extLst>
+              <a:ext uri="{FF2B5EF4-FFF2-40B4-BE49-F238E27FC236}">
+                <a16:creationId xmlns:a16="http://schemas.microsoft.com/office/drawing/2014/main" id="{0A316E08-1F29-48EC-95F9-5B4569D8709A}"/>
+              </a:ext>
+            </a:extLst>
+          </p:cNvPr>
+          <p:cNvSpPr>
+            <a:spLocks noGrp="1"/>
+          </p:cNvSpPr>
+          <p:nvPr>
+            <p:ph type="ftr" sz="quarter" idx="3"/>
+          </p:nvPr>
+        </p:nvSpPr>
+        <p:spPr/>
+        <p:txBody>
+          <a:bodyPr/>
+          <a:lstStyle/>
+          <a:p>
+            <a:pPr algn="l"/>
+            <a:r>
+              <a:rPr lang="en-US" altLang="ko-KR"/>
+              <a:t>Nibble</a:t>
+            </a:r>
+            <a:endParaRPr lang="ko-KR" altLang="en-US" dirty="0"/>
+          </a:p>
+        </p:txBody>
+      </p:sp>
+      <p:sp>
+        <p:nvSpPr>
+          <p:cNvPr id="7" name="날짜 개체 틀 6">
+            <a:extLst>
+              <a:ext uri="{FF2B5EF4-FFF2-40B4-BE49-F238E27FC236}">
+                <a16:creationId xmlns:a16="http://schemas.microsoft.com/office/drawing/2014/main" id="{41E6E7F7-47B8-4172-962D-428C463C0A51}"/>
+              </a:ext>
+            </a:extLst>
+          </p:cNvPr>
+          <p:cNvSpPr>
+            <a:spLocks noGrp="1"/>
+          </p:cNvSpPr>
+          <p:nvPr>
+            <p:ph type="dt" sz="half" idx="13"/>
+          </p:nvPr>
+        </p:nvSpPr>
+        <p:spPr/>
+        <p:txBody>
+          <a:bodyPr/>
+          <a:lstStyle/>
+          <a:p>
+            <a:fld id="{B226B4E6-2447-4D67-A511-B13A2182F919}" type="datetime5">
+              <a:rPr lang="ko-KR" altLang="en-US" smtClean="0"/>
+              <a:t>2021/8/5</a:t>
+            </a:fld>
+            <a:endParaRPr lang="ko-KR" altLang="en-US" dirty="0"/>
+          </a:p>
+        </p:txBody>
+      </p:sp>
+    </p:spTree>
+    <p:extLst>
+      <p:ext uri="{BB962C8B-B14F-4D97-AF65-F5344CB8AC3E}">
+        <p14:creationId xmlns:p14="http://schemas.microsoft.com/office/powerpoint/2010/main" val="2733313466"/>
       </p:ext>
     </p:extLst>
   </p:cSld>
@@ -9402,7 +13705,7 @@
           <a:p>
             <a:fld id="{B226B4E6-2447-4D67-A511-B13A2182F919}" type="datetime5">
               <a:rPr lang="ko-KR" altLang="en-US" smtClean="0"/>
-              <a:t>2021/8/4</a:t>
+              <a:t>2021/8/5</a:t>
             </a:fld>
             <a:endParaRPr lang="ko-KR" altLang="en-US" dirty="0"/>
           </a:p>
@@ -10295,7 +14598,7 @@
           <a:p>
             <a:fld id="{B226B4E6-2447-4D67-A511-B13A2182F919}" type="datetime5">
               <a:rPr lang="ko-KR" altLang="en-US" smtClean="0"/>
-              <a:t>2021/8/4</a:t>
+              <a:t>2021/8/5</a:t>
             </a:fld>
             <a:endParaRPr lang="ko-KR" altLang="en-US" dirty="0"/>
           </a:p>
@@ -11000,7 +15303,7 @@
           <a:p>
             <a:fld id="{B226B4E6-2447-4D67-A511-B13A2182F919}" type="datetime5">
               <a:rPr lang="ko-KR" altLang="en-US" smtClean="0"/>
-              <a:t>2021/8/4</a:t>
+              <a:t>2021/8/5</a:t>
             </a:fld>
             <a:endParaRPr lang="ko-KR" altLang="en-US" dirty="0"/>
           </a:p>
@@ -11746,7 +16049,7 @@
           <a:p>
             <a:fld id="{B226B4E6-2447-4D67-A511-B13A2182F919}" type="datetime5">
               <a:rPr lang="ko-KR" altLang="en-US" smtClean="0"/>
-              <a:t>2021/8/4</a:t>
+              <a:t>2021/8/5</a:t>
             </a:fld>
             <a:endParaRPr lang="ko-KR" altLang="en-US" dirty="0"/>
           </a:p>
@@ -12096,7 +16399,7 @@
           <a:p>
             <a:fld id="{B226B4E6-2447-4D67-A511-B13A2182F919}" type="datetime5">
               <a:rPr lang="ko-KR" altLang="en-US" smtClean="0"/>
-              <a:t>2021/8/4</a:t>
+              <a:t>2021/8/5</a:t>
             </a:fld>
             <a:endParaRPr lang="ko-KR" altLang="en-US" dirty="0"/>
           </a:p>
@@ -12610,7 +16913,7 @@
           <a:p>
             <a:fld id="{B226B4E6-2447-4D67-A511-B13A2182F919}" type="datetime5">
               <a:rPr lang="ko-KR" altLang="en-US" smtClean="0"/>
-              <a:t>2021/8/4</a:t>
+              <a:t>2021/8/5</a:t>
             </a:fld>
             <a:endParaRPr lang="ko-KR" altLang="en-US" dirty="0"/>
           </a:p>
